--- a/PPTs/ProgramacionII_Clase_03-2018.pptx
+++ b/PPTs/ProgramacionII_Clase_03-2018.pptx
@@ -300,6 +300,11 @@
       </a:defRPr>
     </a:lvl9pPr>
   </p:defaultTextStyle>
+  <p:extLst>
+    <p:ext uri="{EFAFB233-063F-42B5-8137-9DF3F51BA10A}">
+      <p15:sldGuideLst xmlns:p15="http://schemas.microsoft.com/office/powerpoint/2012/main"/>
+    </p:ext>
+  </p:extLst>
 </p:presentation>
 </file>
 
@@ -4015,7 +4020,71 @@
               </a:spcAft>
               <a:buNone/>
             </a:pPr>
-            <a:endParaRPr/>
+            <a:r>
+              <a:rPr lang="es-AR" dirty="0" smtClean="0"/>
+              <a:t>1- Distintos colores</a:t>
+            </a:r>
+          </a:p>
+          <a:p>
+            <a:pPr marL="0" lvl="0" indent="0" rtl="0">
+              <a:spcBef>
+                <a:spcPts val="0"/>
+              </a:spcBef>
+              <a:spcAft>
+                <a:spcPts val="0"/>
+              </a:spcAft>
+              <a:buNone/>
+            </a:pPr>
+            <a:r>
+              <a:rPr lang="es-AR" dirty="0" smtClean="0"/>
+              <a:t>2- Distintas formas</a:t>
+            </a:r>
+          </a:p>
+          <a:p>
+            <a:pPr marL="0" lvl="0" indent="0" rtl="0">
+              <a:spcBef>
+                <a:spcPts val="0"/>
+              </a:spcBef>
+              <a:spcAft>
+                <a:spcPts val="0"/>
+              </a:spcAft>
+              <a:buNone/>
+            </a:pPr>
+            <a:r>
+              <a:rPr lang="es-AR" dirty="0" smtClean="0"/>
+              <a:t>-- Cableados o inalámbricos</a:t>
+            </a:r>
+          </a:p>
+          <a:p>
+            <a:pPr marL="0" lvl="0" indent="0" rtl="0">
+              <a:spcBef>
+                <a:spcPts val="0"/>
+              </a:spcBef>
+              <a:spcAft>
+                <a:spcPts val="0"/>
+              </a:spcAft>
+              <a:buNone/>
+            </a:pPr>
+            <a:r>
+              <a:rPr lang="es-AR" dirty="0" smtClean="0"/>
+              <a:t>3- Distintas marcas</a:t>
+            </a:r>
+          </a:p>
+          <a:p>
+            <a:pPr marL="0" lvl="0" indent="0" rtl="0">
+              <a:spcBef>
+                <a:spcPts val="0"/>
+              </a:spcBef>
+              <a:spcAft>
+                <a:spcPts val="0"/>
+              </a:spcAft>
+              <a:buNone/>
+            </a:pPr>
+            <a:r>
+              <a:rPr lang="es-AR" dirty="0" smtClean="0"/>
+              <a:t>4- Distintos usos</a:t>
+            </a:r>
+            <a:endParaRPr dirty="0"/>
           </a:p>
         </p:txBody>
       </p:sp>
@@ -31753,11 +31822,82 @@
           </a:p>
         </p:txBody>
       </p:sp>
+      <p:sp>
+        <p:nvSpPr>
+          <p:cNvPr id="5" name="Título 1"/>
+          <p:cNvSpPr txBox="1">
+            <a:spLocks/>
+          </p:cNvSpPr>
+          <p:nvPr/>
+        </p:nvSpPr>
+        <p:spPr>
+          <a:xfrm>
+            <a:off x="9375819" y="2733709"/>
+            <a:ext cx="2627571" cy="1373070"/>
+          </a:xfrm>
+          <a:prstGeom prst="rect">
+            <a:avLst/>
+          </a:prstGeom>
+        </p:spPr>
+        <p:txBody>
+          <a:bodyPr vert="horz" lIns="91440" tIns="45720" rIns="91440" bIns="45720" rtlCol="0" anchor="b">
+            <a:noAutofit/>
+          </a:bodyPr>
+          <a:lstStyle>
+            <a:lvl1pPr algn="r" defTabSz="914400" rtl="0" eaLnBrk="1" latinLnBrk="0" hangingPunct="1">
+              <a:lnSpc>
+                <a:spcPct val="90000"/>
+              </a:lnSpc>
+              <a:spcBef>
+                <a:spcPct val="0"/>
+              </a:spcBef>
+              <a:buNone/>
+              <a:defRPr sz="5400" kern="1200">
+                <a:solidFill>
+                  <a:schemeClr val="tx1"/>
+                </a:solidFill>
+                <a:latin typeface="+mj-lt"/>
+                <a:ea typeface="+mj-ea"/>
+                <a:cs typeface="+mj-cs"/>
+              </a:defRPr>
+            </a:lvl1pPr>
+          </a:lstStyle>
+          <a:p>
+            <a:pPr>
+              <a:buClrTx/>
+              <a:buFontTx/>
+              <a:buNone/>
+            </a:pPr>
+            <a:r>
+              <a:rPr lang="es-AR" smtClean="0">
+                <a:solidFill>
+                  <a:prstClr val="white"/>
+                </a:solidFill>
+                <a:latin typeface="Trebuchet MS" panose="020B0603020202020204"/>
+              </a:rPr>
+              <a:t>3</a:t>
+            </a:r>
+            <a:endParaRPr lang="es-AR" dirty="0">
+              <a:solidFill>
+                <a:prstClr val="white"/>
+              </a:solidFill>
+              <a:latin typeface="Trebuchet MS" panose="020B0603020202020204"/>
+            </a:endParaRPr>
+          </a:p>
+        </p:txBody>
+      </p:sp>
     </p:spTree>
   </p:cSld>
   <p:clrMapOvr>
     <a:masterClrMapping/>
   </p:clrMapOvr>
+  <p:timing>
+    <p:tnLst>
+      <p:par>
+        <p:cTn id="1" dur="indefinite" restart="never" nodeType="tmRoot"/>
+      </p:par>
+    </p:tnLst>
+  </p:timing>
 </p:sld>
 </file>
 
@@ -37577,6 +37717,13 @@
   <p:clrMapOvr>
     <a:masterClrMapping/>
   </p:clrMapOvr>
+  <p:timing>
+    <p:tnLst>
+      <p:par>
+        <p:cTn id="1" dur="indefinite" restart="never" nodeType="tmRoot"/>
+      </p:par>
+    </p:tnLst>
+  </p:timing>
 </p:sld>
 </file>
 
@@ -44244,6 +44391,486 @@
   <p:clrMapOvr>
     <a:masterClrMapping/>
   </p:clrMapOvr>
+  <p:timing>
+    <p:tnLst>
+      <p:par>
+        <p:cTn id="1" dur="indefinite" restart="never" nodeType="tmRoot">
+          <p:childTnLst>
+            <p:seq concurrent="1" nextAc="seek">
+              <p:cTn id="2" dur="indefinite" nodeType="mainSeq">
+                <p:childTnLst>
+                  <p:par>
+                    <p:cTn id="3" fill="hold">
+                      <p:stCondLst>
+                        <p:cond delay="indefinite"/>
+                      </p:stCondLst>
+                      <p:childTnLst>
+                        <p:par>
+                          <p:cTn id="4" fill="hold">
+                            <p:stCondLst>
+                              <p:cond delay="0"/>
+                            </p:stCondLst>
+                            <p:childTnLst>
+                              <p:par>
+                                <p:cTn id="5" presetID="1" presetClass="entr" presetSubtype="0" fill="hold" nodeType="clickEffect">
+                                  <p:stCondLst>
+                                    <p:cond delay="0"/>
+                                  </p:stCondLst>
+                                  <p:childTnLst>
+                                    <p:set>
+                                      <p:cBhvr>
+                                        <p:cTn id="6" dur="1" fill="hold">
+                                          <p:stCondLst>
+                                            <p:cond delay="0"/>
+                                          </p:stCondLst>
+                                        </p:cTn>
+                                        <p:tgtEl>
+                                          <p:spTgt spid="8"/>
+                                        </p:tgtEl>
+                                        <p:attrNameLst>
+                                          <p:attrName>style.visibility</p:attrName>
+                                        </p:attrNameLst>
+                                      </p:cBhvr>
+                                      <p:to>
+                                        <p:strVal val="visible"/>
+                                      </p:to>
+                                    </p:set>
+                                  </p:childTnLst>
+                                </p:cTn>
+                              </p:par>
+                              <p:par>
+                                <p:cTn id="7" presetID="1" presetClass="entr" presetSubtype="0" fill="hold" nodeType="withEffect">
+                                  <p:stCondLst>
+                                    <p:cond delay="0"/>
+                                  </p:stCondLst>
+                                  <p:childTnLst>
+                                    <p:set>
+                                      <p:cBhvr>
+                                        <p:cTn id="8" dur="1" fill="hold">
+                                          <p:stCondLst>
+                                            <p:cond delay="0"/>
+                                          </p:stCondLst>
+                                        </p:cTn>
+                                        <p:tgtEl>
+                                          <p:spTgt spid="7"/>
+                                        </p:tgtEl>
+                                        <p:attrNameLst>
+                                          <p:attrName>style.visibility</p:attrName>
+                                        </p:attrNameLst>
+                                      </p:cBhvr>
+                                      <p:to>
+                                        <p:strVal val="visible"/>
+                                      </p:to>
+                                    </p:set>
+                                  </p:childTnLst>
+                                </p:cTn>
+                              </p:par>
+                              <p:par>
+                                <p:cTn id="9" presetID="1" presetClass="entr" presetSubtype="0" fill="hold" nodeType="withEffect">
+                                  <p:stCondLst>
+                                    <p:cond delay="0"/>
+                                  </p:stCondLst>
+                                  <p:childTnLst>
+                                    <p:set>
+                                      <p:cBhvr>
+                                        <p:cTn id="10" dur="1" fill="hold">
+                                          <p:stCondLst>
+                                            <p:cond delay="0"/>
+                                          </p:stCondLst>
+                                        </p:cTn>
+                                        <p:tgtEl>
+                                          <p:spTgt spid="400"/>
+                                        </p:tgtEl>
+                                        <p:attrNameLst>
+                                          <p:attrName>style.visibility</p:attrName>
+                                        </p:attrNameLst>
+                                      </p:cBhvr>
+                                      <p:to>
+                                        <p:strVal val="visible"/>
+                                      </p:to>
+                                    </p:set>
+                                  </p:childTnLst>
+                                </p:cTn>
+                              </p:par>
+                              <p:par>
+                                <p:cTn id="11" presetID="1" presetClass="entr" presetSubtype="0" fill="hold" nodeType="withEffect">
+                                  <p:stCondLst>
+                                    <p:cond delay="0"/>
+                                  </p:stCondLst>
+                                  <p:childTnLst>
+                                    <p:set>
+                                      <p:cBhvr>
+                                        <p:cTn id="12" dur="1" fill="hold">
+                                          <p:stCondLst>
+                                            <p:cond delay="0"/>
+                                          </p:stCondLst>
+                                        </p:cTn>
+                                        <p:tgtEl>
+                                          <p:spTgt spid="209"/>
+                                        </p:tgtEl>
+                                        <p:attrNameLst>
+                                          <p:attrName>style.visibility</p:attrName>
+                                        </p:attrNameLst>
+                                      </p:cBhvr>
+                                      <p:to>
+                                        <p:strVal val="visible"/>
+                                      </p:to>
+                                    </p:set>
+                                  </p:childTnLst>
+                                </p:cTn>
+                              </p:par>
+                            </p:childTnLst>
+                          </p:cTn>
+                        </p:par>
+                      </p:childTnLst>
+                    </p:cTn>
+                  </p:par>
+                  <p:par>
+                    <p:cTn id="13" fill="hold">
+                      <p:stCondLst>
+                        <p:cond delay="indefinite"/>
+                      </p:stCondLst>
+                      <p:childTnLst>
+                        <p:par>
+                          <p:cTn id="14" fill="hold">
+                            <p:stCondLst>
+                              <p:cond delay="0"/>
+                            </p:stCondLst>
+                            <p:childTnLst>
+                              <p:par>
+                                <p:cTn id="15" presetID="1" presetClass="entr" presetSubtype="0" fill="hold" nodeType="clickEffect">
+                                  <p:stCondLst>
+                                    <p:cond delay="0"/>
+                                  </p:stCondLst>
+                                  <p:childTnLst>
+                                    <p:set>
+                                      <p:cBhvr>
+                                        <p:cTn id="16" dur="1" fill="hold">
+                                          <p:stCondLst>
+                                            <p:cond delay="0"/>
+                                          </p:stCondLst>
+                                        </p:cTn>
+                                        <p:tgtEl>
+                                          <p:spTgt spid="5"/>
+                                        </p:tgtEl>
+                                        <p:attrNameLst>
+                                          <p:attrName>style.visibility</p:attrName>
+                                        </p:attrNameLst>
+                                      </p:cBhvr>
+                                      <p:to>
+                                        <p:strVal val="visible"/>
+                                      </p:to>
+                                    </p:set>
+                                  </p:childTnLst>
+                                </p:cTn>
+                              </p:par>
+                              <p:par>
+                                <p:cTn id="17" presetID="1" presetClass="entr" presetSubtype="0" fill="hold" nodeType="withEffect">
+                                  <p:stCondLst>
+                                    <p:cond delay="0"/>
+                                  </p:stCondLst>
+                                  <p:childTnLst>
+                                    <p:set>
+                                      <p:cBhvr>
+                                        <p:cTn id="18" dur="1" fill="hold">
+                                          <p:stCondLst>
+                                            <p:cond delay="0"/>
+                                          </p:stCondLst>
+                                        </p:cTn>
+                                        <p:tgtEl>
+                                          <p:spTgt spid="215"/>
+                                        </p:tgtEl>
+                                        <p:attrNameLst>
+                                          <p:attrName>style.visibility</p:attrName>
+                                        </p:attrNameLst>
+                                      </p:cBhvr>
+                                      <p:to>
+                                        <p:strVal val="visible"/>
+                                      </p:to>
+                                    </p:set>
+                                  </p:childTnLst>
+                                </p:cTn>
+                              </p:par>
+                              <p:par>
+                                <p:cTn id="19" presetID="1" presetClass="entr" presetSubtype="0" fill="hold" nodeType="withEffect">
+                                  <p:stCondLst>
+                                    <p:cond delay="0"/>
+                                  </p:stCondLst>
+                                  <p:childTnLst>
+                                    <p:set>
+                                      <p:cBhvr>
+                                        <p:cTn id="20" dur="1" fill="hold">
+                                          <p:stCondLst>
+                                            <p:cond delay="0"/>
+                                          </p:stCondLst>
+                                        </p:cTn>
+                                        <p:tgtEl>
+                                          <p:spTgt spid="3"/>
+                                        </p:tgtEl>
+                                        <p:attrNameLst>
+                                          <p:attrName>style.visibility</p:attrName>
+                                        </p:attrNameLst>
+                                      </p:cBhvr>
+                                      <p:to>
+                                        <p:strVal val="visible"/>
+                                      </p:to>
+                                    </p:set>
+                                  </p:childTnLst>
+                                </p:cTn>
+                              </p:par>
+                              <p:par>
+                                <p:cTn id="21" presetID="1" presetClass="entr" presetSubtype="0" fill="hold" nodeType="withEffect">
+                                  <p:stCondLst>
+                                    <p:cond delay="0"/>
+                                  </p:stCondLst>
+                                  <p:childTnLst>
+                                    <p:set>
+                                      <p:cBhvr>
+                                        <p:cTn id="22" dur="1" fill="hold">
+                                          <p:stCondLst>
+                                            <p:cond delay="0"/>
+                                          </p:stCondLst>
+                                        </p:cTn>
+                                        <p:tgtEl>
+                                          <p:spTgt spid="213"/>
+                                        </p:tgtEl>
+                                        <p:attrNameLst>
+                                          <p:attrName>style.visibility</p:attrName>
+                                        </p:attrNameLst>
+                                      </p:cBhvr>
+                                      <p:to>
+                                        <p:strVal val="visible"/>
+                                      </p:to>
+                                    </p:set>
+                                  </p:childTnLst>
+                                </p:cTn>
+                              </p:par>
+                            </p:childTnLst>
+                          </p:cTn>
+                        </p:par>
+                      </p:childTnLst>
+                    </p:cTn>
+                  </p:par>
+                  <p:par>
+                    <p:cTn id="23" fill="hold">
+                      <p:stCondLst>
+                        <p:cond delay="indefinite"/>
+                      </p:stCondLst>
+                      <p:childTnLst>
+                        <p:par>
+                          <p:cTn id="24" fill="hold">
+                            <p:stCondLst>
+                              <p:cond delay="0"/>
+                            </p:stCondLst>
+                            <p:childTnLst>
+                              <p:par>
+                                <p:cTn id="25" presetID="1" presetClass="entr" presetSubtype="0" fill="hold" nodeType="clickEffect">
+                                  <p:stCondLst>
+                                    <p:cond delay="0"/>
+                                  </p:stCondLst>
+                                  <p:childTnLst>
+                                    <p:set>
+                                      <p:cBhvr>
+                                        <p:cTn id="26" dur="1" fill="hold">
+                                          <p:stCondLst>
+                                            <p:cond delay="0"/>
+                                          </p:stCondLst>
+                                        </p:cTn>
+                                        <p:tgtEl>
+                                          <p:spTgt spid="6"/>
+                                        </p:tgtEl>
+                                        <p:attrNameLst>
+                                          <p:attrName>style.visibility</p:attrName>
+                                        </p:attrNameLst>
+                                      </p:cBhvr>
+                                      <p:to>
+                                        <p:strVal val="visible"/>
+                                      </p:to>
+                                    </p:set>
+                                  </p:childTnLst>
+                                </p:cTn>
+                              </p:par>
+                              <p:par>
+                                <p:cTn id="27" presetID="1" presetClass="entr" presetSubtype="0" fill="hold" nodeType="withEffect">
+                                  <p:stCondLst>
+                                    <p:cond delay="0"/>
+                                  </p:stCondLst>
+                                  <p:childTnLst>
+                                    <p:set>
+                                      <p:cBhvr>
+                                        <p:cTn id="28" dur="1" fill="hold">
+                                          <p:stCondLst>
+                                            <p:cond delay="0"/>
+                                          </p:stCondLst>
+                                        </p:cTn>
+                                        <p:tgtEl>
+                                          <p:spTgt spid="211"/>
+                                        </p:tgtEl>
+                                        <p:attrNameLst>
+                                          <p:attrName>style.visibility</p:attrName>
+                                        </p:attrNameLst>
+                                      </p:cBhvr>
+                                      <p:to>
+                                        <p:strVal val="visible"/>
+                                      </p:to>
+                                    </p:set>
+                                  </p:childTnLst>
+                                </p:cTn>
+                              </p:par>
+                              <p:par>
+                                <p:cTn id="29" presetID="1" presetClass="entr" presetSubtype="0" fill="hold" nodeType="withEffect">
+                                  <p:stCondLst>
+                                    <p:cond delay="0"/>
+                                  </p:stCondLst>
+                                  <p:childTnLst>
+                                    <p:set>
+                                      <p:cBhvr>
+                                        <p:cTn id="30" dur="1" fill="hold">
+                                          <p:stCondLst>
+                                            <p:cond delay="0"/>
+                                          </p:stCondLst>
+                                        </p:cTn>
+                                        <p:tgtEl>
+                                          <p:spTgt spid="402"/>
+                                        </p:tgtEl>
+                                        <p:attrNameLst>
+                                          <p:attrName>style.visibility</p:attrName>
+                                        </p:attrNameLst>
+                                      </p:cBhvr>
+                                      <p:to>
+                                        <p:strVal val="visible"/>
+                                      </p:to>
+                                    </p:set>
+                                  </p:childTnLst>
+                                </p:cTn>
+                              </p:par>
+                              <p:par>
+                                <p:cTn id="31" presetID="1" presetClass="entr" presetSubtype="0" fill="hold" nodeType="withEffect">
+                                  <p:stCondLst>
+                                    <p:cond delay="0"/>
+                                  </p:stCondLst>
+                                  <p:childTnLst>
+                                    <p:set>
+                                      <p:cBhvr>
+                                        <p:cTn id="32" dur="1" fill="hold">
+                                          <p:stCondLst>
+                                            <p:cond delay="0"/>
+                                          </p:stCondLst>
+                                        </p:cTn>
+                                        <p:tgtEl>
+                                          <p:spTgt spid="4"/>
+                                        </p:tgtEl>
+                                        <p:attrNameLst>
+                                          <p:attrName>style.visibility</p:attrName>
+                                        </p:attrNameLst>
+                                      </p:cBhvr>
+                                      <p:to>
+                                        <p:strVal val="visible"/>
+                                      </p:to>
+                                    </p:set>
+                                  </p:childTnLst>
+                                </p:cTn>
+                              </p:par>
+                            </p:childTnLst>
+                          </p:cTn>
+                        </p:par>
+                      </p:childTnLst>
+                    </p:cTn>
+                  </p:par>
+                  <p:par>
+                    <p:cTn id="33" fill="hold">
+                      <p:stCondLst>
+                        <p:cond delay="indefinite"/>
+                      </p:stCondLst>
+                      <p:childTnLst>
+                        <p:par>
+                          <p:cTn id="34" fill="hold">
+                            <p:stCondLst>
+                              <p:cond delay="0"/>
+                            </p:stCondLst>
+                            <p:childTnLst>
+                              <p:par>
+                                <p:cTn id="35" presetID="1" presetClass="entr" presetSubtype="0" fill="hold" nodeType="clickEffect">
+                                  <p:stCondLst>
+                                    <p:cond delay="0"/>
+                                  </p:stCondLst>
+                                  <p:childTnLst>
+                                    <p:set>
+                                      <p:cBhvr>
+                                        <p:cTn id="36" dur="1" fill="hold">
+                                          <p:stCondLst>
+                                            <p:cond delay="0"/>
+                                          </p:stCondLst>
+                                        </p:cTn>
+                                        <p:tgtEl>
+                                          <p:spTgt spid="401"/>
+                                        </p:tgtEl>
+                                        <p:attrNameLst>
+                                          <p:attrName>style.visibility</p:attrName>
+                                        </p:attrNameLst>
+                                      </p:cBhvr>
+                                      <p:to>
+                                        <p:strVal val="visible"/>
+                                      </p:to>
+                                    </p:set>
+                                  </p:childTnLst>
+                                </p:cTn>
+                              </p:par>
+                              <p:par>
+                                <p:cTn id="37" presetID="1" presetClass="entr" presetSubtype="0" fill="hold" nodeType="withEffect">
+                                  <p:stCondLst>
+                                    <p:cond delay="0"/>
+                                  </p:stCondLst>
+                                  <p:childTnLst>
+                                    <p:set>
+                                      <p:cBhvr>
+                                        <p:cTn id="38" dur="1" fill="hold">
+                                          <p:stCondLst>
+                                            <p:cond delay="0"/>
+                                          </p:stCondLst>
+                                        </p:cTn>
+                                        <p:tgtEl>
+                                          <p:spTgt spid="9"/>
+                                        </p:tgtEl>
+                                        <p:attrNameLst>
+                                          <p:attrName>style.visibility</p:attrName>
+                                        </p:attrNameLst>
+                                      </p:cBhvr>
+                                      <p:to>
+                                        <p:strVal val="visible"/>
+                                      </p:to>
+                                    </p:set>
+                                  </p:childTnLst>
+                                </p:cTn>
+                              </p:par>
+                            </p:childTnLst>
+                          </p:cTn>
+                        </p:par>
+                      </p:childTnLst>
+                    </p:cTn>
+                  </p:par>
+                </p:childTnLst>
+              </p:cTn>
+              <p:prevCondLst>
+                <p:cond evt="onPrev" delay="0">
+                  <p:tgtEl>
+                    <p:sldTgt/>
+                  </p:tgtEl>
+                </p:cond>
+              </p:prevCondLst>
+              <p:nextCondLst>
+                <p:cond evt="onNext" delay="0">
+                  <p:tgtEl>
+                    <p:sldTgt/>
+                  </p:tgtEl>
+                </p:cond>
+              </p:nextCondLst>
+            </p:seq>
+          </p:childTnLst>
+        </p:cTn>
+      </p:par>
+    </p:tnLst>
+  </p:timing>
 </p:sld>
 </file>
 
@@ -45848,6 +46475,13 @@
   <p:clrMapOvr>
     <a:masterClrMapping/>
   </p:clrMapOvr>
+  <p:timing>
+    <p:tnLst>
+      <p:par>
+        <p:cTn id="1" dur="indefinite" restart="never" nodeType="tmRoot"/>
+      </p:par>
+    </p:tnLst>
+  </p:timing>
 </p:sld>
 </file>
 
@@ -46634,6 +47268,13 @@
   <p:clrMapOvr>
     <a:masterClrMapping/>
   </p:clrMapOvr>
+  <p:timing>
+    <p:tnLst>
+      <p:par>
+        <p:cTn id="1" dur="indefinite" restart="never" nodeType="tmRoot"/>
+      </p:par>
+    </p:tnLst>
+  </p:timing>
 </p:sld>
 </file>
 

--- a/PPTs/ProgramacionII_Clase_03-2018.pptx
+++ b/PPTs/ProgramacionII_Clase_03-2018.pptx
@@ -5,7 +5,7 @@
     <p:sldMasterId id="2147483665" r:id="rId1"/>
   </p:sldMasterIdLst>
   <p:notesMasterIdLst>
-    <p:notesMasterId r:id="rId32"/>
+    <p:notesMasterId r:id="rId31"/>
   </p:notesMasterIdLst>
   <p:sldIdLst>
     <p:sldId id="256" r:id="rId2"/>
@@ -37,38 +37,37 @@
     <p:sldId id="289" r:id="rId28"/>
     <p:sldId id="282" r:id="rId29"/>
     <p:sldId id="290" r:id="rId30"/>
-    <p:sldId id="283" r:id="rId31"/>
   </p:sldIdLst>
   <p:sldSz cx="12192000" cy="6858000"/>
   <p:notesSz cx="6858000" cy="9144000"/>
   <p:embeddedFontLst>
     <p:embeddedFont>
+      <p:font typeface="Source Sans Pro" panose="020B0604020202020204" charset="0"/>
+      <p:regular r:id="rId32"/>
+      <p:bold r:id="rId33"/>
+      <p:italic r:id="rId34"/>
+      <p:boldItalic r:id="rId35"/>
+    </p:embeddedFont>
+    <p:embeddedFont>
       <p:font typeface="Calibri" panose="020F0502020204030204" pitchFamily="34" charset="0"/>
-      <p:regular r:id="rId33"/>
-      <p:bold r:id="rId34"/>
-      <p:italic r:id="rId35"/>
-      <p:boldItalic r:id="rId36"/>
+      <p:regular r:id="rId36"/>
+      <p:bold r:id="rId37"/>
+      <p:italic r:id="rId38"/>
+      <p:boldItalic r:id="rId39"/>
     </p:embeddedFont>
     <p:embeddedFont>
       <p:font typeface="Trebuchet MS" panose="020B0603020202020204" pitchFamily="34" charset="0"/>
-      <p:regular r:id="rId37"/>
-      <p:bold r:id="rId38"/>
-      <p:italic r:id="rId39"/>
-      <p:boldItalic r:id="rId40"/>
+      <p:regular r:id="rId40"/>
+      <p:bold r:id="rId41"/>
+      <p:italic r:id="rId42"/>
+      <p:boldItalic r:id="rId43"/>
     </p:embeddedFont>
     <p:embeddedFont>
       <p:font typeface="Consolas" panose="020B0609020204030204" pitchFamily="49" charset="0"/>
-      <p:regular r:id="rId41"/>
-      <p:bold r:id="rId42"/>
-      <p:italic r:id="rId43"/>
-      <p:boldItalic r:id="rId44"/>
-    </p:embeddedFont>
-    <p:embeddedFont>
-      <p:font typeface="Source Sans Pro" panose="020B0604020202020204" charset="0"/>
-      <p:regular r:id="rId45"/>
-      <p:bold r:id="rId46"/>
-      <p:italic r:id="rId47"/>
-      <p:boldItalic r:id="rId48"/>
+      <p:regular r:id="rId44"/>
+      <p:bold r:id="rId45"/>
+      <p:italic r:id="rId46"/>
+      <p:boldItalic r:id="rId47"/>
     </p:embeddedFont>
   </p:embeddedFontLst>
   <p:defaultTextStyle>
@@ -4133,115 +4132,6 @@
     <p:extLst>
       <p:ext uri="{BB962C8B-B14F-4D97-AF65-F5344CB8AC3E}">
         <p14:creationId xmlns:p14="http://schemas.microsoft.com/office/powerpoint/2010/main" val="1074690679"/>
-      </p:ext>
-    </p:extLst>
-  </p:cSld>
-  <p:clrMapOvr>
-    <a:masterClrMapping/>
-  </p:clrMapOvr>
-</p:notes>
-</file>
-
-<file path=ppt/notesSlides/notesSlide30.xml><?xml version="1.0" encoding="utf-8"?>
-<p:notes xmlns:a="http://schemas.openxmlformats.org/drawingml/2006/main" xmlns:r="http://schemas.openxmlformats.org/officeDocument/2006/relationships" xmlns:p="http://schemas.openxmlformats.org/presentationml/2006/main" showMasterSp="0" showMasterPhAnim="0">
-  <p:cSld>
-    <p:spTree>
-      <p:nvGrpSpPr>
-        <p:cNvPr id="1" name="Shape 553"/>
-        <p:cNvGrpSpPr/>
-        <p:nvPr/>
-      </p:nvGrpSpPr>
-      <p:grpSpPr>
-        <a:xfrm>
-          <a:off x="0" y="0"/>
-          <a:ext cx="0" cy="0"/>
-          <a:chOff x="0" y="0"/>
-          <a:chExt cx="0" cy="0"/>
-        </a:xfrm>
-      </p:grpSpPr>
-      <p:sp>
-        <p:nvSpPr>
-          <p:cNvPr id="554" name="Google Shape;554;g3ef5081b7a_0_168:notes"/>
-          <p:cNvSpPr txBox="1">
-            <a:spLocks noGrp="1"/>
-          </p:cNvSpPr>
-          <p:nvPr>
-            <p:ph type="body" idx="1"/>
-          </p:nvPr>
-        </p:nvSpPr>
-        <p:spPr>
-          <a:xfrm>
-            <a:off x="685800" y="4400550"/>
-            <a:ext cx="5486400" cy="3600600"/>
-          </a:xfrm>
-          <a:prstGeom prst="rect">
-            <a:avLst/>
-          </a:prstGeom>
-        </p:spPr>
-        <p:txBody>
-          <a:bodyPr spcFirstLastPara="1" wrap="square" lIns="91425" tIns="45700" rIns="91425" bIns="45700" anchor="t" anchorCtr="0">
-            <a:noAutofit/>
-          </a:bodyPr>
-          <a:lstStyle/>
-          <a:p>
-            <a:pPr marL="0" lvl="0" indent="0" rtl="0">
-              <a:spcBef>
-                <a:spcPts val="0"/>
-              </a:spcBef>
-              <a:spcAft>
-                <a:spcPts val="0"/>
-              </a:spcAft>
-              <a:buNone/>
-            </a:pPr>
-            <a:endParaRPr/>
-          </a:p>
-        </p:txBody>
-      </p:sp>
-      <p:sp>
-        <p:nvSpPr>
-          <p:cNvPr id="555" name="Google Shape;555;g3ef5081b7a_0_168:notes"/>
-          <p:cNvSpPr>
-            <a:spLocks noGrp="1" noRot="1" noChangeAspect="1"/>
-          </p:cNvSpPr>
-          <p:nvPr>
-            <p:ph type="sldImg" idx="2"/>
-          </p:nvPr>
-        </p:nvSpPr>
-        <p:spPr>
-          <a:xfrm>
-            <a:off x="685800" y="1143000"/>
-            <a:ext cx="5486400" cy="3086100"/>
-          </a:xfrm>
-          <a:custGeom>
-            <a:avLst/>
-            <a:gdLst/>
-            <a:ahLst/>
-            <a:cxnLst/>
-            <a:rect l="l" t="t" r="r" b="b"/>
-            <a:pathLst>
-              <a:path w="120000" h="120000" extrusionOk="0">
-                <a:moveTo>
-                  <a:pt x="0" y="0"/>
-                </a:moveTo>
-                <a:lnTo>
-                  <a:pt x="120000" y="0"/>
-                </a:lnTo>
-                <a:lnTo>
-                  <a:pt x="120000" y="120000"/>
-                </a:lnTo>
-                <a:lnTo>
-                  <a:pt x="0" y="120000"/>
-                </a:lnTo>
-                <a:close/>
-              </a:path>
-            </a:pathLst>
-          </a:custGeom>
-        </p:spPr>
-      </p:sp>
-    </p:spTree>
-    <p:extLst>
-      <p:ext uri="{BB962C8B-B14F-4D97-AF65-F5344CB8AC3E}">
-        <p14:creationId xmlns:p14="http://schemas.microsoft.com/office/powerpoint/2010/main" val="2743393944"/>
       </p:ext>
     </p:extLst>
   </p:cSld>
@@ -32025,6 +31915,13 @@
             </a:pPr>
             <a:r>
               <a:rPr lang="es-AR" sz="2800" dirty="0">
+                <a:effectLst>
+                  <a:outerShdw blurRad="38100" dist="38100" dir="2700000" algn="tl">
+                    <a:srgbClr val="000000">
+                      <a:alpha val="43137"/>
+                    </a:srgbClr>
+                  </a:outerShdw>
+                </a:effectLst>
                 <a:latin typeface="Source Sans Pro"/>
                 <a:ea typeface="Source Sans Pro"/>
                 <a:cs typeface="Source Sans Pro"/>
@@ -32034,6 +31931,13 @@
             </a:r>
             <a:r>
               <a:rPr lang="es-AR" sz="2800" dirty="0" smtClean="0">
+                <a:effectLst>
+                  <a:outerShdw blurRad="38100" dist="38100" dir="2700000" algn="tl">
+                    <a:srgbClr val="000000">
+                      <a:alpha val="43137"/>
+                    </a:srgbClr>
+                  </a:outerShdw>
+                </a:effectLst>
                 <a:latin typeface="Source Sans Pro"/>
                 <a:ea typeface="Source Sans Pro"/>
                 <a:cs typeface="Source Sans Pro"/>
@@ -32056,6 +31960,13 @@
             </a:pPr>
             <a:r>
               <a:rPr lang="es-AR" sz="2600" dirty="0" smtClean="0">
+                <a:effectLst>
+                  <a:outerShdw blurRad="38100" dist="38100" dir="2700000" algn="tl">
+                    <a:srgbClr val="000000">
+                      <a:alpha val="43137"/>
+                    </a:srgbClr>
+                  </a:outerShdw>
+                </a:effectLst>
                 <a:latin typeface="Source Sans Pro"/>
                 <a:ea typeface="Source Sans Pro"/>
                 <a:cs typeface="Source Sans Pro"/>
@@ -32065,6 +31976,13 @@
             </a:r>
             <a:r>
               <a:rPr lang="es-AR" sz="2600" dirty="0">
+                <a:effectLst>
+                  <a:outerShdw blurRad="38100" dist="38100" dir="2700000" algn="tl">
+                    <a:srgbClr val="000000">
+                      <a:alpha val="43137"/>
+                    </a:srgbClr>
+                  </a:outerShdw>
+                </a:effectLst>
                 <a:latin typeface="Source Sans Pro"/>
                 <a:ea typeface="Source Sans Pro"/>
                 <a:cs typeface="Source Sans Pro"/>
@@ -32074,6 +31992,13 @@
             </a:r>
             <a:r>
               <a:rPr lang="es-AR" sz="2200" dirty="0">
+                <a:effectLst>
+                  <a:outerShdw blurRad="38100" dist="38100" dir="2700000" algn="tl">
+                    <a:srgbClr val="000000">
+                      <a:alpha val="43137"/>
+                    </a:srgbClr>
+                  </a:outerShdw>
+                </a:effectLst>
                 <a:latin typeface="Source Sans Pro"/>
                 <a:ea typeface="Source Sans Pro"/>
                 <a:cs typeface="Source Sans Pro"/>
@@ -32082,6 +32007,13 @@
               <a:t> </a:t>
             </a:r>
             <a:endParaRPr sz="2200" dirty="0">
+              <a:effectLst>
+                <a:outerShdw blurRad="38100" dist="38100" dir="2700000" algn="tl">
+                  <a:srgbClr val="000000">
+                    <a:alpha val="43137"/>
+                  </a:srgbClr>
+                </a:outerShdw>
+              </a:effectLst>
               <a:latin typeface="Source Sans Pro"/>
               <a:ea typeface="Source Sans Pro"/>
               <a:cs typeface="Source Sans Pro"/>
@@ -32104,6 +32036,13 @@
               <a:buChar char="○"/>
             </a:pPr>
             <a:endParaRPr sz="2600" dirty="0">
+              <a:effectLst>
+                <a:outerShdw blurRad="38100" dist="38100" dir="2700000" algn="tl">
+                  <a:srgbClr val="000000">
+                    <a:alpha val="43137"/>
+                  </a:srgbClr>
+                </a:outerShdw>
+              </a:effectLst>
               <a:latin typeface="Source Sans Pro"/>
               <a:ea typeface="Source Sans Pro"/>
               <a:cs typeface="Source Sans Pro"/>
@@ -32127,6 +32066,13 @@
             </a:pPr>
             <a:r>
               <a:rPr lang="es-AR" sz="2800" dirty="0">
+                <a:effectLst>
+                  <a:outerShdw blurRad="38100" dist="38100" dir="2700000" algn="tl">
+                    <a:srgbClr val="000000">
+                      <a:alpha val="43137"/>
+                    </a:srgbClr>
+                  </a:outerShdw>
+                </a:effectLst>
                 <a:latin typeface="Source Sans Pro"/>
                 <a:ea typeface="Source Sans Pro"/>
                 <a:cs typeface="Source Sans Pro"/>
@@ -32136,6 +32082,13 @@
             </a:r>
             <a:r>
               <a:rPr lang="es-AR" sz="2800" dirty="0" smtClean="0">
+                <a:effectLst>
+                  <a:outerShdw blurRad="38100" dist="38100" dir="2700000" algn="tl">
+                    <a:srgbClr val="000000">
+                      <a:alpha val="43137"/>
+                    </a:srgbClr>
+                  </a:outerShdw>
+                </a:effectLst>
                 <a:latin typeface="Source Sans Pro"/>
                 <a:ea typeface="Source Sans Pro"/>
                 <a:cs typeface="Source Sans Pro"/>
@@ -32144,6 +32097,13 @@
               <a:t>general</a:t>
             </a:r>
             <a:endParaRPr lang="es-AR" sz="2800" dirty="0">
+              <a:effectLst>
+                <a:outerShdw blurRad="38100" dist="38100" dir="2700000" algn="tl">
+                  <a:srgbClr val="000000">
+                    <a:alpha val="43137"/>
+                  </a:srgbClr>
+                </a:outerShdw>
+              </a:effectLst>
               <a:latin typeface="Source Sans Pro"/>
               <a:ea typeface="Source Sans Pro"/>
               <a:cs typeface="Source Sans Pro"/>
@@ -32164,6 +32124,13 @@
             </a:pPr>
             <a:r>
               <a:rPr lang="es-AR" sz="2600" dirty="0" smtClean="0">
+                <a:effectLst>
+                  <a:outerShdw blurRad="38100" dist="38100" dir="2700000" algn="tl">
+                    <a:srgbClr val="000000">
+                      <a:alpha val="43137"/>
+                    </a:srgbClr>
+                  </a:outerShdw>
+                </a:effectLst>
                 <a:latin typeface="Source Sans Pro"/>
                 <a:ea typeface="Source Sans Pro"/>
                 <a:cs typeface="Source Sans Pro"/>
@@ -32173,6 +32140,13 @@
             </a:r>
             <a:r>
               <a:rPr lang="es-AR" sz="2600" dirty="0">
+                <a:effectLst>
+                  <a:outerShdw blurRad="38100" dist="38100" dir="2700000" algn="tl">
+                    <a:srgbClr val="000000">
+                      <a:alpha val="43137"/>
+                    </a:srgbClr>
+                  </a:outerShdw>
+                </a:effectLst>
                 <a:latin typeface="Source Sans Pro"/>
                 <a:ea typeface="Source Sans Pro"/>
                 <a:cs typeface="Source Sans Pro"/>
@@ -32181,6 +32155,13 @@
               <a:t>valor se declara en alguna parte de un método y no puede existir más allá de una llamada al método. Cuando un método devuelve un valor, lo que se devuelve es una copia del valor.</a:t>
             </a:r>
             <a:endParaRPr sz="2600" dirty="0">
+              <a:effectLst>
+                <a:outerShdw blurRad="38100" dist="38100" dir="2700000" algn="tl">
+                  <a:srgbClr val="000000">
+                    <a:alpha val="43137"/>
+                  </a:srgbClr>
+                </a:outerShdw>
+              </a:effectLst>
               <a:latin typeface="Source Sans Pro"/>
               <a:ea typeface="Source Sans Pro"/>
               <a:cs typeface="Source Sans Pro"/>
@@ -32211,6 +32192,13 @@
   <p:clrMapOvr>
     <a:masterClrMapping/>
   </p:clrMapOvr>
+  <p:timing>
+    <p:tnLst>
+      <p:par>
+        <p:cTn id="1" dur="indefinite" restart="never" nodeType="tmRoot"/>
+      </p:par>
+    </p:tnLst>
+  </p:timing>
 </p:sld>
 </file>
 
@@ -32918,6 +32906,13 @@
   <p:clrMapOvr>
     <a:masterClrMapping/>
   </p:clrMapOvr>
+  <p:timing>
+    <p:tnLst>
+      <p:par>
+        <p:cTn id="1" dur="indefinite" restart="never" nodeType="tmRoot"/>
+      </p:par>
+    </p:tnLst>
+  </p:timing>
 </p:sld>
 </file>
 
@@ -33456,6 +33451,13 @@
   <p:clrMapOvr>
     <a:masterClrMapping/>
   </p:clrMapOvr>
+  <p:timing>
+    <p:tnLst>
+      <p:par>
+        <p:cTn id="1" dur="indefinite" restart="never" nodeType="tmRoot"/>
+      </p:par>
+    </p:tnLst>
+  </p:timing>
 </p:sld>
 </file>
 
@@ -33886,6 +33888,13 @@
   <p:clrMapOvr>
     <a:masterClrMapping/>
   </p:clrMapOvr>
+  <p:timing>
+    <p:tnLst>
+      <p:par>
+        <p:cTn id="1" dur="indefinite" restart="never" nodeType="tmRoot"/>
+      </p:par>
+    </p:tnLst>
+  </p:timing>
 </p:sld>
 </file>
 
@@ -34574,6 +34583,13 @@
   <p:clrMapOvr>
     <a:masterClrMapping/>
   </p:clrMapOvr>
+  <p:timing>
+    <p:tnLst>
+      <p:par>
+        <p:cTn id="1" dur="indefinite" restart="never" nodeType="tmRoot"/>
+      </p:par>
+    </p:tnLst>
+  </p:timing>
 </p:sld>
 </file>
 
@@ -35386,6 +35402,13 @@
   <p:clrMapOvr>
     <a:masterClrMapping/>
   </p:clrMapOvr>
+  <p:timing>
+    <p:tnLst>
+      <p:par>
+        <p:cTn id="1" dur="indefinite" restart="never" nodeType="tmRoot"/>
+      </p:par>
+    </p:tnLst>
+  </p:timing>
 </p:sld>
 </file>
 
@@ -36083,6 +36106,13 @@
   <p:clrMapOvr>
     <a:masterClrMapping/>
   </p:clrMapOvr>
+  <p:timing>
+    <p:tnLst>
+      <p:par>
+        <p:cTn id="1" dur="indefinite" restart="never" nodeType="tmRoot"/>
+      </p:par>
+    </p:tnLst>
+  </p:timing>
 </p:sld>
 </file>
 
@@ -36449,6 +36479,13 @@
   <p:clrMapOvr>
     <a:masterClrMapping/>
   </p:clrMapOvr>
+  <p:timing>
+    <p:tnLst>
+      <p:par>
+        <p:cTn id="1" dur="indefinite" restart="never" nodeType="tmRoot"/>
+      </p:par>
+    </p:tnLst>
+  </p:timing>
 </p:sld>
 </file>
 
@@ -36880,6 +36917,13 @@
   <p:clrMapOvr>
     <a:masterClrMapping/>
   </p:clrMapOvr>
+  <p:timing>
+    <p:tnLst>
+      <p:par>
+        <p:cTn id="1" dur="indefinite" restart="never" nodeType="tmRoot"/>
+      </p:par>
+    </p:tnLst>
+  </p:timing>
 </p:sld>
 </file>
 
@@ -37238,6 +37282,13 @@
   <p:clrMapOvr>
     <a:masterClrMapping/>
   </p:clrMapOvr>
+  <p:timing>
+    <p:tnLst>
+      <p:par>
+        <p:cTn id="1" dur="indefinite" restart="never" nodeType="tmRoot"/>
+      </p:par>
+    </p:tnLst>
+  </p:timing>
 </p:sld>
 </file>
 
@@ -38133,6 +38184,13 @@
   <p:clrMapOvr>
     <a:masterClrMapping/>
   </p:clrMapOvr>
+  <p:timing>
+    <p:tnLst>
+      <p:par>
+        <p:cTn id="1" dur="indefinite" restart="never" nodeType="tmRoot"/>
+      </p:par>
+    </p:tnLst>
+  </p:timing>
 </p:sld>
 </file>
 
@@ -38702,6 +38760,13 @@
   <p:clrMapOvr>
     <a:masterClrMapping/>
   </p:clrMapOvr>
+  <p:timing>
+    <p:tnLst>
+      <p:par>
+        <p:cTn id="1" dur="indefinite" restart="never" nodeType="tmRoot"/>
+      </p:par>
+    </p:tnLst>
+  </p:timing>
 </p:sld>
 </file>
 
@@ -39486,6 +39551,13 @@
   <p:clrMapOvr>
     <a:masterClrMapping/>
   </p:clrMapOvr>
+  <p:timing>
+    <p:tnLst>
+      <p:par>
+        <p:cTn id="1" dur="indefinite" restart="never" nodeType="tmRoot"/>
+      </p:par>
+    </p:tnLst>
+  </p:timing>
 </p:sld>
 </file>
 
@@ -40074,6 +40146,13 @@
   <p:clrMapOvr>
     <a:masterClrMapping/>
   </p:clrMapOvr>
+  <p:timing>
+    <p:tnLst>
+      <p:par>
+        <p:cTn id="1" dur="indefinite" restart="never" nodeType="tmRoot"/>
+      </p:par>
+    </p:tnLst>
+  </p:timing>
 </p:sld>
 </file>
 
@@ -40456,6 +40535,13 @@
   <p:clrMapOvr>
     <a:masterClrMapping/>
   </p:clrMapOvr>
+  <p:timing>
+    <p:tnLst>
+      <p:par>
+        <p:cTn id="1" dur="indefinite" restart="never" nodeType="tmRoot"/>
+      </p:par>
+    </p:tnLst>
+  </p:timing>
 </p:sld>
 </file>
 
@@ -41335,6 +41421,13 @@
   <p:clrMapOvr>
     <a:masterClrMapping/>
   </p:clrMapOvr>
+  <p:timing>
+    <p:tnLst>
+      <p:par>
+        <p:cTn id="1" dur="indefinite" restart="never" nodeType="tmRoot"/>
+      </p:par>
+    </p:tnLst>
+  </p:timing>
 </p:sld>
 </file>
 
@@ -41750,6 +41843,13 @@
   <p:clrMapOvr>
     <a:masterClrMapping/>
   </p:clrMapOvr>
+  <p:timing>
+    <p:tnLst>
+      <p:par>
+        <p:cTn id="1" dur="indefinite" restart="never" nodeType="tmRoot"/>
+      </p:par>
+    </p:tnLst>
+  </p:timing>
 </p:sld>
 </file>
 
@@ -42512,6 +42612,13 @@
   <p:clrMapOvr>
     <a:masterClrMapping/>
   </p:clrMapOvr>
+  <p:timing>
+    <p:tnLst>
+      <p:par>
+        <p:cTn id="1" dur="indefinite" restart="never" nodeType="tmRoot"/>
+      </p:par>
+    </p:tnLst>
+  </p:timing>
 </p:sld>
 </file>
 
@@ -43077,6 +43184,13 @@
   <p:clrMapOvr>
     <a:masterClrMapping/>
   </p:clrMapOvr>
+  <p:timing>
+    <p:tnLst>
+      <p:par>
+        <p:cTn id="1" dur="indefinite" restart="never" nodeType="tmRoot"/>
+      </p:par>
+    </p:tnLst>
+  </p:timing>
 </p:sld>
 </file>
 
@@ -43873,6 +43987,13 @@
   <p:clrMapOvr>
     <a:masterClrMapping/>
   </p:clrMapOvr>
+  <p:timing>
+    <p:tnLst>
+      <p:par>
+        <p:cTn id="1" dur="indefinite" restart="never" nodeType="tmRoot"/>
+      </p:par>
+    </p:tnLst>
+  </p:timing>
 </p:sld>
 </file>
 
@@ -44874,1004 +44995,6 @@
 </p:sld>
 </file>
 
-<file path=ppt/slides/slide30.xml><?xml version="1.0" encoding="utf-8"?>
-<p:sld xmlns:a="http://schemas.openxmlformats.org/drawingml/2006/main" xmlns:r="http://schemas.openxmlformats.org/officeDocument/2006/relationships" xmlns:p="http://schemas.openxmlformats.org/presentationml/2006/main">
-  <p:cSld>
-    <p:spTree>
-      <p:nvGrpSpPr>
-        <p:cNvPr id="1" name="Shape 556"/>
-        <p:cNvGrpSpPr/>
-        <p:nvPr/>
-      </p:nvGrpSpPr>
-      <p:grpSpPr>
-        <a:xfrm>
-          <a:off x="0" y="0"/>
-          <a:ext cx="0" cy="0"/>
-          <a:chOff x="0" y="0"/>
-          <a:chExt cx="0" cy="0"/>
-        </a:xfrm>
-      </p:grpSpPr>
-      <p:sp>
-        <p:nvSpPr>
-          <p:cNvPr id="557" name="Google Shape;557;p46"/>
-          <p:cNvSpPr txBox="1">
-            <a:spLocks noGrp="1"/>
-          </p:cNvSpPr>
-          <p:nvPr>
-            <p:ph type="title"/>
-          </p:nvPr>
-        </p:nvSpPr>
-        <p:spPr>
-          <a:xfrm>
-            <a:off x="680321" y="753228"/>
-            <a:ext cx="9613800" cy="1080900"/>
-          </a:xfrm>
-          <a:prstGeom prst="rect">
-            <a:avLst/>
-          </a:prstGeom>
-          <a:noFill/>
-          <a:ln>
-            <a:noFill/>
-          </a:ln>
-        </p:spPr>
-        <p:txBody>
-          <a:bodyPr spcFirstLastPara="1" wrap="square" lIns="91425" tIns="45700" rIns="91425" bIns="45700" anchor="ctr" anchorCtr="0">
-            <a:noAutofit/>
-          </a:bodyPr>
-          <a:lstStyle/>
-          <a:p>
-            <a:pPr marL="0" lvl="0" indent="0" rtl="0">
-              <a:spcBef>
-                <a:spcPts val="0"/>
-              </a:spcBef>
-              <a:spcAft>
-                <a:spcPts val="0"/>
-              </a:spcAft>
-              <a:buClr>
-                <a:srgbClr val="FFCC29"/>
-              </a:buClr>
-              <a:buSzPts val="4800"/>
-              <a:buFont typeface="Source Sans Pro"/>
-              <a:buNone/>
-            </a:pPr>
-            <a:r>
-              <a:rPr lang="es-AR" sz="4800">
-                <a:solidFill>
-                  <a:srgbClr val="FFFFFF"/>
-                </a:solidFill>
-                <a:latin typeface="Source Sans Pro"/>
-                <a:ea typeface="Source Sans Pro"/>
-                <a:cs typeface="Source Sans Pro"/>
-                <a:sym typeface="Source Sans Pro"/>
-              </a:rPr>
-              <a:t>Ejemplo</a:t>
-            </a:r>
-            <a:endParaRPr>
-              <a:solidFill>
-                <a:srgbClr val="FFFFFF"/>
-              </a:solidFill>
-            </a:endParaRPr>
-          </a:p>
-        </p:txBody>
-      </p:sp>
-      <p:sp>
-        <p:nvSpPr>
-          <p:cNvPr id="558" name="Google Shape;558;p46"/>
-          <p:cNvSpPr txBox="1"/>
-          <p:nvPr/>
-        </p:nvSpPr>
-        <p:spPr>
-          <a:xfrm>
-            <a:off x="3581400" y="1447800"/>
-            <a:ext cx="6363300" cy="5181600"/>
-          </a:xfrm>
-          <a:prstGeom prst="rect">
-            <a:avLst/>
-          </a:prstGeom>
-          <a:gradFill>
-            <a:gsLst>
-              <a:gs pos="0">
-                <a:srgbClr val="FFFFFF"/>
-              </a:gs>
-              <a:gs pos="100000">
-                <a:srgbClr val="FFFFCC"/>
-              </a:gs>
-            </a:gsLst>
-            <a:lin ang="5400012" scaled="0"/>
-          </a:gradFill>
-          <a:ln w="9525" cap="flat" cmpd="sng">
-            <a:solidFill>
-              <a:srgbClr val="FFCC00"/>
-            </a:solidFill>
-            <a:prstDash val="solid"/>
-            <a:miter lim="800000"/>
-            <a:headEnd type="none" w="sm" len="sm"/>
-            <a:tailEnd type="none" w="sm" len="sm"/>
-          </a:ln>
-        </p:spPr>
-        <p:txBody>
-          <a:bodyPr spcFirstLastPara="1" wrap="square" lIns="90000" tIns="46800" rIns="90000" bIns="46800" anchor="ctr" anchorCtr="0">
-            <a:noAutofit/>
-          </a:bodyPr>
-          <a:lstStyle/>
-          <a:p>
-            <a:pPr marL="0" marR="0" lvl="0" indent="0" algn="l" rtl="0">
-              <a:lnSpc>
-                <a:spcPct val="100000"/>
-              </a:lnSpc>
-              <a:spcBef>
-                <a:spcPts val="0"/>
-              </a:spcBef>
-              <a:spcAft>
-                <a:spcPts val="0"/>
-              </a:spcAft>
-              <a:buClr>
-                <a:srgbClr val="0000FF"/>
-              </a:buClr>
-              <a:buSzPts val="2000"/>
-              <a:buFont typeface="Arial"/>
-              <a:buNone/>
-            </a:pPr>
-            <a:r>
-              <a:rPr lang="es-AR" sz="2000" b="1" i="0" u="none">
-                <a:solidFill>
-                  <a:srgbClr val="0000FF"/>
-                </a:solidFill>
-                <a:latin typeface="Arial"/>
-                <a:ea typeface="Arial"/>
-                <a:cs typeface="Arial"/>
-                <a:sym typeface="Arial"/>
-              </a:rPr>
-              <a:t>class </a:t>
-            </a:r>
-            <a:r>
-              <a:rPr lang="es-AR" sz="2000" b="1" i="0" u="none">
-                <a:solidFill>
-                  <a:srgbClr val="6699FF"/>
-                </a:solidFill>
-                <a:latin typeface="Arial"/>
-                <a:ea typeface="Arial"/>
-                <a:cs typeface="Arial"/>
-                <a:sym typeface="Arial"/>
-              </a:rPr>
-              <a:t>Clase </a:t>
-            </a:r>
-            <a:r>
-              <a:rPr lang="es-AR" sz="2000" b="1" i="0" u="none">
-                <a:solidFill>
-                  <a:srgbClr val="000000"/>
-                </a:solidFill>
-                <a:latin typeface="Arial"/>
-                <a:ea typeface="Arial"/>
-                <a:cs typeface="Arial"/>
-                <a:sym typeface="Arial"/>
-              </a:rPr>
-              <a:t>{</a:t>
-            </a:r>
-            <a:endParaRPr/>
-          </a:p>
-          <a:p>
-            <a:pPr marL="0" marR="0" lvl="0" indent="0" algn="l" rtl="0">
-              <a:lnSpc>
-                <a:spcPct val="100000"/>
-              </a:lnSpc>
-              <a:spcBef>
-                <a:spcPts val="0"/>
-              </a:spcBef>
-              <a:spcAft>
-                <a:spcPts val="0"/>
-              </a:spcAft>
-              <a:buClr>
-                <a:srgbClr val="000000"/>
-              </a:buClr>
-              <a:buSzPts val="2000"/>
-              <a:buFont typeface="Arial"/>
-              <a:buNone/>
-            </a:pPr>
-            <a:r>
-              <a:rPr lang="es-AR" sz="2000" b="1" i="0" u="none">
-                <a:solidFill>
-                  <a:srgbClr val="000000"/>
-                </a:solidFill>
-                <a:latin typeface="Arial"/>
-                <a:ea typeface="Arial"/>
-                <a:cs typeface="Arial"/>
-                <a:sym typeface="Arial"/>
-              </a:rPr>
-              <a:t>		</a:t>
-            </a:r>
-            <a:r>
-              <a:rPr lang="es-AR" sz="2000" b="1" i="0" u="none">
-                <a:solidFill>
-                  <a:srgbClr val="0000FF"/>
-                </a:solidFill>
-                <a:latin typeface="Arial"/>
-                <a:ea typeface="Arial"/>
-                <a:cs typeface="Arial"/>
-                <a:sym typeface="Arial"/>
-              </a:rPr>
-              <a:t>private</a:t>
-            </a:r>
-            <a:r>
-              <a:rPr lang="es-AR" sz="2000" b="1" i="0" u="none">
-                <a:solidFill>
-                  <a:srgbClr val="000000"/>
-                </a:solidFill>
-                <a:latin typeface="Arial"/>
-                <a:ea typeface="Arial"/>
-                <a:cs typeface="Arial"/>
-                <a:sym typeface="Arial"/>
-              </a:rPr>
-              <a:t> </a:t>
-            </a:r>
-            <a:r>
-              <a:rPr lang="es-AR" sz="2000" b="1" i="0" u="none">
-                <a:solidFill>
-                  <a:srgbClr val="0000FF"/>
-                </a:solidFill>
-                <a:latin typeface="Arial"/>
-                <a:ea typeface="Arial"/>
-                <a:cs typeface="Arial"/>
-                <a:sym typeface="Arial"/>
-              </a:rPr>
-              <a:t>static</a:t>
-            </a:r>
-            <a:r>
-              <a:rPr lang="es-AR" sz="2000" b="1" i="0" u="none">
-                <a:solidFill>
-                  <a:srgbClr val="000000"/>
-                </a:solidFill>
-                <a:latin typeface="Arial"/>
-                <a:ea typeface="Arial"/>
-                <a:cs typeface="Arial"/>
-                <a:sym typeface="Arial"/>
-              </a:rPr>
-              <a:t> </a:t>
-            </a:r>
-            <a:r>
-              <a:rPr lang="es-AR" sz="2000" b="1" i="0" u="none">
-                <a:solidFill>
-                  <a:srgbClr val="0000FF"/>
-                </a:solidFill>
-                <a:latin typeface="Arial"/>
-                <a:ea typeface="Arial"/>
-                <a:cs typeface="Arial"/>
-                <a:sym typeface="Arial"/>
-              </a:rPr>
-              <a:t>int</a:t>
-            </a:r>
-            <a:r>
-              <a:rPr lang="es-AR" sz="2000" b="1" i="0" u="none">
-                <a:solidFill>
-                  <a:srgbClr val="000000"/>
-                </a:solidFill>
-                <a:latin typeface="Arial"/>
-                <a:ea typeface="Arial"/>
-                <a:cs typeface="Arial"/>
-                <a:sym typeface="Arial"/>
-              </a:rPr>
-              <a:t> _var1;</a:t>
-            </a:r>
-            <a:endParaRPr/>
-          </a:p>
-          <a:p>
-            <a:pPr marL="0" marR="0" lvl="0" indent="0" algn="l" rtl="0">
-              <a:lnSpc>
-                <a:spcPct val="100000"/>
-              </a:lnSpc>
-              <a:spcBef>
-                <a:spcPts val="0"/>
-              </a:spcBef>
-              <a:spcAft>
-                <a:spcPts val="0"/>
-              </a:spcAft>
-              <a:buClr>
-                <a:srgbClr val="000000"/>
-              </a:buClr>
-              <a:buSzPts val="2000"/>
-              <a:buFont typeface="Arial"/>
-              <a:buNone/>
-            </a:pPr>
-            <a:r>
-              <a:rPr lang="es-AR" sz="2000" b="1" i="0" u="none">
-                <a:solidFill>
-                  <a:srgbClr val="000000"/>
-                </a:solidFill>
-                <a:latin typeface="Arial"/>
-                <a:ea typeface="Arial"/>
-                <a:cs typeface="Arial"/>
-                <a:sym typeface="Arial"/>
-              </a:rPr>
-              <a:t>		</a:t>
-            </a:r>
-            <a:r>
-              <a:rPr lang="es-AR" sz="2000" b="1" i="0" u="none">
-                <a:solidFill>
-                  <a:srgbClr val="0000FF"/>
-                </a:solidFill>
-                <a:latin typeface="Arial"/>
-                <a:ea typeface="Arial"/>
-                <a:cs typeface="Arial"/>
-                <a:sym typeface="Arial"/>
-              </a:rPr>
-              <a:t>private</a:t>
-            </a:r>
-            <a:r>
-              <a:rPr lang="es-AR" sz="2000" b="1" i="0" u="none">
-                <a:solidFill>
-                  <a:srgbClr val="000000"/>
-                </a:solidFill>
-                <a:latin typeface="Arial"/>
-                <a:ea typeface="Arial"/>
-                <a:cs typeface="Arial"/>
-                <a:sym typeface="Arial"/>
-              </a:rPr>
-              <a:t> </a:t>
-            </a:r>
-            <a:r>
-              <a:rPr lang="es-AR" sz="2000" b="1" i="0" u="none">
-                <a:solidFill>
-                  <a:srgbClr val="0000FF"/>
-                </a:solidFill>
-                <a:latin typeface="Arial"/>
-                <a:ea typeface="Arial"/>
-                <a:cs typeface="Arial"/>
-                <a:sym typeface="Arial"/>
-              </a:rPr>
-              <a:t>static</a:t>
-            </a:r>
-            <a:r>
-              <a:rPr lang="es-AR" sz="2000" b="1" i="0" u="none">
-                <a:solidFill>
-                  <a:srgbClr val="000000"/>
-                </a:solidFill>
-                <a:latin typeface="Arial"/>
-                <a:ea typeface="Arial"/>
-                <a:cs typeface="Arial"/>
-                <a:sym typeface="Arial"/>
-              </a:rPr>
-              <a:t> </a:t>
-            </a:r>
-            <a:r>
-              <a:rPr lang="es-AR" sz="2000" b="1" i="0" u="none">
-                <a:solidFill>
-                  <a:srgbClr val="0000FF"/>
-                </a:solidFill>
-                <a:latin typeface="Arial"/>
-                <a:ea typeface="Arial"/>
-                <a:cs typeface="Arial"/>
-                <a:sym typeface="Arial"/>
-              </a:rPr>
-              <a:t>int</a:t>
-            </a:r>
-            <a:r>
-              <a:rPr lang="es-AR" sz="2000" b="1" i="0" u="none">
-                <a:solidFill>
-                  <a:srgbClr val="000000"/>
-                </a:solidFill>
-                <a:latin typeface="Arial"/>
-                <a:ea typeface="Arial"/>
-                <a:cs typeface="Arial"/>
-                <a:sym typeface="Arial"/>
-              </a:rPr>
-              <a:t> _var2;</a:t>
-            </a:r>
-            <a:endParaRPr/>
-          </a:p>
-          <a:p>
-            <a:pPr marL="0" marR="0" lvl="0" indent="0" algn="l" rtl="0">
-              <a:lnSpc>
-                <a:spcPct val="100000"/>
-              </a:lnSpc>
-              <a:spcBef>
-                <a:spcPts val="0"/>
-              </a:spcBef>
-              <a:spcAft>
-                <a:spcPts val="0"/>
-              </a:spcAft>
-              <a:buClr>
-                <a:srgbClr val="000000"/>
-              </a:buClr>
-              <a:buSzPts val="2000"/>
-              <a:buFont typeface="Arial"/>
-              <a:buNone/>
-            </a:pPr>
-            <a:r>
-              <a:rPr lang="es-AR" sz="2000" b="1" i="0" u="none">
-                <a:solidFill>
-                  <a:srgbClr val="000000"/>
-                </a:solidFill>
-                <a:latin typeface="Arial"/>
-                <a:ea typeface="Arial"/>
-                <a:cs typeface="Arial"/>
-                <a:sym typeface="Arial"/>
-              </a:rPr>
-              <a:t>		</a:t>
-            </a:r>
-            <a:r>
-              <a:rPr lang="es-AR" sz="2000" b="1" i="0" u="none">
-                <a:solidFill>
-                  <a:srgbClr val="0000FF"/>
-                </a:solidFill>
-                <a:latin typeface="Arial"/>
-                <a:ea typeface="Arial"/>
-                <a:cs typeface="Arial"/>
-                <a:sym typeface="Arial"/>
-              </a:rPr>
-              <a:t>private</a:t>
-            </a:r>
-            <a:r>
-              <a:rPr lang="es-AR" sz="2000" b="1" i="0" u="none">
-                <a:solidFill>
-                  <a:srgbClr val="000000"/>
-                </a:solidFill>
-                <a:latin typeface="Arial"/>
-                <a:ea typeface="Arial"/>
-                <a:cs typeface="Arial"/>
-                <a:sym typeface="Arial"/>
-              </a:rPr>
-              <a:t> </a:t>
-            </a:r>
-            <a:r>
-              <a:rPr lang="es-AR" sz="2000" b="1" i="0" u="none">
-                <a:solidFill>
-                  <a:srgbClr val="0000FF"/>
-                </a:solidFill>
-                <a:latin typeface="Arial"/>
-                <a:ea typeface="Arial"/>
-                <a:cs typeface="Arial"/>
-                <a:sym typeface="Arial"/>
-              </a:rPr>
-              <a:t>int</a:t>
-            </a:r>
-            <a:r>
-              <a:rPr lang="es-AR" sz="2000" b="1" i="0" u="none">
-                <a:solidFill>
-                  <a:srgbClr val="000000"/>
-                </a:solidFill>
-                <a:latin typeface="Arial"/>
-                <a:ea typeface="Arial"/>
-                <a:cs typeface="Arial"/>
-                <a:sym typeface="Arial"/>
-              </a:rPr>
-              <a:t> _var3;</a:t>
-            </a:r>
-            <a:endParaRPr/>
-          </a:p>
-          <a:p>
-            <a:pPr marL="0" marR="0" lvl="0" indent="0" algn="l" rtl="0">
-              <a:lnSpc>
-                <a:spcPct val="100000"/>
-              </a:lnSpc>
-              <a:spcBef>
-                <a:spcPts val="0"/>
-              </a:spcBef>
-              <a:spcAft>
-                <a:spcPts val="0"/>
-              </a:spcAft>
-              <a:buClr>
-                <a:srgbClr val="FFFFFF"/>
-              </a:buClr>
-              <a:buSzPts val="2000"/>
-              <a:buFont typeface="Arial"/>
-              <a:buNone/>
-            </a:pPr>
-            <a:endParaRPr sz="2000" b="1" i="0" u="none">
-              <a:solidFill>
-                <a:srgbClr val="000000"/>
-              </a:solidFill>
-              <a:latin typeface="Arial"/>
-              <a:ea typeface="Arial"/>
-              <a:cs typeface="Arial"/>
-              <a:sym typeface="Arial"/>
-            </a:endParaRPr>
-          </a:p>
-          <a:p>
-            <a:pPr marL="0" marR="0" lvl="0" indent="0" algn="l" rtl="0">
-              <a:lnSpc>
-                <a:spcPct val="100000"/>
-              </a:lnSpc>
-              <a:spcBef>
-                <a:spcPts val="0"/>
-              </a:spcBef>
-              <a:spcAft>
-                <a:spcPts val="0"/>
-              </a:spcAft>
-              <a:buClr>
-                <a:srgbClr val="000000"/>
-              </a:buClr>
-              <a:buSzPts val="2000"/>
-              <a:buFont typeface="Arial"/>
-              <a:buNone/>
-            </a:pPr>
-            <a:r>
-              <a:rPr lang="es-AR" sz="2000" b="1" i="0" u="none">
-                <a:solidFill>
-                  <a:srgbClr val="000000"/>
-                </a:solidFill>
-                <a:latin typeface="Arial"/>
-                <a:ea typeface="Arial"/>
-                <a:cs typeface="Arial"/>
-                <a:sym typeface="Arial"/>
-              </a:rPr>
-              <a:t>		</a:t>
-            </a:r>
-            <a:r>
-              <a:rPr lang="es-AR" sz="2000" b="1" i="0" u="none">
-                <a:solidFill>
-                  <a:srgbClr val="0000FF"/>
-                </a:solidFill>
-                <a:latin typeface="Arial"/>
-                <a:ea typeface="Arial"/>
-                <a:cs typeface="Arial"/>
-                <a:sym typeface="Arial"/>
-              </a:rPr>
-              <a:t>static</a:t>
-            </a:r>
-            <a:r>
-              <a:rPr lang="es-AR" sz="2000" b="1" i="0" u="none">
-                <a:solidFill>
-                  <a:srgbClr val="000000"/>
-                </a:solidFill>
-                <a:latin typeface="Arial"/>
-                <a:ea typeface="Arial"/>
-                <a:cs typeface="Arial"/>
-                <a:sym typeface="Arial"/>
-              </a:rPr>
-              <a:t> Clase() {</a:t>
-            </a:r>
-            <a:endParaRPr/>
-          </a:p>
-          <a:p>
-            <a:pPr marL="0" marR="0" lvl="0" indent="0" algn="l" rtl="0">
-              <a:lnSpc>
-                <a:spcPct val="100000"/>
-              </a:lnSpc>
-              <a:spcBef>
-                <a:spcPts val="0"/>
-              </a:spcBef>
-              <a:spcAft>
-                <a:spcPts val="0"/>
-              </a:spcAft>
-              <a:buClr>
-                <a:srgbClr val="000000"/>
-              </a:buClr>
-              <a:buSzPts val="2000"/>
-              <a:buFont typeface="Arial"/>
-              <a:buNone/>
-            </a:pPr>
-            <a:r>
-              <a:rPr lang="es-AR" sz="2000" b="1" i="0" u="none">
-                <a:solidFill>
-                  <a:srgbClr val="000000"/>
-                </a:solidFill>
-                <a:latin typeface="Arial"/>
-                <a:ea typeface="Arial"/>
-                <a:cs typeface="Arial"/>
-                <a:sym typeface="Arial"/>
-              </a:rPr>
-              <a:t>			_var1 = 3;</a:t>
-            </a:r>
-            <a:endParaRPr/>
-          </a:p>
-          <a:p>
-            <a:pPr marL="0" marR="0" lvl="0" indent="0" algn="l" rtl="0">
-              <a:lnSpc>
-                <a:spcPct val="100000"/>
-              </a:lnSpc>
-              <a:spcBef>
-                <a:spcPts val="0"/>
-              </a:spcBef>
-              <a:spcAft>
-                <a:spcPts val="0"/>
-              </a:spcAft>
-              <a:buClr>
-                <a:srgbClr val="000000"/>
-              </a:buClr>
-              <a:buSzPts val="2000"/>
-              <a:buFont typeface="Arial"/>
-              <a:buNone/>
-            </a:pPr>
-            <a:r>
-              <a:rPr lang="es-AR" sz="2000" b="1" i="0" u="none">
-                <a:solidFill>
-                  <a:srgbClr val="000000"/>
-                </a:solidFill>
-                <a:latin typeface="Arial"/>
-                <a:ea typeface="Arial"/>
-                <a:cs typeface="Arial"/>
-                <a:sym typeface="Arial"/>
-              </a:rPr>
-              <a:t>			_var2 = 5;</a:t>
-            </a:r>
-            <a:endParaRPr/>
-          </a:p>
-          <a:p>
-            <a:pPr marL="0" marR="0" lvl="0" indent="0" algn="l" rtl="0">
-              <a:lnSpc>
-                <a:spcPct val="100000"/>
-              </a:lnSpc>
-              <a:spcBef>
-                <a:spcPts val="0"/>
-              </a:spcBef>
-              <a:spcAft>
-                <a:spcPts val="0"/>
-              </a:spcAft>
-              <a:buClr>
-                <a:srgbClr val="000000"/>
-              </a:buClr>
-              <a:buSzPts val="2000"/>
-              <a:buFont typeface="Arial"/>
-              <a:buNone/>
-            </a:pPr>
-            <a:r>
-              <a:rPr lang="es-AR" sz="2000" b="1" i="0" u="none">
-                <a:solidFill>
-                  <a:srgbClr val="000000"/>
-                </a:solidFill>
-                <a:latin typeface="Arial"/>
-                <a:ea typeface="Arial"/>
-                <a:cs typeface="Arial"/>
-                <a:sym typeface="Arial"/>
-              </a:rPr>
-              <a:t>		}</a:t>
-            </a:r>
-            <a:endParaRPr/>
-          </a:p>
-          <a:p>
-            <a:pPr marL="0" marR="0" lvl="0" indent="0" algn="l" rtl="0">
-              <a:lnSpc>
-                <a:spcPct val="100000"/>
-              </a:lnSpc>
-              <a:spcBef>
-                <a:spcPts val="0"/>
-              </a:spcBef>
-              <a:spcAft>
-                <a:spcPts val="0"/>
-              </a:spcAft>
-              <a:buClr>
-                <a:srgbClr val="000000"/>
-              </a:buClr>
-              <a:buSzPts val="2000"/>
-              <a:buFont typeface="Arial"/>
-              <a:buNone/>
-            </a:pPr>
-            <a:r>
-              <a:rPr lang="es-AR" sz="2000" b="1" i="0" u="none">
-                <a:solidFill>
-                  <a:srgbClr val="000000"/>
-                </a:solidFill>
-                <a:latin typeface="Arial"/>
-                <a:ea typeface="Arial"/>
-                <a:cs typeface="Arial"/>
-                <a:sym typeface="Arial"/>
-              </a:rPr>
-              <a:t>}</a:t>
-            </a:r>
-            <a:endParaRPr/>
-          </a:p>
-          <a:p>
-            <a:pPr marL="0" marR="0" lvl="0" indent="0" algn="l" rtl="0">
-              <a:lnSpc>
-                <a:spcPct val="100000"/>
-              </a:lnSpc>
-              <a:spcBef>
-                <a:spcPts val="0"/>
-              </a:spcBef>
-              <a:spcAft>
-                <a:spcPts val="0"/>
-              </a:spcAft>
-              <a:buClr>
-                <a:srgbClr val="0000FF"/>
-              </a:buClr>
-              <a:buSzPts val="2000"/>
-              <a:buFont typeface="Arial"/>
-              <a:buNone/>
-            </a:pPr>
-            <a:r>
-              <a:rPr lang="es-AR" sz="2000" b="1" i="0" u="none">
-                <a:solidFill>
-                  <a:srgbClr val="0000FF"/>
-                </a:solidFill>
-                <a:latin typeface="Arial"/>
-                <a:ea typeface="Arial"/>
-                <a:cs typeface="Arial"/>
-                <a:sym typeface="Arial"/>
-              </a:rPr>
-              <a:t>class</a:t>
-            </a:r>
-            <a:r>
-              <a:rPr lang="es-AR" sz="2000" b="1" i="0" u="none">
-                <a:solidFill>
-                  <a:srgbClr val="000000"/>
-                </a:solidFill>
-                <a:latin typeface="Arial"/>
-                <a:ea typeface="Arial"/>
-                <a:cs typeface="Arial"/>
-                <a:sym typeface="Arial"/>
-              </a:rPr>
-              <a:t> </a:t>
-            </a:r>
-            <a:r>
-              <a:rPr lang="es-AR" sz="2000" b="1" i="0" u="none">
-                <a:solidFill>
-                  <a:srgbClr val="6699FF"/>
-                </a:solidFill>
-                <a:latin typeface="Arial"/>
-                <a:ea typeface="Arial"/>
-                <a:cs typeface="Arial"/>
-                <a:sym typeface="Arial"/>
-              </a:rPr>
-              <a:t>Test </a:t>
-            </a:r>
-            <a:r>
-              <a:rPr lang="es-AR" sz="2000" b="1" i="0" u="none">
-                <a:solidFill>
-                  <a:srgbClr val="000000"/>
-                </a:solidFill>
-                <a:latin typeface="Arial"/>
-                <a:ea typeface="Arial"/>
-                <a:cs typeface="Arial"/>
-                <a:sym typeface="Arial"/>
-              </a:rPr>
-              <a:t>{</a:t>
-            </a:r>
-            <a:endParaRPr/>
-          </a:p>
-          <a:p>
-            <a:pPr marL="0" marR="0" lvl="0" indent="0" algn="l" rtl="0">
-              <a:lnSpc>
-                <a:spcPct val="100000"/>
-              </a:lnSpc>
-              <a:spcBef>
-                <a:spcPts val="0"/>
-              </a:spcBef>
-              <a:spcAft>
-                <a:spcPts val="0"/>
-              </a:spcAft>
-              <a:buClr>
-                <a:srgbClr val="000000"/>
-              </a:buClr>
-              <a:buSzPts val="2000"/>
-              <a:buFont typeface="Arial"/>
-              <a:buNone/>
-            </a:pPr>
-            <a:r>
-              <a:rPr lang="es-AR" sz="2000" b="1" i="0" u="none">
-                <a:solidFill>
-                  <a:srgbClr val="000000"/>
-                </a:solidFill>
-                <a:latin typeface="Arial"/>
-                <a:ea typeface="Arial"/>
-                <a:cs typeface="Arial"/>
-                <a:sym typeface="Arial"/>
-              </a:rPr>
-              <a:t>		</a:t>
-            </a:r>
-            <a:r>
-              <a:rPr lang="es-AR" sz="2000" b="1" i="0" u="none">
-                <a:solidFill>
-                  <a:srgbClr val="0000FF"/>
-                </a:solidFill>
-                <a:latin typeface="Arial"/>
-                <a:ea typeface="Arial"/>
-                <a:cs typeface="Arial"/>
-                <a:sym typeface="Arial"/>
-              </a:rPr>
-              <a:t>static</a:t>
-            </a:r>
-            <a:r>
-              <a:rPr lang="es-AR" sz="2000" b="1" i="0" u="none">
-                <a:solidFill>
-                  <a:srgbClr val="000000"/>
-                </a:solidFill>
-                <a:latin typeface="Arial"/>
-                <a:ea typeface="Arial"/>
-                <a:cs typeface="Arial"/>
-                <a:sym typeface="Arial"/>
-              </a:rPr>
-              <a:t> </a:t>
-            </a:r>
-            <a:r>
-              <a:rPr lang="es-AR" sz="2000" b="1" i="0" u="none">
-                <a:solidFill>
-                  <a:srgbClr val="0000FF"/>
-                </a:solidFill>
-                <a:latin typeface="Arial"/>
-                <a:ea typeface="Arial"/>
-                <a:cs typeface="Arial"/>
-                <a:sym typeface="Arial"/>
-              </a:rPr>
-              <a:t>void</a:t>
-            </a:r>
-            <a:r>
-              <a:rPr lang="es-AR" sz="2000" b="1" i="0" u="none">
-                <a:solidFill>
-                  <a:srgbClr val="000000"/>
-                </a:solidFill>
-                <a:latin typeface="Arial"/>
-                <a:ea typeface="Arial"/>
-                <a:cs typeface="Arial"/>
-                <a:sym typeface="Arial"/>
-              </a:rPr>
-              <a:t> Main() {</a:t>
-            </a:r>
-            <a:endParaRPr/>
-          </a:p>
-          <a:p>
-            <a:pPr marL="0" marR="0" lvl="0" indent="0" algn="l" rtl="0">
-              <a:lnSpc>
-                <a:spcPct val="100000"/>
-              </a:lnSpc>
-              <a:spcBef>
-                <a:spcPts val="0"/>
-              </a:spcBef>
-              <a:spcAft>
-                <a:spcPts val="0"/>
-              </a:spcAft>
-              <a:buClr>
-                <a:srgbClr val="000000"/>
-              </a:buClr>
-              <a:buSzPts val="2000"/>
-              <a:buFont typeface="Arial"/>
-              <a:buNone/>
-            </a:pPr>
-            <a:r>
-              <a:rPr lang="es-AR" sz="2000" b="1" i="0" u="none">
-                <a:solidFill>
-                  <a:srgbClr val="000000"/>
-                </a:solidFill>
-                <a:latin typeface="Arial"/>
-                <a:ea typeface="Arial"/>
-                <a:cs typeface="Arial"/>
-                <a:sym typeface="Arial"/>
-              </a:rPr>
-              <a:t>			</a:t>
-            </a:r>
-            <a:endParaRPr/>
-          </a:p>
-          <a:p>
-            <a:pPr marL="0" marR="0" lvl="0" indent="0" algn="l" rtl="0">
-              <a:lnSpc>
-                <a:spcPct val="100000"/>
-              </a:lnSpc>
-              <a:spcBef>
-                <a:spcPts val="0"/>
-              </a:spcBef>
-              <a:spcAft>
-                <a:spcPts val="0"/>
-              </a:spcAft>
-              <a:buClr>
-                <a:srgbClr val="0000FF"/>
-              </a:buClr>
-              <a:buSzPts val="2000"/>
-              <a:buFont typeface="Arial"/>
-              <a:buNone/>
-            </a:pPr>
-            <a:r>
-              <a:rPr lang="es-AR" sz="2000" b="1" i="0" u="none">
-                <a:solidFill>
-                  <a:srgbClr val="0000FF"/>
-                </a:solidFill>
-                <a:latin typeface="Arial"/>
-                <a:ea typeface="Arial"/>
-                <a:cs typeface="Arial"/>
-                <a:sym typeface="Arial"/>
-              </a:rPr>
-              <a:t>			new</a:t>
-            </a:r>
-            <a:r>
-              <a:rPr lang="es-AR" sz="2000" b="1" i="0" u="none">
-                <a:solidFill>
-                  <a:srgbClr val="000000"/>
-                </a:solidFill>
-                <a:latin typeface="Arial"/>
-                <a:ea typeface="Arial"/>
-                <a:cs typeface="Arial"/>
-                <a:sym typeface="Arial"/>
-              </a:rPr>
-              <a:t> </a:t>
-            </a:r>
-            <a:r>
-              <a:rPr lang="es-AR" sz="2000" b="1" i="0" u="none">
-                <a:solidFill>
-                  <a:srgbClr val="6699FF"/>
-                </a:solidFill>
-                <a:latin typeface="Arial"/>
-                <a:ea typeface="Arial"/>
-                <a:cs typeface="Arial"/>
-                <a:sym typeface="Arial"/>
-              </a:rPr>
-              <a:t>Clase</a:t>
-            </a:r>
-            <a:r>
-              <a:rPr lang="es-AR" sz="2000" b="1" i="0" u="none">
-                <a:solidFill>
-                  <a:srgbClr val="000000"/>
-                </a:solidFill>
-                <a:latin typeface="Arial"/>
-                <a:ea typeface="Arial"/>
-                <a:cs typeface="Arial"/>
-                <a:sym typeface="Arial"/>
-              </a:rPr>
-              <a:t>();</a:t>
-            </a:r>
-            <a:endParaRPr/>
-          </a:p>
-          <a:p>
-            <a:pPr marL="0" marR="0" lvl="0" indent="0" algn="l" rtl="0">
-              <a:lnSpc>
-                <a:spcPct val="100000"/>
-              </a:lnSpc>
-              <a:spcBef>
-                <a:spcPts val="0"/>
-              </a:spcBef>
-              <a:spcAft>
-                <a:spcPts val="0"/>
-              </a:spcAft>
-              <a:buClr>
-                <a:srgbClr val="000000"/>
-              </a:buClr>
-              <a:buSzPts val="2000"/>
-              <a:buFont typeface="Arial"/>
-              <a:buNone/>
-            </a:pPr>
-            <a:r>
-              <a:rPr lang="es-AR" sz="2000" b="1" i="0" u="none">
-                <a:solidFill>
-                  <a:srgbClr val="000000"/>
-                </a:solidFill>
-                <a:latin typeface="Arial"/>
-                <a:ea typeface="Arial"/>
-                <a:cs typeface="Arial"/>
-                <a:sym typeface="Arial"/>
-              </a:rPr>
-              <a:t>		}	</a:t>
-            </a:r>
-            <a:endParaRPr/>
-          </a:p>
-          <a:p>
-            <a:pPr marL="0" marR="0" lvl="0" indent="0" algn="l" rtl="0">
-              <a:lnSpc>
-                <a:spcPct val="100000"/>
-              </a:lnSpc>
-              <a:spcBef>
-                <a:spcPts val="0"/>
-              </a:spcBef>
-              <a:spcAft>
-                <a:spcPts val="0"/>
-              </a:spcAft>
-              <a:buClr>
-                <a:srgbClr val="000000"/>
-              </a:buClr>
-              <a:buSzPts val="2000"/>
-              <a:buFont typeface="Arial"/>
-              <a:buNone/>
-            </a:pPr>
-            <a:r>
-              <a:rPr lang="es-AR" sz="2000" b="1" i="0" u="none">
-                <a:solidFill>
-                  <a:srgbClr val="000000"/>
-                </a:solidFill>
-                <a:latin typeface="Arial"/>
-                <a:ea typeface="Arial"/>
-                <a:cs typeface="Arial"/>
-                <a:sym typeface="Arial"/>
-              </a:rPr>
-              <a:t>}</a:t>
-            </a:r>
-            <a:endParaRPr/>
-          </a:p>
-        </p:txBody>
-      </p:sp>
-    </p:spTree>
-  </p:cSld>
-  <p:clrMapOvr>
-    <a:masterClrMapping/>
-  </p:clrMapOvr>
-</p:sld>
-</file>
-
 <file path=ppt/slides/slide4.xml><?xml version="1.0" encoding="utf-8"?>
 <p:sld xmlns:a="http://schemas.openxmlformats.org/drawingml/2006/main" xmlns:r="http://schemas.openxmlformats.org/officeDocument/2006/relationships" xmlns:p="http://schemas.openxmlformats.org/presentationml/2006/main">
   <p:cSld>
@@ -46094,7 +45217,7 @@
               <a:t>: Es el nombre asignado a la instancia de tipo </a:t>
             </a:r>
             <a:r>
-              <a:rPr lang="es-AR" sz="2800" dirty="0" err="1">
+              <a:rPr lang="es-AR" sz="2800" dirty="0" err="1" smtClean="0">
                 <a:effectLst>
                   <a:outerShdw blurRad="38100" dist="38100" dir="2700000" algn="tl">
                     <a:srgbClr val="000000">
@@ -46107,7 +45230,7 @@
                 <a:cs typeface="Source Sans Pro"/>
                 <a:sym typeface="Source Sans Pro"/>
               </a:rPr>
-              <a:t>Nombre_Clase</a:t>
+              <a:t>NombreClase</a:t>
             </a:r>
             <a:r>
               <a:rPr lang="es-AR" sz="2800" dirty="0">
@@ -47910,6 +47033,13 @@
   <p:clrMapOvr>
     <a:masterClrMapping/>
   </p:clrMapOvr>
+  <p:timing>
+    <p:tnLst>
+      <p:par>
+        <p:cTn id="1" dur="indefinite" restart="never" nodeType="tmRoot"/>
+      </p:par>
+    </p:tnLst>
+  </p:timing>
 </p:sld>
 </file>
 
@@ -48234,6 +47364,13 @@
   <p:clrMapOvr>
     <a:masterClrMapping/>
   </p:clrMapOvr>
+  <p:timing>
+    <p:tnLst>
+      <p:par>
+        <p:cTn id="1" dur="indefinite" restart="never" nodeType="tmRoot"/>
+      </p:par>
+    </p:tnLst>
+  </p:timing>
 </p:sld>
 </file>
 
@@ -49159,6 +48296,13 @@
   <p:clrMapOvr>
     <a:masterClrMapping/>
   </p:clrMapOvr>
+  <p:timing>
+    <p:tnLst>
+      <p:par>
+        <p:cTn id="1" dur="indefinite" restart="never" nodeType="tmRoot"/>
+      </p:par>
+    </p:tnLst>
+  </p:timing>
 </p:sld>
 </file>
 
@@ -49693,6 +48837,13 @@
   <p:clrMapOvr>
     <a:masterClrMapping/>
   </p:clrMapOvr>
+  <p:timing>
+    <p:tnLst>
+      <p:par>
+        <p:cTn id="1" dur="indefinite" restart="never" nodeType="tmRoot"/>
+      </p:par>
+    </p:tnLst>
+  </p:timing>
 </p:sld>
 </file>
 

--- a/PPTs/ProgramacionII_Clase_03-2018.pptx
+++ b/PPTs/ProgramacionII_Clase_03-2018.pptx
@@ -43705,6 +43705,24 @@
             <a:r>
               <a:rPr lang="es-AR" sz="1800" dirty="0" smtClean="0">
                 <a:solidFill>
+                  <a:srgbClr val="0000FF"/>
+                </a:solidFill>
+                <a:latin typeface="Consolas" panose="020B0609020204030204" pitchFamily="49" charset="0"/>
+              </a:rPr>
+              <a:t> </a:t>
+            </a:r>
+            <a:r>
+              <a:rPr lang="es-AR" sz="1800" dirty="0" err="1" smtClean="0">
+                <a:solidFill>
+                  <a:srgbClr val="0000FF"/>
+                </a:solidFill>
+                <a:latin typeface="Consolas" panose="020B0609020204030204" pitchFamily="49" charset="0"/>
+              </a:rPr>
+              <a:t>static</a:t>
+            </a:r>
+            <a:r>
+              <a:rPr lang="es-AR" sz="1800" dirty="0" smtClean="0">
+                <a:solidFill>
                   <a:srgbClr val="000000"/>
                 </a:solidFill>
                 <a:latin typeface="Consolas" panose="020B0609020204030204" pitchFamily="49" charset="0"/>
@@ -43952,18 +43970,7 @@
                 <a:cs typeface="Arial"/>
                 <a:sym typeface="Arial"/>
               </a:rPr>
-              <a:t> </a:t>
-            </a:r>
-            <a:r>
-              <a:rPr lang="es-AR" sz="2000" smtClean="0">
-                <a:solidFill>
-                  <a:srgbClr val="000000"/>
-                </a:solidFill>
-                <a:latin typeface="Consolas" panose="020B0609020204030204" pitchFamily="49" charset="0"/>
-                <a:cs typeface="Arial"/>
-                <a:sym typeface="Arial"/>
-              </a:rPr>
-              <a:t>Clase();</a:t>
+              <a:t> Clase();</a:t>
             </a:r>
             <a:endParaRPr lang="es-AR" sz="1800" dirty="0">
               <a:solidFill>

--- a/PPTs/ProgramacionII_Clase_03-2018.pptx
+++ b/PPTs/ProgramacionII_Clase_03-2018.pptx
@@ -49,25 +49,30 @@
       <p:boldItalic r:id="rId35"/>
     </p:embeddedFont>
     <p:embeddedFont>
+      <p:font typeface="Franklin Gothic Medium" panose="020B0603020102020204" pitchFamily="34" charset="0"/>
+      <p:regular r:id="rId36"/>
+      <p:italic r:id="rId37"/>
+    </p:embeddedFont>
+    <p:embeddedFont>
       <p:font typeface="Calibri" panose="020F0502020204030204" pitchFamily="34" charset="0"/>
-      <p:regular r:id="rId36"/>
-      <p:bold r:id="rId37"/>
-      <p:italic r:id="rId38"/>
-      <p:boldItalic r:id="rId39"/>
+      <p:regular r:id="rId38"/>
+      <p:bold r:id="rId39"/>
+      <p:italic r:id="rId40"/>
+      <p:boldItalic r:id="rId41"/>
     </p:embeddedFont>
     <p:embeddedFont>
       <p:font typeface="Trebuchet MS" panose="020B0603020202020204" pitchFamily="34" charset="0"/>
-      <p:regular r:id="rId40"/>
-      <p:bold r:id="rId41"/>
-      <p:italic r:id="rId42"/>
-      <p:boldItalic r:id="rId43"/>
+      <p:regular r:id="rId42"/>
+      <p:bold r:id="rId43"/>
+      <p:italic r:id="rId44"/>
+      <p:boldItalic r:id="rId45"/>
     </p:embeddedFont>
     <p:embeddedFont>
       <p:font typeface="Consolas" panose="020B0609020204030204" pitchFamily="49" charset="0"/>
-      <p:regular r:id="rId44"/>
-      <p:bold r:id="rId45"/>
-      <p:italic r:id="rId46"/>
-      <p:boldItalic r:id="rId47"/>
+      <p:regular r:id="rId46"/>
+      <p:bold r:id="rId47"/>
+      <p:italic r:id="rId48"/>
+      <p:boldItalic r:id="rId49"/>
     </p:embeddedFont>
   </p:embeddedFontLst>
   <p:defaultTextStyle>
@@ -48271,33 +48276,748 @@
           </a:p>
         </p:txBody>
       </p:sp>
-      <p:pic>
-        <p:nvPicPr>
-          <p:cNvPr id="6" name="Google Shape;440;p27" descr="untitled"/>
-          <p:cNvPicPr preferRelativeResize="0"/>
+      <p:sp>
+        <p:nvSpPr>
+          <p:cNvPr id="2" name="Rectángulo redondeado 1"/>
+          <p:cNvSpPr/>
           <p:nvPr/>
-        </p:nvPicPr>
-        <p:blipFill rotWithShape="1">
-          <a:blip r:embed="rId3">
-            <a:alphaModFix/>
-          </a:blip>
-          <a:srcRect/>
-          <a:stretch/>
-        </p:blipFill>
+        </p:nvSpPr>
         <p:spPr>
           <a:xfrm>
-            <a:off x="7268725" y="3067848"/>
-            <a:ext cx="4690475" cy="3671900"/>
+            <a:off x="7653867" y="2861733"/>
+            <a:ext cx="2319866" cy="2335107"/>
+          </a:xfrm>
+          <a:prstGeom prst="roundRect">
+            <a:avLst/>
+          </a:prstGeom>
+          <a:solidFill>
+            <a:schemeClr val="bg1"/>
+          </a:solidFill>
+          <a:ln>
+            <a:solidFill>
+              <a:schemeClr val="tx1"/>
+            </a:solidFill>
+          </a:ln>
+        </p:spPr>
+        <p:style>
+          <a:lnRef idx="2">
+            <a:schemeClr val="accent1">
+              <a:shade val="50000"/>
+            </a:schemeClr>
+          </a:lnRef>
+          <a:fillRef idx="1">
+            <a:schemeClr val="accent1"/>
+          </a:fillRef>
+          <a:effectRef idx="0">
+            <a:schemeClr val="accent1"/>
+          </a:effectRef>
+          <a:fontRef idx="minor">
+            <a:schemeClr val="lt1"/>
+          </a:fontRef>
+        </p:style>
+        <p:txBody>
+          <a:bodyPr rtlCol="0" anchor="ctr"/>
+          <a:lstStyle/>
+          <a:p>
+            <a:pPr algn="ctr"/>
+            <a:endParaRPr lang="es-AR"/>
+          </a:p>
+        </p:txBody>
+      </p:sp>
+      <p:cxnSp>
+        <p:nvCxnSpPr>
+          <p:cNvPr id="7" name="Conector recto 6"/>
+          <p:cNvCxnSpPr/>
+          <p:nvPr/>
+        </p:nvCxnSpPr>
+        <p:spPr>
+          <a:xfrm>
+            <a:off x="7653867" y="3467100"/>
+            <a:ext cx="2335953" cy="0"/>
+          </a:xfrm>
+          <a:prstGeom prst="line">
+            <a:avLst/>
+          </a:prstGeom>
+          <a:ln>
+            <a:solidFill>
+              <a:schemeClr val="tx1"/>
+            </a:solidFill>
+          </a:ln>
+        </p:spPr>
+        <p:style>
+          <a:lnRef idx="1">
+            <a:schemeClr val="accent1"/>
+          </a:lnRef>
+          <a:fillRef idx="0">
+            <a:schemeClr val="accent1"/>
+          </a:fillRef>
+          <a:effectRef idx="0">
+            <a:schemeClr val="accent1"/>
+          </a:effectRef>
+          <a:fontRef idx="minor">
+            <a:schemeClr val="tx1"/>
+          </a:fontRef>
+        </p:style>
+      </p:cxnSp>
+      <p:sp>
+        <p:nvSpPr>
+          <p:cNvPr id="10" name="Rectángulo 9"/>
+          <p:cNvSpPr/>
+          <p:nvPr/>
+        </p:nvSpPr>
+        <p:spPr>
+          <a:xfrm>
+            <a:off x="7653868" y="4018752"/>
+            <a:ext cx="2319866" cy="556165"/>
+          </a:xfrm>
+          <a:prstGeom prst="rect">
+            <a:avLst/>
+          </a:prstGeom>
+          <a:solidFill>
+            <a:schemeClr val="tx2">
+              <a:lumMod val="75000"/>
+            </a:schemeClr>
+          </a:solidFill>
+          <a:ln>
+            <a:solidFill>
+              <a:schemeClr val="tx1"/>
+            </a:solidFill>
+          </a:ln>
+        </p:spPr>
+        <p:style>
+          <a:lnRef idx="2">
+            <a:schemeClr val="accent1">
+              <a:shade val="50000"/>
+            </a:schemeClr>
+          </a:lnRef>
+          <a:fillRef idx="1">
+            <a:schemeClr val="accent1"/>
+          </a:fillRef>
+          <a:effectRef idx="0">
+            <a:schemeClr val="accent1"/>
+          </a:effectRef>
+          <a:fontRef idx="minor">
+            <a:schemeClr val="lt1"/>
+          </a:fontRef>
+        </p:style>
+        <p:txBody>
+          <a:bodyPr rtlCol="0" anchor="ctr"/>
+          <a:lstStyle/>
+          <a:p>
+            <a:pPr algn="ctr"/>
+            <a:endParaRPr lang="es-AR"/>
+          </a:p>
+        </p:txBody>
+      </p:sp>
+      <p:sp>
+        <p:nvSpPr>
+          <p:cNvPr id="12" name="CuadroTexto 11"/>
+          <p:cNvSpPr txBox="1"/>
+          <p:nvPr/>
+        </p:nvSpPr>
+        <p:spPr>
+          <a:xfrm>
+            <a:off x="8232579" y="3037386"/>
+            <a:ext cx="1178528" cy="307777"/>
           </a:xfrm>
           <a:prstGeom prst="rect">
             <a:avLst/>
           </a:prstGeom>
           <a:noFill/>
+        </p:spPr>
+        <p:txBody>
+          <a:bodyPr wrap="none" rtlCol="0">
+            <a:spAutoFit/>
+          </a:bodyPr>
+          <a:lstStyle/>
+          <a:p>
+            <a:r>
+              <a:rPr lang="es-AR" dirty="0" smtClean="0"/>
+              <a:t>Int32: 26068</a:t>
+            </a:r>
+            <a:endParaRPr lang="es-AR" dirty="0"/>
+          </a:p>
+        </p:txBody>
+      </p:sp>
+      <p:sp>
+        <p:nvSpPr>
+          <p:cNvPr id="16" name="CuadroTexto 15"/>
+          <p:cNvSpPr txBox="1"/>
+          <p:nvPr/>
+        </p:nvSpPr>
+        <p:spPr>
+          <a:xfrm>
+            <a:off x="8373615" y="3543034"/>
+            <a:ext cx="880369" cy="307777"/>
+          </a:xfrm>
+          <a:prstGeom prst="rect">
+            <a:avLst/>
+          </a:prstGeom>
+          <a:noFill/>
+        </p:spPr>
+        <p:txBody>
+          <a:bodyPr wrap="none" rtlCol="0">
+            <a:spAutoFit/>
+          </a:bodyPr>
+          <a:lstStyle/>
+          <a:p>
+            <a:r>
+              <a:rPr lang="es-AR" dirty="0" smtClean="0"/>
+              <a:t>short: 63</a:t>
+            </a:r>
+            <a:endParaRPr lang="es-AR" dirty="0"/>
+          </a:p>
+        </p:txBody>
+      </p:sp>
+      <p:sp>
+        <p:nvSpPr>
+          <p:cNvPr id="17" name="CuadroTexto 16"/>
+          <p:cNvSpPr txBox="1"/>
+          <p:nvPr/>
+        </p:nvSpPr>
+        <p:spPr>
+          <a:xfrm>
+            <a:off x="8477809" y="4731990"/>
+            <a:ext cx="671979" cy="307777"/>
+          </a:xfrm>
+          <a:prstGeom prst="rect">
+            <a:avLst/>
+          </a:prstGeom>
+          <a:noFill/>
+        </p:spPr>
+        <p:txBody>
+          <a:bodyPr wrap="none" rtlCol="0">
+            <a:spAutoFit/>
+          </a:bodyPr>
+          <a:lstStyle/>
+          <a:p>
+            <a:r>
+              <a:rPr lang="es-AR" dirty="0" err="1" smtClean="0"/>
+              <a:t>char</a:t>
+            </a:r>
+            <a:r>
+              <a:rPr lang="es-AR" dirty="0" smtClean="0"/>
+              <a:t>: j</a:t>
+            </a:r>
+            <a:endParaRPr lang="es-AR" dirty="0"/>
+          </a:p>
+        </p:txBody>
+      </p:sp>
+      <p:sp>
+        <p:nvSpPr>
+          <p:cNvPr id="18" name="CuadroTexto 17"/>
+          <p:cNvSpPr txBox="1"/>
+          <p:nvPr/>
+        </p:nvSpPr>
+        <p:spPr>
+          <a:xfrm>
+            <a:off x="8487426" y="4142945"/>
+            <a:ext cx="652743" cy="307777"/>
+          </a:xfrm>
+          <a:prstGeom prst="rect">
+            <a:avLst/>
+          </a:prstGeom>
+          <a:noFill/>
+        </p:spPr>
+        <p:txBody>
+          <a:bodyPr wrap="none" rtlCol="0">
+            <a:spAutoFit/>
+          </a:bodyPr>
+          <a:lstStyle/>
+          <a:p>
+            <a:r>
+              <a:rPr lang="es-AR" dirty="0" err="1" smtClean="0"/>
+              <a:t>String</a:t>
+            </a:r>
+            <a:endParaRPr lang="es-AR" dirty="0"/>
+          </a:p>
+        </p:txBody>
+      </p:sp>
+      <p:sp>
+        <p:nvSpPr>
+          <p:cNvPr id="19" name="CuadroTexto 18"/>
+          <p:cNvSpPr txBox="1"/>
+          <p:nvPr/>
+        </p:nvSpPr>
+        <p:spPr>
+          <a:xfrm>
+            <a:off x="8468190" y="5195667"/>
+            <a:ext cx="697627" cy="307777"/>
+          </a:xfrm>
+          <a:prstGeom prst="rect">
+            <a:avLst/>
+          </a:prstGeom>
+          <a:noFill/>
+        </p:spPr>
+        <p:txBody>
+          <a:bodyPr wrap="none" rtlCol="0">
+            <a:spAutoFit/>
+          </a:bodyPr>
+          <a:lstStyle/>
+          <a:p>
+            <a:r>
+              <a:rPr lang="es-AR" b="1" dirty="0" smtClean="0">
+                <a:effectLst>
+                  <a:outerShdw blurRad="38100" dist="38100" dir="2700000" algn="tl">
+                    <a:srgbClr val="000000">
+                      <a:alpha val="43137"/>
+                    </a:srgbClr>
+                  </a:outerShdw>
+                </a:effectLst>
+                <a:latin typeface="Franklin Gothic Medium" panose="020B0603020102020204" pitchFamily="34" charset="0"/>
+              </a:rPr>
+              <a:t>STACK</a:t>
+            </a:r>
+            <a:endParaRPr lang="es-AR" b="1" dirty="0">
+              <a:effectLst>
+                <a:outerShdw blurRad="38100" dist="38100" dir="2700000" algn="tl">
+                  <a:srgbClr val="000000">
+                    <a:alpha val="43137"/>
+                  </a:srgbClr>
+                </a:outerShdw>
+              </a:effectLst>
+              <a:latin typeface="Franklin Gothic Medium" panose="020B0603020102020204" pitchFamily="34" charset="0"/>
+            </a:endParaRPr>
+          </a:p>
+        </p:txBody>
+      </p:sp>
+      <p:sp>
+        <p:nvSpPr>
+          <p:cNvPr id="13" name="Rectángulo redondeado 12"/>
+          <p:cNvSpPr/>
+          <p:nvPr/>
+        </p:nvSpPr>
+        <p:spPr>
+          <a:xfrm>
+            <a:off x="10426666" y="3658136"/>
+            <a:ext cx="1379220" cy="1537531"/>
+          </a:xfrm>
+          <a:prstGeom prst="roundRect">
+            <a:avLst/>
+          </a:prstGeom>
+          <a:solidFill>
+            <a:schemeClr val="bg1"/>
+          </a:solidFill>
           <a:ln>
             <a:noFill/>
           </a:ln>
+          <a:effectLst>
+            <a:outerShdw blurRad="107950" dist="12700" dir="5400000" algn="ctr">
+              <a:srgbClr val="000000"/>
+            </a:outerShdw>
+          </a:effectLst>
+          <a:scene3d>
+            <a:camera prst="orthographicFront">
+              <a:rot lat="0" lon="0" rev="0"/>
+            </a:camera>
+            <a:lightRig rig="soft" dir="t">
+              <a:rot lat="0" lon="0" rev="0"/>
+            </a:lightRig>
+          </a:scene3d>
+          <a:sp3d contourW="44450" prstMaterial="matte">
+            <a:bevelT w="63500" h="63500" prst="artDeco"/>
+            <a:contourClr>
+              <a:srgbClr val="FFFFFF"/>
+            </a:contourClr>
+          </a:sp3d>
         </p:spPr>
-      </p:pic>
+        <p:style>
+          <a:lnRef idx="2">
+            <a:schemeClr val="accent1">
+              <a:shade val="50000"/>
+            </a:schemeClr>
+          </a:lnRef>
+          <a:fillRef idx="1">
+            <a:schemeClr val="accent1"/>
+          </a:fillRef>
+          <a:effectRef idx="0">
+            <a:schemeClr val="accent1"/>
+          </a:effectRef>
+          <a:fontRef idx="minor">
+            <a:schemeClr val="lt1"/>
+          </a:fontRef>
+        </p:style>
+        <p:txBody>
+          <a:bodyPr rtlCol="0" anchor="ctr"/>
+          <a:lstStyle/>
+          <a:p>
+            <a:pPr algn="ctr"/>
+            <a:endParaRPr lang="es-AR"/>
+          </a:p>
+        </p:txBody>
+      </p:sp>
+      <p:sp>
+        <p:nvSpPr>
+          <p:cNvPr id="21" name="Rectángulo 20"/>
+          <p:cNvSpPr/>
+          <p:nvPr/>
+        </p:nvSpPr>
+        <p:spPr>
+          <a:xfrm>
+            <a:off x="10620586" y="4148544"/>
+            <a:ext cx="1036320" cy="556165"/>
+          </a:xfrm>
+          <a:prstGeom prst="rect">
+            <a:avLst/>
+          </a:prstGeom>
+          <a:solidFill>
+            <a:schemeClr val="tx2">
+              <a:lumMod val="75000"/>
+            </a:schemeClr>
+          </a:solidFill>
+          <a:ln>
+            <a:solidFill>
+              <a:schemeClr val="tx1"/>
+            </a:solidFill>
+          </a:ln>
+        </p:spPr>
+        <p:style>
+          <a:lnRef idx="2">
+            <a:schemeClr val="accent1">
+              <a:shade val="50000"/>
+            </a:schemeClr>
+          </a:lnRef>
+          <a:fillRef idx="1">
+            <a:schemeClr val="accent1"/>
+          </a:fillRef>
+          <a:effectRef idx="0">
+            <a:schemeClr val="accent1"/>
+          </a:effectRef>
+          <a:fontRef idx="minor">
+            <a:schemeClr val="lt1"/>
+          </a:fontRef>
+        </p:style>
+        <p:txBody>
+          <a:bodyPr rtlCol="0" anchor="ctr"/>
+          <a:lstStyle/>
+          <a:p>
+            <a:pPr algn="ctr"/>
+            <a:endParaRPr lang="es-AR"/>
+          </a:p>
+        </p:txBody>
+      </p:sp>
+      <p:sp>
+        <p:nvSpPr>
+          <p:cNvPr id="22" name="CuadroTexto 21"/>
+          <p:cNvSpPr txBox="1"/>
+          <p:nvPr/>
+        </p:nvSpPr>
+        <p:spPr>
+          <a:xfrm>
+            <a:off x="10683332" y="4272737"/>
+            <a:ext cx="910827" cy="307777"/>
+          </a:xfrm>
+          <a:prstGeom prst="rect">
+            <a:avLst/>
+          </a:prstGeom>
+          <a:noFill/>
+        </p:spPr>
+        <p:txBody>
+          <a:bodyPr wrap="none" rtlCol="0">
+            <a:spAutoFit/>
+          </a:bodyPr>
+          <a:lstStyle/>
+          <a:p>
+            <a:r>
+              <a:rPr lang="es-AR" dirty="0" smtClean="0"/>
+              <a:t>Un Texto</a:t>
+            </a:r>
+            <a:endParaRPr lang="es-AR" dirty="0"/>
+          </a:p>
+        </p:txBody>
+      </p:sp>
+      <p:sp>
+        <p:nvSpPr>
+          <p:cNvPr id="23" name="CuadroTexto 22"/>
+          <p:cNvSpPr txBox="1"/>
+          <p:nvPr/>
+        </p:nvSpPr>
+        <p:spPr>
+          <a:xfrm>
+            <a:off x="10809942" y="5195667"/>
+            <a:ext cx="612668" cy="307777"/>
+          </a:xfrm>
+          <a:prstGeom prst="rect">
+            <a:avLst/>
+          </a:prstGeom>
+          <a:noFill/>
+        </p:spPr>
+        <p:txBody>
+          <a:bodyPr wrap="none" rtlCol="0">
+            <a:spAutoFit/>
+          </a:bodyPr>
+          <a:lstStyle/>
+          <a:p>
+            <a:r>
+              <a:rPr lang="es-AR" b="1" dirty="0" smtClean="0">
+                <a:effectLst>
+                  <a:outerShdw blurRad="38100" dist="38100" dir="2700000" algn="tl">
+                    <a:srgbClr val="000000">
+                      <a:alpha val="43137"/>
+                    </a:srgbClr>
+                  </a:outerShdw>
+                </a:effectLst>
+                <a:latin typeface="Franklin Gothic Medium" panose="020B0603020102020204" pitchFamily="34" charset="0"/>
+              </a:rPr>
+              <a:t>HEAP</a:t>
+            </a:r>
+            <a:endParaRPr lang="es-AR" b="1" dirty="0">
+              <a:effectLst>
+                <a:outerShdw blurRad="38100" dist="38100" dir="2700000" algn="tl">
+                  <a:srgbClr val="000000">
+                    <a:alpha val="43137"/>
+                  </a:srgbClr>
+                </a:outerShdw>
+              </a:effectLst>
+              <a:latin typeface="Franklin Gothic Medium" panose="020B0603020102020204" pitchFamily="34" charset="0"/>
+            </a:endParaRPr>
+          </a:p>
+        </p:txBody>
+      </p:sp>
+      <p:sp>
+        <p:nvSpPr>
+          <p:cNvPr id="15" name="Flecha curvada hacia arriba 14"/>
+          <p:cNvSpPr/>
+          <p:nvPr/>
+        </p:nvSpPr>
+        <p:spPr>
+          <a:xfrm flipV="1">
+            <a:off x="9694678" y="3871330"/>
+            <a:ext cx="1112613" cy="402276"/>
+          </a:xfrm>
+          <a:prstGeom prst="curvedUpArrow">
+            <a:avLst/>
+          </a:prstGeom>
+          <a:solidFill>
+            <a:schemeClr val="bg1">
+              <a:lumMod val="50000"/>
+            </a:schemeClr>
+          </a:solidFill>
+          <a:ln>
+            <a:solidFill>
+              <a:schemeClr val="tx2">
+                <a:lumMod val="50000"/>
+              </a:schemeClr>
+            </a:solidFill>
+          </a:ln>
+        </p:spPr>
+        <p:style>
+          <a:lnRef idx="2">
+            <a:schemeClr val="accent1">
+              <a:shade val="50000"/>
+            </a:schemeClr>
+          </a:lnRef>
+          <a:fillRef idx="1">
+            <a:schemeClr val="accent1"/>
+          </a:fillRef>
+          <a:effectRef idx="0">
+            <a:schemeClr val="accent1"/>
+          </a:effectRef>
+          <a:fontRef idx="minor">
+            <a:schemeClr val="lt1"/>
+          </a:fontRef>
+        </p:style>
+        <p:txBody>
+          <a:bodyPr rtlCol="0" anchor="ctr"/>
+          <a:lstStyle/>
+          <a:p>
+            <a:pPr algn="ctr"/>
+            <a:endParaRPr lang="es-AR">
+              <a:solidFill>
+                <a:schemeClr val="tx1"/>
+              </a:solidFill>
+            </a:endParaRPr>
+          </a:p>
+        </p:txBody>
+      </p:sp>
+      <p:sp>
+        <p:nvSpPr>
+          <p:cNvPr id="27" name="Recortar rectángulo de esquina sencilla 26"/>
+          <p:cNvSpPr/>
+          <p:nvPr/>
+        </p:nvSpPr>
+        <p:spPr>
+          <a:xfrm>
+            <a:off x="7668380" y="6313718"/>
+            <a:ext cx="1882019" cy="387666"/>
+          </a:xfrm>
+          <a:prstGeom prst="snip1Rect">
+            <a:avLst/>
+          </a:prstGeom>
+          <a:solidFill>
+            <a:schemeClr val="bg1">
+              <a:lumMod val="75000"/>
+            </a:schemeClr>
+          </a:solidFill>
+          <a:ln>
+            <a:solidFill>
+              <a:schemeClr val="tx1"/>
+            </a:solidFill>
+          </a:ln>
+        </p:spPr>
+        <p:style>
+          <a:lnRef idx="2">
+            <a:schemeClr val="accent1">
+              <a:shade val="50000"/>
+            </a:schemeClr>
+          </a:lnRef>
+          <a:fillRef idx="1">
+            <a:schemeClr val="accent1"/>
+          </a:fillRef>
+          <a:effectRef idx="0">
+            <a:schemeClr val="accent1"/>
+          </a:effectRef>
+          <a:fontRef idx="minor">
+            <a:schemeClr val="lt1"/>
+          </a:fontRef>
+        </p:style>
+        <p:txBody>
+          <a:bodyPr rtlCol="0" anchor="ctr"/>
+          <a:lstStyle/>
+          <a:p>
+            <a:pPr algn="ctr"/>
+            <a:endParaRPr lang="es-AR">
+              <a:effectLst>
+                <a:outerShdw blurRad="38100" dist="38100" dir="2700000" algn="tl">
+                  <a:srgbClr val="000000">
+                    <a:alpha val="43137"/>
+                  </a:srgbClr>
+                </a:outerShdw>
+              </a:effectLst>
+              <a:latin typeface="Franklin Gothic Medium" panose="020B0603020102020204" pitchFamily="34" charset="0"/>
+            </a:endParaRPr>
+          </a:p>
+        </p:txBody>
+      </p:sp>
+      <p:sp>
+        <p:nvSpPr>
+          <p:cNvPr id="28" name="CuadroTexto 27"/>
+          <p:cNvSpPr txBox="1"/>
+          <p:nvPr/>
+        </p:nvSpPr>
+        <p:spPr>
+          <a:xfrm>
+            <a:off x="7815447" y="6355068"/>
+            <a:ext cx="1457450" cy="307777"/>
+          </a:xfrm>
+          <a:prstGeom prst="rect">
+            <a:avLst/>
+          </a:prstGeom>
+          <a:noFill/>
+        </p:spPr>
+        <p:txBody>
+          <a:bodyPr wrap="none" rtlCol="0">
+            <a:spAutoFit/>
+          </a:bodyPr>
+          <a:lstStyle/>
+          <a:p>
+            <a:r>
+              <a:rPr lang="es-AR" dirty="0" smtClean="0"/>
+              <a:t>Reference </a:t>
+            </a:r>
+            <a:r>
+              <a:rPr lang="es-AR" dirty="0" err="1" smtClean="0"/>
+              <a:t>Type</a:t>
+            </a:r>
+            <a:endParaRPr lang="es-AR" dirty="0"/>
+          </a:p>
+        </p:txBody>
+      </p:sp>
+      <p:sp>
+        <p:nvSpPr>
+          <p:cNvPr id="29" name="Recortar rectángulo de esquina sencilla 28"/>
+          <p:cNvSpPr/>
+          <p:nvPr/>
+        </p:nvSpPr>
+        <p:spPr>
+          <a:xfrm>
+            <a:off x="7653867" y="5857126"/>
+            <a:ext cx="1882019" cy="387666"/>
+          </a:xfrm>
+          <a:prstGeom prst="snip1Rect">
+            <a:avLst/>
+          </a:prstGeom>
+          <a:solidFill>
+            <a:schemeClr val="bg1"/>
+          </a:solidFill>
+          <a:ln>
+            <a:solidFill>
+              <a:schemeClr val="tx1"/>
+            </a:solidFill>
+          </a:ln>
+        </p:spPr>
+        <p:style>
+          <a:lnRef idx="2">
+            <a:schemeClr val="accent1">
+              <a:shade val="50000"/>
+            </a:schemeClr>
+          </a:lnRef>
+          <a:fillRef idx="1">
+            <a:schemeClr val="accent1"/>
+          </a:fillRef>
+          <a:effectRef idx="0">
+            <a:schemeClr val="accent1"/>
+          </a:effectRef>
+          <a:fontRef idx="minor">
+            <a:schemeClr val="lt1"/>
+          </a:fontRef>
+        </p:style>
+        <p:txBody>
+          <a:bodyPr rtlCol="0" anchor="ctr"/>
+          <a:lstStyle/>
+          <a:p>
+            <a:pPr algn="ctr"/>
+            <a:endParaRPr lang="es-AR">
+              <a:effectLst>
+                <a:outerShdw blurRad="38100" dist="38100" dir="2700000" algn="tl">
+                  <a:srgbClr val="000000">
+                    <a:alpha val="43137"/>
+                  </a:srgbClr>
+                </a:outerShdw>
+              </a:effectLst>
+              <a:latin typeface="Franklin Gothic Medium" panose="020B0603020102020204" pitchFamily="34" charset="0"/>
+            </a:endParaRPr>
+          </a:p>
+        </p:txBody>
+      </p:sp>
+      <p:sp>
+        <p:nvSpPr>
+          <p:cNvPr id="30" name="CuadroTexto 29"/>
+          <p:cNvSpPr txBox="1"/>
+          <p:nvPr/>
+        </p:nvSpPr>
+        <p:spPr>
+          <a:xfrm>
+            <a:off x="7800934" y="5898476"/>
+            <a:ext cx="1090363" cy="307777"/>
+          </a:xfrm>
+          <a:prstGeom prst="rect">
+            <a:avLst/>
+          </a:prstGeom>
+          <a:noFill/>
+        </p:spPr>
+        <p:txBody>
+          <a:bodyPr wrap="none" rtlCol="0">
+            <a:spAutoFit/>
+          </a:bodyPr>
+          <a:lstStyle/>
+          <a:p>
+            <a:r>
+              <a:rPr lang="es-AR" dirty="0" err="1" smtClean="0"/>
+              <a:t>Value</a:t>
+            </a:r>
+            <a:r>
+              <a:rPr lang="es-AR" dirty="0" smtClean="0"/>
+              <a:t> </a:t>
+            </a:r>
+            <a:r>
+              <a:rPr lang="es-AR" dirty="0" err="1" smtClean="0"/>
+              <a:t>Type</a:t>
+            </a:r>
+            <a:endParaRPr lang="es-AR" dirty="0"/>
+          </a:p>
+        </p:txBody>
+      </p:sp>
     </p:spTree>
   </p:cSld>
   <p:clrMapOvr>
@@ -48306,9 +49026,797 @@
   <p:timing>
     <p:tnLst>
       <p:par>
-        <p:cTn id="1" dur="indefinite" restart="never" nodeType="tmRoot"/>
+        <p:cTn id="1" dur="indefinite" restart="never" nodeType="tmRoot">
+          <p:childTnLst>
+            <p:seq concurrent="1" nextAc="seek">
+              <p:cTn id="2" dur="indefinite" nodeType="mainSeq">
+                <p:childTnLst>
+                  <p:par>
+                    <p:cTn id="3" fill="hold">
+                      <p:stCondLst>
+                        <p:cond delay="indefinite"/>
+                      </p:stCondLst>
+                      <p:childTnLst>
+                        <p:par>
+                          <p:cTn id="4" fill="hold">
+                            <p:stCondLst>
+                              <p:cond delay="0"/>
+                            </p:stCondLst>
+                            <p:childTnLst>
+                              <p:par>
+                                <p:cTn id="5" presetID="1" presetClass="entr" presetSubtype="0" fill="hold" grpId="0" nodeType="clickEffect">
+                                  <p:stCondLst>
+                                    <p:cond delay="0"/>
+                                  </p:stCondLst>
+                                  <p:childTnLst>
+                                    <p:set>
+                                      <p:cBhvr>
+                                        <p:cTn id="6" dur="1" fill="hold">
+                                          <p:stCondLst>
+                                            <p:cond delay="0"/>
+                                          </p:stCondLst>
+                                        </p:cTn>
+                                        <p:tgtEl>
+                                          <p:spTgt spid="2"/>
+                                        </p:tgtEl>
+                                        <p:attrNameLst>
+                                          <p:attrName>style.visibility</p:attrName>
+                                        </p:attrNameLst>
+                                      </p:cBhvr>
+                                      <p:to>
+                                        <p:strVal val="visible"/>
+                                      </p:to>
+                                    </p:set>
+                                  </p:childTnLst>
+                                </p:cTn>
+                              </p:par>
+                              <p:par>
+                                <p:cTn id="7" presetID="1" presetClass="entr" presetSubtype="0" fill="hold" grpId="0" nodeType="withEffect">
+                                  <p:stCondLst>
+                                    <p:cond delay="0"/>
+                                  </p:stCondLst>
+                                  <p:childTnLst>
+                                    <p:set>
+                                      <p:cBhvr>
+                                        <p:cTn id="8" dur="1" fill="hold">
+                                          <p:stCondLst>
+                                            <p:cond delay="0"/>
+                                          </p:stCondLst>
+                                        </p:cTn>
+                                        <p:tgtEl>
+                                          <p:spTgt spid="17"/>
+                                        </p:tgtEl>
+                                        <p:attrNameLst>
+                                          <p:attrName>style.visibility</p:attrName>
+                                        </p:attrNameLst>
+                                      </p:cBhvr>
+                                      <p:to>
+                                        <p:strVal val="visible"/>
+                                      </p:to>
+                                    </p:set>
+                                  </p:childTnLst>
+                                </p:cTn>
+                              </p:par>
+                              <p:par>
+                                <p:cTn id="9" presetID="1" presetClass="entr" presetSubtype="0" fill="hold" grpId="0" nodeType="withEffect">
+                                  <p:stCondLst>
+                                    <p:cond delay="0"/>
+                                  </p:stCondLst>
+                                  <p:childTnLst>
+                                    <p:set>
+                                      <p:cBhvr>
+                                        <p:cTn id="10" dur="1" fill="hold">
+                                          <p:stCondLst>
+                                            <p:cond delay="0"/>
+                                          </p:stCondLst>
+                                        </p:cTn>
+                                        <p:tgtEl>
+                                          <p:spTgt spid="18"/>
+                                        </p:tgtEl>
+                                        <p:attrNameLst>
+                                          <p:attrName>style.visibility</p:attrName>
+                                        </p:attrNameLst>
+                                      </p:cBhvr>
+                                      <p:to>
+                                        <p:strVal val="visible"/>
+                                      </p:to>
+                                    </p:set>
+                                  </p:childTnLst>
+                                </p:cTn>
+                              </p:par>
+                              <p:par>
+                                <p:cTn id="11" presetID="1" presetClass="entr" presetSubtype="0" fill="hold" grpId="0" nodeType="withEffect">
+                                  <p:stCondLst>
+                                    <p:cond delay="0"/>
+                                  </p:stCondLst>
+                                  <p:childTnLst>
+                                    <p:set>
+                                      <p:cBhvr>
+                                        <p:cTn id="12" dur="1" fill="hold">
+                                          <p:stCondLst>
+                                            <p:cond delay="0"/>
+                                          </p:stCondLst>
+                                        </p:cTn>
+                                        <p:tgtEl>
+                                          <p:spTgt spid="10"/>
+                                        </p:tgtEl>
+                                        <p:attrNameLst>
+                                          <p:attrName>style.visibility</p:attrName>
+                                        </p:attrNameLst>
+                                      </p:cBhvr>
+                                      <p:to>
+                                        <p:strVal val="visible"/>
+                                      </p:to>
+                                    </p:set>
+                                  </p:childTnLst>
+                                </p:cTn>
+                              </p:par>
+                              <p:par>
+                                <p:cTn id="13" presetID="1" presetClass="entr" presetSubtype="0" fill="hold" grpId="0" nodeType="withEffect">
+                                  <p:stCondLst>
+                                    <p:cond delay="0"/>
+                                  </p:stCondLst>
+                                  <p:childTnLst>
+                                    <p:set>
+                                      <p:cBhvr>
+                                        <p:cTn id="14" dur="1" fill="hold">
+                                          <p:stCondLst>
+                                            <p:cond delay="0"/>
+                                          </p:stCondLst>
+                                        </p:cTn>
+                                        <p:tgtEl>
+                                          <p:spTgt spid="16"/>
+                                        </p:tgtEl>
+                                        <p:attrNameLst>
+                                          <p:attrName>style.visibility</p:attrName>
+                                        </p:attrNameLst>
+                                      </p:cBhvr>
+                                      <p:to>
+                                        <p:strVal val="visible"/>
+                                      </p:to>
+                                    </p:set>
+                                  </p:childTnLst>
+                                </p:cTn>
+                              </p:par>
+                              <p:par>
+                                <p:cTn id="15" presetID="1" presetClass="entr" presetSubtype="0" fill="hold" grpId="0" nodeType="withEffect">
+                                  <p:stCondLst>
+                                    <p:cond delay="0"/>
+                                  </p:stCondLst>
+                                  <p:childTnLst>
+                                    <p:set>
+                                      <p:cBhvr>
+                                        <p:cTn id="16" dur="1" fill="hold">
+                                          <p:stCondLst>
+                                            <p:cond delay="0"/>
+                                          </p:stCondLst>
+                                        </p:cTn>
+                                        <p:tgtEl>
+                                          <p:spTgt spid="12"/>
+                                        </p:tgtEl>
+                                        <p:attrNameLst>
+                                          <p:attrName>style.visibility</p:attrName>
+                                        </p:attrNameLst>
+                                      </p:cBhvr>
+                                      <p:to>
+                                        <p:strVal val="visible"/>
+                                      </p:to>
+                                    </p:set>
+                                  </p:childTnLst>
+                                </p:cTn>
+                              </p:par>
+                              <p:par>
+                                <p:cTn id="17" presetID="1" presetClass="entr" presetSubtype="0" fill="hold" nodeType="withEffect">
+                                  <p:stCondLst>
+                                    <p:cond delay="0"/>
+                                  </p:stCondLst>
+                                  <p:childTnLst>
+                                    <p:set>
+                                      <p:cBhvr>
+                                        <p:cTn id="18" dur="1" fill="hold">
+                                          <p:stCondLst>
+                                            <p:cond delay="0"/>
+                                          </p:stCondLst>
+                                        </p:cTn>
+                                        <p:tgtEl>
+                                          <p:spTgt spid="7"/>
+                                        </p:tgtEl>
+                                        <p:attrNameLst>
+                                          <p:attrName>style.visibility</p:attrName>
+                                        </p:attrNameLst>
+                                      </p:cBhvr>
+                                      <p:to>
+                                        <p:strVal val="visible"/>
+                                      </p:to>
+                                    </p:set>
+                                  </p:childTnLst>
+                                </p:cTn>
+                              </p:par>
+                            </p:childTnLst>
+                          </p:cTn>
+                        </p:par>
+                      </p:childTnLst>
+                    </p:cTn>
+                  </p:par>
+                  <p:par>
+                    <p:cTn id="19" fill="hold">
+                      <p:stCondLst>
+                        <p:cond delay="indefinite"/>
+                      </p:stCondLst>
+                      <p:childTnLst>
+                        <p:par>
+                          <p:cTn id="20" fill="hold">
+                            <p:stCondLst>
+                              <p:cond delay="0"/>
+                            </p:stCondLst>
+                            <p:childTnLst>
+                              <p:par>
+                                <p:cTn id="21" presetID="1" presetClass="entr" presetSubtype="0" fill="hold" grpId="0" nodeType="clickEffect">
+                                  <p:stCondLst>
+                                    <p:cond delay="0"/>
+                                  </p:stCondLst>
+                                  <p:childTnLst>
+                                    <p:set>
+                                      <p:cBhvr>
+                                        <p:cTn id="22" dur="1" fill="hold">
+                                          <p:stCondLst>
+                                            <p:cond delay="0"/>
+                                          </p:stCondLst>
+                                        </p:cTn>
+                                        <p:tgtEl>
+                                          <p:spTgt spid="15"/>
+                                        </p:tgtEl>
+                                        <p:attrNameLst>
+                                          <p:attrName>style.visibility</p:attrName>
+                                        </p:attrNameLst>
+                                      </p:cBhvr>
+                                      <p:to>
+                                        <p:strVal val="visible"/>
+                                      </p:to>
+                                    </p:set>
+                                  </p:childTnLst>
+                                </p:cTn>
+                              </p:par>
+                              <p:par>
+                                <p:cTn id="23" presetID="1" presetClass="entr" presetSubtype="0" fill="hold" grpId="0" nodeType="withEffect">
+                                  <p:stCondLst>
+                                    <p:cond delay="0"/>
+                                  </p:stCondLst>
+                                  <p:childTnLst>
+                                    <p:set>
+                                      <p:cBhvr>
+                                        <p:cTn id="24" dur="1" fill="hold">
+                                          <p:stCondLst>
+                                            <p:cond delay="0"/>
+                                          </p:stCondLst>
+                                        </p:cTn>
+                                        <p:tgtEl>
+                                          <p:spTgt spid="13"/>
+                                        </p:tgtEl>
+                                        <p:attrNameLst>
+                                          <p:attrName>style.visibility</p:attrName>
+                                        </p:attrNameLst>
+                                      </p:cBhvr>
+                                      <p:to>
+                                        <p:strVal val="visible"/>
+                                      </p:to>
+                                    </p:set>
+                                  </p:childTnLst>
+                                </p:cTn>
+                              </p:par>
+                              <p:par>
+                                <p:cTn id="25" presetID="1" presetClass="entr" presetSubtype="0" fill="hold" grpId="0" nodeType="withEffect">
+                                  <p:stCondLst>
+                                    <p:cond delay="0"/>
+                                  </p:stCondLst>
+                                  <p:childTnLst>
+                                    <p:set>
+                                      <p:cBhvr>
+                                        <p:cTn id="26" dur="1" fill="hold">
+                                          <p:stCondLst>
+                                            <p:cond delay="0"/>
+                                          </p:stCondLst>
+                                        </p:cTn>
+                                        <p:tgtEl>
+                                          <p:spTgt spid="22"/>
+                                        </p:tgtEl>
+                                        <p:attrNameLst>
+                                          <p:attrName>style.visibility</p:attrName>
+                                        </p:attrNameLst>
+                                      </p:cBhvr>
+                                      <p:to>
+                                        <p:strVal val="visible"/>
+                                      </p:to>
+                                    </p:set>
+                                  </p:childTnLst>
+                                </p:cTn>
+                              </p:par>
+                              <p:par>
+                                <p:cTn id="27" presetID="1" presetClass="entr" presetSubtype="0" fill="hold" grpId="0" nodeType="withEffect">
+                                  <p:stCondLst>
+                                    <p:cond delay="0"/>
+                                  </p:stCondLst>
+                                  <p:childTnLst>
+                                    <p:set>
+                                      <p:cBhvr>
+                                        <p:cTn id="28" dur="1" fill="hold">
+                                          <p:stCondLst>
+                                            <p:cond delay="0"/>
+                                          </p:stCondLst>
+                                        </p:cTn>
+                                        <p:tgtEl>
+                                          <p:spTgt spid="21"/>
+                                        </p:tgtEl>
+                                        <p:attrNameLst>
+                                          <p:attrName>style.visibility</p:attrName>
+                                        </p:attrNameLst>
+                                      </p:cBhvr>
+                                      <p:to>
+                                        <p:strVal val="visible"/>
+                                      </p:to>
+                                    </p:set>
+                                  </p:childTnLst>
+                                </p:cTn>
+                              </p:par>
+                            </p:childTnLst>
+                          </p:cTn>
+                        </p:par>
+                      </p:childTnLst>
+                    </p:cTn>
+                  </p:par>
+                  <p:par>
+                    <p:cTn id="29" fill="hold">
+                      <p:stCondLst>
+                        <p:cond delay="indefinite"/>
+                      </p:stCondLst>
+                      <p:childTnLst>
+                        <p:par>
+                          <p:cTn id="30" fill="hold">
+                            <p:stCondLst>
+                              <p:cond delay="0"/>
+                            </p:stCondLst>
+                            <p:childTnLst>
+                              <p:par>
+                                <p:cTn id="31" presetID="1" presetClass="entr" presetSubtype="0" fill="hold" grpId="0" nodeType="clickEffect">
+                                  <p:stCondLst>
+                                    <p:cond delay="0"/>
+                                  </p:stCondLst>
+                                  <p:childTnLst>
+                                    <p:set>
+                                      <p:cBhvr>
+                                        <p:cTn id="32" dur="1" fill="hold">
+                                          <p:stCondLst>
+                                            <p:cond delay="0"/>
+                                          </p:stCondLst>
+                                        </p:cTn>
+                                        <p:tgtEl>
+                                          <p:spTgt spid="19"/>
+                                        </p:tgtEl>
+                                        <p:attrNameLst>
+                                          <p:attrName>style.visibility</p:attrName>
+                                        </p:attrNameLst>
+                                      </p:cBhvr>
+                                      <p:to>
+                                        <p:strVal val="visible"/>
+                                      </p:to>
+                                    </p:set>
+                                  </p:childTnLst>
+                                </p:cTn>
+                              </p:par>
+                              <p:par>
+                                <p:cTn id="33" presetID="1" presetClass="entr" presetSubtype="0" fill="hold" grpId="0" nodeType="withEffect">
+                                  <p:stCondLst>
+                                    <p:cond delay="0"/>
+                                  </p:stCondLst>
+                                  <p:childTnLst>
+                                    <p:set>
+                                      <p:cBhvr>
+                                        <p:cTn id="34" dur="1" fill="hold">
+                                          <p:stCondLst>
+                                            <p:cond delay="0"/>
+                                          </p:stCondLst>
+                                        </p:cTn>
+                                        <p:tgtEl>
+                                          <p:spTgt spid="23"/>
+                                        </p:tgtEl>
+                                        <p:attrNameLst>
+                                          <p:attrName>style.visibility</p:attrName>
+                                        </p:attrNameLst>
+                                      </p:cBhvr>
+                                      <p:to>
+                                        <p:strVal val="visible"/>
+                                      </p:to>
+                                    </p:set>
+                                  </p:childTnLst>
+                                </p:cTn>
+                              </p:par>
+                            </p:childTnLst>
+                          </p:cTn>
+                        </p:par>
+                      </p:childTnLst>
+                    </p:cTn>
+                  </p:par>
+                  <p:par>
+                    <p:cTn id="35" fill="hold">
+                      <p:stCondLst>
+                        <p:cond delay="indefinite"/>
+                      </p:stCondLst>
+                      <p:childTnLst>
+                        <p:par>
+                          <p:cTn id="36" fill="hold">
+                            <p:stCondLst>
+                              <p:cond delay="0"/>
+                            </p:stCondLst>
+                            <p:childTnLst>
+                              <p:par>
+                                <p:cTn id="37" presetID="42" presetClass="entr" presetSubtype="0" fill="hold" grpId="0" nodeType="clickEffect">
+                                  <p:stCondLst>
+                                    <p:cond delay="0"/>
+                                  </p:stCondLst>
+                                  <p:childTnLst>
+                                    <p:set>
+                                      <p:cBhvr>
+                                        <p:cTn id="38" dur="1" fill="hold">
+                                          <p:stCondLst>
+                                            <p:cond delay="0"/>
+                                          </p:stCondLst>
+                                        </p:cTn>
+                                        <p:tgtEl>
+                                          <p:spTgt spid="29"/>
+                                        </p:tgtEl>
+                                        <p:attrNameLst>
+                                          <p:attrName>style.visibility</p:attrName>
+                                        </p:attrNameLst>
+                                      </p:cBhvr>
+                                      <p:to>
+                                        <p:strVal val="visible"/>
+                                      </p:to>
+                                    </p:set>
+                                    <p:animEffect transition="in" filter="fade">
+                                      <p:cBhvr>
+                                        <p:cTn id="39" dur="1000"/>
+                                        <p:tgtEl>
+                                          <p:spTgt spid="29"/>
+                                        </p:tgtEl>
+                                      </p:cBhvr>
+                                    </p:animEffect>
+                                    <p:anim calcmode="lin" valueType="num">
+                                      <p:cBhvr>
+                                        <p:cTn id="40" dur="1000" fill="hold"/>
+                                        <p:tgtEl>
+                                          <p:spTgt spid="29"/>
+                                        </p:tgtEl>
+                                        <p:attrNameLst>
+                                          <p:attrName>ppt_x</p:attrName>
+                                        </p:attrNameLst>
+                                      </p:cBhvr>
+                                      <p:tavLst>
+                                        <p:tav tm="0">
+                                          <p:val>
+                                            <p:strVal val="#ppt_x"/>
+                                          </p:val>
+                                        </p:tav>
+                                        <p:tav tm="100000">
+                                          <p:val>
+                                            <p:strVal val="#ppt_x"/>
+                                          </p:val>
+                                        </p:tav>
+                                      </p:tavLst>
+                                    </p:anim>
+                                    <p:anim calcmode="lin" valueType="num">
+                                      <p:cBhvr>
+                                        <p:cTn id="41" dur="1000" fill="hold"/>
+                                        <p:tgtEl>
+                                          <p:spTgt spid="29"/>
+                                        </p:tgtEl>
+                                        <p:attrNameLst>
+                                          <p:attrName>ppt_y</p:attrName>
+                                        </p:attrNameLst>
+                                      </p:cBhvr>
+                                      <p:tavLst>
+                                        <p:tav tm="0">
+                                          <p:val>
+                                            <p:strVal val="#ppt_y+.1"/>
+                                          </p:val>
+                                        </p:tav>
+                                        <p:tav tm="100000">
+                                          <p:val>
+                                            <p:strVal val="#ppt_y"/>
+                                          </p:val>
+                                        </p:tav>
+                                      </p:tavLst>
+                                    </p:anim>
+                                  </p:childTnLst>
+                                </p:cTn>
+                              </p:par>
+                              <p:par>
+                                <p:cTn id="42" presetID="42" presetClass="entr" presetSubtype="0" fill="hold" grpId="0" nodeType="withEffect">
+                                  <p:stCondLst>
+                                    <p:cond delay="0"/>
+                                  </p:stCondLst>
+                                  <p:childTnLst>
+                                    <p:set>
+                                      <p:cBhvr>
+                                        <p:cTn id="43" dur="1" fill="hold">
+                                          <p:stCondLst>
+                                            <p:cond delay="0"/>
+                                          </p:stCondLst>
+                                        </p:cTn>
+                                        <p:tgtEl>
+                                          <p:spTgt spid="30"/>
+                                        </p:tgtEl>
+                                        <p:attrNameLst>
+                                          <p:attrName>style.visibility</p:attrName>
+                                        </p:attrNameLst>
+                                      </p:cBhvr>
+                                      <p:to>
+                                        <p:strVal val="visible"/>
+                                      </p:to>
+                                    </p:set>
+                                    <p:animEffect transition="in" filter="fade">
+                                      <p:cBhvr>
+                                        <p:cTn id="44" dur="1000"/>
+                                        <p:tgtEl>
+                                          <p:spTgt spid="30"/>
+                                        </p:tgtEl>
+                                      </p:cBhvr>
+                                    </p:animEffect>
+                                    <p:anim calcmode="lin" valueType="num">
+                                      <p:cBhvr>
+                                        <p:cTn id="45" dur="1000" fill="hold"/>
+                                        <p:tgtEl>
+                                          <p:spTgt spid="30"/>
+                                        </p:tgtEl>
+                                        <p:attrNameLst>
+                                          <p:attrName>ppt_x</p:attrName>
+                                        </p:attrNameLst>
+                                      </p:cBhvr>
+                                      <p:tavLst>
+                                        <p:tav tm="0">
+                                          <p:val>
+                                            <p:strVal val="#ppt_x"/>
+                                          </p:val>
+                                        </p:tav>
+                                        <p:tav tm="100000">
+                                          <p:val>
+                                            <p:strVal val="#ppt_x"/>
+                                          </p:val>
+                                        </p:tav>
+                                      </p:tavLst>
+                                    </p:anim>
+                                    <p:anim calcmode="lin" valueType="num">
+                                      <p:cBhvr>
+                                        <p:cTn id="46" dur="1000" fill="hold"/>
+                                        <p:tgtEl>
+                                          <p:spTgt spid="30"/>
+                                        </p:tgtEl>
+                                        <p:attrNameLst>
+                                          <p:attrName>ppt_y</p:attrName>
+                                        </p:attrNameLst>
+                                      </p:cBhvr>
+                                      <p:tavLst>
+                                        <p:tav tm="0">
+                                          <p:val>
+                                            <p:strVal val="#ppt_y+.1"/>
+                                          </p:val>
+                                        </p:tav>
+                                        <p:tav tm="100000">
+                                          <p:val>
+                                            <p:strVal val="#ppt_y"/>
+                                          </p:val>
+                                        </p:tav>
+                                      </p:tavLst>
+                                    </p:anim>
+                                  </p:childTnLst>
+                                </p:cTn>
+                              </p:par>
+                              <p:par>
+                                <p:cTn id="47" presetID="42" presetClass="entr" presetSubtype="0" fill="hold" grpId="0" nodeType="withEffect">
+                                  <p:stCondLst>
+                                    <p:cond delay="0"/>
+                                  </p:stCondLst>
+                                  <p:childTnLst>
+                                    <p:set>
+                                      <p:cBhvr>
+                                        <p:cTn id="48" dur="1" fill="hold">
+                                          <p:stCondLst>
+                                            <p:cond delay="0"/>
+                                          </p:stCondLst>
+                                        </p:cTn>
+                                        <p:tgtEl>
+                                          <p:spTgt spid="28"/>
+                                        </p:tgtEl>
+                                        <p:attrNameLst>
+                                          <p:attrName>style.visibility</p:attrName>
+                                        </p:attrNameLst>
+                                      </p:cBhvr>
+                                      <p:to>
+                                        <p:strVal val="visible"/>
+                                      </p:to>
+                                    </p:set>
+                                    <p:animEffect transition="in" filter="fade">
+                                      <p:cBhvr>
+                                        <p:cTn id="49" dur="1000"/>
+                                        <p:tgtEl>
+                                          <p:spTgt spid="28"/>
+                                        </p:tgtEl>
+                                      </p:cBhvr>
+                                    </p:animEffect>
+                                    <p:anim calcmode="lin" valueType="num">
+                                      <p:cBhvr>
+                                        <p:cTn id="50" dur="1000" fill="hold"/>
+                                        <p:tgtEl>
+                                          <p:spTgt spid="28"/>
+                                        </p:tgtEl>
+                                        <p:attrNameLst>
+                                          <p:attrName>ppt_x</p:attrName>
+                                        </p:attrNameLst>
+                                      </p:cBhvr>
+                                      <p:tavLst>
+                                        <p:tav tm="0">
+                                          <p:val>
+                                            <p:strVal val="#ppt_x"/>
+                                          </p:val>
+                                        </p:tav>
+                                        <p:tav tm="100000">
+                                          <p:val>
+                                            <p:strVal val="#ppt_x"/>
+                                          </p:val>
+                                        </p:tav>
+                                      </p:tavLst>
+                                    </p:anim>
+                                    <p:anim calcmode="lin" valueType="num">
+                                      <p:cBhvr>
+                                        <p:cTn id="51" dur="1000" fill="hold"/>
+                                        <p:tgtEl>
+                                          <p:spTgt spid="28"/>
+                                        </p:tgtEl>
+                                        <p:attrNameLst>
+                                          <p:attrName>ppt_y</p:attrName>
+                                        </p:attrNameLst>
+                                      </p:cBhvr>
+                                      <p:tavLst>
+                                        <p:tav tm="0">
+                                          <p:val>
+                                            <p:strVal val="#ppt_y+.1"/>
+                                          </p:val>
+                                        </p:tav>
+                                        <p:tav tm="100000">
+                                          <p:val>
+                                            <p:strVal val="#ppt_y"/>
+                                          </p:val>
+                                        </p:tav>
+                                      </p:tavLst>
+                                    </p:anim>
+                                  </p:childTnLst>
+                                </p:cTn>
+                              </p:par>
+                              <p:par>
+                                <p:cTn id="52" presetID="42" presetClass="entr" presetSubtype="0" fill="hold" grpId="0" nodeType="withEffect">
+                                  <p:stCondLst>
+                                    <p:cond delay="0"/>
+                                  </p:stCondLst>
+                                  <p:childTnLst>
+                                    <p:set>
+                                      <p:cBhvr>
+                                        <p:cTn id="53" dur="1" fill="hold">
+                                          <p:stCondLst>
+                                            <p:cond delay="0"/>
+                                          </p:stCondLst>
+                                        </p:cTn>
+                                        <p:tgtEl>
+                                          <p:spTgt spid="27"/>
+                                        </p:tgtEl>
+                                        <p:attrNameLst>
+                                          <p:attrName>style.visibility</p:attrName>
+                                        </p:attrNameLst>
+                                      </p:cBhvr>
+                                      <p:to>
+                                        <p:strVal val="visible"/>
+                                      </p:to>
+                                    </p:set>
+                                    <p:animEffect transition="in" filter="fade">
+                                      <p:cBhvr>
+                                        <p:cTn id="54" dur="1000"/>
+                                        <p:tgtEl>
+                                          <p:spTgt spid="27"/>
+                                        </p:tgtEl>
+                                      </p:cBhvr>
+                                    </p:animEffect>
+                                    <p:anim calcmode="lin" valueType="num">
+                                      <p:cBhvr>
+                                        <p:cTn id="55" dur="1000" fill="hold"/>
+                                        <p:tgtEl>
+                                          <p:spTgt spid="27"/>
+                                        </p:tgtEl>
+                                        <p:attrNameLst>
+                                          <p:attrName>ppt_x</p:attrName>
+                                        </p:attrNameLst>
+                                      </p:cBhvr>
+                                      <p:tavLst>
+                                        <p:tav tm="0">
+                                          <p:val>
+                                            <p:strVal val="#ppt_x"/>
+                                          </p:val>
+                                        </p:tav>
+                                        <p:tav tm="100000">
+                                          <p:val>
+                                            <p:strVal val="#ppt_x"/>
+                                          </p:val>
+                                        </p:tav>
+                                      </p:tavLst>
+                                    </p:anim>
+                                    <p:anim calcmode="lin" valueType="num">
+                                      <p:cBhvr>
+                                        <p:cTn id="56" dur="1000" fill="hold"/>
+                                        <p:tgtEl>
+                                          <p:spTgt spid="27"/>
+                                        </p:tgtEl>
+                                        <p:attrNameLst>
+                                          <p:attrName>ppt_y</p:attrName>
+                                        </p:attrNameLst>
+                                      </p:cBhvr>
+                                      <p:tavLst>
+                                        <p:tav tm="0">
+                                          <p:val>
+                                            <p:strVal val="#ppt_y+.1"/>
+                                          </p:val>
+                                        </p:tav>
+                                        <p:tav tm="100000">
+                                          <p:val>
+                                            <p:strVal val="#ppt_y"/>
+                                          </p:val>
+                                        </p:tav>
+                                      </p:tavLst>
+                                    </p:anim>
+                                  </p:childTnLst>
+                                </p:cTn>
+                              </p:par>
+                            </p:childTnLst>
+                          </p:cTn>
+                        </p:par>
+                      </p:childTnLst>
+                    </p:cTn>
+                  </p:par>
+                </p:childTnLst>
+              </p:cTn>
+              <p:prevCondLst>
+                <p:cond evt="onPrev" delay="0">
+                  <p:tgtEl>
+                    <p:sldTgt/>
+                  </p:tgtEl>
+                </p:cond>
+              </p:prevCondLst>
+              <p:nextCondLst>
+                <p:cond evt="onNext" delay="0">
+                  <p:tgtEl>
+                    <p:sldTgt/>
+                  </p:tgtEl>
+                </p:cond>
+              </p:nextCondLst>
+            </p:seq>
+          </p:childTnLst>
+        </p:cTn>
       </p:par>
     </p:tnLst>
+    <p:bldLst>
+      <p:bldP spid="2" grpId="0" animBg="1"/>
+      <p:bldP spid="10" grpId="0" animBg="1"/>
+      <p:bldP spid="12" grpId="0"/>
+      <p:bldP spid="16" grpId="0"/>
+      <p:bldP spid="17" grpId="0"/>
+      <p:bldP spid="18" grpId="0"/>
+      <p:bldP spid="19" grpId="0"/>
+      <p:bldP spid="13" grpId="0" animBg="1"/>
+      <p:bldP spid="21" grpId="0" animBg="1"/>
+      <p:bldP spid="22" grpId="0"/>
+      <p:bldP spid="23" grpId="0"/>
+      <p:bldP spid="15" grpId="0" animBg="1"/>
+      <p:bldP spid="27" grpId="0" animBg="1"/>
+      <p:bldP spid="28" grpId="0"/>
+      <p:bldP spid="29" grpId="0" animBg="1"/>
+      <p:bldP spid="30" grpId="0"/>
+    </p:bldLst>
   </p:timing>
 </p:sld>
 </file>

--- a/PPTs/ProgramacionII_Clase_03-2018.pptx
+++ b/PPTs/ProgramacionII_Clase_03-2018.pptx
@@ -42,37 +42,34 @@
   <p:notesSz cx="6858000" cy="9144000"/>
   <p:embeddedFontLst>
     <p:embeddedFont>
-      <p:font typeface="Source Sans Pro" panose="020B0604020202020204" charset="0"/>
+      <p:font typeface="Trebuchet MS" panose="020B0603020202020204" pitchFamily="34" charset="0"/>
       <p:regular r:id="rId32"/>
       <p:bold r:id="rId33"/>
       <p:italic r:id="rId34"/>
       <p:boldItalic r:id="rId35"/>
     </p:embeddedFont>
     <p:embeddedFont>
+      <p:font typeface="Source Sans Pro" panose="020B0503030403020204" pitchFamily="34" charset="0"/>
+      <p:regular r:id="rId36"/>
+    </p:embeddedFont>
+    <p:embeddedFont>
+      <p:font typeface="Consolas" panose="020B0609020204030204" pitchFamily="49" charset="0"/>
+      <p:regular r:id="rId37"/>
+      <p:bold r:id="rId38"/>
+      <p:italic r:id="rId39"/>
+      <p:boldItalic r:id="rId40"/>
+    </p:embeddedFont>
+    <p:embeddedFont>
       <p:font typeface="Franklin Gothic Medium" panose="020B0603020102020204" pitchFamily="34" charset="0"/>
-      <p:regular r:id="rId36"/>
-      <p:italic r:id="rId37"/>
+      <p:regular r:id="rId41"/>
+      <p:italic r:id="rId42"/>
     </p:embeddedFont>
     <p:embeddedFont>
       <p:font typeface="Calibri" panose="020F0502020204030204" pitchFamily="34" charset="0"/>
-      <p:regular r:id="rId38"/>
-      <p:bold r:id="rId39"/>
-      <p:italic r:id="rId40"/>
-      <p:boldItalic r:id="rId41"/>
-    </p:embeddedFont>
-    <p:embeddedFont>
-      <p:font typeface="Trebuchet MS" panose="020B0603020202020204" pitchFamily="34" charset="0"/>
-      <p:regular r:id="rId42"/>
-      <p:bold r:id="rId43"/>
-      <p:italic r:id="rId44"/>
-      <p:boldItalic r:id="rId45"/>
-    </p:embeddedFont>
-    <p:embeddedFont>
-      <p:font typeface="Consolas" panose="020B0609020204030204" pitchFamily="49" charset="0"/>
-      <p:regular r:id="rId46"/>
-      <p:bold r:id="rId47"/>
-      <p:italic r:id="rId48"/>
-      <p:boldItalic r:id="rId49"/>
+      <p:regular r:id="rId43"/>
+      <p:bold r:id="rId44"/>
+      <p:italic r:id="rId45"/>
+      <p:boldItalic r:id="rId46"/>
     </p:embeddedFont>
   </p:embeddedFontLst>
   <p:defaultTextStyle>
@@ -4524,7 +4521,16 @@
               </a:spcAft>
               <a:buNone/>
             </a:pPr>
-            <a:endParaRPr/>
+            <a:r>
+              <a:rPr lang="es-AR" sz="1200" dirty="0" smtClean="0">
+                <a:latin typeface="Franklin Gothic Medium" panose="020B0603020102020204" pitchFamily="34" charset="0"/>
+                <a:ea typeface="Source Sans Pro"/>
+                <a:cs typeface="Source Sans Pro"/>
+                <a:sym typeface="Source Sans Pro"/>
+              </a:rPr>
+              <a:t>https://docs.microsoft.com/en-us/dotnet/standard/garbage-collection/</a:t>
+            </a:r>
+            <a:endParaRPr dirty="0"/>
           </a:p>
         </p:txBody>
       </p:sp>
@@ -31927,7 +31933,7 @@
                     </a:srgbClr>
                   </a:outerShdw>
                 </a:effectLst>
-                <a:latin typeface="Source Sans Pro"/>
+                <a:latin typeface="Franklin Gothic Medium" panose="020B0603020102020204" pitchFamily="34" charset="0"/>
                 <a:ea typeface="Source Sans Pro"/>
                 <a:cs typeface="Source Sans Pro"/>
                 <a:sym typeface="Source Sans Pro"/>
@@ -31943,7 +31949,7 @@
                     </a:srgbClr>
                   </a:outerShdw>
                 </a:effectLst>
-                <a:latin typeface="Source Sans Pro"/>
+                <a:latin typeface="Franklin Gothic Medium" panose="020B0603020102020204" pitchFamily="34" charset="0"/>
                 <a:ea typeface="Source Sans Pro"/>
                 <a:cs typeface="Source Sans Pro"/>
                 <a:sym typeface="Source Sans Pro"/>
@@ -31972,7 +31978,7 @@
                     </a:srgbClr>
                   </a:outerShdw>
                 </a:effectLst>
-                <a:latin typeface="Source Sans Pro"/>
+                <a:latin typeface="Franklin Gothic Medium" panose="020B0603020102020204" pitchFamily="34" charset="0"/>
                 <a:ea typeface="Source Sans Pro"/>
                 <a:cs typeface="Source Sans Pro"/>
                 <a:sym typeface="Source Sans Pro"/>
@@ -31988,7 +31994,7 @@
                     </a:srgbClr>
                   </a:outerShdw>
                 </a:effectLst>
-                <a:latin typeface="Source Sans Pro"/>
+                <a:latin typeface="Franklin Gothic Medium" panose="020B0603020102020204" pitchFamily="34" charset="0"/>
                 <a:ea typeface="Source Sans Pro"/>
                 <a:cs typeface="Source Sans Pro"/>
                 <a:sym typeface="Source Sans Pro"/>
@@ -32004,7 +32010,7 @@
                     </a:srgbClr>
                   </a:outerShdw>
                 </a:effectLst>
-                <a:latin typeface="Source Sans Pro"/>
+                <a:latin typeface="Franklin Gothic Medium" panose="020B0603020102020204" pitchFamily="34" charset="0"/>
                 <a:ea typeface="Source Sans Pro"/>
                 <a:cs typeface="Source Sans Pro"/>
                 <a:sym typeface="Source Sans Pro"/>
@@ -32019,7 +32025,7 @@
                   </a:srgbClr>
                 </a:outerShdw>
               </a:effectLst>
-              <a:latin typeface="Source Sans Pro"/>
+              <a:latin typeface="Franklin Gothic Medium" panose="020B0603020102020204" pitchFamily="34" charset="0"/>
               <a:ea typeface="Source Sans Pro"/>
               <a:cs typeface="Source Sans Pro"/>
               <a:sym typeface="Source Sans Pro"/>
@@ -32048,7 +32054,7 @@
                   </a:srgbClr>
                 </a:outerShdw>
               </a:effectLst>
-              <a:latin typeface="Source Sans Pro"/>
+              <a:latin typeface="Franklin Gothic Medium" panose="020B0603020102020204" pitchFamily="34" charset="0"/>
               <a:ea typeface="Source Sans Pro"/>
               <a:cs typeface="Source Sans Pro"/>
               <a:sym typeface="Source Sans Pro"/>
@@ -32078,7 +32084,7 @@
                     </a:srgbClr>
                   </a:outerShdw>
                 </a:effectLst>
-                <a:latin typeface="Source Sans Pro"/>
+                <a:latin typeface="Franklin Gothic Medium" panose="020B0603020102020204" pitchFamily="34" charset="0"/>
                 <a:ea typeface="Source Sans Pro"/>
                 <a:cs typeface="Source Sans Pro"/>
                 <a:sym typeface="Source Sans Pro"/>
@@ -32094,7 +32100,7 @@
                     </a:srgbClr>
                   </a:outerShdw>
                 </a:effectLst>
-                <a:latin typeface="Source Sans Pro"/>
+                <a:latin typeface="Franklin Gothic Medium" panose="020B0603020102020204" pitchFamily="34" charset="0"/>
                 <a:ea typeface="Source Sans Pro"/>
                 <a:cs typeface="Source Sans Pro"/>
                 <a:sym typeface="Source Sans Pro"/>
@@ -32109,7 +32115,7 @@
                   </a:srgbClr>
                 </a:outerShdw>
               </a:effectLst>
-              <a:latin typeface="Source Sans Pro"/>
+              <a:latin typeface="Franklin Gothic Medium" panose="020B0603020102020204" pitchFamily="34" charset="0"/>
               <a:ea typeface="Source Sans Pro"/>
               <a:cs typeface="Source Sans Pro"/>
               <a:sym typeface="Source Sans Pro"/>
@@ -32136,7 +32142,7 @@
                     </a:srgbClr>
                   </a:outerShdw>
                 </a:effectLst>
-                <a:latin typeface="Source Sans Pro"/>
+                <a:latin typeface="Franklin Gothic Medium" panose="020B0603020102020204" pitchFamily="34" charset="0"/>
                 <a:ea typeface="Source Sans Pro"/>
                 <a:cs typeface="Source Sans Pro"/>
                 <a:sym typeface="Source Sans Pro"/>
@@ -32152,7 +32158,7 @@
                     </a:srgbClr>
                   </a:outerShdw>
                 </a:effectLst>
-                <a:latin typeface="Source Sans Pro"/>
+                <a:latin typeface="Franklin Gothic Medium" panose="020B0603020102020204" pitchFamily="34" charset="0"/>
                 <a:ea typeface="Source Sans Pro"/>
                 <a:cs typeface="Source Sans Pro"/>
                 <a:sym typeface="Source Sans Pro"/>
@@ -32167,7 +32173,7 @@
                   </a:srgbClr>
                 </a:outerShdw>
               </a:effectLst>
-              <a:latin typeface="Source Sans Pro"/>
+              <a:latin typeface="Franklin Gothic Medium" panose="020B0603020102020204" pitchFamily="34" charset="0"/>
               <a:ea typeface="Source Sans Pro"/>
               <a:cs typeface="Source Sans Pro"/>
               <a:sym typeface="Source Sans Pro"/>
@@ -32184,7 +32190,7 @@
               <a:buNone/>
             </a:pPr>
             <a:endParaRPr sz="2600" dirty="0">
-              <a:latin typeface="Source Sans Pro"/>
+              <a:latin typeface="Franklin Gothic Medium" panose="020B0603020102020204" pitchFamily="34" charset="0"/>
               <a:ea typeface="Source Sans Pro"/>
               <a:cs typeface="Source Sans Pro"/>
               <a:sym typeface="Source Sans Pro"/>
@@ -32331,7 +32337,7 @@
             </a:pPr>
             <a:r>
               <a:rPr lang="es-AR" sz="2800" dirty="0">
-                <a:latin typeface="Source Sans Pro"/>
+                <a:latin typeface="Franklin Gothic Medium" panose="020B0603020102020204" pitchFamily="34" charset="0"/>
                 <a:ea typeface="Source Sans Pro"/>
                 <a:cs typeface="Source Sans Pro"/>
                 <a:sym typeface="Source Sans Pro"/>
@@ -32340,7 +32346,7 @@
             </a:r>
             <a:r>
               <a:rPr lang="es-AR" sz="2800" dirty="0" err="1">
-                <a:latin typeface="Source Sans Pro"/>
+                <a:latin typeface="Franklin Gothic Medium" panose="020B0603020102020204" pitchFamily="34" charset="0"/>
                 <a:ea typeface="Source Sans Pro"/>
                 <a:cs typeface="Source Sans Pro"/>
                 <a:sym typeface="Source Sans Pro"/>
@@ -32349,7 +32355,7 @@
             </a:r>
             <a:r>
               <a:rPr lang="es-AR" sz="2800" dirty="0">
-                <a:latin typeface="Source Sans Pro"/>
+                <a:latin typeface="Franklin Gothic Medium" panose="020B0603020102020204" pitchFamily="34" charset="0"/>
                 <a:ea typeface="Source Sans Pro"/>
                 <a:cs typeface="Source Sans Pro"/>
                 <a:sym typeface="Source Sans Pro"/>
@@ -32358,7 +32364,7 @@
             </a:r>
             <a:r>
               <a:rPr lang="es-AR" sz="2800" dirty="0" err="1">
-                <a:latin typeface="Source Sans Pro"/>
+                <a:latin typeface="Franklin Gothic Medium" panose="020B0603020102020204" pitchFamily="34" charset="0"/>
                 <a:ea typeface="Source Sans Pro"/>
                 <a:cs typeface="Source Sans Pro"/>
                 <a:sym typeface="Source Sans Pro"/>
@@ -32367,7 +32373,7 @@
             </a:r>
             <a:r>
               <a:rPr lang="es-AR" sz="2800" dirty="0">
-                <a:latin typeface="Source Sans Pro"/>
+                <a:latin typeface="Franklin Gothic Medium" panose="020B0603020102020204" pitchFamily="34" charset="0"/>
                 <a:ea typeface="Source Sans Pro"/>
                 <a:cs typeface="Source Sans Pro"/>
                 <a:sym typeface="Source Sans Pro"/>
@@ -32376,7 +32382,7 @@
             </a:r>
             <a:r>
               <a:rPr lang="es-AR" sz="2800" dirty="0" err="1">
-                <a:latin typeface="Source Sans Pro"/>
+                <a:latin typeface="Franklin Gothic Medium" panose="020B0603020102020204" pitchFamily="34" charset="0"/>
                 <a:ea typeface="Source Sans Pro"/>
                 <a:cs typeface="Source Sans Pro"/>
                 <a:sym typeface="Source Sans Pro"/>
@@ -32385,7 +32391,7 @@
             </a:r>
             <a:r>
               <a:rPr lang="es-AR" sz="2800" dirty="0">
-                <a:latin typeface="Source Sans Pro"/>
+                <a:latin typeface="Franklin Gothic Medium" panose="020B0603020102020204" pitchFamily="34" charset="0"/>
                 <a:ea typeface="Source Sans Pro"/>
                 <a:cs typeface="Source Sans Pro"/>
                 <a:sym typeface="Source Sans Pro"/>
@@ -32394,7 +32400,7 @@
             </a:r>
             <a:r>
               <a:rPr lang="es-AR" sz="2800" b="1" dirty="0" err="1">
-                <a:latin typeface="Source Sans Pro"/>
+                <a:latin typeface="Franklin Gothic Medium" panose="020B0603020102020204" pitchFamily="34" charset="0"/>
                 <a:ea typeface="Source Sans Pro"/>
                 <a:cs typeface="Source Sans Pro"/>
                 <a:sym typeface="Source Sans Pro"/>
@@ -32403,7 +32409,7 @@
             </a:r>
             <a:r>
               <a:rPr lang="es-AR" sz="2800" dirty="0">
-                <a:latin typeface="Source Sans Pro"/>
+                <a:latin typeface="Franklin Gothic Medium" panose="020B0603020102020204" pitchFamily="34" charset="0"/>
                 <a:ea typeface="Source Sans Pro"/>
                 <a:cs typeface="Source Sans Pro"/>
                 <a:sym typeface="Source Sans Pro"/>
@@ -32412,7 +32418,7 @@
             </a:r>
             <a:r>
               <a:rPr lang="es-AR" sz="2800" b="1" dirty="0" err="1">
-                <a:latin typeface="Source Sans Pro"/>
+                <a:latin typeface="Franklin Gothic Medium" panose="020B0603020102020204" pitchFamily="34" charset="0"/>
                 <a:ea typeface="Source Sans Pro"/>
                 <a:cs typeface="Source Sans Pro"/>
                 <a:sym typeface="Source Sans Pro"/>
@@ -32421,7 +32427,7 @@
             </a:r>
             <a:r>
               <a:rPr lang="es-AR" sz="2800" b="1" dirty="0">
-                <a:latin typeface="Source Sans Pro"/>
+                <a:latin typeface="Franklin Gothic Medium" panose="020B0603020102020204" pitchFamily="34" charset="0"/>
                 <a:ea typeface="Source Sans Pro"/>
                 <a:cs typeface="Source Sans Pro"/>
                 <a:sym typeface="Source Sans Pro"/>
@@ -32430,7 +32436,7 @@
             </a:r>
             <a:r>
               <a:rPr lang="es-AR" sz="2800" dirty="0">
-                <a:latin typeface="Source Sans Pro"/>
+                <a:latin typeface="Franklin Gothic Medium" panose="020B0603020102020204" pitchFamily="34" charset="0"/>
                 <a:ea typeface="Source Sans Pro"/>
                 <a:cs typeface="Source Sans Pro"/>
                 <a:sym typeface="Source Sans Pro"/>
@@ -32439,7 +32445,7 @@
             </a:r>
             <a:r>
               <a:rPr lang="es-AR" sz="2800" b="1" dirty="0" err="1">
-                <a:latin typeface="Source Sans Pro"/>
+                <a:latin typeface="Franklin Gothic Medium" panose="020B0603020102020204" pitchFamily="34" charset="0"/>
                 <a:ea typeface="Source Sans Pro"/>
                 <a:cs typeface="Source Sans Pro"/>
                 <a:sym typeface="Source Sans Pro"/>
@@ -32448,7 +32454,7 @@
             </a:r>
             <a:r>
               <a:rPr lang="es-AR" sz="2800" dirty="0">
-                <a:latin typeface="Source Sans Pro"/>
+                <a:latin typeface="Franklin Gothic Medium" panose="020B0603020102020204" pitchFamily="34" charset="0"/>
                 <a:ea typeface="Source Sans Pro"/>
                 <a:cs typeface="Source Sans Pro"/>
                 <a:sym typeface="Source Sans Pro"/>
@@ -32457,7 +32463,7 @@
             </a:r>
             <a:r>
               <a:rPr lang="es-AR" sz="2800" dirty="0" smtClean="0">
-                <a:latin typeface="Source Sans Pro"/>
+                <a:latin typeface="Franklin Gothic Medium" panose="020B0603020102020204" pitchFamily="34" charset="0"/>
                 <a:ea typeface="Source Sans Pro"/>
                 <a:cs typeface="Source Sans Pro"/>
                 <a:sym typeface="Source Sans Pro"/>
@@ -32465,7 +32471,7 @@
               <a:t>.</a:t>
             </a:r>
             <a:endParaRPr sz="2800" dirty="0">
-              <a:latin typeface="Source Sans Pro"/>
+              <a:latin typeface="Franklin Gothic Medium" panose="020B0603020102020204" pitchFamily="34" charset="0"/>
               <a:ea typeface="Source Sans Pro"/>
               <a:cs typeface="Source Sans Pro"/>
               <a:sym typeface="Source Sans Pro"/>
@@ -33599,7 +33605,7 @@
                     </a:srgbClr>
                   </a:outerShdw>
                 </a:effectLst>
-                <a:latin typeface="Source Sans Pro"/>
+                <a:latin typeface="Franklin Gothic Medium" panose="020B0603020102020204" pitchFamily="34" charset="0"/>
                 <a:ea typeface="Source Sans Pro"/>
                 <a:cs typeface="Source Sans Pro"/>
                 <a:sym typeface="Source Sans Pro"/>
@@ -33618,7 +33624,7 @@
                     </a:srgbClr>
                   </a:outerShdw>
                 </a:effectLst>
-                <a:latin typeface="Source Sans Pro"/>
+                <a:latin typeface="Franklin Gothic Medium" panose="020B0603020102020204" pitchFamily="34" charset="0"/>
                 <a:ea typeface="Source Sans Pro"/>
                 <a:cs typeface="Source Sans Pro"/>
                 <a:sym typeface="Source Sans Pro"/>
@@ -33637,7 +33643,7 @@
                     </a:srgbClr>
                   </a:outerShdw>
                 </a:effectLst>
-                <a:latin typeface="Source Sans Pro"/>
+                <a:latin typeface="Franklin Gothic Medium" panose="020B0603020102020204" pitchFamily="34" charset="0"/>
                 <a:ea typeface="Source Sans Pro"/>
                 <a:cs typeface="Source Sans Pro"/>
                 <a:sym typeface="Source Sans Pro"/>
@@ -33656,7 +33662,7 @@
                     </a:srgbClr>
                   </a:outerShdw>
                 </a:effectLst>
-                <a:latin typeface="Source Sans Pro"/>
+                <a:latin typeface="Franklin Gothic Medium" panose="020B0603020102020204" pitchFamily="34" charset="0"/>
                 <a:ea typeface="Source Sans Pro"/>
                 <a:cs typeface="Source Sans Pro"/>
                 <a:sym typeface="Source Sans Pro"/>
@@ -33675,7 +33681,7 @@
                     </a:srgbClr>
                   </a:outerShdw>
                 </a:effectLst>
-                <a:latin typeface="Source Sans Pro"/>
+                <a:latin typeface="Franklin Gothic Medium" panose="020B0603020102020204" pitchFamily="34" charset="0"/>
                 <a:ea typeface="Source Sans Pro"/>
                 <a:cs typeface="Source Sans Pro"/>
                 <a:sym typeface="Source Sans Pro"/>
@@ -33694,7 +33700,7 @@
                     </a:srgbClr>
                   </a:outerShdw>
                 </a:effectLst>
-                <a:latin typeface="Source Sans Pro"/>
+                <a:latin typeface="Franklin Gothic Medium" panose="020B0603020102020204" pitchFamily="34" charset="0"/>
                 <a:ea typeface="Source Sans Pro"/>
                 <a:cs typeface="Source Sans Pro"/>
                 <a:sym typeface="Source Sans Pro"/>
@@ -33713,7 +33719,7 @@
                     </a:srgbClr>
                   </a:outerShdw>
                 </a:effectLst>
-                <a:latin typeface="Source Sans Pro"/>
+                <a:latin typeface="Franklin Gothic Medium" panose="020B0603020102020204" pitchFamily="34" charset="0"/>
                 <a:ea typeface="Source Sans Pro"/>
                 <a:cs typeface="Source Sans Pro"/>
                 <a:sym typeface="Source Sans Pro"/>
@@ -33731,7 +33737,7 @@
                   </a:srgbClr>
                 </a:outerShdw>
               </a:effectLst>
-              <a:latin typeface="Source Sans Pro"/>
+              <a:latin typeface="Franklin Gothic Medium" panose="020B0603020102020204" pitchFamily="34" charset="0"/>
               <a:ea typeface="Source Sans Pro"/>
               <a:cs typeface="Source Sans Pro"/>
               <a:sym typeface="Source Sans Pro"/>
@@ -33767,7 +33773,7 @@
                     </a:srgbClr>
                   </a:outerShdw>
                 </a:effectLst>
-                <a:latin typeface="Source Sans Pro"/>
+                <a:latin typeface="Franklin Gothic Medium" panose="020B0603020102020204" pitchFamily="34" charset="0"/>
                 <a:ea typeface="Source Sans Pro"/>
                 <a:cs typeface="Source Sans Pro"/>
                 <a:sym typeface="Source Sans Pro"/>
@@ -33786,7 +33792,7 @@
                     </a:srgbClr>
                   </a:outerShdw>
                 </a:effectLst>
-                <a:latin typeface="Source Sans Pro"/>
+                <a:latin typeface="Franklin Gothic Medium" panose="020B0603020102020204" pitchFamily="34" charset="0"/>
                 <a:ea typeface="Source Sans Pro"/>
                 <a:cs typeface="Source Sans Pro"/>
                 <a:sym typeface="Source Sans Pro"/>
@@ -33805,7 +33811,7 @@
                     </a:srgbClr>
                   </a:outerShdw>
                 </a:effectLst>
-                <a:latin typeface="Source Sans Pro"/>
+                <a:latin typeface="Franklin Gothic Medium" panose="020B0603020102020204" pitchFamily="34" charset="0"/>
                 <a:ea typeface="Source Sans Pro"/>
                 <a:cs typeface="Source Sans Pro"/>
                 <a:sym typeface="Source Sans Pro"/>
@@ -33824,7 +33830,7 @@
                     </a:srgbClr>
                   </a:outerShdw>
                 </a:effectLst>
-                <a:latin typeface="Source Sans Pro"/>
+                <a:latin typeface="Franklin Gothic Medium" panose="020B0603020102020204" pitchFamily="34" charset="0"/>
                 <a:ea typeface="Source Sans Pro"/>
                 <a:cs typeface="Source Sans Pro"/>
                 <a:sym typeface="Source Sans Pro"/>
@@ -33843,7 +33849,7 @@
                     </a:srgbClr>
                   </a:outerShdw>
                 </a:effectLst>
-                <a:latin typeface="Source Sans Pro"/>
+                <a:latin typeface="Franklin Gothic Medium" panose="020B0603020102020204" pitchFamily="34" charset="0"/>
                 <a:ea typeface="Source Sans Pro"/>
                 <a:cs typeface="Source Sans Pro"/>
                 <a:sym typeface="Source Sans Pro"/>
@@ -33862,7 +33868,7 @@
                     </a:srgbClr>
                   </a:outerShdw>
                 </a:effectLst>
-                <a:latin typeface="Source Sans Pro"/>
+                <a:latin typeface="Franklin Gothic Medium" panose="020B0603020102020204" pitchFamily="34" charset="0"/>
                 <a:ea typeface="Source Sans Pro"/>
                 <a:cs typeface="Source Sans Pro"/>
                 <a:sym typeface="Source Sans Pro"/>
@@ -33880,7 +33886,7 @@
                   </a:srgbClr>
                 </a:outerShdw>
               </a:effectLst>
-              <a:latin typeface="Source Sans Pro"/>
+              <a:latin typeface="Franklin Gothic Medium" panose="020B0603020102020204" pitchFamily="34" charset="0"/>
               <a:ea typeface="Source Sans Pro"/>
               <a:cs typeface="Source Sans Pro"/>
               <a:sym typeface="Source Sans Pro"/>
@@ -34973,7 +34979,7 @@
                     </a:srgbClr>
                   </a:outerShdw>
                 </a:effectLst>
-                <a:latin typeface="Source Sans Pro"/>
+                <a:latin typeface="Franklin Gothic Medium" panose="020B0603020102020204" pitchFamily="34" charset="0"/>
                 <a:ea typeface="Source Sans Pro"/>
                 <a:cs typeface="Source Sans Pro"/>
                 <a:sym typeface="Source Sans Pro"/>
@@ -35005,7 +35011,7 @@
                     </a:srgbClr>
                   </a:outerShdw>
                 </a:effectLst>
-                <a:latin typeface="Source Sans Pro"/>
+                <a:latin typeface="Franklin Gothic Medium" panose="020B0603020102020204" pitchFamily="34" charset="0"/>
                 <a:ea typeface="Source Sans Pro"/>
                 <a:cs typeface="Source Sans Pro"/>
                 <a:sym typeface="Source Sans Pro"/>
@@ -35024,7 +35030,7 @@
                     </a:srgbClr>
                   </a:outerShdw>
                 </a:effectLst>
-                <a:latin typeface="Source Sans Pro"/>
+                <a:latin typeface="Franklin Gothic Medium" panose="020B0603020102020204" pitchFamily="34" charset="0"/>
                 <a:ea typeface="Source Sans Pro"/>
                 <a:cs typeface="Source Sans Pro"/>
                 <a:sym typeface="Source Sans Pro"/>
@@ -35043,7 +35049,7 @@
                     </a:srgbClr>
                   </a:outerShdw>
                 </a:effectLst>
-                <a:latin typeface="Source Sans Pro"/>
+                <a:latin typeface="Franklin Gothic Medium" panose="020B0603020102020204" pitchFamily="34" charset="0"/>
                 <a:ea typeface="Source Sans Pro"/>
                 <a:cs typeface="Source Sans Pro"/>
                 <a:sym typeface="Source Sans Pro"/>
@@ -35058,7 +35064,7 @@
                   </a:srgbClr>
                 </a:outerShdw>
               </a:effectLst>
-              <a:latin typeface="Source Sans Pro"/>
+              <a:latin typeface="Franklin Gothic Medium" panose="020B0603020102020204" pitchFamily="34" charset="0"/>
               <a:ea typeface="Source Sans Pro"/>
               <a:cs typeface="Source Sans Pro"/>
               <a:sym typeface="Source Sans Pro"/>
@@ -35084,7 +35090,7 @@
                   </a:srgbClr>
                 </a:outerShdw>
               </a:effectLst>
-              <a:latin typeface="Source Sans Pro"/>
+              <a:latin typeface="Franklin Gothic Medium" panose="020B0603020102020204" pitchFamily="34" charset="0"/>
               <a:ea typeface="Source Sans Pro"/>
               <a:cs typeface="Source Sans Pro"/>
               <a:sym typeface="Source Sans Pro"/>
@@ -35114,7 +35120,7 @@
                     </a:srgbClr>
                   </a:outerShdw>
                 </a:effectLst>
-                <a:latin typeface="Source Sans Pro"/>
+                <a:latin typeface="Franklin Gothic Medium" panose="020B0603020102020204" pitchFamily="34" charset="0"/>
                 <a:ea typeface="Source Sans Pro"/>
                 <a:cs typeface="Source Sans Pro"/>
                 <a:sym typeface="Source Sans Pro"/>
@@ -35133,7 +35139,7 @@
                     </a:srgbClr>
                   </a:outerShdw>
                 </a:effectLst>
-                <a:latin typeface="Source Sans Pro"/>
+                <a:latin typeface="Franklin Gothic Medium" panose="020B0603020102020204" pitchFamily="34" charset="0"/>
                 <a:ea typeface="Source Sans Pro"/>
                 <a:cs typeface="Source Sans Pro"/>
                 <a:sym typeface="Source Sans Pro"/>
@@ -35152,7 +35158,7 @@
                     </a:srgbClr>
                   </a:outerShdw>
                 </a:effectLst>
-                <a:latin typeface="Source Sans Pro"/>
+                <a:latin typeface="Franklin Gothic Medium" panose="020B0603020102020204" pitchFamily="34" charset="0"/>
                 <a:ea typeface="Source Sans Pro"/>
                 <a:cs typeface="Source Sans Pro"/>
                 <a:sym typeface="Source Sans Pro"/>
@@ -35171,7 +35177,7 @@
                     </a:srgbClr>
                   </a:outerShdw>
                 </a:effectLst>
-                <a:latin typeface="Source Sans Pro"/>
+                <a:latin typeface="Franklin Gothic Medium" panose="020B0603020102020204" pitchFamily="34" charset="0"/>
                 <a:ea typeface="Source Sans Pro"/>
                 <a:cs typeface="Source Sans Pro"/>
                 <a:sym typeface="Source Sans Pro"/>
@@ -35190,7 +35196,7 @@
                     </a:srgbClr>
                   </a:outerShdw>
                 </a:effectLst>
-                <a:latin typeface="Source Sans Pro"/>
+                <a:latin typeface="Franklin Gothic Medium" panose="020B0603020102020204" pitchFamily="34" charset="0"/>
                 <a:ea typeface="Source Sans Pro"/>
                 <a:cs typeface="Source Sans Pro"/>
                 <a:sym typeface="Source Sans Pro"/>
@@ -35205,7 +35211,7 @@
                   </a:srgbClr>
                 </a:outerShdw>
               </a:effectLst>
-              <a:latin typeface="Source Sans Pro"/>
+              <a:latin typeface="Franklin Gothic Medium" panose="020B0603020102020204" pitchFamily="34" charset="0"/>
               <a:ea typeface="Source Sans Pro"/>
               <a:cs typeface="Source Sans Pro"/>
               <a:sym typeface="Source Sans Pro"/>
@@ -35235,7 +35241,7 @@
                     </a:srgbClr>
                   </a:outerShdw>
                 </a:effectLst>
-                <a:latin typeface="Source Sans Pro"/>
+                <a:latin typeface="Franklin Gothic Medium" panose="020B0603020102020204" pitchFamily="34" charset="0"/>
                 <a:ea typeface="Source Sans Pro"/>
                 <a:cs typeface="Source Sans Pro"/>
                 <a:sym typeface="Source Sans Pro"/>
@@ -35254,7 +35260,7 @@
                     </a:srgbClr>
                   </a:outerShdw>
                 </a:effectLst>
-                <a:latin typeface="Source Sans Pro"/>
+                <a:latin typeface="Franklin Gothic Medium" panose="020B0603020102020204" pitchFamily="34" charset="0"/>
                 <a:ea typeface="Source Sans Pro"/>
                 <a:cs typeface="Source Sans Pro"/>
                 <a:sym typeface="Source Sans Pro"/>
@@ -35286,7 +35292,7 @@
                     </a:srgbClr>
                   </a:outerShdw>
                 </a:effectLst>
-                <a:latin typeface="Source Sans Pro"/>
+                <a:latin typeface="Franklin Gothic Medium" panose="020B0603020102020204" pitchFamily="34" charset="0"/>
                 <a:ea typeface="Source Sans Pro"/>
                 <a:cs typeface="Source Sans Pro"/>
                 <a:sym typeface="Source Sans Pro"/>
@@ -35305,7 +35311,7 @@
                     </a:srgbClr>
                   </a:outerShdw>
                 </a:effectLst>
-                <a:latin typeface="Source Sans Pro"/>
+                <a:latin typeface="Franklin Gothic Medium" panose="020B0603020102020204" pitchFamily="34" charset="0"/>
                 <a:ea typeface="Source Sans Pro"/>
                 <a:cs typeface="Source Sans Pro"/>
                 <a:sym typeface="Source Sans Pro"/>
@@ -35337,7 +35343,7 @@
                     </a:srgbClr>
                   </a:outerShdw>
                 </a:effectLst>
-                <a:latin typeface="Source Sans Pro"/>
+                <a:latin typeface="Franklin Gothic Medium" panose="020B0603020102020204" pitchFamily="34" charset="0"/>
                 <a:ea typeface="Source Sans Pro"/>
                 <a:cs typeface="Source Sans Pro"/>
                 <a:sym typeface="Source Sans Pro"/>
@@ -35368,7 +35374,7 @@
                   </a:srgbClr>
                 </a:outerShdw>
               </a:effectLst>
-              <a:latin typeface="Source Sans Pro"/>
+              <a:latin typeface="Franklin Gothic Medium" panose="020B0603020102020204" pitchFamily="34" charset="0"/>
               <a:ea typeface="Source Sans Pro"/>
               <a:cs typeface="Source Sans Pro"/>
               <a:sym typeface="Source Sans Pro"/>
@@ -35394,7 +35400,7 @@
                   </a:srgbClr>
                 </a:outerShdw>
               </a:effectLst>
-              <a:latin typeface="Source Sans Pro"/>
+              <a:latin typeface="Franklin Gothic Medium" panose="020B0603020102020204" pitchFamily="34" charset="0"/>
               <a:ea typeface="Source Sans Pro"/>
               <a:cs typeface="Source Sans Pro"/>
               <a:sym typeface="Source Sans Pro"/>
@@ -35550,7 +35556,7 @@
                     </a:srgbClr>
                   </a:outerShdw>
                 </a:effectLst>
-                <a:latin typeface="Source Sans Pro"/>
+                <a:latin typeface="Franklin Gothic Medium" panose="020B0603020102020204" pitchFamily="34" charset="0"/>
                 <a:ea typeface="Source Sans Pro"/>
                 <a:cs typeface="Source Sans Pro"/>
                 <a:sym typeface="Source Sans Pro"/>
@@ -35568,7 +35574,7 @@
                   </a:srgbClr>
                 </a:outerShdw>
               </a:effectLst>
-              <a:latin typeface="Source Sans Pro"/>
+              <a:latin typeface="Franklin Gothic Medium" panose="020B0603020102020204" pitchFamily="34" charset="0"/>
               <a:ea typeface="Source Sans Pro"/>
               <a:cs typeface="Source Sans Pro"/>
               <a:sym typeface="Source Sans Pro"/>
@@ -35604,7 +35610,7 @@
                     </a:srgbClr>
                   </a:outerShdw>
                 </a:effectLst>
-                <a:latin typeface="Source Sans Pro"/>
+                <a:latin typeface="Franklin Gothic Medium" panose="020B0603020102020204" pitchFamily="34" charset="0"/>
                 <a:ea typeface="Source Sans Pro"/>
                 <a:cs typeface="Source Sans Pro"/>
                 <a:sym typeface="Source Sans Pro"/>
@@ -35622,7 +35628,7 @@
                   </a:srgbClr>
                 </a:outerShdw>
               </a:effectLst>
-              <a:latin typeface="Source Sans Pro"/>
+              <a:latin typeface="Franklin Gothic Medium" panose="020B0603020102020204" pitchFamily="34" charset="0"/>
               <a:ea typeface="Source Sans Pro"/>
               <a:cs typeface="Source Sans Pro"/>
               <a:sym typeface="Source Sans Pro"/>
@@ -35658,7 +35664,7 @@
                     </a:srgbClr>
                   </a:outerShdw>
                 </a:effectLst>
-                <a:latin typeface="Source Sans Pro"/>
+                <a:latin typeface="Franklin Gothic Medium" panose="020B0603020102020204" pitchFamily="34" charset="0"/>
                 <a:ea typeface="Source Sans Pro"/>
                 <a:cs typeface="Source Sans Pro"/>
                 <a:sym typeface="Source Sans Pro"/>
@@ -35677,7 +35683,7 @@
                     </a:srgbClr>
                   </a:outerShdw>
                 </a:effectLst>
-                <a:latin typeface="Source Sans Pro"/>
+                <a:latin typeface="Franklin Gothic Medium" panose="020B0603020102020204" pitchFamily="34" charset="0"/>
                 <a:ea typeface="Source Sans Pro"/>
                 <a:cs typeface="Source Sans Pro"/>
                 <a:sym typeface="Source Sans Pro"/>
@@ -35696,7 +35702,7 @@
                     </a:srgbClr>
                   </a:outerShdw>
                 </a:effectLst>
-                <a:latin typeface="Source Sans Pro"/>
+                <a:latin typeface="Franklin Gothic Medium" panose="020B0603020102020204" pitchFamily="34" charset="0"/>
                 <a:ea typeface="Source Sans Pro"/>
                 <a:cs typeface="Source Sans Pro"/>
                 <a:sym typeface="Source Sans Pro"/>
@@ -35714,7 +35720,7 @@
                   </a:srgbClr>
                 </a:outerShdw>
               </a:effectLst>
-              <a:latin typeface="Source Sans Pro"/>
+              <a:latin typeface="Franklin Gothic Medium" panose="020B0603020102020204" pitchFamily="34" charset="0"/>
               <a:ea typeface="Source Sans Pro"/>
               <a:cs typeface="Source Sans Pro"/>
               <a:sym typeface="Source Sans Pro"/>
@@ -35737,7 +35743,7 @@
               <a:solidFill>
                 <a:srgbClr val="FFFFFF"/>
               </a:solidFill>
-              <a:latin typeface="Source Sans Pro"/>
+              <a:latin typeface="Franklin Gothic Medium" panose="020B0603020102020204" pitchFamily="34" charset="0"/>
               <a:ea typeface="Source Sans Pro"/>
               <a:cs typeface="Source Sans Pro"/>
               <a:sym typeface="Source Sans Pro"/>
@@ -35760,7 +35766,7 @@
               <a:solidFill>
                 <a:srgbClr val="FFFFFF"/>
               </a:solidFill>
-              <a:latin typeface="Source Sans Pro"/>
+              <a:latin typeface="Franklin Gothic Medium" panose="020B0603020102020204" pitchFamily="34" charset="0"/>
               <a:ea typeface="Source Sans Pro"/>
               <a:cs typeface="Source Sans Pro"/>
               <a:sym typeface="Source Sans Pro"/>
@@ -36243,22 +36249,22 @@
               <a:buChar char="●"/>
             </a:pPr>
             <a:r>
-              <a:rPr lang="es-AR" sz="2600">
+              <a:rPr lang="es-AR" sz="2600" dirty="0">
                 <a:solidFill>
                   <a:srgbClr val="FFFFFF"/>
                 </a:solidFill>
-                <a:latin typeface="Source Sans Pro"/>
+                <a:latin typeface="Franklin Gothic Medium" panose="020B0603020102020204" pitchFamily="34" charset="0"/>
                 <a:ea typeface="Source Sans Pro"/>
                 <a:cs typeface="Source Sans Pro"/>
                 <a:sym typeface="Source Sans Pro"/>
               </a:rPr>
               <a:t>Los constructores son métodos especiales que se utilizan para inicializar objetos al momento de su creación.</a:t>
             </a:r>
-            <a:endParaRPr sz="2600">
+            <a:endParaRPr sz="2600" dirty="0">
               <a:solidFill>
                 <a:srgbClr val="FFFFFF"/>
               </a:solidFill>
-              <a:latin typeface="Source Sans Pro"/>
+              <a:latin typeface="Franklin Gothic Medium" panose="020B0603020102020204" pitchFamily="34" charset="0"/>
               <a:ea typeface="Source Sans Pro"/>
               <a:cs typeface="Source Sans Pro"/>
               <a:sym typeface="Source Sans Pro"/>
@@ -36277,11 +36283,11 @@
               </a:spcAft>
               <a:buNone/>
             </a:pPr>
-            <a:endParaRPr sz="1000">
+            <a:endParaRPr sz="1000" dirty="0">
               <a:solidFill>
                 <a:srgbClr val="FFFFFF"/>
               </a:solidFill>
-              <a:latin typeface="Source Sans Pro"/>
+              <a:latin typeface="Franklin Gothic Medium" panose="020B0603020102020204" pitchFamily="34" charset="0"/>
               <a:ea typeface="Source Sans Pro"/>
               <a:cs typeface="Source Sans Pro"/>
               <a:sym typeface="Source Sans Pro"/>
@@ -36306,11 +36312,11 @@
               <a:buChar char="●"/>
             </a:pPr>
             <a:r>
-              <a:rPr lang="es-AR" sz="2600">
+              <a:rPr lang="es-AR" sz="2600" dirty="0">
                 <a:solidFill>
                   <a:srgbClr val="FFFFFF"/>
                 </a:solidFill>
-                <a:latin typeface="Source Sans Pro"/>
+                <a:latin typeface="Franklin Gothic Medium" panose="020B0603020102020204" pitchFamily="34" charset="0"/>
                 <a:ea typeface="Source Sans Pro"/>
                 <a:cs typeface="Source Sans Pro"/>
                 <a:sym typeface="Source Sans Pro"/>
@@ -36318,11 +36324,11 @@
               <a:t>En C#, la única forma de crear un objeto es mediante el uso de la palabra reservada </a:t>
             </a:r>
             <a:r>
-              <a:rPr lang="es-AR" sz="2600" b="1">
+              <a:rPr lang="es-AR" sz="2600" b="1" dirty="0">
                 <a:solidFill>
                   <a:srgbClr val="FFFFFF"/>
                 </a:solidFill>
-                <a:latin typeface="Source Sans Pro"/>
+                <a:latin typeface="Franklin Gothic Medium" panose="020B0603020102020204" pitchFamily="34" charset="0"/>
                 <a:ea typeface="Source Sans Pro"/>
                 <a:cs typeface="Source Sans Pro"/>
                 <a:sym typeface="Source Sans Pro"/>
@@ -36330,22 +36336,22 @@
               <a:t>new </a:t>
             </a:r>
             <a:r>
-              <a:rPr lang="es-AR" sz="2600">
+              <a:rPr lang="es-AR" sz="2600" dirty="0">
                 <a:solidFill>
                   <a:srgbClr val="FFFFFF"/>
                 </a:solidFill>
-                <a:latin typeface="Source Sans Pro"/>
+                <a:latin typeface="Franklin Gothic Medium" panose="020B0603020102020204" pitchFamily="34" charset="0"/>
                 <a:ea typeface="Source Sans Pro"/>
                 <a:cs typeface="Source Sans Pro"/>
                 <a:sym typeface="Source Sans Pro"/>
               </a:rPr>
               <a:t>para adquirir y asignar memoria. </a:t>
             </a:r>
-            <a:endParaRPr sz="2600">
+            <a:endParaRPr sz="2600" dirty="0">
               <a:solidFill>
                 <a:srgbClr val="FFFFFF"/>
               </a:solidFill>
-              <a:latin typeface="Source Sans Pro"/>
+              <a:latin typeface="Franklin Gothic Medium" panose="020B0603020102020204" pitchFamily="34" charset="0"/>
               <a:ea typeface="Source Sans Pro"/>
               <a:cs typeface="Source Sans Pro"/>
               <a:sym typeface="Source Sans Pro"/>
@@ -36364,11 +36370,11 @@
               </a:spcAft>
               <a:buNone/>
             </a:pPr>
-            <a:endParaRPr sz="1000">
+            <a:endParaRPr sz="1000" dirty="0">
               <a:solidFill>
                 <a:srgbClr val="FFFFFF"/>
               </a:solidFill>
-              <a:latin typeface="Source Sans Pro"/>
+              <a:latin typeface="Franklin Gothic Medium" panose="020B0603020102020204" pitchFamily="34" charset="0"/>
               <a:ea typeface="Source Sans Pro"/>
               <a:cs typeface="Source Sans Pro"/>
               <a:sym typeface="Source Sans Pro"/>
@@ -36393,22 +36399,22 @@
               <a:buChar char="●"/>
             </a:pPr>
             <a:r>
-              <a:rPr lang="es-AR" sz="2600">
+              <a:rPr lang="es-AR" sz="2600" dirty="0">
                 <a:solidFill>
                   <a:srgbClr val="FFFFFF"/>
                 </a:solidFill>
-                <a:latin typeface="Source Sans Pro"/>
+                <a:latin typeface="Franklin Gothic Medium" panose="020B0603020102020204" pitchFamily="34" charset="0"/>
                 <a:ea typeface="Source Sans Pro"/>
                 <a:cs typeface="Source Sans Pro"/>
                 <a:sym typeface="Source Sans Pro"/>
               </a:rPr>
               <a:t>Aunque no se escriba ningún constructor, existe uno por defecto que se usa cuando se crea un objeto a partir de un tipo referencia. </a:t>
             </a:r>
-            <a:endParaRPr sz="2600">
+            <a:endParaRPr sz="2600" dirty="0">
               <a:solidFill>
                 <a:srgbClr val="FFFFFF"/>
               </a:solidFill>
-              <a:latin typeface="Source Sans Pro"/>
+              <a:latin typeface="Franklin Gothic Medium" panose="020B0603020102020204" pitchFamily="34" charset="0"/>
               <a:ea typeface="Source Sans Pro"/>
               <a:cs typeface="Source Sans Pro"/>
               <a:sym typeface="Source Sans Pro"/>
@@ -36427,11 +36433,11 @@
               </a:spcAft>
               <a:buNone/>
             </a:pPr>
-            <a:endParaRPr sz="1000">
+            <a:endParaRPr sz="1000" dirty="0">
               <a:solidFill>
                 <a:srgbClr val="FFFFFF"/>
               </a:solidFill>
-              <a:latin typeface="Source Sans Pro"/>
+              <a:latin typeface="Franklin Gothic Medium" panose="020B0603020102020204" pitchFamily="34" charset="0"/>
               <a:ea typeface="Source Sans Pro"/>
               <a:cs typeface="Source Sans Pro"/>
               <a:sym typeface="Source Sans Pro"/>
@@ -36456,22 +36462,22 @@
               <a:buChar char="●"/>
             </a:pPr>
             <a:r>
-              <a:rPr lang="es-AR" sz="2600">
+              <a:rPr lang="es-AR" sz="2600" dirty="0">
                 <a:solidFill>
                   <a:srgbClr val="FFFFFF"/>
                 </a:solidFill>
-                <a:latin typeface="Source Sans Pro"/>
+                <a:latin typeface="Franklin Gothic Medium" panose="020B0603020102020204" pitchFamily="34" charset="0"/>
                 <a:ea typeface="Source Sans Pro"/>
                 <a:cs typeface="Source Sans Pro"/>
                 <a:sym typeface="Source Sans Pro"/>
               </a:rPr>
               <a:t>Los constructores llevan el mismo nombre de la clase. </a:t>
             </a:r>
-            <a:endParaRPr sz="2600">
+            <a:endParaRPr sz="2600" dirty="0">
               <a:solidFill>
                 <a:srgbClr val="FFFFFF"/>
               </a:solidFill>
-              <a:latin typeface="Source Sans Pro"/>
+              <a:latin typeface="Franklin Gothic Medium" panose="020B0603020102020204" pitchFamily="34" charset="0"/>
               <a:ea typeface="Source Sans Pro"/>
               <a:cs typeface="Source Sans Pro"/>
               <a:sym typeface="Source Sans Pro"/>
@@ -36627,7 +36633,7 @@
                     </a:srgbClr>
                   </a:outerShdw>
                 </a:effectLst>
-                <a:latin typeface="Source Sans Pro"/>
+                <a:latin typeface="Franklin Gothic Medium" panose="020B0603020102020204" pitchFamily="34" charset="0"/>
                 <a:ea typeface="Source Sans Pro"/>
                 <a:cs typeface="Source Sans Pro"/>
                 <a:sym typeface="Source Sans Pro"/>
@@ -36646,7 +36652,7 @@
                     </a:srgbClr>
                   </a:outerShdw>
                 </a:effectLst>
-                <a:latin typeface="Source Sans Pro"/>
+                <a:latin typeface="Franklin Gothic Medium" panose="020B0603020102020204" pitchFamily="34" charset="0"/>
                 <a:ea typeface="Source Sans Pro"/>
                 <a:cs typeface="Source Sans Pro"/>
                 <a:sym typeface="Source Sans Pro"/>
@@ -36665,7 +36671,7 @@
                     </a:srgbClr>
                   </a:outerShdw>
                 </a:effectLst>
-                <a:latin typeface="Source Sans Pro"/>
+                <a:latin typeface="Franklin Gothic Medium" panose="020B0603020102020204" pitchFamily="34" charset="0"/>
                 <a:ea typeface="Source Sans Pro"/>
                 <a:cs typeface="Source Sans Pro"/>
                 <a:sym typeface="Source Sans Pro"/>
@@ -36684,7 +36690,7 @@
                     </a:srgbClr>
                   </a:outerShdw>
                 </a:effectLst>
-                <a:latin typeface="Source Sans Pro"/>
+                <a:latin typeface="Franklin Gothic Medium" panose="020B0603020102020204" pitchFamily="34" charset="0"/>
                 <a:ea typeface="Source Sans Pro"/>
                 <a:cs typeface="Source Sans Pro"/>
                 <a:sym typeface="Source Sans Pro"/>
@@ -36703,7 +36709,7 @@
                     </a:srgbClr>
                   </a:outerShdw>
                 </a:effectLst>
-                <a:latin typeface="Source Sans Pro"/>
+                <a:latin typeface="Franklin Gothic Medium" panose="020B0603020102020204" pitchFamily="34" charset="0"/>
                 <a:ea typeface="Source Sans Pro"/>
                 <a:cs typeface="Source Sans Pro"/>
                 <a:sym typeface="Source Sans Pro"/>
@@ -36721,7 +36727,7 @@
                   </a:srgbClr>
                 </a:outerShdw>
               </a:effectLst>
-              <a:latin typeface="Source Sans Pro"/>
+              <a:latin typeface="Franklin Gothic Medium" panose="020B0603020102020204" pitchFamily="34" charset="0"/>
               <a:ea typeface="Source Sans Pro"/>
               <a:cs typeface="Source Sans Pro"/>
               <a:sym typeface="Source Sans Pro"/>
@@ -36756,7 +36762,7 @@
                   </a:srgbClr>
                 </a:outerShdw>
               </a:effectLst>
-              <a:latin typeface="Source Sans Pro"/>
+              <a:latin typeface="Franklin Gothic Medium" panose="020B0603020102020204" pitchFamily="34" charset="0"/>
               <a:ea typeface="Source Sans Pro"/>
               <a:cs typeface="Source Sans Pro"/>
               <a:sym typeface="Source Sans Pro"/>
@@ -36792,7 +36798,7 @@
                     </a:srgbClr>
                   </a:outerShdw>
                 </a:effectLst>
-                <a:latin typeface="Source Sans Pro"/>
+                <a:latin typeface="Franklin Gothic Medium" panose="020B0603020102020204" pitchFamily="34" charset="0"/>
                 <a:ea typeface="Source Sans Pro"/>
                 <a:cs typeface="Source Sans Pro"/>
                 <a:sym typeface="Source Sans Pro"/>
@@ -36811,7 +36817,7 @@
                     </a:srgbClr>
                   </a:outerShdw>
                 </a:effectLst>
-                <a:latin typeface="Source Sans Pro"/>
+                <a:latin typeface="Franklin Gothic Medium" panose="020B0603020102020204" pitchFamily="34" charset="0"/>
                 <a:ea typeface="Source Sans Pro"/>
                 <a:cs typeface="Source Sans Pro"/>
                 <a:sym typeface="Source Sans Pro"/>
@@ -36830,7 +36836,7 @@
                     </a:srgbClr>
                   </a:outerShdw>
                 </a:effectLst>
-                <a:latin typeface="Source Sans Pro"/>
+                <a:latin typeface="Franklin Gothic Medium" panose="020B0603020102020204" pitchFamily="34" charset="0"/>
                 <a:ea typeface="Source Sans Pro"/>
                 <a:cs typeface="Source Sans Pro"/>
                 <a:sym typeface="Source Sans Pro"/>
@@ -36849,7 +36855,7 @@
                     </a:srgbClr>
                   </a:outerShdw>
                 </a:effectLst>
-                <a:latin typeface="Source Sans Pro"/>
+                <a:latin typeface="Franklin Gothic Medium" panose="020B0603020102020204" pitchFamily="34" charset="0"/>
                 <a:ea typeface="Source Sans Pro"/>
                 <a:cs typeface="Source Sans Pro"/>
                 <a:sym typeface="Source Sans Pro"/>
@@ -36868,7 +36874,7 @@
                     </a:srgbClr>
                   </a:outerShdw>
                 </a:effectLst>
-                <a:latin typeface="Source Sans Pro"/>
+                <a:latin typeface="Franklin Gothic Medium" panose="020B0603020102020204" pitchFamily="34" charset="0"/>
                 <a:ea typeface="Source Sans Pro"/>
                 <a:cs typeface="Source Sans Pro"/>
                 <a:sym typeface="Source Sans Pro"/>
@@ -36886,7 +36892,7 @@
                   </a:srgbClr>
                 </a:outerShdw>
               </a:effectLst>
-              <a:latin typeface="Source Sans Pro"/>
+              <a:latin typeface="Franklin Gothic Medium" panose="020B0603020102020204" pitchFamily="34" charset="0"/>
               <a:ea typeface="Source Sans Pro"/>
               <a:cs typeface="Source Sans Pro"/>
               <a:sym typeface="Source Sans Pro"/>
@@ -36909,7 +36915,7 @@
               <a:solidFill>
                 <a:srgbClr val="FFFFFF"/>
               </a:solidFill>
-              <a:latin typeface="Source Sans Pro"/>
+              <a:latin typeface="Franklin Gothic Medium" panose="020B0603020102020204" pitchFamily="34" charset="0"/>
               <a:ea typeface="Source Sans Pro"/>
               <a:cs typeface="Source Sans Pro"/>
               <a:sym typeface="Source Sans Pro"/>
@@ -37065,7 +37071,7 @@
                     </a:srgbClr>
                   </a:outerShdw>
                 </a:effectLst>
-                <a:latin typeface="Source Sans Pro"/>
+                <a:latin typeface="Franklin Gothic Medium" panose="020B0603020102020204" pitchFamily="34" charset="0"/>
                 <a:ea typeface="Source Sans Pro"/>
                 <a:cs typeface="Source Sans Pro"/>
                 <a:sym typeface="Source Sans Pro"/>
@@ -37083,7 +37089,7 @@
                   </a:srgbClr>
                 </a:outerShdw>
               </a:effectLst>
-              <a:latin typeface="Source Sans Pro"/>
+              <a:latin typeface="Franklin Gothic Medium" panose="020B0603020102020204" pitchFamily="34" charset="0"/>
               <a:ea typeface="Source Sans Pro"/>
               <a:cs typeface="Source Sans Pro"/>
               <a:sym typeface="Source Sans Pro"/>
@@ -37113,7 +37119,7 @@
                   </a:srgbClr>
                 </a:outerShdw>
               </a:effectLst>
-              <a:latin typeface="Source Sans Pro"/>
+              <a:latin typeface="Franklin Gothic Medium" panose="020B0603020102020204" pitchFamily="34" charset="0"/>
               <a:ea typeface="Source Sans Pro"/>
               <a:cs typeface="Source Sans Pro"/>
               <a:sym typeface="Source Sans Pro"/>
@@ -37149,7 +37155,7 @@
                     </a:srgbClr>
                   </a:outerShdw>
                 </a:effectLst>
-                <a:latin typeface="Source Sans Pro"/>
+                <a:latin typeface="Franklin Gothic Medium" panose="020B0603020102020204" pitchFamily="34" charset="0"/>
                 <a:ea typeface="Source Sans Pro"/>
                 <a:cs typeface="Source Sans Pro"/>
                 <a:sym typeface="Source Sans Pro"/>
@@ -37167,7 +37173,7 @@
                   </a:srgbClr>
                 </a:outerShdw>
               </a:effectLst>
-              <a:latin typeface="Source Sans Pro"/>
+              <a:latin typeface="Franklin Gothic Medium" panose="020B0603020102020204" pitchFamily="34" charset="0"/>
               <a:ea typeface="Source Sans Pro"/>
               <a:cs typeface="Source Sans Pro"/>
               <a:sym typeface="Source Sans Pro"/>
@@ -37197,7 +37203,7 @@
                   </a:srgbClr>
                 </a:outerShdw>
               </a:effectLst>
-              <a:latin typeface="Source Sans Pro"/>
+              <a:latin typeface="Franklin Gothic Medium" panose="020B0603020102020204" pitchFamily="34" charset="0"/>
               <a:ea typeface="Source Sans Pro"/>
               <a:cs typeface="Source Sans Pro"/>
               <a:sym typeface="Source Sans Pro"/>
@@ -37233,7 +37239,7 @@
                     </a:srgbClr>
                   </a:outerShdw>
                 </a:effectLst>
-                <a:latin typeface="Source Sans Pro"/>
+                <a:latin typeface="Franklin Gothic Medium" panose="020B0603020102020204" pitchFamily="34" charset="0"/>
                 <a:ea typeface="Source Sans Pro"/>
                 <a:cs typeface="Source Sans Pro"/>
                 <a:sym typeface="Source Sans Pro"/>
@@ -37251,7 +37257,7 @@
                   </a:srgbClr>
                 </a:outerShdw>
               </a:effectLst>
-              <a:latin typeface="Source Sans Pro"/>
+              <a:latin typeface="Franklin Gothic Medium" panose="020B0603020102020204" pitchFamily="34" charset="0"/>
               <a:ea typeface="Source Sans Pro"/>
               <a:cs typeface="Source Sans Pro"/>
               <a:sym typeface="Source Sans Pro"/>
@@ -37274,7 +37280,7 @@
               <a:solidFill>
                 <a:schemeClr val="lt1"/>
               </a:solidFill>
-              <a:latin typeface="Source Sans Pro"/>
+              <a:latin typeface="Franklin Gothic Medium" panose="020B0603020102020204" pitchFamily="34" charset="0"/>
               <a:ea typeface="Source Sans Pro"/>
               <a:cs typeface="Source Sans Pro"/>
               <a:sym typeface="Source Sans Pro"/>
@@ -37428,7 +37434,7 @@
                     </a:srgbClr>
                   </a:outerShdw>
                 </a:effectLst>
-                <a:latin typeface="Source Sans Pro"/>
+                <a:latin typeface="Franklin Gothic Medium" panose="020B0603020102020204" pitchFamily="34" charset="0"/>
                 <a:ea typeface="Source Sans Pro"/>
                 <a:cs typeface="Source Sans Pro"/>
                 <a:sym typeface="Source Sans Pro"/>
@@ -37444,7 +37450,7 @@
                     </a:srgbClr>
                   </a:outerShdw>
                 </a:effectLst>
-                <a:latin typeface="Source Sans Pro"/>
+                <a:latin typeface="Franklin Gothic Medium" panose="020B0603020102020204" pitchFamily="34" charset="0"/>
                 <a:ea typeface="Source Sans Pro"/>
                 <a:cs typeface="Source Sans Pro"/>
                 <a:sym typeface="Source Sans Pro"/>
@@ -37460,7 +37466,7 @@
                     </a:srgbClr>
                   </a:outerShdw>
                 </a:effectLst>
-                <a:latin typeface="Source Sans Pro"/>
+                <a:latin typeface="Franklin Gothic Medium" panose="020B0603020102020204" pitchFamily="34" charset="0"/>
                 <a:ea typeface="Source Sans Pro"/>
                 <a:cs typeface="Source Sans Pro"/>
                 <a:sym typeface="Source Sans Pro"/>
@@ -37475,7 +37481,7 @@
                   </a:srgbClr>
                 </a:outerShdw>
               </a:effectLst>
-              <a:latin typeface="Source Sans Pro"/>
+              <a:latin typeface="Franklin Gothic Medium" panose="020B0603020102020204" pitchFamily="34" charset="0"/>
               <a:ea typeface="Source Sans Pro"/>
               <a:cs typeface="Source Sans Pro"/>
               <a:sym typeface="Source Sans Pro"/>
@@ -37505,7 +37511,7 @@
                     </a:srgbClr>
                   </a:outerShdw>
                 </a:effectLst>
-                <a:latin typeface="Source Sans Pro"/>
+                <a:latin typeface="Franklin Gothic Medium" panose="020B0603020102020204" pitchFamily="34" charset="0"/>
                 <a:ea typeface="Source Sans Pro"/>
                 <a:cs typeface="Source Sans Pro"/>
                 <a:sym typeface="Source Sans Pro"/>
@@ -37521,7 +37527,7 @@
                     </a:srgbClr>
                   </a:outerShdw>
                 </a:effectLst>
-                <a:latin typeface="Source Sans Pro"/>
+                <a:latin typeface="Franklin Gothic Medium" panose="020B0603020102020204" pitchFamily="34" charset="0"/>
                 <a:ea typeface="Source Sans Pro"/>
                 <a:cs typeface="Source Sans Pro"/>
                 <a:sym typeface="Source Sans Pro"/>
@@ -37537,7 +37543,7 @@
                     </a:srgbClr>
                   </a:outerShdw>
                 </a:effectLst>
-                <a:latin typeface="Source Sans Pro"/>
+                <a:latin typeface="Franklin Gothic Medium" panose="020B0603020102020204" pitchFamily="34" charset="0"/>
                 <a:ea typeface="Source Sans Pro"/>
                 <a:cs typeface="Source Sans Pro"/>
                 <a:sym typeface="Source Sans Pro"/>
@@ -37552,7 +37558,7 @@
                   </a:srgbClr>
                 </a:outerShdw>
               </a:effectLst>
-              <a:latin typeface="Source Sans Pro"/>
+              <a:latin typeface="Franklin Gothic Medium" panose="020B0603020102020204" pitchFamily="34" charset="0"/>
               <a:ea typeface="Source Sans Pro"/>
               <a:cs typeface="Source Sans Pro"/>
               <a:sym typeface="Source Sans Pro"/>
@@ -37582,7 +37588,7 @@
                     </a:srgbClr>
                   </a:outerShdw>
                 </a:effectLst>
-                <a:latin typeface="Source Sans Pro"/>
+                <a:latin typeface="Franklin Gothic Medium" panose="020B0603020102020204" pitchFamily="34" charset="0"/>
                 <a:ea typeface="Source Sans Pro"/>
                 <a:cs typeface="Source Sans Pro"/>
                 <a:sym typeface="Source Sans Pro"/>
@@ -37598,7 +37604,7 @@
                     </a:srgbClr>
                   </a:outerShdw>
                 </a:effectLst>
-                <a:latin typeface="Source Sans Pro"/>
+                <a:latin typeface="Franklin Gothic Medium" panose="020B0603020102020204" pitchFamily="34" charset="0"/>
                 <a:ea typeface="Source Sans Pro"/>
                 <a:cs typeface="Source Sans Pro"/>
                 <a:sym typeface="Source Sans Pro"/>
@@ -37613,7 +37619,7 @@
                   </a:srgbClr>
                 </a:outerShdw>
               </a:effectLst>
-              <a:latin typeface="Source Sans Pro"/>
+              <a:latin typeface="Franklin Gothic Medium" panose="020B0603020102020204" pitchFamily="34" charset="0"/>
               <a:ea typeface="Source Sans Pro"/>
               <a:cs typeface="Source Sans Pro"/>
               <a:sym typeface="Source Sans Pro"/>
@@ -37640,7 +37646,7 @@
                     </a:srgbClr>
                   </a:outerShdw>
                 </a:effectLst>
-                <a:latin typeface="Source Sans Pro"/>
+                <a:latin typeface="Franklin Gothic Medium" panose="020B0603020102020204" pitchFamily="34" charset="0"/>
                 <a:ea typeface="Source Sans Pro"/>
                 <a:cs typeface="Source Sans Pro"/>
                 <a:sym typeface="Source Sans Pro"/>
@@ -37656,7 +37662,7 @@
                     </a:srgbClr>
                   </a:outerShdw>
                 </a:effectLst>
-                <a:latin typeface="Source Sans Pro"/>
+                <a:latin typeface="Franklin Gothic Medium" panose="020B0603020102020204" pitchFamily="34" charset="0"/>
                 <a:ea typeface="Source Sans Pro"/>
                 <a:cs typeface="Source Sans Pro"/>
                 <a:sym typeface="Source Sans Pro"/>
@@ -37672,7 +37678,7 @@
                     </a:srgbClr>
                   </a:outerShdw>
                 </a:effectLst>
-                <a:latin typeface="Source Sans Pro"/>
+                <a:latin typeface="Franklin Gothic Medium" panose="020B0603020102020204" pitchFamily="34" charset="0"/>
                 <a:ea typeface="Source Sans Pro"/>
                 <a:cs typeface="Source Sans Pro"/>
                 <a:sym typeface="Source Sans Pro"/>
@@ -37688,7 +37694,7 @@
                     </a:srgbClr>
                   </a:outerShdw>
                 </a:effectLst>
-                <a:latin typeface="Source Sans Pro"/>
+                <a:latin typeface="Franklin Gothic Medium" panose="020B0603020102020204" pitchFamily="34" charset="0"/>
                 <a:ea typeface="Source Sans Pro"/>
                 <a:cs typeface="Source Sans Pro"/>
                 <a:sym typeface="Source Sans Pro"/>
@@ -37704,7 +37710,7 @@
                     </a:srgbClr>
                   </a:outerShdw>
                 </a:effectLst>
-                <a:latin typeface="Source Sans Pro"/>
+                <a:latin typeface="Franklin Gothic Medium" panose="020B0603020102020204" pitchFamily="34" charset="0"/>
                 <a:ea typeface="Source Sans Pro"/>
                 <a:cs typeface="Source Sans Pro"/>
                 <a:sym typeface="Source Sans Pro"/>
@@ -37719,7 +37725,7 @@
                   </a:srgbClr>
                 </a:outerShdw>
               </a:effectLst>
-              <a:latin typeface="Source Sans Pro"/>
+              <a:latin typeface="Franklin Gothic Medium" panose="020B0603020102020204" pitchFamily="34" charset="0"/>
               <a:ea typeface="Source Sans Pro"/>
               <a:cs typeface="Source Sans Pro"/>
               <a:sym typeface="Source Sans Pro"/>
@@ -37749,7 +37755,7 @@
                     </a:srgbClr>
                   </a:outerShdw>
                 </a:effectLst>
-                <a:latin typeface="Source Sans Pro"/>
+                <a:latin typeface="Franklin Gothic Medium" panose="020B0603020102020204" pitchFamily="34" charset="0"/>
                 <a:ea typeface="Source Sans Pro"/>
                 <a:cs typeface="Source Sans Pro"/>
                 <a:sym typeface="Source Sans Pro"/>
@@ -37764,6 +37770,7 @@
                   </a:srgbClr>
                 </a:outerShdw>
               </a:effectLst>
+              <a:latin typeface="Franklin Gothic Medium" panose="020B0603020102020204" pitchFamily="34" charset="0"/>
             </a:endParaRPr>
           </a:p>
         </p:txBody>
@@ -37909,7 +37916,7 @@
                 <a:solidFill>
                   <a:schemeClr val="lt1"/>
                 </a:solidFill>
-                <a:latin typeface="Source Sans Pro"/>
+                <a:latin typeface="Franklin Gothic Medium" panose="020B0603020102020204" pitchFamily="34" charset="0"/>
                 <a:ea typeface="Source Sans Pro"/>
                 <a:cs typeface="Source Sans Pro"/>
                 <a:sym typeface="Source Sans Pro"/>
@@ -37920,7 +37927,7 @@
               <a:solidFill>
                 <a:schemeClr val="lt1"/>
               </a:solidFill>
-              <a:latin typeface="Source Sans Pro"/>
+              <a:latin typeface="Franklin Gothic Medium" panose="020B0603020102020204" pitchFamily="34" charset="0"/>
               <a:ea typeface="Source Sans Pro"/>
               <a:cs typeface="Source Sans Pro"/>
               <a:sym typeface="Source Sans Pro"/>
@@ -37949,7 +37956,7 @@
                 <a:solidFill>
                   <a:schemeClr val="lt1"/>
                 </a:solidFill>
-                <a:latin typeface="Source Sans Pro"/>
+                <a:latin typeface="Franklin Gothic Medium" panose="020B0603020102020204" pitchFamily="34" charset="0"/>
                 <a:ea typeface="Source Sans Pro"/>
                 <a:cs typeface="Source Sans Pro"/>
                 <a:sym typeface="Source Sans Pro"/>
@@ -37960,7 +37967,7 @@
               <a:solidFill>
                 <a:schemeClr val="lt1"/>
               </a:solidFill>
-              <a:latin typeface="Source Sans Pro"/>
+              <a:latin typeface="Franklin Gothic Medium" panose="020B0603020102020204" pitchFamily="34" charset="0"/>
               <a:ea typeface="Source Sans Pro"/>
               <a:cs typeface="Source Sans Pro"/>
               <a:sym typeface="Source Sans Pro"/>
@@ -37989,7 +37996,7 @@
                 <a:solidFill>
                   <a:schemeClr val="lt1"/>
                 </a:solidFill>
-                <a:latin typeface="Source Sans Pro"/>
+                <a:latin typeface="Franklin Gothic Medium" panose="020B0603020102020204" pitchFamily="34" charset="0"/>
                 <a:ea typeface="Source Sans Pro"/>
                 <a:cs typeface="Source Sans Pro"/>
                 <a:sym typeface="Source Sans Pro"/>
@@ -38001,7 +38008,7 @@
                 <a:solidFill>
                   <a:schemeClr val="lt1"/>
                 </a:solidFill>
-                <a:latin typeface="Source Sans Pro"/>
+                <a:latin typeface="Franklin Gothic Medium" panose="020B0603020102020204" pitchFamily="34" charset="0"/>
                 <a:ea typeface="Source Sans Pro"/>
                 <a:cs typeface="Source Sans Pro"/>
                 <a:sym typeface="Source Sans Pro"/>
@@ -38013,7 +38020,7 @@
                 <a:solidFill>
                   <a:schemeClr val="lt1"/>
                 </a:solidFill>
-                <a:latin typeface="Source Sans Pro"/>
+                <a:latin typeface="Franklin Gothic Medium" panose="020B0603020102020204" pitchFamily="34" charset="0"/>
                 <a:ea typeface="Source Sans Pro"/>
                 <a:cs typeface="Source Sans Pro"/>
                 <a:sym typeface="Source Sans Pro"/>
@@ -38024,7 +38031,7 @@
               <a:solidFill>
                 <a:schemeClr val="lt1"/>
               </a:solidFill>
-              <a:latin typeface="Source Sans Pro"/>
+              <a:latin typeface="Franklin Gothic Medium" panose="020B0603020102020204" pitchFamily="34" charset="0"/>
               <a:ea typeface="Source Sans Pro"/>
               <a:cs typeface="Source Sans Pro"/>
               <a:sym typeface="Source Sans Pro"/>
@@ -38053,7 +38060,7 @@
                 <a:solidFill>
                   <a:schemeClr val="lt1"/>
                 </a:solidFill>
-                <a:latin typeface="Source Sans Pro"/>
+                <a:latin typeface="Franklin Gothic Medium" panose="020B0603020102020204" pitchFamily="34" charset="0"/>
                 <a:ea typeface="Source Sans Pro"/>
                 <a:cs typeface="Source Sans Pro"/>
                 <a:sym typeface="Source Sans Pro"/>
@@ -38064,7 +38071,7 @@
               <a:solidFill>
                 <a:schemeClr val="lt1"/>
               </a:solidFill>
-              <a:latin typeface="Source Sans Pro"/>
+              <a:latin typeface="Franklin Gothic Medium" panose="020B0603020102020204" pitchFamily="34" charset="0"/>
               <a:ea typeface="Source Sans Pro"/>
               <a:cs typeface="Source Sans Pro"/>
               <a:sym typeface="Source Sans Pro"/>
@@ -38093,7 +38100,7 @@
                 <a:solidFill>
                   <a:schemeClr val="lt1"/>
                 </a:solidFill>
-                <a:latin typeface="Source Sans Pro"/>
+                <a:latin typeface="Franklin Gothic Medium" panose="020B0603020102020204" pitchFamily="34" charset="0"/>
                 <a:ea typeface="Source Sans Pro"/>
                 <a:cs typeface="Source Sans Pro"/>
                 <a:sym typeface="Source Sans Pro"/>
@@ -38105,7 +38112,7 @@
                 <a:solidFill>
                   <a:schemeClr val="lt1"/>
                 </a:solidFill>
-                <a:latin typeface="Source Sans Pro"/>
+                <a:latin typeface="Franklin Gothic Medium" panose="020B0603020102020204" pitchFamily="34" charset="0"/>
                 <a:ea typeface="Source Sans Pro"/>
                 <a:cs typeface="Source Sans Pro"/>
                 <a:sym typeface="Source Sans Pro"/>
@@ -38117,7 +38124,7 @@
                 <a:solidFill>
                   <a:schemeClr val="lt1"/>
                 </a:solidFill>
-                <a:latin typeface="Source Sans Pro"/>
+                <a:latin typeface="Franklin Gothic Medium" panose="020B0603020102020204" pitchFamily="34" charset="0"/>
                 <a:ea typeface="Source Sans Pro"/>
                 <a:cs typeface="Source Sans Pro"/>
                 <a:sym typeface="Source Sans Pro"/>
@@ -38129,7 +38136,7 @@
                 <a:solidFill>
                   <a:schemeClr val="lt1"/>
                 </a:solidFill>
-                <a:latin typeface="Source Sans Pro"/>
+                <a:latin typeface="Franklin Gothic Medium" panose="020B0603020102020204" pitchFamily="34" charset="0"/>
                 <a:ea typeface="Source Sans Pro"/>
                 <a:cs typeface="Source Sans Pro"/>
                 <a:sym typeface="Source Sans Pro"/>
@@ -38141,7 +38148,7 @@
                 <a:solidFill>
                   <a:schemeClr val="lt1"/>
                 </a:solidFill>
-                <a:latin typeface="Source Sans Pro"/>
+                <a:latin typeface="Franklin Gothic Medium" panose="020B0603020102020204" pitchFamily="34" charset="0"/>
                 <a:ea typeface="Source Sans Pro"/>
                 <a:cs typeface="Source Sans Pro"/>
                 <a:sym typeface="Source Sans Pro"/>
@@ -38153,7 +38160,7 @@
                 <a:solidFill>
                   <a:schemeClr val="lt1"/>
                 </a:solidFill>
-                <a:latin typeface="Source Sans Pro"/>
+                <a:latin typeface="Franklin Gothic Medium" panose="020B0603020102020204" pitchFamily="34" charset="0"/>
                 <a:ea typeface="Source Sans Pro"/>
                 <a:cs typeface="Source Sans Pro"/>
                 <a:sym typeface="Source Sans Pro"/>
@@ -38165,7 +38172,7 @@
                 <a:solidFill>
                   <a:schemeClr val="lt1"/>
                 </a:solidFill>
-                <a:latin typeface="Source Sans Pro"/>
+                <a:latin typeface="Franklin Gothic Medium" panose="020B0603020102020204" pitchFamily="34" charset="0"/>
                 <a:ea typeface="Source Sans Pro"/>
                 <a:cs typeface="Source Sans Pro"/>
                 <a:sym typeface="Source Sans Pro"/>
@@ -38176,7 +38183,7 @@
               <a:solidFill>
                 <a:schemeClr val="lt1"/>
               </a:solidFill>
-              <a:latin typeface="Source Sans Pro"/>
+              <a:latin typeface="Franklin Gothic Medium" panose="020B0603020102020204" pitchFamily="34" charset="0"/>
               <a:ea typeface="Source Sans Pro"/>
               <a:cs typeface="Source Sans Pro"/>
               <a:sym typeface="Source Sans Pro"/>
@@ -40283,7 +40290,7 @@
                     </a:srgbClr>
                   </a:outerShdw>
                 </a:effectLst>
-                <a:latin typeface="Source Sans Pro"/>
+                <a:latin typeface="Franklin Gothic Medium" panose="020B0603020102020204" pitchFamily="34" charset="0"/>
                 <a:ea typeface="Source Sans Pro"/>
                 <a:cs typeface="Source Sans Pro"/>
                 <a:sym typeface="Source Sans Pro"/>
@@ -40301,7 +40308,7 @@
                   </a:srgbClr>
                 </a:outerShdw>
               </a:effectLst>
-              <a:latin typeface="Source Sans Pro"/>
+              <a:latin typeface="Franklin Gothic Medium" panose="020B0603020102020204" pitchFamily="34" charset="0"/>
               <a:ea typeface="Source Sans Pro"/>
               <a:cs typeface="Source Sans Pro"/>
               <a:sym typeface="Source Sans Pro"/>
@@ -40336,7 +40343,7 @@
                   </a:srgbClr>
                 </a:outerShdw>
               </a:effectLst>
-              <a:latin typeface="Source Sans Pro"/>
+              <a:latin typeface="Franklin Gothic Medium" panose="020B0603020102020204" pitchFamily="34" charset="0"/>
               <a:ea typeface="Source Sans Pro"/>
               <a:cs typeface="Source Sans Pro"/>
               <a:sym typeface="Source Sans Pro"/>
@@ -40372,7 +40379,7 @@
                     </a:srgbClr>
                   </a:outerShdw>
                 </a:effectLst>
-                <a:latin typeface="Source Sans Pro"/>
+                <a:latin typeface="Franklin Gothic Medium" panose="020B0603020102020204" pitchFamily="34" charset="0"/>
                 <a:ea typeface="Source Sans Pro"/>
                 <a:cs typeface="Source Sans Pro"/>
                 <a:sym typeface="Source Sans Pro"/>
@@ -40391,7 +40398,7 @@
                     </a:srgbClr>
                   </a:outerShdw>
                 </a:effectLst>
-                <a:latin typeface="Source Sans Pro"/>
+                <a:latin typeface="Franklin Gothic Medium" panose="020B0603020102020204" pitchFamily="34" charset="0"/>
                 <a:ea typeface="Source Sans Pro"/>
                 <a:cs typeface="Source Sans Pro"/>
                 <a:sym typeface="Source Sans Pro"/>
@@ -40410,7 +40417,7 @@
                     </a:srgbClr>
                   </a:outerShdw>
                 </a:effectLst>
-                <a:latin typeface="Source Sans Pro"/>
+                <a:latin typeface="Franklin Gothic Medium" panose="020B0603020102020204" pitchFamily="34" charset="0"/>
                 <a:ea typeface="Source Sans Pro"/>
                 <a:cs typeface="Source Sans Pro"/>
                 <a:sym typeface="Source Sans Pro"/>
@@ -40429,7 +40436,7 @@
                     </a:srgbClr>
                   </a:outerShdw>
                 </a:effectLst>
-                <a:latin typeface="Source Sans Pro"/>
+                <a:latin typeface="Franklin Gothic Medium" panose="020B0603020102020204" pitchFamily="34" charset="0"/>
                 <a:ea typeface="Source Sans Pro"/>
                 <a:cs typeface="Source Sans Pro"/>
                 <a:sym typeface="Source Sans Pro"/>
@@ -40448,7 +40455,7 @@
                     </a:srgbClr>
                   </a:outerShdw>
                 </a:effectLst>
-                <a:latin typeface="Source Sans Pro"/>
+                <a:latin typeface="Franklin Gothic Medium" panose="020B0603020102020204" pitchFamily="34" charset="0"/>
                 <a:ea typeface="Source Sans Pro"/>
                 <a:cs typeface="Source Sans Pro"/>
                 <a:sym typeface="Source Sans Pro"/>
@@ -40467,7 +40474,7 @@
                     </a:srgbClr>
                   </a:outerShdw>
                 </a:effectLst>
-                <a:latin typeface="Source Sans Pro"/>
+                <a:latin typeface="Franklin Gothic Medium" panose="020B0603020102020204" pitchFamily="34" charset="0"/>
                 <a:ea typeface="Source Sans Pro"/>
                 <a:cs typeface="Source Sans Pro"/>
                 <a:sym typeface="Source Sans Pro"/>
@@ -40486,7 +40493,7 @@
                     </a:srgbClr>
                   </a:outerShdw>
                 </a:effectLst>
-                <a:latin typeface="Source Sans Pro"/>
+                <a:latin typeface="Franklin Gothic Medium" panose="020B0603020102020204" pitchFamily="34" charset="0"/>
                 <a:ea typeface="Source Sans Pro"/>
                 <a:cs typeface="Source Sans Pro"/>
                 <a:sym typeface="Source Sans Pro"/>
@@ -40504,7 +40511,7 @@
                   </a:srgbClr>
                 </a:outerShdw>
               </a:effectLst>
-              <a:latin typeface="Source Sans Pro"/>
+              <a:latin typeface="Franklin Gothic Medium" panose="020B0603020102020204" pitchFamily="34" charset="0"/>
               <a:ea typeface="Source Sans Pro"/>
               <a:cs typeface="Source Sans Pro"/>
               <a:sym typeface="Source Sans Pro"/>
@@ -40527,7 +40534,7 @@
               <a:solidFill>
                 <a:schemeClr val="lt1"/>
               </a:solidFill>
-              <a:latin typeface="Source Sans Pro"/>
+              <a:latin typeface="Franklin Gothic Medium" panose="020B0603020102020204" pitchFamily="34" charset="0"/>
               <a:ea typeface="Source Sans Pro"/>
               <a:cs typeface="Source Sans Pro"/>
               <a:sym typeface="Source Sans Pro"/>
@@ -41558,7 +41565,7 @@
                     </a:srgbClr>
                   </a:outerShdw>
                 </a:effectLst>
-                <a:latin typeface="Source Sans Pro"/>
+                <a:latin typeface="Franklin Gothic Medium" panose="020B0603020102020204" pitchFamily="34" charset="0"/>
                 <a:ea typeface="Source Sans Pro"/>
                 <a:cs typeface="Source Sans Pro"/>
                 <a:sym typeface="Source Sans Pro"/>
@@ -41576,7 +41583,7 @@
                   </a:srgbClr>
                 </a:outerShdw>
               </a:effectLst>
-              <a:latin typeface="Source Sans Pro"/>
+              <a:latin typeface="Franklin Gothic Medium" panose="020B0603020102020204" pitchFamily="34" charset="0"/>
               <a:ea typeface="Source Sans Pro"/>
               <a:cs typeface="Source Sans Pro"/>
               <a:sym typeface="Source Sans Pro"/>
@@ -41606,7 +41613,7 @@
                   </a:srgbClr>
                 </a:outerShdw>
               </a:effectLst>
-              <a:latin typeface="Source Sans Pro"/>
+              <a:latin typeface="Franklin Gothic Medium" panose="020B0603020102020204" pitchFamily="34" charset="0"/>
               <a:ea typeface="Source Sans Pro"/>
               <a:cs typeface="Source Sans Pro"/>
               <a:sym typeface="Source Sans Pro"/>
@@ -41642,7 +41649,7 @@
                     </a:srgbClr>
                   </a:outerShdw>
                 </a:effectLst>
-                <a:latin typeface="Source Sans Pro"/>
+                <a:latin typeface="Franklin Gothic Medium" panose="020B0603020102020204" pitchFamily="34" charset="0"/>
                 <a:ea typeface="Source Sans Pro"/>
                 <a:cs typeface="Source Sans Pro"/>
                 <a:sym typeface="Source Sans Pro"/>
@@ -41660,7 +41667,7 @@
                   </a:srgbClr>
                 </a:outerShdw>
               </a:effectLst>
-              <a:latin typeface="Source Sans Pro"/>
+              <a:latin typeface="Franklin Gothic Medium" panose="020B0603020102020204" pitchFamily="34" charset="0"/>
               <a:ea typeface="Source Sans Pro"/>
               <a:cs typeface="Source Sans Pro"/>
               <a:sym typeface="Source Sans Pro"/>
@@ -41691,7 +41698,7 @@
                     </a:srgbClr>
                   </a:outerShdw>
                 </a:effectLst>
-                <a:latin typeface="Source Sans Pro"/>
+                <a:latin typeface="Franklin Gothic Medium" panose="020B0603020102020204" pitchFamily="34" charset="0"/>
                 <a:ea typeface="Source Sans Pro"/>
                 <a:cs typeface="Source Sans Pro"/>
                 <a:sym typeface="Source Sans Pro"/>
@@ -41710,7 +41717,7 @@
                     </a:srgbClr>
                   </a:outerShdw>
                 </a:effectLst>
-                <a:latin typeface="Source Sans Pro"/>
+                <a:latin typeface="Franklin Gothic Medium" panose="020B0603020102020204" pitchFamily="34" charset="0"/>
                 <a:ea typeface="Source Sans Pro"/>
                 <a:cs typeface="Source Sans Pro"/>
                 <a:sym typeface="Source Sans Pro"/>
@@ -41728,7 +41735,7 @@
                   </a:srgbClr>
                 </a:outerShdw>
               </a:effectLst>
-              <a:latin typeface="Source Sans Pro"/>
+              <a:latin typeface="Franklin Gothic Medium" panose="020B0603020102020204" pitchFamily="34" charset="0"/>
               <a:ea typeface="Source Sans Pro"/>
               <a:cs typeface="Source Sans Pro"/>
               <a:sym typeface="Source Sans Pro"/>
@@ -41758,7 +41765,7 @@
                   </a:srgbClr>
                 </a:outerShdw>
               </a:effectLst>
-              <a:latin typeface="Source Sans Pro"/>
+              <a:latin typeface="Franklin Gothic Medium" panose="020B0603020102020204" pitchFamily="34" charset="0"/>
               <a:ea typeface="Source Sans Pro"/>
               <a:cs typeface="Source Sans Pro"/>
               <a:sym typeface="Source Sans Pro"/>
@@ -41794,7 +41801,7 @@
                     </a:srgbClr>
                   </a:outerShdw>
                 </a:effectLst>
-                <a:latin typeface="Source Sans Pro"/>
+                <a:latin typeface="Franklin Gothic Medium" panose="020B0603020102020204" pitchFamily="34" charset="0"/>
                 <a:ea typeface="Source Sans Pro"/>
                 <a:cs typeface="Source Sans Pro"/>
                 <a:sym typeface="Source Sans Pro"/>
@@ -41812,7 +41819,7 @@
                   </a:srgbClr>
                 </a:outerShdw>
               </a:effectLst>
-              <a:latin typeface="Source Sans Pro"/>
+              <a:latin typeface="Franklin Gothic Medium" panose="020B0603020102020204" pitchFamily="34" charset="0"/>
               <a:ea typeface="Source Sans Pro"/>
               <a:cs typeface="Source Sans Pro"/>
               <a:sym typeface="Source Sans Pro"/>
@@ -41835,7 +41842,7 @@
               <a:solidFill>
                 <a:schemeClr val="lt1"/>
               </a:solidFill>
-              <a:latin typeface="Source Sans Pro"/>
+              <a:latin typeface="Franklin Gothic Medium" panose="020B0603020102020204" pitchFamily="34" charset="0"/>
               <a:ea typeface="Source Sans Pro"/>
               <a:cs typeface="Source Sans Pro"/>
               <a:sym typeface="Source Sans Pro"/>
@@ -42715,8 +42722,8 @@
         </p:nvSpPr>
         <p:spPr>
           <a:xfrm>
-            <a:off x="205500" y="2152000"/>
-            <a:ext cx="11612100" cy="4283700"/>
+            <a:off x="680320" y="2152000"/>
+            <a:ext cx="9750613" cy="4283700"/>
           </a:xfrm>
           <a:prstGeom prst="rect">
             <a:avLst/>
@@ -42761,7 +42768,7 @@
                     </a:srgbClr>
                   </a:outerShdw>
                 </a:effectLst>
-                <a:latin typeface="Source Sans Pro"/>
+                <a:latin typeface="Franklin Gothic Medium" panose="020B0603020102020204" pitchFamily="34" charset="0"/>
                 <a:ea typeface="Source Sans Pro"/>
                 <a:cs typeface="Source Sans Pro"/>
                 <a:sym typeface="Source Sans Pro"/>
@@ -42779,7 +42786,7 @@
                   </a:srgbClr>
                 </a:outerShdw>
               </a:effectLst>
-              <a:latin typeface="Source Sans Pro"/>
+              <a:latin typeface="Franklin Gothic Medium" panose="020B0603020102020204" pitchFamily="34" charset="0"/>
               <a:ea typeface="Source Sans Pro"/>
               <a:cs typeface="Source Sans Pro"/>
               <a:sym typeface="Source Sans Pro"/>
@@ -42809,7 +42816,7 @@
                   </a:srgbClr>
                 </a:outerShdw>
               </a:effectLst>
-              <a:latin typeface="Source Sans Pro"/>
+              <a:latin typeface="Franklin Gothic Medium" panose="020B0603020102020204" pitchFamily="34" charset="0"/>
               <a:ea typeface="Source Sans Pro"/>
               <a:cs typeface="Source Sans Pro"/>
               <a:sym typeface="Source Sans Pro"/>
@@ -42845,7 +42852,7 @@
                     </a:srgbClr>
                   </a:outerShdw>
                 </a:effectLst>
-                <a:latin typeface="Source Sans Pro"/>
+                <a:latin typeface="Franklin Gothic Medium" panose="020B0603020102020204" pitchFamily="34" charset="0"/>
                 <a:ea typeface="Source Sans Pro"/>
                 <a:cs typeface="Source Sans Pro"/>
                 <a:sym typeface="Source Sans Pro"/>
@@ -42863,7 +42870,7 @@
                   </a:srgbClr>
                 </a:outerShdw>
               </a:effectLst>
-              <a:latin typeface="Source Sans Pro"/>
+              <a:latin typeface="Franklin Gothic Medium" panose="020B0603020102020204" pitchFamily="34" charset="0"/>
               <a:ea typeface="Source Sans Pro"/>
               <a:cs typeface="Source Sans Pro"/>
               <a:sym typeface="Source Sans Pro"/>
@@ -42893,7 +42900,7 @@
                   </a:srgbClr>
                 </a:outerShdw>
               </a:effectLst>
-              <a:latin typeface="Source Sans Pro"/>
+              <a:latin typeface="Franklin Gothic Medium" panose="020B0603020102020204" pitchFamily="34" charset="0"/>
               <a:ea typeface="Source Sans Pro"/>
               <a:cs typeface="Source Sans Pro"/>
               <a:sym typeface="Source Sans Pro"/>
@@ -42929,7 +42936,7 @@
                     </a:srgbClr>
                   </a:outerShdw>
                 </a:effectLst>
-                <a:latin typeface="Source Sans Pro"/>
+                <a:latin typeface="Franklin Gothic Medium" panose="020B0603020102020204" pitchFamily="34" charset="0"/>
                 <a:ea typeface="Source Sans Pro"/>
                 <a:cs typeface="Source Sans Pro"/>
                 <a:sym typeface="Source Sans Pro"/>
@@ -42947,7 +42954,7 @@
                   </a:srgbClr>
                 </a:outerShdw>
               </a:effectLst>
-              <a:latin typeface="Source Sans Pro"/>
+              <a:latin typeface="Franklin Gothic Medium" panose="020B0603020102020204" pitchFamily="34" charset="0"/>
               <a:ea typeface="Source Sans Pro"/>
               <a:cs typeface="Source Sans Pro"/>
               <a:sym typeface="Source Sans Pro"/>
@@ -42977,7 +42984,7 @@
                   </a:srgbClr>
                 </a:outerShdw>
               </a:effectLst>
-              <a:latin typeface="Source Sans Pro"/>
+              <a:latin typeface="Franklin Gothic Medium" panose="020B0603020102020204" pitchFamily="34" charset="0"/>
               <a:ea typeface="Source Sans Pro"/>
               <a:cs typeface="Source Sans Pro"/>
               <a:sym typeface="Source Sans Pro"/>
@@ -43013,7 +43020,7 @@
                     </a:srgbClr>
                   </a:outerShdw>
                 </a:effectLst>
-                <a:latin typeface="Source Sans Pro"/>
+                <a:latin typeface="Franklin Gothic Medium" panose="020B0603020102020204" pitchFamily="34" charset="0"/>
                 <a:ea typeface="Source Sans Pro"/>
                 <a:cs typeface="Source Sans Pro"/>
                 <a:sym typeface="Source Sans Pro"/>
@@ -43032,7 +43039,7 @@
                     </a:srgbClr>
                   </a:outerShdw>
                 </a:effectLst>
-                <a:latin typeface="Source Sans Pro"/>
+                <a:latin typeface="Franklin Gothic Medium" panose="020B0603020102020204" pitchFamily="34" charset="0"/>
                 <a:ea typeface="Source Sans Pro"/>
                 <a:cs typeface="Source Sans Pro"/>
                 <a:sym typeface="Source Sans Pro"/>
@@ -43051,7 +43058,7 @@
                     </a:srgbClr>
                   </a:outerShdw>
                 </a:effectLst>
-                <a:latin typeface="Source Sans Pro"/>
+                <a:latin typeface="Franklin Gothic Medium" panose="020B0603020102020204" pitchFamily="34" charset="0"/>
                 <a:ea typeface="Source Sans Pro"/>
                 <a:cs typeface="Source Sans Pro"/>
                 <a:sym typeface="Source Sans Pro"/>
@@ -43069,7 +43076,7 @@
                   </a:srgbClr>
                 </a:outerShdw>
               </a:effectLst>
-              <a:latin typeface="Source Sans Pro"/>
+              <a:latin typeface="Franklin Gothic Medium" panose="020B0603020102020204" pitchFamily="34" charset="0"/>
               <a:ea typeface="Source Sans Pro"/>
               <a:cs typeface="Source Sans Pro"/>
               <a:sym typeface="Source Sans Pro"/>
@@ -43099,7 +43106,7 @@
                   </a:srgbClr>
                 </a:outerShdw>
               </a:effectLst>
-              <a:latin typeface="Source Sans Pro"/>
+              <a:latin typeface="Franklin Gothic Medium" panose="020B0603020102020204" pitchFamily="34" charset="0"/>
               <a:ea typeface="Source Sans Pro"/>
               <a:cs typeface="Source Sans Pro"/>
               <a:sym typeface="Source Sans Pro"/>
@@ -43135,7 +43142,7 @@
                     </a:srgbClr>
                   </a:outerShdw>
                 </a:effectLst>
-                <a:latin typeface="Source Sans Pro"/>
+                <a:latin typeface="Franklin Gothic Medium" panose="020B0603020102020204" pitchFamily="34" charset="0"/>
                 <a:ea typeface="Source Sans Pro"/>
                 <a:cs typeface="Source Sans Pro"/>
                 <a:sym typeface="Source Sans Pro"/>
@@ -43153,7 +43160,7 @@
                   </a:srgbClr>
                 </a:outerShdw>
               </a:effectLst>
-              <a:latin typeface="Source Sans Pro"/>
+              <a:latin typeface="Franklin Gothic Medium" panose="020B0603020102020204" pitchFamily="34" charset="0"/>
               <a:ea typeface="Source Sans Pro"/>
               <a:cs typeface="Source Sans Pro"/>
               <a:sym typeface="Source Sans Pro"/>
@@ -43176,7 +43183,7 @@
               <a:solidFill>
                 <a:schemeClr val="lt1"/>
               </a:solidFill>
-              <a:latin typeface="Source Sans Pro"/>
+              <a:latin typeface="Franklin Gothic Medium" panose="020B0603020102020204" pitchFamily="34" charset="0"/>
               <a:ea typeface="Source Sans Pro"/>
               <a:cs typeface="Source Sans Pro"/>
               <a:sym typeface="Source Sans Pro"/>
@@ -45141,7 +45148,7 @@
                     </a:srgbClr>
                   </a:outerShdw>
                 </a:effectLst>
-                <a:latin typeface="Source Sans Pro"/>
+                <a:latin typeface="Franklin Gothic Medium" panose="020B0603020102020204" pitchFamily="34" charset="0"/>
                 <a:ea typeface="Source Sans Pro"/>
                 <a:cs typeface="Source Sans Pro"/>
                 <a:sym typeface="Source Sans Pro"/>
@@ -45157,7 +45164,7 @@
                     </a:srgbClr>
                   </a:outerShdw>
                 </a:effectLst>
-                <a:latin typeface="Source Sans Pro"/>
+                <a:latin typeface="Franklin Gothic Medium" panose="020B0603020102020204" pitchFamily="34" charset="0"/>
                 <a:ea typeface="Source Sans Pro"/>
                 <a:cs typeface="Source Sans Pro"/>
                 <a:sym typeface="Source Sans Pro"/>
@@ -45172,7 +45179,7 @@
                   </a:srgbClr>
                 </a:outerShdw>
               </a:effectLst>
-              <a:latin typeface="Source Sans Pro"/>
+              <a:latin typeface="Franklin Gothic Medium" panose="020B0603020102020204" pitchFamily="34" charset="0"/>
               <a:ea typeface="Source Sans Pro"/>
               <a:cs typeface="Source Sans Pro"/>
               <a:sym typeface="Source Sans Pro"/>
@@ -45205,7 +45212,7 @@
                     </a:srgbClr>
                   </a:outerShdw>
                 </a:effectLst>
-                <a:latin typeface="Source Sans Pro"/>
+                <a:latin typeface="Franklin Gothic Medium" panose="020B0603020102020204" pitchFamily="34" charset="0"/>
                 <a:ea typeface="Source Sans Pro"/>
                 <a:cs typeface="Source Sans Pro"/>
                 <a:sym typeface="Source Sans Pro"/>
@@ -45221,7 +45228,7 @@
                     </a:srgbClr>
                   </a:outerShdw>
                 </a:effectLst>
-                <a:latin typeface="Source Sans Pro"/>
+                <a:latin typeface="Franklin Gothic Medium" panose="020B0603020102020204" pitchFamily="34" charset="0"/>
                 <a:ea typeface="Source Sans Pro"/>
                 <a:cs typeface="Source Sans Pro"/>
                 <a:sym typeface="Source Sans Pro"/>
@@ -45237,7 +45244,7 @@
                     </a:srgbClr>
                   </a:outerShdw>
                 </a:effectLst>
-                <a:latin typeface="Source Sans Pro"/>
+                <a:latin typeface="Franklin Gothic Medium" panose="020B0603020102020204" pitchFamily="34" charset="0"/>
                 <a:ea typeface="Source Sans Pro"/>
                 <a:cs typeface="Source Sans Pro"/>
                 <a:sym typeface="Source Sans Pro"/>
@@ -45253,7 +45260,7 @@
                     </a:srgbClr>
                   </a:outerShdw>
                 </a:effectLst>
-                <a:latin typeface="Source Sans Pro"/>
+                <a:latin typeface="Franklin Gothic Medium" panose="020B0603020102020204" pitchFamily="34" charset="0"/>
                 <a:ea typeface="Source Sans Pro"/>
                 <a:cs typeface="Source Sans Pro"/>
                 <a:sym typeface="Source Sans Pro"/>
@@ -45271,7 +45278,7 @@
                   </a:srgbClr>
                 </a:outerShdw>
               </a:effectLst>
-              <a:latin typeface="Source Sans Pro"/>
+              <a:latin typeface="Franklin Gothic Medium" panose="020B0603020102020204" pitchFamily="34" charset="0"/>
               <a:ea typeface="Source Sans Pro"/>
               <a:cs typeface="Source Sans Pro"/>
               <a:sym typeface="Source Sans Pro"/>
@@ -45751,7 +45758,7 @@
                     </a:srgbClr>
                   </a:outerShdw>
                 </a:effectLst>
-                <a:latin typeface="Source Sans Pro"/>
+                <a:latin typeface="Franklin Gothic Medium" panose="020B0603020102020204" pitchFamily="34" charset="0"/>
                 <a:ea typeface="Source Sans Pro"/>
                 <a:cs typeface="Source Sans Pro"/>
                 <a:sym typeface="Source Sans Pro"/>
@@ -45767,7 +45774,7 @@
                     </a:srgbClr>
                   </a:outerShdw>
                 </a:effectLst>
-                <a:latin typeface="Source Sans Pro"/>
+                <a:latin typeface="Franklin Gothic Medium" panose="020B0603020102020204" pitchFamily="34" charset="0"/>
                 <a:ea typeface="Source Sans Pro"/>
                 <a:cs typeface="Source Sans Pro"/>
                 <a:sym typeface="Source Sans Pro"/>
@@ -45783,7 +45790,7 @@
                     </a:srgbClr>
                   </a:outerShdw>
                 </a:effectLst>
-                <a:latin typeface="Source Sans Pro"/>
+                <a:latin typeface="Franklin Gothic Medium" panose="020B0603020102020204" pitchFamily="34" charset="0"/>
                 <a:ea typeface="Source Sans Pro"/>
                 <a:cs typeface="Source Sans Pro"/>
                 <a:sym typeface="Source Sans Pro"/>
@@ -45799,7 +45806,7 @@
                     </a:srgbClr>
                   </a:outerShdw>
                 </a:effectLst>
-                <a:latin typeface="Source Sans Pro"/>
+                <a:latin typeface="Franklin Gothic Medium" panose="020B0603020102020204" pitchFamily="34" charset="0"/>
                 <a:ea typeface="Source Sans Pro"/>
                 <a:cs typeface="Source Sans Pro"/>
                 <a:sym typeface="Source Sans Pro"/>
@@ -45815,7 +45822,7 @@
                     </a:srgbClr>
                   </a:outerShdw>
                 </a:effectLst>
-                <a:latin typeface="Source Sans Pro"/>
+                <a:latin typeface="Franklin Gothic Medium" panose="020B0603020102020204" pitchFamily="34" charset="0"/>
                 <a:ea typeface="Source Sans Pro"/>
                 <a:cs typeface="Source Sans Pro"/>
                 <a:sym typeface="Source Sans Pro"/>
@@ -45831,7 +45838,7 @@
                     </a:srgbClr>
                   </a:outerShdw>
                 </a:effectLst>
-                <a:latin typeface="Source Sans Pro"/>
+                <a:latin typeface="Franklin Gothic Medium" panose="020B0603020102020204" pitchFamily="34" charset="0"/>
                 <a:ea typeface="Source Sans Pro"/>
                 <a:cs typeface="Source Sans Pro"/>
                 <a:sym typeface="Source Sans Pro"/>
@@ -45847,7 +45854,7 @@
                     </a:srgbClr>
                   </a:outerShdw>
                 </a:effectLst>
-                <a:latin typeface="Source Sans Pro"/>
+                <a:latin typeface="Franklin Gothic Medium" panose="020B0603020102020204" pitchFamily="34" charset="0"/>
                 <a:ea typeface="Source Sans Pro"/>
                 <a:cs typeface="Source Sans Pro"/>
                 <a:sym typeface="Source Sans Pro"/>
@@ -45862,7 +45869,7 @@
                   </a:srgbClr>
                 </a:outerShdw>
               </a:effectLst>
-              <a:latin typeface="Source Sans Pro"/>
+              <a:latin typeface="Franklin Gothic Medium" panose="020B0603020102020204" pitchFamily="34" charset="0"/>
               <a:ea typeface="Source Sans Pro"/>
               <a:cs typeface="Source Sans Pro"/>
               <a:sym typeface="Source Sans Pro"/>
@@ -45892,7 +45899,7 @@
                     </a:srgbClr>
                   </a:outerShdw>
                 </a:effectLst>
-                <a:latin typeface="Source Sans Pro"/>
+                <a:latin typeface="Franklin Gothic Medium" panose="020B0603020102020204" pitchFamily="34" charset="0"/>
                 <a:ea typeface="Source Sans Pro"/>
                 <a:cs typeface="Source Sans Pro"/>
                 <a:sym typeface="Source Sans Pro"/>
@@ -45908,7 +45915,7 @@
                     </a:srgbClr>
                   </a:outerShdw>
                 </a:effectLst>
-                <a:latin typeface="Source Sans Pro"/>
+                <a:latin typeface="Franklin Gothic Medium" panose="020B0603020102020204" pitchFamily="34" charset="0"/>
                 <a:ea typeface="Source Sans Pro"/>
                 <a:cs typeface="Source Sans Pro"/>
                 <a:sym typeface="Source Sans Pro"/>
@@ -45923,7 +45930,7 @@
                   </a:srgbClr>
                 </a:outerShdw>
               </a:effectLst>
-              <a:latin typeface="Source Sans Pro"/>
+              <a:latin typeface="Franklin Gothic Medium" panose="020B0603020102020204" pitchFamily="34" charset="0"/>
               <a:ea typeface="Source Sans Pro"/>
               <a:cs typeface="Source Sans Pro"/>
               <a:sym typeface="Source Sans Pro"/>
@@ -45944,7 +45951,7 @@
                 <a:solidFill>
                   <a:srgbClr val="FFFFFF"/>
                 </a:solidFill>
-                <a:latin typeface="Source Sans Pro"/>
+                <a:latin typeface="Franklin Gothic Medium" panose="020B0603020102020204" pitchFamily="34" charset="0"/>
                 <a:ea typeface="Source Sans Pro"/>
                 <a:cs typeface="Source Sans Pro"/>
                 <a:sym typeface="Source Sans Pro"/>
@@ -45955,7 +45962,7 @@
               <a:solidFill>
                 <a:srgbClr val="FFFFFF"/>
               </a:solidFill>
-              <a:latin typeface="Source Sans Pro"/>
+              <a:latin typeface="Franklin Gothic Medium" panose="020B0603020102020204" pitchFamily="34" charset="0"/>
               <a:ea typeface="Source Sans Pro"/>
               <a:cs typeface="Source Sans Pro"/>
               <a:sym typeface="Source Sans Pro"/>
@@ -46544,7 +46551,7 @@
                     </a:srgbClr>
                   </a:outerShdw>
                 </a:effectLst>
-                <a:latin typeface="Source Sans Pro"/>
+                <a:latin typeface="Franklin Gothic Medium" panose="020B0603020102020204" pitchFamily="34" charset="0"/>
                 <a:ea typeface="Source Sans Pro"/>
                 <a:cs typeface="Source Sans Pro"/>
                 <a:sym typeface="Source Sans Pro"/>
@@ -46559,7 +46566,7 @@
                   </a:srgbClr>
                 </a:outerShdw>
               </a:effectLst>
-              <a:latin typeface="Source Sans Pro"/>
+              <a:latin typeface="Franklin Gothic Medium" panose="020B0603020102020204" pitchFamily="34" charset="0"/>
               <a:ea typeface="Source Sans Pro"/>
               <a:cs typeface="Source Sans Pro"/>
               <a:sym typeface="Source Sans Pro"/>
@@ -46586,7 +46593,7 @@
                     </a:srgbClr>
                   </a:outerShdw>
                 </a:effectLst>
-                <a:latin typeface="Source Sans Pro"/>
+                <a:latin typeface="Franklin Gothic Medium" panose="020B0603020102020204" pitchFamily="34" charset="0"/>
                 <a:ea typeface="Source Sans Pro"/>
                 <a:cs typeface="Source Sans Pro"/>
                 <a:sym typeface="Source Sans Pro"/>
@@ -46602,7 +46609,7 @@
                     </a:srgbClr>
                   </a:outerShdw>
                 </a:effectLst>
-                <a:latin typeface="Source Sans Pro"/>
+                <a:latin typeface="Franklin Gothic Medium" panose="020B0603020102020204" pitchFamily="34" charset="0"/>
                 <a:ea typeface="Source Sans Pro"/>
                 <a:cs typeface="Source Sans Pro"/>
                 <a:sym typeface="Source Sans Pro"/>
@@ -46618,7 +46625,7 @@
                     </a:srgbClr>
                   </a:outerShdw>
                 </a:effectLst>
-                <a:latin typeface="Source Sans Pro"/>
+                <a:latin typeface="Franklin Gothic Medium" panose="020B0603020102020204" pitchFamily="34" charset="0"/>
                 <a:ea typeface="Source Sans Pro"/>
                 <a:cs typeface="Source Sans Pro"/>
                 <a:sym typeface="Source Sans Pro"/>
@@ -46633,7 +46640,7 @@
                   </a:srgbClr>
                 </a:outerShdw>
               </a:effectLst>
-              <a:latin typeface="Source Sans Pro"/>
+              <a:latin typeface="Franklin Gothic Medium" panose="020B0603020102020204" pitchFamily="34" charset="0"/>
               <a:ea typeface="Source Sans Pro"/>
               <a:cs typeface="Source Sans Pro"/>
               <a:sym typeface="Source Sans Pro"/>
@@ -46660,7 +46667,7 @@
                     </a:srgbClr>
                   </a:outerShdw>
                 </a:effectLst>
-                <a:latin typeface="Source Sans Pro"/>
+                <a:latin typeface="Franklin Gothic Medium" panose="020B0603020102020204" pitchFamily="34" charset="0"/>
                 <a:ea typeface="Source Sans Pro"/>
                 <a:cs typeface="Source Sans Pro"/>
                 <a:sym typeface="Source Sans Pro"/>
@@ -46676,7 +46683,7 @@
                     </a:srgbClr>
                   </a:outerShdw>
                 </a:effectLst>
-                <a:latin typeface="Source Sans Pro"/>
+                <a:latin typeface="Franklin Gothic Medium" panose="020B0603020102020204" pitchFamily="34" charset="0"/>
                 <a:ea typeface="Source Sans Pro"/>
                 <a:cs typeface="Source Sans Pro"/>
                 <a:sym typeface="Source Sans Pro"/>
@@ -46704,7 +46711,7 @@
                   </a:srgbClr>
                 </a:outerShdw>
               </a:effectLst>
-              <a:latin typeface="Source Sans Pro"/>
+              <a:latin typeface="Franklin Gothic Medium" panose="020B0603020102020204" pitchFamily="34" charset="0"/>
               <a:ea typeface="Source Sans Pro"/>
               <a:cs typeface="Source Sans Pro"/>
               <a:sym typeface="Source Sans Pro"/>
@@ -46734,7 +46741,7 @@
                     </a:srgbClr>
                   </a:outerShdw>
                 </a:effectLst>
-                <a:latin typeface="Source Sans Pro"/>
+                <a:latin typeface="Franklin Gothic Medium" panose="020B0603020102020204" pitchFamily="34" charset="0"/>
                 <a:ea typeface="Source Sans Pro"/>
                 <a:cs typeface="Source Sans Pro"/>
                 <a:sym typeface="Source Sans Pro"/>
@@ -46749,7 +46756,7 @@
                   </a:srgbClr>
                 </a:outerShdw>
               </a:effectLst>
-              <a:latin typeface="Source Sans Pro"/>
+              <a:latin typeface="Franklin Gothic Medium" panose="020B0603020102020204" pitchFamily="34" charset="0"/>
               <a:ea typeface="Source Sans Pro"/>
               <a:cs typeface="Source Sans Pro"/>
               <a:sym typeface="Source Sans Pro"/>
@@ -46776,7 +46783,7 @@
                     </a:srgbClr>
                   </a:outerShdw>
                 </a:effectLst>
-                <a:latin typeface="Source Sans Pro"/>
+                <a:latin typeface="Franklin Gothic Medium" panose="020B0603020102020204" pitchFamily="34" charset="0"/>
                 <a:ea typeface="Source Sans Pro"/>
                 <a:cs typeface="Source Sans Pro"/>
                 <a:sym typeface="Source Sans Pro"/>
@@ -46792,7 +46799,7 @@
                     </a:srgbClr>
                   </a:outerShdw>
                 </a:effectLst>
-                <a:latin typeface="Source Sans Pro"/>
+                <a:latin typeface="Franklin Gothic Medium" panose="020B0603020102020204" pitchFamily="34" charset="0"/>
                 <a:ea typeface="Source Sans Pro"/>
                 <a:cs typeface="Source Sans Pro"/>
                 <a:sym typeface="Source Sans Pro"/>
@@ -46820,7 +46827,7 @@
                   </a:srgbClr>
                 </a:outerShdw>
               </a:effectLst>
-              <a:latin typeface="Source Sans Pro"/>
+              <a:latin typeface="Franklin Gothic Medium" panose="020B0603020102020204" pitchFamily="34" charset="0"/>
               <a:ea typeface="Source Sans Pro"/>
               <a:cs typeface="Source Sans Pro"/>
               <a:sym typeface="Source Sans Pro"/>
@@ -46850,7 +46857,7 @@
                     </a:srgbClr>
                   </a:outerShdw>
                 </a:effectLst>
-                <a:latin typeface="Source Sans Pro"/>
+                <a:latin typeface="Franklin Gothic Medium" panose="020B0603020102020204" pitchFamily="34" charset="0"/>
                 <a:ea typeface="Source Sans Pro"/>
                 <a:cs typeface="Source Sans Pro"/>
                 <a:sym typeface="Source Sans Pro"/>
@@ -46865,7 +46872,7 @@
                   </a:srgbClr>
                 </a:outerShdw>
               </a:effectLst>
-              <a:latin typeface="Source Sans Pro"/>
+              <a:latin typeface="Franklin Gothic Medium" panose="020B0603020102020204" pitchFamily="34" charset="0"/>
               <a:ea typeface="Source Sans Pro"/>
               <a:cs typeface="Source Sans Pro"/>
               <a:sym typeface="Source Sans Pro"/>
@@ -46892,7 +46899,7 @@
                     </a:srgbClr>
                   </a:outerShdw>
                 </a:effectLst>
-                <a:latin typeface="Source Sans Pro"/>
+                <a:latin typeface="Franklin Gothic Medium" panose="020B0603020102020204" pitchFamily="34" charset="0"/>
                 <a:ea typeface="Source Sans Pro"/>
                 <a:cs typeface="Source Sans Pro"/>
                 <a:sym typeface="Source Sans Pro"/>
@@ -46907,7 +46914,7 @@
                   </a:srgbClr>
                 </a:outerShdw>
               </a:effectLst>
-              <a:latin typeface="Source Sans Pro"/>
+              <a:latin typeface="Franklin Gothic Medium" panose="020B0603020102020204" pitchFamily="34" charset="0"/>
               <a:ea typeface="Source Sans Pro"/>
               <a:cs typeface="Source Sans Pro"/>
               <a:sym typeface="Source Sans Pro"/>
@@ -46934,7 +46941,7 @@
                     </a:srgbClr>
                   </a:outerShdw>
                 </a:effectLst>
-                <a:latin typeface="Source Sans Pro"/>
+                <a:latin typeface="Franklin Gothic Medium" panose="020B0603020102020204" pitchFamily="34" charset="0"/>
                 <a:ea typeface="Source Sans Pro"/>
                 <a:cs typeface="Source Sans Pro"/>
                 <a:sym typeface="Source Sans Pro"/>
@@ -46950,7 +46957,7 @@
                     </a:srgbClr>
                   </a:outerShdw>
                 </a:effectLst>
-                <a:latin typeface="Source Sans Pro"/>
+                <a:latin typeface="Franklin Gothic Medium" panose="020B0603020102020204" pitchFamily="34" charset="0"/>
                 <a:ea typeface="Source Sans Pro"/>
                 <a:cs typeface="Source Sans Pro"/>
                 <a:sym typeface="Source Sans Pro"/>
@@ -46966,7 +46973,7 @@
                     </a:srgbClr>
                   </a:outerShdw>
                 </a:effectLst>
-                <a:latin typeface="Source Sans Pro"/>
+                <a:latin typeface="Franklin Gothic Medium" panose="020B0603020102020204" pitchFamily="34" charset="0"/>
                 <a:ea typeface="Source Sans Pro"/>
                 <a:cs typeface="Source Sans Pro"/>
                 <a:sym typeface="Source Sans Pro"/>
@@ -46982,7 +46989,7 @@
                     </a:srgbClr>
                   </a:outerShdw>
                 </a:effectLst>
-                <a:latin typeface="Source Sans Pro"/>
+                <a:latin typeface="Franklin Gothic Medium" panose="020B0603020102020204" pitchFamily="34" charset="0"/>
                 <a:ea typeface="Source Sans Pro"/>
                 <a:cs typeface="Source Sans Pro"/>
                 <a:sym typeface="Source Sans Pro"/>
@@ -46998,7 +47005,7 @@
                     </a:srgbClr>
                   </a:outerShdw>
                 </a:effectLst>
-                <a:latin typeface="Source Sans Pro"/>
+                <a:latin typeface="Franklin Gothic Medium" panose="020B0603020102020204" pitchFamily="34" charset="0"/>
                 <a:ea typeface="Source Sans Pro"/>
                 <a:cs typeface="Source Sans Pro"/>
                 <a:sym typeface="Source Sans Pro"/>
@@ -47014,7 +47021,7 @@
                     </a:srgbClr>
                   </a:outerShdw>
                 </a:effectLst>
-                <a:latin typeface="Source Sans Pro"/>
+                <a:latin typeface="Franklin Gothic Medium" panose="020B0603020102020204" pitchFamily="34" charset="0"/>
                 <a:ea typeface="Source Sans Pro"/>
                 <a:cs typeface="Source Sans Pro"/>
                 <a:sym typeface="Source Sans Pro"/>
@@ -47032,7 +47039,7 @@
                   </a:srgbClr>
                 </a:outerShdw>
               </a:effectLst>
-              <a:latin typeface="Source Sans Pro"/>
+              <a:latin typeface="Franklin Gothic Medium" panose="020B0603020102020204" pitchFamily="34" charset="0"/>
               <a:ea typeface="Source Sans Pro"/>
               <a:cs typeface="Source Sans Pro"/>
               <a:sym typeface="Source Sans Pro"/>
@@ -47178,16 +47185,52 @@
               <a:buChar char="●"/>
             </a:pPr>
             <a:r>
-              <a:rPr lang="es-AR" sz="2800">
-                <a:latin typeface="Source Sans Pro"/>
+              <a:rPr lang="es-AR" sz="2800" dirty="0">
+                <a:latin typeface="Franklin Gothic Medium" panose="020B0603020102020204" pitchFamily="34" charset="0"/>
                 <a:ea typeface="Source Sans Pro"/>
                 <a:cs typeface="Source Sans Pro"/>
                 <a:sym typeface="Source Sans Pro"/>
               </a:rPr>
-              <a:t>En .NET el Garbage Collector será el encargado de liberar memoria.</a:t>
-            </a:r>
-            <a:endParaRPr sz="3200">
-              <a:latin typeface="Source Sans Pro"/>
+              <a:t>En .NET el </a:t>
+            </a:r>
+            <a:r>
+              <a:rPr lang="es-AR" sz="2800" dirty="0" err="1">
+                <a:latin typeface="Franklin Gothic Medium" panose="020B0603020102020204" pitchFamily="34" charset="0"/>
+                <a:ea typeface="Source Sans Pro"/>
+                <a:cs typeface="Source Sans Pro"/>
+                <a:sym typeface="Source Sans Pro"/>
+              </a:rPr>
+              <a:t>Garbage</a:t>
+            </a:r>
+            <a:r>
+              <a:rPr lang="es-AR" sz="2800" dirty="0">
+                <a:latin typeface="Franklin Gothic Medium" panose="020B0603020102020204" pitchFamily="34" charset="0"/>
+                <a:ea typeface="Source Sans Pro"/>
+                <a:cs typeface="Source Sans Pro"/>
+                <a:sym typeface="Source Sans Pro"/>
+              </a:rPr>
+              <a:t> </a:t>
+            </a:r>
+            <a:r>
+              <a:rPr lang="es-AR" sz="2800" dirty="0" err="1">
+                <a:latin typeface="Franklin Gothic Medium" panose="020B0603020102020204" pitchFamily="34" charset="0"/>
+                <a:ea typeface="Source Sans Pro"/>
+                <a:cs typeface="Source Sans Pro"/>
+                <a:sym typeface="Source Sans Pro"/>
+              </a:rPr>
+              <a:t>Collector</a:t>
+            </a:r>
+            <a:r>
+              <a:rPr lang="es-AR" sz="2800" dirty="0">
+                <a:latin typeface="Franklin Gothic Medium" panose="020B0603020102020204" pitchFamily="34" charset="0"/>
+                <a:ea typeface="Source Sans Pro"/>
+                <a:cs typeface="Source Sans Pro"/>
+                <a:sym typeface="Source Sans Pro"/>
+              </a:rPr>
+              <a:t> será el encargado de liberar memoria.</a:t>
+            </a:r>
+            <a:endParaRPr sz="3200" dirty="0">
+              <a:latin typeface="Franklin Gothic Medium" panose="020B0603020102020204" pitchFamily="34" charset="0"/>
               <a:ea typeface="Source Sans Pro"/>
               <a:cs typeface="Source Sans Pro"/>
               <a:sym typeface="Source Sans Pro"/>
@@ -47208,8 +47251,8 @@
               <a:buFont typeface="Arial"/>
               <a:buNone/>
             </a:pPr>
-            <a:endParaRPr sz="1000">
-              <a:latin typeface="Source Sans Pro"/>
+            <a:endParaRPr sz="1000" dirty="0">
+              <a:latin typeface="Franklin Gothic Medium" panose="020B0603020102020204" pitchFamily="34" charset="0"/>
               <a:ea typeface="Source Sans Pro"/>
               <a:cs typeface="Source Sans Pro"/>
               <a:sym typeface="Source Sans Pro"/>
@@ -47231,16 +47274,88 @@
               <a:buChar char="●"/>
             </a:pPr>
             <a:r>
-              <a:rPr lang="es-AR" sz="2800">
-                <a:latin typeface="Source Sans Pro"/>
+              <a:rPr lang="es-AR" sz="2800" dirty="0">
+                <a:latin typeface="Franklin Gothic Medium" panose="020B0603020102020204" pitchFamily="34" charset="0"/>
                 <a:ea typeface="Source Sans Pro"/>
                 <a:cs typeface="Source Sans Pro"/>
                 <a:sym typeface="Source Sans Pro"/>
               </a:rPr>
-              <a:t>Cada vez que creamos un nuevo objeto, el CLR (Common Lenguage Runtime) asigna memoria desde la porción gestionada (Heap)</a:t>
-            </a:r>
-            <a:endParaRPr sz="2800">
-              <a:latin typeface="Source Sans Pro"/>
+              <a:t>Cada vez que creamos un nuevo objeto, el CLR (</a:t>
+            </a:r>
+            <a:r>
+              <a:rPr lang="es-AR" sz="2800" dirty="0" err="1">
+                <a:latin typeface="Franklin Gothic Medium" panose="020B0603020102020204" pitchFamily="34" charset="0"/>
+                <a:ea typeface="Source Sans Pro"/>
+                <a:cs typeface="Source Sans Pro"/>
+                <a:sym typeface="Source Sans Pro"/>
+              </a:rPr>
+              <a:t>Common</a:t>
+            </a:r>
+            <a:r>
+              <a:rPr lang="es-AR" sz="2800" dirty="0">
+                <a:latin typeface="Franklin Gothic Medium" panose="020B0603020102020204" pitchFamily="34" charset="0"/>
+                <a:ea typeface="Source Sans Pro"/>
+                <a:cs typeface="Source Sans Pro"/>
+                <a:sym typeface="Source Sans Pro"/>
+              </a:rPr>
+              <a:t> </a:t>
+            </a:r>
+            <a:r>
+              <a:rPr lang="es-AR" sz="2800" dirty="0" err="1">
+                <a:latin typeface="Franklin Gothic Medium" panose="020B0603020102020204" pitchFamily="34" charset="0"/>
+                <a:ea typeface="Source Sans Pro"/>
+                <a:cs typeface="Source Sans Pro"/>
+                <a:sym typeface="Source Sans Pro"/>
+              </a:rPr>
+              <a:t>Lenguage</a:t>
+            </a:r>
+            <a:r>
+              <a:rPr lang="es-AR" sz="2800" dirty="0">
+                <a:latin typeface="Franklin Gothic Medium" panose="020B0603020102020204" pitchFamily="34" charset="0"/>
+                <a:ea typeface="Source Sans Pro"/>
+                <a:cs typeface="Source Sans Pro"/>
+                <a:sym typeface="Source Sans Pro"/>
+              </a:rPr>
+              <a:t> </a:t>
+            </a:r>
+            <a:r>
+              <a:rPr lang="es-AR" sz="2800" dirty="0" err="1">
+                <a:latin typeface="Franklin Gothic Medium" panose="020B0603020102020204" pitchFamily="34" charset="0"/>
+                <a:ea typeface="Source Sans Pro"/>
+                <a:cs typeface="Source Sans Pro"/>
+                <a:sym typeface="Source Sans Pro"/>
+              </a:rPr>
+              <a:t>Runtime</a:t>
+            </a:r>
+            <a:r>
+              <a:rPr lang="es-AR" sz="2800" dirty="0">
+                <a:latin typeface="Franklin Gothic Medium" panose="020B0603020102020204" pitchFamily="34" charset="0"/>
+                <a:ea typeface="Source Sans Pro"/>
+                <a:cs typeface="Source Sans Pro"/>
+                <a:sym typeface="Source Sans Pro"/>
+              </a:rPr>
+              <a:t>) asigna memoria desde la porción gestionada (</a:t>
+            </a:r>
+            <a:r>
+              <a:rPr lang="es-AR" sz="2800" dirty="0" err="1">
+                <a:latin typeface="Franklin Gothic Medium" panose="020B0603020102020204" pitchFamily="34" charset="0"/>
+                <a:ea typeface="Source Sans Pro"/>
+                <a:cs typeface="Source Sans Pro"/>
+                <a:sym typeface="Source Sans Pro"/>
+              </a:rPr>
+              <a:t>Heap</a:t>
+            </a:r>
+            <a:r>
+              <a:rPr lang="es-AR" sz="2800" dirty="0">
+                <a:latin typeface="Franklin Gothic Medium" panose="020B0603020102020204" pitchFamily="34" charset="0"/>
+                <a:ea typeface="Source Sans Pro"/>
+                <a:cs typeface="Source Sans Pro"/>
+                <a:sym typeface="Source Sans Pro"/>
+              </a:rPr>
+              <a:t>)</a:t>
+            </a:r>
+            <a:endParaRPr sz="2800" dirty="0">
+              <a:latin typeface="Franklin Gothic Medium" panose="020B0603020102020204" pitchFamily="34" charset="0"/>
               <a:ea typeface="Source Sans Pro"/>
               <a:cs typeface="Source Sans Pro"/>
               <a:sym typeface="Source Sans Pro"/>
@@ -47256,8 +47371,8 @@
               </a:spcAft>
               <a:buNone/>
             </a:pPr>
-            <a:endParaRPr sz="1000">
-              <a:latin typeface="Source Sans Pro"/>
+            <a:endParaRPr sz="1000" dirty="0">
+              <a:latin typeface="Franklin Gothic Medium" panose="020B0603020102020204" pitchFamily="34" charset="0"/>
               <a:ea typeface="Source Sans Pro"/>
               <a:cs typeface="Source Sans Pro"/>
               <a:sym typeface="Source Sans Pro"/>
@@ -47279,16 +47394,52 @@
               <a:buChar char="●"/>
             </a:pPr>
             <a:r>
-              <a:rPr lang="es-AR" sz="2800">
-                <a:latin typeface="Source Sans Pro"/>
+              <a:rPr lang="es-AR" sz="2800" dirty="0">
+                <a:latin typeface="Franklin Gothic Medium" panose="020B0603020102020204" pitchFamily="34" charset="0"/>
                 <a:ea typeface="Source Sans Pro"/>
                 <a:cs typeface="Source Sans Pro"/>
                 <a:sym typeface="Source Sans Pro"/>
               </a:rPr>
-              <a:t>Eventualmente el Garbage Collector liberará memoria de objetos sin referencia.</a:t>
-            </a:r>
-            <a:endParaRPr sz="3200">
-              <a:latin typeface="Source Sans Pro"/>
+              <a:t>Eventualmente el </a:t>
+            </a:r>
+            <a:r>
+              <a:rPr lang="es-AR" sz="2800" dirty="0" err="1">
+                <a:latin typeface="Franklin Gothic Medium" panose="020B0603020102020204" pitchFamily="34" charset="0"/>
+                <a:ea typeface="Source Sans Pro"/>
+                <a:cs typeface="Source Sans Pro"/>
+                <a:sym typeface="Source Sans Pro"/>
+              </a:rPr>
+              <a:t>Garbage</a:t>
+            </a:r>
+            <a:r>
+              <a:rPr lang="es-AR" sz="2800" dirty="0">
+                <a:latin typeface="Franklin Gothic Medium" panose="020B0603020102020204" pitchFamily="34" charset="0"/>
+                <a:ea typeface="Source Sans Pro"/>
+                <a:cs typeface="Source Sans Pro"/>
+                <a:sym typeface="Source Sans Pro"/>
+              </a:rPr>
+              <a:t> </a:t>
+            </a:r>
+            <a:r>
+              <a:rPr lang="es-AR" sz="2800" dirty="0" err="1">
+                <a:latin typeface="Franklin Gothic Medium" panose="020B0603020102020204" pitchFamily="34" charset="0"/>
+                <a:ea typeface="Source Sans Pro"/>
+                <a:cs typeface="Source Sans Pro"/>
+                <a:sym typeface="Source Sans Pro"/>
+              </a:rPr>
+              <a:t>Collector</a:t>
+            </a:r>
+            <a:r>
+              <a:rPr lang="es-AR" sz="2800" dirty="0">
+                <a:latin typeface="Franklin Gothic Medium" panose="020B0603020102020204" pitchFamily="34" charset="0"/>
+                <a:ea typeface="Source Sans Pro"/>
+                <a:cs typeface="Source Sans Pro"/>
+                <a:sym typeface="Source Sans Pro"/>
+              </a:rPr>
+              <a:t> liberará memoria de objetos sin referencia.</a:t>
+            </a:r>
+            <a:endParaRPr sz="3200" dirty="0">
+              <a:latin typeface="Franklin Gothic Medium" panose="020B0603020102020204" pitchFamily="34" charset="0"/>
               <a:ea typeface="Source Sans Pro"/>
               <a:cs typeface="Source Sans Pro"/>
               <a:sym typeface="Source Sans Pro"/>
@@ -47309,8 +47460,8 @@
               <a:buFont typeface="Arial"/>
               <a:buNone/>
             </a:pPr>
-            <a:endParaRPr sz="800">
-              <a:latin typeface="Source Sans Pro"/>
+            <a:endParaRPr sz="800" dirty="0">
+              <a:latin typeface="Franklin Gothic Medium" panose="020B0603020102020204" pitchFamily="34" charset="0"/>
               <a:ea typeface="Source Sans Pro"/>
               <a:cs typeface="Source Sans Pro"/>
               <a:sym typeface="Source Sans Pro"/>
@@ -47331,17 +47482,8 @@
               <a:buFont typeface="Arial"/>
               <a:buNone/>
             </a:pPr>
-            <a:r>
-              <a:rPr lang="es-AR" sz="2000">
-                <a:latin typeface="Source Sans Pro"/>
-                <a:ea typeface="Source Sans Pro"/>
-                <a:cs typeface="Source Sans Pro"/>
-                <a:sym typeface="Source Sans Pro"/>
-              </a:rPr>
-              <a:t>https://docs.microsoft.com/en-us/dotnet/standard/garbage-collection/</a:t>
-            </a:r>
-            <a:endParaRPr sz="3200">
-              <a:latin typeface="Source Sans Pro"/>
+            <a:endParaRPr sz="3200" dirty="0">
+              <a:latin typeface="Franklin Gothic Medium" panose="020B0603020102020204" pitchFamily="34" charset="0"/>
               <a:ea typeface="Source Sans Pro"/>
               <a:cs typeface="Source Sans Pro"/>
               <a:sym typeface="Source Sans Pro"/>
@@ -47362,8 +47504,8 @@
               <a:buFont typeface="Source Sans Pro"/>
               <a:buChar char="●"/>
             </a:pPr>
-            <a:endParaRPr sz="2800">
-              <a:latin typeface="Source Sans Pro"/>
+            <a:endParaRPr sz="2800" dirty="0">
+              <a:latin typeface="Franklin Gothic Medium" panose="020B0603020102020204" pitchFamily="34" charset="0"/>
               <a:ea typeface="Source Sans Pro"/>
               <a:cs typeface="Source Sans Pro"/>
               <a:sym typeface="Source Sans Pro"/>
@@ -47519,7 +47661,7 @@
                     </a:srgbClr>
                   </a:outerShdw>
                 </a:effectLst>
-                <a:latin typeface="Source Sans Pro"/>
+                <a:latin typeface="Franklin Gothic Medium" panose="020B0603020102020204" pitchFamily="34" charset="0"/>
                 <a:ea typeface="Source Sans Pro"/>
                 <a:cs typeface="Source Sans Pro"/>
                 <a:sym typeface="Source Sans Pro"/>
@@ -47538,7 +47680,7 @@
                     </a:srgbClr>
                   </a:outerShdw>
                 </a:effectLst>
-                <a:latin typeface="Source Sans Pro"/>
+                <a:latin typeface="Franklin Gothic Medium" panose="020B0603020102020204" pitchFamily="34" charset="0"/>
                 <a:ea typeface="Source Sans Pro"/>
                 <a:cs typeface="Source Sans Pro"/>
                 <a:sym typeface="Source Sans Pro"/>
@@ -47557,7 +47699,7 @@
                     </a:srgbClr>
                   </a:outerShdw>
                 </a:effectLst>
-                <a:latin typeface="Source Sans Pro"/>
+                <a:latin typeface="Franklin Gothic Medium" panose="020B0603020102020204" pitchFamily="34" charset="0"/>
                 <a:ea typeface="Source Sans Pro"/>
                 <a:cs typeface="Source Sans Pro"/>
                 <a:sym typeface="Source Sans Pro"/>
@@ -47576,7 +47718,7 @@
                     </a:srgbClr>
                   </a:outerShdw>
                 </a:effectLst>
-                <a:latin typeface="Source Sans Pro"/>
+                <a:latin typeface="Franklin Gothic Medium" panose="020B0603020102020204" pitchFamily="34" charset="0"/>
                 <a:ea typeface="Source Sans Pro"/>
                 <a:cs typeface="Source Sans Pro"/>
                 <a:sym typeface="Source Sans Pro"/>
@@ -47595,7 +47737,7 @@
                     </a:srgbClr>
                   </a:outerShdw>
                 </a:effectLst>
-                <a:latin typeface="Source Sans Pro"/>
+                <a:latin typeface="Franklin Gothic Medium" panose="020B0603020102020204" pitchFamily="34" charset="0"/>
                 <a:ea typeface="Source Sans Pro"/>
                 <a:cs typeface="Source Sans Pro"/>
                 <a:sym typeface="Source Sans Pro"/>
@@ -47614,7 +47756,7 @@
                     </a:srgbClr>
                   </a:outerShdw>
                 </a:effectLst>
-                <a:latin typeface="Source Sans Pro"/>
+                <a:latin typeface="Franklin Gothic Medium" panose="020B0603020102020204" pitchFamily="34" charset="0"/>
                 <a:ea typeface="Source Sans Pro"/>
                 <a:cs typeface="Source Sans Pro"/>
                 <a:sym typeface="Source Sans Pro"/>
@@ -47633,7 +47775,7 @@
                     </a:srgbClr>
                   </a:outerShdw>
                 </a:effectLst>
-                <a:latin typeface="Source Sans Pro"/>
+                <a:latin typeface="Franklin Gothic Medium" panose="020B0603020102020204" pitchFamily="34" charset="0"/>
                 <a:ea typeface="Source Sans Pro"/>
                 <a:cs typeface="Source Sans Pro"/>
                 <a:sym typeface="Source Sans Pro"/>
@@ -47652,7 +47794,7 @@
                     </a:srgbClr>
                   </a:outerShdw>
                 </a:effectLst>
-                <a:latin typeface="Source Sans Pro"/>
+                <a:latin typeface="Franklin Gothic Medium" panose="020B0603020102020204" pitchFamily="34" charset="0"/>
                 <a:ea typeface="Source Sans Pro"/>
                 <a:cs typeface="Source Sans Pro"/>
                 <a:sym typeface="Source Sans Pro"/>
@@ -47690,7 +47832,7 @@
                     </a:srgbClr>
                   </a:outerShdw>
                 </a:effectLst>
-                <a:latin typeface="Source Sans Pro"/>
+                <a:latin typeface="Franklin Gothic Medium" panose="020B0603020102020204" pitchFamily="34" charset="0"/>
                 <a:ea typeface="Source Sans Pro"/>
                 <a:cs typeface="Source Sans Pro"/>
                 <a:sym typeface="Source Sans Pro"/>
@@ -47709,7 +47851,7 @@
                     </a:srgbClr>
                   </a:outerShdw>
                 </a:effectLst>
-                <a:latin typeface="Source Sans Pro"/>
+                <a:latin typeface="Franklin Gothic Medium" panose="020B0603020102020204" pitchFamily="34" charset="0"/>
                 <a:ea typeface="Source Sans Pro"/>
                 <a:cs typeface="Source Sans Pro"/>
                 <a:sym typeface="Source Sans Pro"/>
@@ -47728,7 +47870,7 @@
                     </a:srgbClr>
                   </a:outerShdw>
                 </a:effectLst>
-                <a:latin typeface="Source Sans Pro"/>
+                <a:latin typeface="Franklin Gothic Medium" panose="020B0603020102020204" pitchFamily="34" charset="0"/>
                 <a:ea typeface="Source Sans Pro"/>
                 <a:cs typeface="Source Sans Pro"/>
                 <a:sym typeface="Source Sans Pro"/>
@@ -47754,7 +47896,7 @@
                 <a:solidFill>
                   <a:srgbClr val="FFFFFF"/>
                 </a:solidFill>
-                <a:latin typeface="Source Sans Pro"/>
+                <a:latin typeface="Franklin Gothic Medium" panose="020B0603020102020204" pitchFamily="34" charset="0"/>
                 <a:ea typeface="Source Sans Pro"/>
                 <a:cs typeface="Source Sans Pro"/>
                 <a:sym typeface="Source Sans Pro"/>
@@ -47766,7 +47908,7 @@
                 <a:solidFill>
                   <a:srgbClr val="FFFFFF"/>
                 </a:solidFill>
-                <a:latin typeface="Source Sans Pro"/>
+                <a:latin typeface="Franklin Gothic Medium" panose="020B0603020102020204" pitchFamily="34" charset="0"/>
                 <a:ea typeface="Source Sans Pro"/>
                 <a:cs typeface="Source Sans Pro"/>
                 <a:sym typeface="Source Sans Pro"/>
@@ -47785,7 +47927,7 @@
                     </a:srgbClr>
                   </a:outerShdw>
                 </a:effectLst>
-                <a:latin typeface="Source Sans Pro"/>
+                <a:latin typeface="Franklin Gothic Medium" panose="020B0603020102020204" pitchFamily="34" charset="0"/>
                 <a:ea typeface="Source Sans Pro"/>
                 <a:cs typeface="Source Sans Pro"/>
                 <a:sym typeface="Source Sans Pro"/>
@@ -47804,7 +47946,7 @@
                     </a:srgbClr>
                   </a:outerShdw>
                 </a:effectLst>
-                <a:latin typeface="Source Sans Pro"/>
+                <a:latin typeface="Franklin Gothic Medium" panose="020B0603020102020204" pitchFamily="34" charset="0"/>
                 <a:ea typeface="Source Sans Pro"/>
                 <a:cs typeface="Source Sans Pro"/>
                 <a:sym typeface="Source Sans Pro"/>
@@ -47823,7 +47965,7 @@
                     </a:srgbClr>
                   </a:outerShdw>
                 </a:effectLst>
-                <a:latin typeface="Source Sans Pro"/>
+                <a:latin typeface="Franklin Gothic Medium" panose="020B0603020102020204" pitchFamily="34" charset="0"/>
                 <a:ea typeface="Source Sans Pro"/>
                 <a:cs typeface="Source Sans Pro"/>
                 <a:sym typeface="Source Sans Pro"/>
@@ -47842,7 +47984,7 @@
                     </a:srgbClr>
                   </a:outerShdw>
                 </a:effectLst>
-                <a:latin typeface="Source Sans Pro"/>
+                <a:latin typeface="Franklin Gothic Medium" panose="020B0603020102020204" pitchFamily="34" charset="0"/>
                 <a:ea typeface="Source Sans Pro"/>
                 <a:cs typeface="Source Sans Pro"/>
                 <a:sym typeface="Source Sans Pro"/>
@@ -47875,7 +48017,7 @@
                     </a:srgbClr>
                   </a:outerShdw>
                 </a:effectLst>
-                <a:latin typeface="Source Sans Pro"/>
+                <a:latin typeface="Franklin Gothic Medium" panose="020B0603020102020204" pitchFamily="34" charset="0"/>
                 <a:ea typeface="Source Sans Pro"/>
                 <a:cs typeface="Source Sans Pro"/>
                 <a:sym typeface="Source Sans Pro"/>
@@ -47894,7 +48036,7 @@
                     </a:srgbClr>
                   </a:outerShdw>
                 </a:effectLst>
-                <a:latin typeface="Source Sans Pro"/>
+                <a:latin typeface="Franklin Gothic Medium" panose="020B0603020102020204" pitchFamily="34" charset="0"/>
                 <a:ea typeface="Source Sans Pro"/>
                 <a:cs typeface="Source Sans Pro"/>
                 <a:sym typeface="Source Sans Pro"/>
@@ -47913,7 +48055,7 @@
                     </a:srgbClr>
                   </a:outerShdw>
                 </a:effectLst>
-                <a:latin typeface="Source Sans Pro"/>
+                <a:latin typeface="Franklin Gothic Medium" panose="020B0603020102020204" pitchFamily="34" charset="0"/>
                 <a:ea typeface="Source Sans Pro"/>
                 <a:cs typeface="Source Sans Pro"/>
                 <a:sym typeface="Source Sans Pro"/>
@@ -47932,7 +48074,7 @@
                     </a:srgbClr>
                   </a:outerShdw>
                 </a:effectLst>
-                <a:latin typeface="Source Sans Pro"/>
+                <a:latin typeface="Franklin Gothic Medium" panose="020B0603020102020204" pitchFamily="34" charset="0"/>
                 <a:ea typeface="Source Sans Pro"/>
                 <a:cs typeface="Source Sans Pro"/>
                 <a:sym typeface="Source Sans Pro"/>
@@ -47951,7 +48093,7 @@
                     </a:srgbClr>
                   </a:outerShdw>
                 </a:effectLst>
-                <a:latin typeface="Source Sans Pro"/>
+                <a:latin typeface="Franklin Gothic Medium" panose="020B0603020102020204" pitchFamily="34" charset="0"/>
                 <a:ea typeface="Source Sans Pro"/>
                 <a:cs typeface="Source Sans Pro"/>
                 <a:sym typeface="Source Sans Pro"/>
@@ -47970,7 +48112,7 @@
                     </a:srgbClr>
                   </a:outerShdw>
                 </a:effectLst>
-                <a:latin typeface="Source Sans Pro"/>
+                <a:latin typeface="Franklin Gothic Medium" panose="020B0603020102020204" pitchFamily="34" charset="0"/>
                 <a:ea typeface="Source Sans Pro"/>
                 <a:cs typeface="Source Sans Pro"/>
                 <a:sym typeface="Source Sans Pro"/>
@@ -47989,7 +48131,7 @@
                     </a:srgbClr>
                   </a:outerShdw>
                 </a:effectLst>
-                <a:latin typeface="Source Sans Pro"/>
+                <a:latin typeface="Franklin Gothic Medium" panose="020B0603020102020204" pitchFamily="34" charset="0"/>
                 <a:ea typeface="Source Sans Pro"/>
                 <a:cs typeface="Source Sans Pro"/>
                 <a:sym typeface="Source Sans Pro"/>
@@ -48020,7 +48162,7 @@
                 <a:solidFill>
                   <a:srgbClr val="FFFFFF"/>
                 </a:solidFill>
-                <a:latin typeface="Source Sans Pro"/>
+                <a:latin typeface="Franklin Gothic Medium" panose="020B0603020102020204" pitchFamily="34" charset="0"/>
                 <a:ea typeface="Source Sans Pro"/>
                 <a:cs typeface="Source Sans Pro"/>
                 <a:sym typeface="Source Sans Pro"/>
@@ -48032,7 +48174,7 @@
                 <a:solidFill>
                   <a:srgbClr val="FFFFFF"/>
                 </a:solidFill>
-                <a:latin typeface="Source Sans Pro"/>
+                <a:latin typeface="Franklin Gothic Medium" panose="020B0603020102020204" pitchFamily="34" charset="0"/>
                 <a:ea typeface="Source Sans Pro"/>
                 <a:cs typeface="Source Sans Pro"/>
                 <a:sym typeface="Source Sans Pro"/>
@@ -48044,7 +48186,7 @@
                 <a:solidFill>
                   <a:srgbClr val="FFFFFF"/>
                 </a:solidFill>
-                <a:latin typeface="Source Sans Pro"/>
+                <a:latin typeface="Franklin Gothic Medium" panose="020B0603020102020204" pitchFamily="34" charset="0"/>
                 <a:ea typeface="Source Sans Pro"/>
                 <a:cs typeface="Source Sans Pro"/>
                 <a:sym typeface="Source Sans Pro"/>
@@ -48056,7 +48198,7 @@
                 <a:solidFill>
                   <a:srgbClr val="FFFFFF"/>
                 </a:solidFill>
-                <a:latin typeface="Source Sans Pro"/>
+                <a:latin typeface="Franklin Gothic Medium" panose="020B0603020102020204" pitchFamily="34" charset="0"/>
                 <a:ea typeface="Source Sans Pro"/>
                 <a:cs typeface="Source Sans Pro"/>
                 <a:sym typeface="Source Sans Pro"/>
@@ -48068,7 +48210,7 @@
                 <a:solidFill>
                   <a:srgbClr val="FFFFFF"/>
                 </a:solidFill>
-                <a:latin typeface="Source Sans Pro"/>
+                <a:latin typeface="Franklin Gothic Medium" panose="020B0603020102020204" pitchFamily="34" charset="0"/>
                 <a:ea typeface="Source Sans Pro"/>
                 <a:cs typeface="Source Sans Pro"/>
                 <a:sym typeface="Source Sans Pro"/>
@@ -48097,7 +48239,7 @@
                 <a:solidFill>
                   <a:srgbClr val="FFFFFF"/>
                 </a:solidFill>
-                <a:latin typeface="Source Sans Pro"/>
+                <a:latin typeface="Franklin Gothic Medium" panose="020B0603020102020204" pitchFamily="34" charset="0"/>
                 <a:ea typeface="Source Sans Pro"/>
                 <a:cs typeface="Source Sans Pro"/>
                 <a:sym typeface="Source Sans Pro"/>
@@ -48109,7 +48251,7 @@
                 <a:solidFill>
                   <a:srgbClr val="FFFFFF"/>
                 </a:solidFill>
-                <a:latin typeface="Source Sans Pro"/>
+                <a:latin typeface="Franklin Gothic Medium" panose="020B0603020102020204" pitchFamily="34" charset="0"/>
                 <a:ea typeface="Source Sans Pro"/>
                 <a:cs typeface="Source Sans Pro"/>
                 <a:sym typeface="Source Sans Pro"/>
@@ -48121,7 +48263,7 @@
                 <a:solidFill>
                   <a:srgbClr val="FFFFFF"/>
                 </a:solidFill>
-                <a:latin typeface="Source Sans Pro"/>
+                <a:latin typeface="Franklin Gothic Medium" panose="020B0603020102020204" pitchFamily="34" charset="0"/>
                 <a:ea typeface="Source Sans Pro"/>
                 <a:cs typeface="Source Sans Pro"/>
                 <a:sym typeface="Source Sans Pro"/>
@@ -48152,7 +48294,7 @@
                 <a:solidFill>
                   <a:srgbClr val="FFFFFF"/>
                 </a:solidFill>
-                <a:latin typeface="Source Sans Pro"/>
+                <a:latin typeface="Franklin Gothic Medium" panose="020B0603020102020204" pitchFamily="34" charset="0"/>
                 <a:ea typeface="Source Sans Pro"/>
                 <a:cs typeface="Source Sans Pro"/>
                 <a:sym typeface="Source Sans Pro"/>
@@ -48164,7 +48306,7 @@
                 <a:solidFill>
                   <a:srgbClr val="FFFFFF"/>
                 </a:solidFill>
-                <a:latin typeface="Source Sans Pro"/>
+                <a:latin typeface="Franklin Gothic Medium" panose="020B0603020102020204" pitchFamily="34" charset="0"/>
                 <a:ea typeface="Source Sans Pro"/>
                 <a:cs typeface="Source Sans Pro"/>
                 <a:sym typeface="Source Sans Pro"/>
@@ -48176,7 +48318,7 @@
                 <a:solidFill>
                   <a:srgbClr val="FFFFFF"/>
                 </a:solidFill>
-                <a:latin typeface="Source Sans Pro"/>
+                <a:latin typeface="Franklin Gothic Medium" panose="020B0603020102020204" pitchFamily="34" charset="0"/>
                 <a:ea typeface="Source Sans Pro"/>
                 <a:cs typeface="Source Sans Pro"/>
                 <a:sym typeface="Source Sans Pro"/>
@@ -48188,7 +48330,7 @@
                 <a:solidFill>
                   <a:srgbClr val="FFFFFF"/>
                 </a:solidFill>
-                <a:latin typeface="Source Sans Pro"/>
+                <a:latin typeface="Franklin Gothic Medium" panose="020B0603020102020204" pitchFamily="34" charset="0"/>
                 <a:ea typeface="Source Sans Pro"/>
                 <a:cs typeface="Source Sans Pro"/>
                 <a:sym typeface="Source Sans Pro"/>
@@ -48200,7 +48342,7 @@
                 <a:solidFill>
                   <a:srgbClr val="FFFFFF"/>
                 </a:solidFill>
-                <a:latin typeface="Source Sans Pro"/>
+                <a:latin typeface="Franklin Gothic Medium" panose="020B0603020102020204" pitchFamily="34" charset="0"/>
                 <a:ea typeface="Source Sans Pro"/>
                 <a:cs typeface="Source Sans Pro"/>
                 <a:sym typeface="Source Sans Pro"/>
@@ -48229,7 +48371,7 @@
                 <a:solidFill>
                   <a:srgbClr val="FFFFFF"/>
                 </a:solidFill>
-                <a:latin typeface="Source Sans Pro"/>
+                <a:latin typeface="Franklin Gothic Medium" panose="020B0603020102020204" pitchFamily="34" charset="0"/>
                 <a:ea typeface="Source Sans Pro"/>
                 <a:cs typeface="Source Sans Pro"/>
                 <a:sym typeface="Source Sans Pro"/>
@@ -48241,7 +48383,7 @@
                 <a:solidFill>
                   <a:srgbClr val="FFFFFF"/>
                 </a:solidFill>
-                <a:latin typeface="Source Sans Pro"/>
+                <a:latin typeface="Franklin Gothic Medium" panose="020B0603020102020204" pitchFamily="34" charset="0"/>
                 <a:ea typeface="Source Sans Pro"/>
                 <a:cs typeface="Source Sans Pro"/>
                 <a:sym typeface="Source Sans Pro"/>
@@ -48253,7 +48395,7 @@
                 <a:solidFill>
                   <a:srgbClr val="FFFFFF"/>
                 </a:solidFill>
-                <a:latin typeface="Source Sans Pro"/>
+                <a:latin typeface="Franklin Gothic Medium" panose="020B0603020102020204" pitchFamily="34" charset="0"/>
                 <a:ea typeface="Source Sans Pro"/>
                 <a:cs typeface="Source Sans Pro"/>
                 <a:sym typeface="Source Sans Pro"/>
@@ -48265,14 +48407,16 @@
                 <a:solidFill>
                   <a:srgbClr val="FFFFFF"/>
                 </a:solidFill>
-                <a:latin typeface="Source Sans Pro"/>
+                <a:latin typeface="Franklin Gothic Medium" panose="020B0603020102020204" pitchFamily="34" charset="0"/>
                 <a:ea typeface="Source Sans Pro"/>
                 <a:cs typeface="Source Sans Pro"/>
                 <a:sym typeface="Source Sans Pro"/>
               </a:rPr>
               <a:t>.</a:t>
             </a:r>
-            <a:endParaRPr lang="es-AR" sz="2800" dirty="0"/>
+            <a:endParaRPr lang="es-AR" sz="2800" dirty="0">
+              <a:latin typeface="Franklin Gothic Medium" panose="020B0603020102020204" pitchFamily="34" charset="0"/>
+            </a:endParaRPr>
           </a:p>
         </p:txBody>
       </p:sp>
@@ -49952,7 +50096,7 @@
                     </a:srgbClr>
                   </a:outerShdw>
                 </a:effectLst>
-                <a:latin typeface="Source Sans Pro"/>
+                <a:latin typeface="Franklin Gothic Medium" panose="020B0603020102020204" pitchFamily="34" charset="0"/>
                 <a:ea typeface="Source Sans Pro"/>
                 <a:cs typeface="Source Sans Pro"/>
                 <a:sym typeface="Source Sans Pro"/>
@@ -49968,7 +50112,7 @@
                     </a:srgbClr>
                   </a:outerShdw>
                 </a:effectLst>
-                <a:latin typeface="Source Sans Pro"/>
+                <a:latin typeface="Franklin Gothic Medium" panose="020B0603020102020204" pitchFamily="34" charset="0"/>
                 <a:ea typeface="Source Sans Pro"/>
                 <a:cs typeface="Source Sans Pro"/>
                 <a:sym typeface="Source Sans Pro"/>
@@ -49997,7 +50141,7 @@
                     </a:srgbClr>
                   </a:outerShdw>
                 </a:effectLst>
-                <a:latin typeface="Source Sans Pro"/>
+                <a:latin typeface="Franklin Gothic Medium" panose="020B0603020102020204" pitchFamily="34" charset="0"/>
                 <a:ea typeface="Source Sans Pro"/>
                 <a:cs typeface="Source Sans Pro"/>
                 <a:sym typeface="Source Sans Pro"/>
@@ -50013,7 +50157,7 @@
                     </a:srgbClr>
                   </a:outerShdw>
                 </a:effectLst>
-                <a:latin typeface="Source Sans Pro"/>
+                <a:latin typeface="Franklin Gothic Medium" panose="020B0603020102020204" pitchFamily="34" charset="0"/>
                 <a:ea typeface="Source Sans Pro"/>
                 <a:cs typeface="Source Sans Pro"/>
                 <a:sym typeface="Source Sans Pro"/>
@@ -50029,7 +50173,7 @@
                     </a:srgbClr>
                   </a:outerShdw>
                 </a:effectLst>
-                <a:latin typeface="Source Sans Pro"/>
+                <a:latin typeface="Franklin Gothic Medium" panose="020B0603020102020204" pitchFamily="34" charset="0"/>
                 <a:ea typeface="Source Sans Pro"/>
                 <a:cs typeface="Source Sans Pro"/>
                 <a:sym typeface="Source Sans Pro"/>
@@ -50044,7 +50188,7 @@
                   </a:srgbClr>
                 </a:outerShdw>
               </a:effectLst>
-              <a:latin typeface="Source Sans Pro"/>
+              <a:latin typeface="Franklin Gothic Medium" panose="020B0603020102020204" pitchFamily="34" charset="0"/>
               <a:ea typeface="Source Sans Pro"/>
               <a:cs typeface="Source Sans Pro"/>
               <a:sym typeface="Source Sans Pro"/>
@@ -50071,7 +50215,7 @@
                     </a:srgbClr>
                   </a:outerShdw>
                 </a:effectLst>
-                <a:latin typeface="Source Sans Pro"/>
+                <a:latin typeface="Franklin Gothic Medium" panose="020B0603020102020204" pitchFamily="34" charset="0"/>
                 <a:ea typeface="Source Sans Pro"/>
                 <a:cs typeface="Source Sans Pro"/>
                 <a:sym typeface="Source Sans Pro"/>
@@ -50087,7 +50231,7 @@
                     </a:srgbClr>
                   </a:outerShdw>
                 </a:effectLst>
-                <a:latin typeface="Source Sans Pro"/>
+                <a:latin typeface="Franklin Gothic Medium" panose="020B0603020102020204" pitchFamily="34" charset="0"/>
                 <a:ea typeface="Source Sans Pro"/>
                 <a:cs typeface="Source Sans Pro"/>
                 <a:sym typeface="Source Sans Pro"/>
@@ -50102,7 +50246,7 @@
                   </a:srgbClr>
                 </a:outerShdw>
               </a:effectLst>
-              <a:latin typeface="Source Sans Pro"/>
+              <a:latin typeface="Franklin Gothic Medium" panose="020B0603020102020204" pitchFamily="34" charset="0"/>
               <a:ea typeface="Source Sans Pro"/>
               <a:cs typeface="Source Sans Pro"/>
               <a:sym typeface="Source Sans Pro"/>
@@ -50126,7 +50270,7 @@
                   </a:srgbClr>
                 </a:outerShdw>
               </a:effectLst>
-              <a:latin typeface="Source Sans Pro"/>
+              <a:latin typeface="Franklin Gothic Medium" panose="020B0603020102020204" pitchFamily="34" charset="0"/>
               <a:ea typeface="Source Sans Pro"/>
               <a:cs typeface="Source Sans Pro"/>
               <a:sym typeface="Source Sans Pro"/>
@@ -50156,7 +50300,7 @@
                     </a:srgbClr>
                   </a:outerShdw>
                 </a:effectLst>
-                <a:latin typeface="Source Sans Pro"/>
+                <a:latin typeface="Franklin Gothic Medium" panose="020B0603020102020204" pitchFamily="34" charset="0"/>
                 <a:ea typeface="Source Sans Pro"/>
                 <a:cs typeface="Source Sans Pro"/>
                 <a:sym typeface="Source Sans Pro"/>
@@ -50172,7 +50316,7 @@
                     </a:srgbClr>
                   </a:outerShdw>
                 </a:effectLst>
-                <a:latin typeface="Source Sans Pro"/>
+                <a:latin typeface="Franklin Gothic Medium" panose="020B0603020102020204" pitchFamily="34" charset="0"/>
                 <a:ea typeface="Source Sans Pro"/>
                 <a:cs typeface="Source Sans Pro"/>
                 <a:sym typeface="Source Sans Pro"/>
@@ -50187,7 +50331,7 @@
                   </a:srgbClr>
                 </a:outerShdw>
               </a:effectLst>
-              <a:latin typeface="Source Sans Pro"/>
+              <a:latin typeface="Franklin Gothic Medium" panose="020B0603020102020204" pitchFamily="34" charset="0"/>
               <a:ea typeface="Source Sans Pro"/>
               <a:cs typeface="Source Sans Pro"/>
               <a:sym typeface="Source Sans Pro"/>
@@ -50214,7 +50358,7 @@
                     </a:srgbClr>
                   </a:outerShdw>
                 </a:effectLst>
-                <a:latin typeface="Source Sans Pro"/>
+                <a:latin typeface="Franklin Gothic Medium" panose="020B0603020102020204" pitchFamily="34" charset="0"/>
                 <a:ea typeface="Source Sans Pro"/>
                 <a:cs typeface="Source Sans Pro"/>
                 <a:sym typeface="Source Sans Pro"/>
@@ -50230,7 +50374,7 @@
                     </a:srgbClr>
                   </a:outerShdw>
                 </a:effectLst>
-                <a:latin typeface="Source Sans Pro"/>
+                <a:latin typeface="Franklin Gothic Medium" panose="020B0603020102020204" pitchFamily="34" charset="0"/>
                 <a:ea typeface="Source Sans Pro"/>
                 <a:cs typeface="Source Sans Pro"/>
                 <a:sym typeface="Source Sans Pro"/>
@@ -50246,7 +50390,7 @@
                     </a:srgbClr>
                   </a:outerShdw>
                 </a:effectLst>
-                <a:latin typeface="Source Sans Pro"/>
+                <a:latin typeface="Franklin Gothic Medium" panose="020B0603020102020204" pitchFamily="34" charset="0"/>
                 <a:ea typeface="Source Sans Pro"/>
                 <a:cs typeface="Source Sans Pro"/>
                 <a:sym typeface="Source Sans Pro"/>
@@ -50261,7 +50405,7 @@
                   </a:srgbClr>
                 </a:outerShdw>
               </a:effectLst>
-              <a:latin typeface="Source Sans Pro"/>
+              <a:latin typeface="Franklin Gothic Medium" panose="020B0603020102020204" pitchFamily="34" charset="0"/>
               <a:ea typeface="Source Sans Pro"/>
               <a:cs typeface="Source Sans Pro"/>
               <a:sym typeface="Source Sans Pro"/>
@@ -50288,7 +50432,7 @@
                     </a:srgbClr>
                   </a:outerShdw>
                 </a:effectLst>
-                <a:latin typeface="Source Sans Pro"/>
+                <a:latin typeface="Franklin Gothic Medium" panose="020B0603020102020204" pitchFamily="34" charset="0"/>
                 <a:ea typeface="Source Sans Pro"/>
                 <a:cs typeface="Source Sans Pro"/>
                 <a:sym typeface="Source Sans Pro"/>
@@ -50304,7 +50448,7 @@
                     </a:srgbClr>
                   </a:outerShdw>
                 </a:effectLst>
-                <a:latin typeface="Source Sans Pro"/>
+                <a:latin typeface="Franklin Gothic Medium" panose="020B0603020102020204" pitchFamily="34" charset="0"/>
                 <a:ea typeface="Source Sans Pro"/>
                 <a:cs typeface="Source Sans Pro"/>
                 <a:sym typeface="Source Sans Pro"/>
@@ -50319,7 +50463,7 @@
                   </a:srgbClr>
                 </a:outerShdw>
               </a:effectLst>
-              <a:latin typeface="Source Sans Pro"/>
+              <a:latin typeface="Franklin Gothic Medium" panose="020B0603020102020204" pitchFamily="34" charset="0"/>
               <a:ea typeface="Source Sans Pro"/>
               <a:cs typeface="Source Sans Pro"/>
               <a:sym typeface="Source Sans Pro"/>
@@ -50339,7 +50483,7 @@
               <a:buNone/>
             </a:pPr>
             <a:endParaRPr sz="2800" dirty="0">
-              <a:latin typeface="Source Sans Pro"/>
+              <a:latin typeface="Franklin Gothic Medium" panose="020B0603020102020204" pitchFamily="34" charset="0"/>
               <a:ea typeface="Source Sans Pro"/>
               <a:cs typeface="Source Sans Pro"/>
               <a:sym typeface="Source Sans Pro"/>

--- a/PPTs/ProgramacionII_Clase_03-2018.pptx
+++ b/PPTs/ProgramacionII_Clase_03-2018.pptx
@@ -42,34 +42,34 @@
   <p:notesSz cx="6858000" cy="9144000"/>
   <p:embeddedFontLst>
     <p:embeddedFont>
-      <p:font typeface="Trebuchet MS" panose="020B0603020202020204" pitchFamily="34" charset="0"/>
+      <p:font typeface="Calibri" panose="020F0502020204030204" pitchFamily="34" charset="0"/>
       <p:regular r:id="rId32"/>
       <p:bold r:id="rId33"/>
       <p:italic r:id="rId34"/>
       <p:boldItalic r:id="rId35"/>
     </p:embeddedFont>
     <p:embeddedFont>
-      <p:font typeface="Source Sans Pro" panose="020B0503030403020204" pitchFamily="34" charset="0"/>
+      <p:font typeface="Trebuchet MS" panose="020B0603020202020204" pitchFamily="34" charset="0"/>
       <p:regular r:id="rId36"/>
+      <p:bold r:id="rId37"/>
+      <p:italic r:id="rId38"/>
+      <p:boldItalic r:id="rId39"/>
+    </p:embeddedFont>
+    <p:embeddedFont>
+      <p:font typeface="Source Sans Pro" panose="020B0604020202020204" charset="0"/>
+      <p:regular r:id="rId40"/>
     </p:embeddedFont>
     <p:embeddedFont>
       <p:font typeface="Consolas" panose="020B0609020204030204" pitchFamily="49" charset="0"/>
-      <p:regular r:id="rId37"/>
-      <p:bold r:id="rId38"/>
-      <p:italic r:id="rId39"/>
-      <p:boldItalic r:id="rId40"/>
+      <p:regular r:id="rId41"/>
+      <p:bold r:id="rId42"/>
+      <p:italic r:id="rId43"/>
+      <p:boldItalic r:id="rId44"/>
     </p:embeddedFont>
     <p:embeddedFont>
       <p:font typeface="Franklin Gothic Medium" panose="020B0603020102020204" pitchFamily="34" charset="0"/>
-      <p:regular r:id="rId41"/>
-      <p:italic r:id="rId42"/>
-    </p:embeddedFont>
-    <p:embeddedFont>
-      <p:font typeface="Calibri" panose="020F0502020204030204" pitchFamily="34" charset="0"/>
-      <p:regular r:id="rId43"/>
-      <p:bold r:id="rId44"/>
-      <p:italic r:id="rId45"/>
-      <p:boldItalic r:id="rId46"/>
+      <p:regular r:id="rId45"/>
+      <p:italic r:id="rId46"/>
     </p:embeddedFont>
   </p:embeddedFontLst>
   <p:defaultTextStyle>
@@ -50101,7 +50101,39 @@
                 <a:cs typeface="Source Sans Pro"/>
                 <a:sym typeface="Source Sans Pro"/>
               </a:rPr>
-              <a:t>El tiempo de vida de un valor local está vinculado al ámbito en el que está </a:t>
+              <a:t>El tiempo de vida de </a:t>
+            </a:r>
+            <a:r>
+              <a:rPr lang="es-AR" sz="2800" smtClean="0">
+                <a:effectLst>
+                  <a:outerShdw blurRad="38100" dist="38100" dir="2700000" algn="tl">
+                    <a:srgbClr val="000000">
+                      <a:alpha val="43137"/>
+                    </a:srgbClr>
+                  </a:outerShdw>
+                </a:effectLst>
+                <a:latin typeface="Franklin Gothic Medium" panose="020B0603020102020204" pitchFamily="34" charset="0"/>
+                <a:ea typeface="Source Sans Pro"/>
+                <a:cs typeface="Source Sans Pro"/>
+                <a:sym typeface="Source Sans Pro"/>
+              </a:rPr>
+              <a:t>una variable </a:t>
+            </a:r>
+            <a:r>
+              <a:rPr lang="es-AR" sz="2800" dirty="0">
+                <a:effectLst>
+                  <a:outerShdw blurRad="38100" dist="38100" dir="2700000" algn="tl">
+                    <a:srgbClr val="000000">
+                      <a:alpha val="43137"/>
+                    </a:srgbClr>
+                  </a:outerShdw>
+                </a:effectLst>
+                <a:latin typeface="Franklin Gothic Medium" panose="020B0603020102020204" pitchFamily="34" charset="0"/>
+                <a:ea typeface="Source Sans Pro"/>
+                <a:cs typeface="Source Sans Pro"/>
+                <a:sym typeface="Source Sans Pro"/>
+              </a:rPr>
+              <a:t>local está vinculado al ámbito en el que está </a:t>
             </a:r>
             <a:r>
               <a:rPr lang="es-AR" sz="2800" dirty="0" smtClean="0">

--- a/PPTs/ProgramacionII_Clase_03-2018.pptx
+++ b/PPTs/ProgramacionII_Clase_03-2018.pptx
@@ -49,27 +49,27 @@
       <p:boldItalic r:id="rId35"/>
     </p:embeddedFont>
     <p:embeddedFont>
-      <p:font typeface="Trebuchet MS" panose="020B0603020202020204" pitchFamily="34" charset="0"/>
+      <p:font typeface="Consolas" panose="020B0609020204030204" pitchFamily="49" charset="0"/>
       <p:regular r:id="rId36"/>
       <p:bold r:id="rId37"/>
       <p:italic r:id="rId38"/>
       <p:boldItalic r:id="rId39"/>
     </p:embeddedFont>
     <p:embeddedFont>
-      <p:font typeface="Source Sans Pro" panose="020B0604020202020204" charset="0"/>
+      <p:font typeface="Franklin Gothic Medium" panose="020B0603020102020204" pitchFamily="34" charset="0"/>
       <p:regular r:id="rId40"/>
+      <p:italic r:id="rId41"/>
     </p:embeddedFont>
     <p:embeddedFont>
-      <p:font typeface="Consolas" panose="020B0609020204030204" pitchFamily="49" charset="0"/>
-      <p:regular r:id="rId41"/>
-      <p:bold r:id="rId42"/>
-      <p:italic r:id="rId43"/>
-      <p:boldItalic r:id="rId44"/>
+      <p:font typeface="Source Sans Pro" panose="020B0503030403020204" pitchFamily="34" charset="0"/>
+      <p:regular r:id="rId42"/>
     </p:embeddedFont>
     <p:embeddedFont>
-      <p:font typeface="Franklin Gothic Medium" panose="020B0603020102020204" pitchFamily="34" charset="0"/>
-      <p:regular r:id="rId45"/>
-      <p:italic r:id="rId46"/>
+      <p:font typeface="Trebuchet MS" panose="020B0603020202020204" pitchFamily="34" charset="0"/>
+      <p:regular r:id="rId43"/>
+      <p:bold r:id="rId44"/>
+      <p:italic r:id="rId45"/>
+      <p:boldItalic r:id="rId46"/>
     </p:embeddedFont>
   </p:embeddedFontLst>
   <p:defaultTextStyle>
@@ -1670,7 +1670,7 @@
               <a:defRPr/>
             </a:pPr>
             <a:r>
-              <a:rPr lang="es-ES" sz="1200" dirty="0" smtClean="0"/>
+              <a:rPr lang="es-ES" sz="1200" dirty="0"/>
               <a:t>Fuente: https://msdn.microsoft.com/es-ar/library/wew5ytx4(v=vs.90).aspx</a:t>
             </a:r>
           </a:p>
@@ -2101,7 +2101,7 @@
           <a:p>
             <a:pPr eaLnBrk="1" hangingPunct="1"/>
             <a:r>
-              <a:rPr lang="es-ES" sz="2800" dirty="0" smtClean="0">
+              <a:rPr lang="es-ES" sz="2800" dirty="0">
                 <a:latin typeface="Arial" panose="020B0604020202020204" pitchFamily="34" charset="0"/>
               </a:rPr>
               <a:t>Nota:</a:t>
@@ -2110,13 +2110,13 @@
           <a:p>
             <a:pPr lvl="1" eaLnBrk="1" hangingPunct="1"/>
             <a:r>
-              <a:rPr lang="es-ES" sz="2400" dirty="0" smtClean="0">
+              <a:rPr lang="es-ES" sz="2400" dirty="0">
                 <a:latin typeface="Arial" panose="020B0604020202020204" pitchFamily="34" charset="0"/>
               </a:rPr>
               <a:t>Recordemos que una variable referencia y el objeto al que apunta son cosas distintas.</a:t>
             </a:r>
             <a:r>
-              <a:rPr lang="es-ES" dirty="0" smtClean="0">
+              <a:rPr lang="es-ES" dirty="0">
                 <a:latin typeface="Arial" panose="020B0604020202020204" pitchFamily="34" charset="0"/>
               </a:rPr>
               <a:t> </a:t>
@@ -2779,7 +2779,7 @@
           <a:p>
             <a:pPr eaLnBrk="1" hangingPunct="1"/>
             <a:r>
-              <a:rPr lang="es-AR" altLang="es-AR" dirty="0" smtClean="0">
+              <a:rPr lang="es-AR" altLang="es-AR" dirty="0">
                 <a:latin typeface="Arial" panose="020B0604020202020204" pitchFamily="34" charset="0"/>
               </a:rPr>
               <a:t>Los objetos son instancias de una clase. Cuando creamos una instancia tenemos que especificar la clase a partir de la cual se creará. Esta acción de crear un objeto a partir de una clase se llama instanciar. </a:t>
@@ -2788,7 +2788,7 @@
           <a:p>
             <a:pPr eaLnBrk="1" hangingPunct="1"/>
             <a:r>
-              <a:rPr lang="es-AR" altLang="es-AR" dirty="0" smtClean="0">
+              <a:rPr lang="es-AR" altLang="es-AR" dirty="0">
                 <a:latin typeface="Arial" panose="020B0604020202020204" pitchFamily="34" charset="0"/>
               </a:rPr>
               <a:t>Por ejemplo, un objeto de la clase fracción es por ejemplo 3/5. El concepto o definición de fracción sería la clase, pero cuando ya estamos hablando de una fracción en concreto 4/7, 8/1000 o cualquier otra, la llamamos objeto. </a:t>
@@ -2797,7 +2797,7 @@
           <a:p>
             <a:pPr eaLnBrk="1" hangingPunct="1"/>
             <a:r>
-              <a:rPr lang="es-CR" altLang="es-AR" dirty="0" smtClean="0">
+              <a:rPr lang="es-CR" altLang="es-AR" dirty="0">
                 <a:latin typeface="Arial" panose="020B0604020202020204" pitchFamily="34" charset="0"/>
               </a:rPr>
               <a:t>Comportamiento que le permite realizar tareas específicas, como a todos los objetos de su misma clase.</a:t>
@@ -2806,7 +2806,7 @@
           <a:p>
             <a:pPr eaLnBrk="1" hangingPunct="1"/>
             <a:r>
-              <a:rPr lang="es-CR" altLang="es-AR" dirty="0" smtClean="0">
+              <a:rPr lang="es-CR" altLang="es-AR" dirty="0">
                 <a:latin typeface="Arial" panose="020B0604020202020204" pitchFamily="34" charset="0"/>
               </a:rPr>
               <a:t>Estado que se determina a través de cierta información almacenada, que puede ser fija o variable.</a:t>
@@ -3465,7 +3465,7 @@
               <a:buNone/>
             </a:pPr>
             <a:r>
-              <a:rPr lang="es-AR" dirty="0" smtClean="0"/>
+              <a:rPr lang="es-AR" dirty="0"/>
               <a:t> </a:t>
             </a:r>
             <a:endParaRPr dirty="0"/>
@@ -3687,7 +3687,7 @@
               <a:buNone/>
             </a:pPr>
             <a:r>
-              <a:rPr lang="es-AR" dirty="0" smtClean="0"/>
+              <a:rPr lang="es-AR" dirty="0"/>
               <a:t> </a:t>
             </a:r>
             <a:endParaRPr dirty="0"/>
@@ -3909,7 +3909,7 @@
               <a:buNone/>
             </a:pPr>
             <a:r>
-              <a:rPr lang="es-AR" dirty="0" smtClean="0"/>
+              <a:rPr lang="es-AR" dirty="0"/>
               <a:t> </a:t>
             </a:r>
             <a:endParaRPr dirty="0"/>
@@ -4022,7 +4022,7 @@
               <a:buNone/>
             </a:pPr>
             <a:r>
-              <a:rPr lang="es-AR" dirty="0" smtClean="0"/>
+              <a:rPr lang="es-AR" dirty="0"/>
               <a:t>1- Distintos colores</a:t>
             </a:r>
           </a:p>
@@ -4037,7 +4037,7 @@
               <a:buNone/>
             </a:pPr>
             <a:r>
-              <a:rPr lang="es-AR" dirty="0" smtClean="0"/>
+              <a:rPr lang="es-AR" dirty="0"/>
               <a:t>2- Distintas formas</a:t>
             </a:r>
           </a:p>
@@ -4052,7 +4052,7 @@
               <a:buNone/>
             </a:pPr>
             <a:r>
-              <a:rPr lang="es-AR" dirty="0" smtClean="0"/>
+              <a:rPr lang="es-AR" dirty="0"/>
               <a:t>-- Cableados o inalámbricos</a:t>
             </a:r>
           </a:p>
@@ -4067,7 +4067,7 @@
               <a:buNone/>
             </a:pPr>
             <a:r>
-              <a:rPr lang="es-AR" dirty="0" smtClean="0"/>
+              <a:rPr lang="es-AR" dirty="0"/>
               <a:t>3- Distintas marcas</a:t>
             </a:r>
           </a:p>
@@ -4082,7 +4082,7 @@
               <a:buNone/>
             </a:pPr>
             <a:r>
-              <a:rPr lang="es-AR" dirty="0" smtClean="0"/>
+              <a:rPr lang="es-AR" dirty="0"/>
               <a:t>4- Distintos usos</a:t>
             </a:r>
             <a:endParaRPr dirty="0"/>
@@ -4522,7 +4522,7 @@
               <a:buNone/>
             </a:pPr>
             <a:r>
-              <a:rPr lang="es-AR" sz="1200" dirty="0" smtClean="0">
+              <a:rPr lang="es-AR" sz="1200" dirty="0">
                 <a:latin typeface="Franklin Gothic Medium" panose="020B0603020102020204" pitchFamily="34" charset="0"/>
                 <a:ea typeface="Source Sans Pro"/>
                 <a:cs typeface="Source Sans Pro"/>
@@ -4632,7 +4632,7 @@
           <a:p>
             <a:pPr eaLnBrk="1" hangingPunct="1"/>
             <a:r>
-              <a:rPr lang="es-AR" altLang="es-AR" sz="1000" dirty="0" smtClean="0">
+              <a:rPr lang="es-AR" altLang="es-AR" sz="1000" dirty="0">
                 <a:latin typeface="Arial" panose="020B0604020202020204" pitchFamily="34" charset="0"/>
               </a:rPr>
               <a:t>El CLR administra dos segmentos de memoria, los cuales son utilizados de distinta forma a lo largo del ciclo de vida de una aplicación:</a:t>
@@ -4644,127 +4644,127 @@
               <a:buChar char="•"/>
             </a:pPr>
             <a:r>
-              <a:rPr lang="es-AR" altLang="es-AR" sz="1000" dirty="0" smtClean="0">
+              <a:rPr lang="es-AR" altLang="es-AR" sz="1000" dirty="0">
                 <a:latin typeface="Arial" panose="020B0604020202020204" pitchFamily="34" charset="0"/>
               </a:rPr>
               <a:t>El </a:t>
             </a:r>
             <a:r>
-              <a:rPr lang="es-AR" altLang="es-AR" sz="1000" dirty="0" err="1" smtClean="0">
+              <a:rPr lang="es-AR" altLang="es-AR" sz="1000" dirty="0" err="1">
                 <a:latin typeface="Arial" panose="020B0604020202020204" pitchFamily="34" charset="0"/>
               </a:rPr>
               <a:t>Stack</a:t>
             </a:r>
             <a:r>
-              <a:rPr lang="es-AR" altLang="es-AR" sz="1000" dirty="0" smtClean="0">
+              <a:rPr lang="es-AR" altLang="es-AR" sz="1000" dirty="0">
                 <a:latin typeface="Arial" panose="020B0604020202020204" pitchFamily="34" charset="0"/>
               </a:rPr>
               <a:t>, o Pila: es una sección de memoria que almacena los “tipos de valor” (</a:t>
             </a:r>
             <a:r>
-              <a:rPr lang="es-AR" altLang="es-AR" sz="1000" dirty="0" err="1" smtClean="0">
+              <a:rPr lang="es-AR" altLang="es-AR" sz="1000" dirty="0" err="1">
                 <a:latin typeface="Arial" panose="020B0604020202020204" pitchFamily="34" charset="0"/>
               </a:rPr>
               <a:t>Value</a:t>
             </a:r>
             <a:r>
-              <a:rPr lang="es-AR" altLang="es-AR" sz="1000" dirty="0" smtClean="0">
+              <a:rPr lang="es-AR" altLang="es-AR" sz="1000" dirty="0">
                 <a:latin typeface="Arial" panose="020B0604020202020204" pitchFamily="34" charset="0"/>
               </a:rPr>
               <a:t> </a:t>
             </a:r>
             <a:r>
-              <a:rPr lang="es-AR" altLang="es-AR" sz="1000" dirty="0" err="1" smtClean="0">
+              <a:rPr lang="es-AR" altLang="es-AR" sz="1000" dirty="0" err="1">
                 <a:latin typeface="Arial" panose="020B0604020202020204" pitchFamily="34" charset="0"/>
               </a:rPr>
               <a:t>Types</a:t>
             </a:r>
             <a:r>
-              <a:rPr lang="es-AR" altLang="es-AR" sz="1000" dirty="0" smtClean="0">
+              <a:rPr lang="es-AR" altLang="es-AR" sz="1000" dirty="0">
                 <a:latin typeface="Arial" panose="020B0604020202020204" pitchFamily="34" charset="0"/>
               </a:rPr>
               <a:t>), llamados así porque tanto su referencia como su valor se encuentran en la misma posición de memoria. Ejemplos de tipos por valor en el CLR son los caracteres, los números enteros y los booleanos. A estos tipos de dato también se los conoce como “tipos primitivos”. El </a:t>
             </a:r>
             <a:r>
-              <a:rPr lang="es-AR" altLang="es-AR" sz="1000" dirty="0" err="1" smtClean="0">
+              <a:rPr lang="es-AR" altLang="es-AR" sz="1000" dirty="0" err="1">
                 <a:latin typeface="Arial" panose="020B0604020202020204" pitchFamily="34" charset="0"/>
               </a:rPr>
               <a:t>stack</a:t>
             </a:r>
             <a:r>
-              <a:rPr lang="es-AR" altLang="es-AR" sz="1000" dirty="0" smtClean="0">
+              <a:rPr lang="es-AR" altLang="es-AR" sz="1000" dirty="0">
                 <a:latin typeface="Arial" panose="020B0604020202020204" pitchFamily="34" charset="0"/>
               </a:rPr>
               <a:t> se comporta como una lista LIFO (</a:t>
             </a:r>
             <a:r>
-              <a:rPr lang="es-AR" altLang="es-AR" sz="1000" dirty="0" err="1" smtClean="0">
+              <a:rPr lang="es-AR" altLang="es-AR" sz="1000" dirty="0" err="1">
                 <a:latin typeface="Arial" panose="020B0604020202020204" pitchFamily="34" charset="0"/>
               </a:rPr>
               <a:t>Last</a:t>
             </a:r>
             <a:r>
-              <a:rPr lang="es-AR" altLang="es-AR" sz="1000" dirty="0" smtClean="0">
+              <a:rPr lang="es-AR" altLang="es-AR" sz="1000" dirty="0">
                 <a:latin typeface="Arial" panose="020B0604020202020204" pitchFamily="34" charset="0"/>
               </a:rPr>
               <a:t> In – </a:t>
             </a:r>
             <a:r>
-              <a:rPr lang="es-AR" altLang="es-AR" sz="1000" dirty="0" err="1" smtClean="0">
+              <a:rPr lang="es-AR" altLang="es-AR" sz="1000" dirty="0" err="1">
                 <a:latin typeface="Arial" panose="020B0604020202020204" pitchFamily="34" charset="0"/>
               </a:rPr>
               <a:t>First</a:t>
             </a:r>
             <a:r>
-              <a:rPr lang="es-AR" altLang="es-AR" sz="1000" dirty="0" smtClean="0">
+              <a:rPr lang="es-AR" altLang="es-AR" sz="1000" dirty="0">
                 <a:latin typeface="Arial" panose="020B0604020202020204" pitchFamily="34" charset="0"/>
               </a:rPr>
               <a:t> </a:t>
             </a:r>
             <a:r>
-              <a:rPr lang="es-AR" altLang="es-AR" sz="1000" dirty="0" err="1" smtClean="0">
+              <a:rPr lang="es-AR" altLang="es-AR" sz="1000" dirty="0" err="1">
                 <a:latin typeface="Arial" panose="020B0604020202020204" pitchFamily="34" charset="0"/>
               </a:rPr>
               <a:t>Out</a:t>
             </a:r>
             <a:r>
-              <a:rPr lang="es-AR" altLang="es-AR" sz="1000" dirty="0" smtClean="0">
+              <a:rPr lang="es-AR" altLang="es-AR" sz="1000" dirty="0">
                 <a:latin typeface="Arial" panose="020B0604020202020204" pitchFamily="34" charset="0"/>
               </a:rPr>
               <a:t>), donde se van apilando valores uno encima de otro y sólo se puede recuperar un valor </a:t>
             </a:r>
             <a:r>
-              <a:rPr lang="es-AR" altLang="es-AR" sz="1000" dirty="0" err="1" smtClean="0">
+              <a:rPr lang="es-AR" altLang="es-AR" sz="1000" dirty="0" err="1">
                 <a:latin typeface="Arial" panose="020B0604020202020204" pitchFamily="34" charset="0"/>
               </a:rPr>
               <a:t>desapilando</a:t>
             </a:r>
             <a:r>
-              <a:rPr lang="es-AR" altLang="es-AR" sz="1000" dirty="0" smtClean="0">
+              <a:rPr lang="es-AR" altLang="es-AR" sz="1000" dirty="0">
                 <a:latin typeface="Arial" panose="020B0604020202020204" pitchFamily="34" charset="0"/>
               </a:rPr>
               <a:t> los que tiene por encima. La memoria ocupada por los </a:t>
             </a:r>
             <a:r>
-              <a:rPr lang="es-AR" altLang="es-AR" sz="1000" dirty="0" err="1" smtClean="0">
+              <a:rPr lang="es-AR" altLang="es-AR" sz="1000" dirty="0" err="1">
                 <a:latin typeface="Arial" panose="020B0604020202020204" pitchFamily="34" charset="0"/>
               </a:rPr>
               <a:t>Value</a:t>
             </a:r>
             <a:r>
-              <a:rPr lang="es-AR" altLang="es-AR" sz="1000" dirty="0" smtClean="0">
+              <a:rPr lang="es-AR" altLang="es-AR" sz="1000" dirty="0">
                 <a:latin typeface="Arial" panose="020B0604020202020204" pitchFamily="34" charset="0"/>
               </a:rPr>
               <a:t> </a:t>
             </a:r>
             <a:r>
-              <a:rPr lang="es-AR" altLang="es-AR" sz="1000" dirty="0" err="1" smtClean="0">
+              <a:rPr lang="es-AR" altLang="es-AR" sz="1000" dirty="0" err="1">
                 <a:latin typeface="Arial" panose="020B0604020202020204" pitchFamily="34" charset="0"/>
               </a:rPr>
               <a:t>Types</a:t>
             </a:r>
             <a:r>
-              <a:rPr lang="es-AR" altLang="es-AR" sz="1000" dirty="0" smtClean="0">
+              <a:rPr lang="es-AR" altLang="es-AR" sz="1000" dirty="0">
                 <a:latin typeface="Arial" panose="020B0604020202020204" pitchFamily="34" charset="0"/>
               </a:rPr>
               <a:t> es liberada automáticamente por el CLR una vez que se finaliza el procedimiento o el bloque de código donde fueron declarados.</a:t>
@@ -4776,31 +4776,31 @@
               <a:buChar char="•"/>
             </a:pPr>
             <a:r>
-              <a:rPr lang="es-AR" altLang="es-AR" sz="1000" dirty="0" smtClean="0">
+              <a:rPr lang="es-AR" altLang="es-AR" sz="1000" dirty="0">
                 <a:latin typeface="Arial" panose="020B0604020202020204" pitchFamily="34" charset="0"/>
               </a:rPr>
               <a:t>El </a:t>
             </a:r>
             <a:r>
-              <a:rPr lang="es-AR" altLang="es-AR" sz="1000" dirty="0" err="1" smtClean="0">
+              <a:rPr lang="es-AR" altLang="es-AR" sz="1000" dirty="0" err="1">
                 <a:latin typeface="Arial" panose="020B0604020202020204" pitchFamily="34" charset="0"/>
               </a:rPr>
               <a:t>Heap</a:t>
             </a:r>
             <a:r>
-              <a:rPr lang="es-AR" altLang="es-AR" sz="1000" dirty="0" smtClean="0">
+              <a:rPr lang="es-AR" altLang="es-AR" sz="1000" dirty="0">
                 <a:latin typeface="Arial" panose="020B0604020202020204" pitchFamily="34" charset="0"/>
               </a:rPr>
               <a:t>, o “Montón”: es unas sección de memoria que almacena los “tipos de referencia” (Reference </a:t>
             </a:r>
             <a:r>
-              <a:rPr lang="es-AR" altLang="es-AR" sz="1000" dirty="0" err="1" smtClean="0">
+              <a:rPr lang="es-AR" altLang="es-AR" sz="1000" dirty="0" err="1">
                 <a:latin typeface="Arial" panose="020B0604020202020204" pitchFamily="34" charset="0"/>
               </a:rPr>
               <a:t>Types</a:t>
             </a:r>
             <a:r>
-              <a:rPr lang="es-AR" altLang="es-AR" sz="1000" dirty="0" smtClean="0">
+              <a:rPr lang="es-AR" altLang="es-AR" sz="1000" dirty="0">
                 <a:latin typeface="Arial" panose="020B0604020202020204" pitchFamily="34" charset="0"/>
               </a:rPr>
               <a:t>), llamados así porque su almacenamiento se encuentra dividido</a:t>
@@ -4812,19 +4812,19 @@
               <a:buChar char="•"/>
             </a:pPr>
             <a:r>
-              <a:rPr lang="es-AR" altLang="es-AR" sz="1000" dirty="0" smtClean="0">
+              <a:rPr lang="es-AR" altLang="es-AR" sz="1000" dirty="0">
                 <a:latin typeface="Arial" panose="020B0604020202020204" pitchFamily="34" charset="0"/>
               </a:rPr>
               <a:t>En el </a:t>
             </a:r>
             <a:r>
-              <a:rPr lang="es-AR" altLang="es-AR" sz="1000" dirty="0" err="1" smtClean="0">
+              <a:rPr lang="es-AR" altLang="es-AR" sz="1000" dirty="0" err="1">
                 <a:latin typeface="Arial" panose="020B0604020202020204" pitchFamily="34" charset="0"/>
               </a:rPr>
               <a:t>stack</a:t>
             </a:r>
             <a:r>
-              <a:rPr lang="es-AR" altLang="es-AR" sz="1000" dirty="0" smtClean="0">
+              <a:rPr lang="es-AR" altLang="es-AR" sz="1000" dirty="0">
                 <a:latin typeface="Arial" panose="020B0604020202020204" pitchFamily="34" charset="0"/>
               </a:rPr>
               <a:t> se almacena una referencia al contenido de la variable</a:t>
@@ -4836,19 +4836,19 @@
               <a:buChar char="•"/>
             </a:pPr>
             <a:r>
-              <a:rPr lang="es-AR" altLang="es-AR" sz="1000" dirty="0" smtClean="0">
+              <a:rPr lang="es-AR" altLang="es-AR" sz="1000" dirty="0">
                 <a:latin typeface="Arial" panose="020B0604020202020204" pitchFamily="34" charset="0"/>
               </a:rPr>
               <a:t>En el </a:t>
             </a:r>
             <a:r>
-              <a:rPr lang="es-AR" altLang="es-AR" sz="1000" dirty="0" err="1" smtClean="0">
+              <a:rPr lang="es-AR" altLang="es-AR" sz="1000" dirty="0" err="1">
                 <a:latin typeface="Arial" panose="020B0604020202020204" pitchFamily="34" charset="0"/>
               </a:rPr>
               <a:t>heap</a:t>
             </a:r>
             <a:r>
-              <a:rPr lang="es-AR" altLang="es-AR" sz="1000" dirty="0" smtClean="0">
+              <a:rPr lang="es-AR" altLang="es-AR" sz="1000" dirty="0">
                 <a:latin typeface="Arial" panose="020B0604020202020204" pitchFamily="34" charset="0"/>
               </a:rPr>
               <a:t> se guarda el valor propiamente dicho de la variable</a:t>
@@ -4860,19 +4860,19 @@
               <a:buNone/>
             </a:pPr>
             <a:r>
-              <a:rPr lang="es-AR" altLang="es-AR" sz="1000" dirty="0" smtClean="0">
+              <a:rPr lang="es-AR" altLang="es-AR" sz="1000" dirty="0">
                 <a:latin typeface="Arial" panose="020B0604020202020204" pitchFamily="34" charset="0"/>
               </a:rPr>
               <a:t>Ejemplos de tipos por referencia son los </a:t>
             </a:r>
             <a:r>
-              <a:rPr lang="es-AR" altLang="es-AR" sz="1000" dirty="0" err="1" smtClean="0">
+              <a:rPr lang="es-AR" altLang="es-AR" sz="1000" dirty="0" err="1">
                 <a:latin typeface="Arial" panose="020B0604020202020204" pitchFamily="34" charset="0"/>
               </a:rPr>
               <a:t>Strings</a:t>
             </a:r>
             <a:r>
-              <a:rPr lang="es-AR" altLang="es-AR" sz="1000" dirty="0" smtClean="0">
+              <a:rPr lang="es-AR" altLang="es-AR" sz="1000" dirty="0">
                 <a:latin typeface="Arial" panose="020B0604020202020204" pitchFamily="34" charset="0"/>
               </a:rPr>
               <a:t> (cadenas de caracteres) y cualquier tipo de dato definido por el usuario (por ejemplo clases e interfaces que se creen a lo largo del desarrollo de una aplicación).</a:t>
@@ -4881,55 +4881,55 @@
           <a:p>
             <a:pPr lvl="0" eaLnBrk="1" hangingPunct="1"/>
             <a:r>
-              <a:rPr lang="es-AR" altLang="es-AR" sz="1000" dirty="0" smtClean="0">
+              <a:rPr lang="es-AR" altLang="es-AR" sz="1000" dirty="0">
                 <a:latin typeface="Arial" panose="020B0604020202020204" pitchFamily="34" charset="0"/>
               </a:rPr>
               <a:t>La memoria ocupada por los Reference </a:t>
             </a:r>
             <a:r>
-              <a:rPr lang="es-AR" altLang="es-AR" sz="1000" dirty="0" err="1" smtClean="0">
+              <a:rPr lang="es-AR" altLang="es-AR" sz="1000" dirty="0" err="1">
                 <a:latin typeface="Arial" panose="020B0604020202020204" pitchFamily="34" charset="0"/>
               </a:rPr>
               <a:t>Types</a:t>
             </a:r>
             <a:r>
-              <a:rPr lang="es-AR" altLang="es-AR" sz="1000" dirty="0" smtClean="0">
+              <a:rPr lang="es-AR" altLang="es-AR" sz="1000" dirty="0">
                 <a:latin typeface="Arial" panose="020B0604020202020204" pitchFamily="34" charset="0"/>
               </a:rPr>
               <a:t> es liberada automáticamente por el </a:t>
             </a:r>
             <a:r>
-              <a:rPr lang="es-AR" altLang="es-AR" sz="1000" dirty="0" err="1" smtClean="0">
+              <a:rPr lang="es-AR" altLang="es-AR" sz="1000" dirty="0" err="1">
                 <a:latin typeface="Arial" panose="020B0604020202020204" pitchFamily="34" charset="0"/>
               </a:rPr>
               <a:t>Garbage</a:t>
             </a:r>
             <a:r>
-              <a:rPr lang="es-AR" altLang="es-AR" sz="1000" dirty="0" smtClean="0">
+              <a:rPr lang="es-AR" altLang="es-AR" sz="1000" dirty="0">
                 <a:latin typeface="Arial" panose="020B0604020202020204" pitchFamily="34" charset="0"/>
               </a:rPr>
               <a:t> </a:t>
             </a:r>
             <a:r>
-              <a:rPr lang="es-AR" altLang="es-AR" sz="1000" dirty="0" err="1" smtClean="0">
+              <a:rPr lang="es-AR" altLang="es-AR" sz="1000" dirty="0" err="1">
                 <a:latin typeface="Arial" panose="020B0604020202020204" pitchFamily="34" charset="0"/>
               </a:rPr>
               <a:t>Collector</a:t>
             </a:r>
             <a:r>
-              <a:rPr lang="es-AR" altLang="es-AR" sz="1000" dirty="0" smtClean="0">
+              <a:rPr lang="es-AR" altLang="es-AR" sz="1000" dirty="0">
                 <a:latin typeface="Arial" panose="020B0604020202020204" pitchFamily="34" charset="0"/>
               </a:rPr>
               <a:t> del CLR, de manera no determinística (esto quiere decir que no se</a:t>
             </a:r>
             <a:r>
-              <a:rPr lang="es-AR" altLang="es-AR" sz="1000" baseline="0" dirty="0" smtClean="0">
+              <a:rPr lang="es-AR" altLang="es-AR" sz="1000" baseline="0" dirty="0">
                 <a:latin typeface="Arial" panose="020B0604020202020204" pitchFamily="34" charset="0"/>
               </a:rPr>
               <a:t> </a:t>
             </a:r>
             <a:r>
-              <a:rPr lang="es-AR" altLang="es-AR" sz="1000" dirty="0" smtClean="0">
+              <a:rPr lang="es-AR" altLang="es-AR" sz="1000" dirty="0">
                 <a:latin typeface="Arial" panose="020B0604020202020204" pitchFamily="34" charset="0"/>
               </a:rPr>
               <a:t>puede tener conocimiento acerca de en qué momento se liberará la memoria). El CLR no puede ser invocado por los desarrolladores, y nuca debe hacerse ninguna presuposición acerca de cuándo y cómo se ejecutará.</a:t>
@@ -31645,11 +31645,11 @@
               <a:buNone/>
             </a:pPr>
             <a:r>
-              <a:rPr lang="es-AR" dirty="0" smtClean="0"/>
+              <a:rPr lang="es-AR" dirty="0"/>
               <a:t>Programación II y </a:t>
             </a:r>
             <a:r>
-              <a:rPr lang="es-AR" sz="2000" b="0" i="0" u="none" strike="noStrike" cap="none" dirty="0" smtClean="0">
+              <a:rPr lang="es-AR" sz="2000" b="0" i="0" u="none" strike="noStrike" cap="none" dirty="0">
                 <a:solidFill>
                   <a:schemeClr val="lt1"/>
                 </a:solidFill>
@@ -31679,7 +31679,7 @@
               <a:buFont typeface="Arial"/>
               <a:buNone/>
             </a:pPr>
-            <a:endParaRPr lang="es-AR" sz="2000" b="0" i="0" u="none" strike="noStrike" cap="none" dirty="0" smtClean="0">
+            <a:endParaRPr lang="es-AR" sz="2000" b="0" i="0" u="none" strike="noStrike" cap="none" dirty="0">
               <a:solidFill>
                 <a:schemeClr val="lt1"/>
               </a:solidFill>
@@ -31708,8 +31708,16 @@
               <a:buNone/>
             </a:pPr>
             <a:r>
-              <a:rPr lang="es-AR" dirty="0" smtClean="0"/>
-              <a:t>Edición 2018</a:t>
+              <a:rPr lang="es-AR" dirty="0"/>
+              <a:t>Edición 2018 (</a:t>
+            </a:r>
+            <a:r>
+              <a:rPr lang="es-AR" dirty="0" err="1"/>
+              <a:t>rev.</a:t>
+            </a:r>
+            <a:r>
+              <a:rPr lang="es-AR" dirty="0"/>
+              <a:t> 2021)</a:t>
             </a:r>
             <a:endParaRPr sz="2000" b="0" i="0" u="none" strike="noStrike" cap="none" dirty="0">
               <a:solidFill>
@@ -31770,7 +31778,7 @@
               <a:buNone/>
             </a:pPr>
             <a:r>
-              <a:rPr lang="es-AR" smtClean="0">
+              <a:rPr lang="es-AR">
                 <a:solidFill>
                   <a:prstClr val="white"/>
                 </a:solidFill>
@@ -31792,13 +31800,6 @@
   <p:clrMapOvr>
     <a:masterClrMapping/>
   </p:clrMapOvr>
-  <p:timing>
-    <p:tnLst>
-      <p:par>
-        <p:cTn id="1" dur="indefinite" restart="never" nodeType="tmRoot"/>
-      </p:par>
-    </p:tnLst>
-  </p:timing>
 </p:sld>
 </file>
 
@@ -31938,23 +31939,7 @@
                 <a:cs typeface="Source Sans Pro"/>
                 <a:sym typeface="Source Sans Pro"/>
               </a:rPr>
-              <a:t>Creación y destrucción </a:t>
-            </a:r>
-            <a:r>
-              <a:rPr lang="es-AR" sz="2800" dirty="0" smtClean="0">
-                <a:effectLst>
-                  <a:outerShdw blurRad="38100" dist="38100" dir="2700000" algn="tl">
-                    <a:srgbClr val="000000">
-                      <a:alpha val="43137"/>
-                    </a:srgbClr>
-                  </a:outerShdw>
-                </a:effectLst>
-                <a:latin typeface="Franklin Gothic Medium" panose="020B0603020102020204" pitchFamily="34" charset="0"/>
-                <a:ea typeface="Source Sans Pro"/>
-                <a:cs typeface="Source Sans Pro"/>
-                <a:sym typeface="Source Sans Pro"/>
-              </a:rPr>
-              <a:t>deterministas</a:t>
+              <a:t>Creación y destrucción deterministas</a:t>
             </a:r>
           </a:p>
           <a:p>
@@ -31969,22 +31954,6 @@
               <a:buFont typeface="Source Sans Pro"/>
               <a:buChar char="●"/>
             </a:pPr>
-            <a:r>
-              <a:rPr lang="es-AR" sz="2600" dirty="0" smtClean="0">
-                <a:effectLst>
-                  <a:outerShdw blurRad="38100" dist="38100" dir="2700000" algn="tl">
-                    <a:srgbClr val="000000">
-                      <a:alpha val="43137"/>
-                    </a:srgbClr>
-                  </a:outerShdw>
-                </a:effectLst>
-                <a:latin typeface="Franklin Gothic Medium" panose="020B0603020102020204" pitchFamily="34" charset="0"/>
-                <a:ea typeface="Source Sans Pro"/>
-                <a:cs typeface="Source Sans Pro"/>
-                <a:sym typeface="Source Sans Pro"/>
-              </a:rPr>
-              <a:t>Una </a:t>
-            </a:r>
             <a:r>
               <a:rPr lang="es-AR" sz="2600" dirty="0">
                 <a:effectLst>
@@ -31999,7 +31968,7 @@
                 <a:cs typeface="Source Sans Pro"/>
                 <a:sym typeface="Source Sans Pro"/>
               </a:rPr>
-              <a:t>variable local se crea en el momento de declararla y se destruye al final del ámbito en el que está declarada. El punto inicial y el punto final de la vida del valor son deterministas; es decir, tienen lugar en momentos conocidos y fijos.</a:t>
+              <a:t>Una variable local se crea en el momento de declararla y se destruye al final del ámbito en el que está declarada. El punto inicial y el punto final de la vida del valor son deterministas; es decir, tienen lugar en momentos conocidos y fijos.</a:t>
             </a:r>
             <a:r>
               <a:rPr lang="es-AR" sz="2200" dirty="0">
@@ -32089,37 +32058,8 @@
                 <a:cs typeface="Source Sans Pro"/>
                 <a:sym typeface="Source Sans Pro"/>
               </a:rPr>
-              <a:t>Tiempos de vida muy cortos por lo </a:t>
-            </a:r>
-            <a:r>
-              <a:rPr lang="es-AR" sz="2800" dirty="0" smtClean="0">
-                <a:effectLst>
-                  <a:outerShdw blurRad="38100" dist="38100" dir="2700000" algn="tl">
-                    <a:srgbClr val="000000">
-                      <a:alpha val="43137"/>
-                    </a:srgbClr>
-                  </a:outerShdw>
-                </a:effectLst>
-                <a:latin typeface="Franklin Gothic Medium" panose="020B0603020102020204" pitchFamily="34" charset="0"/>
-                <a:ea typeface="Source Sans Pro"/>
-                <a:cs typeface="Source Sans Pro"/>
-                <a:sym typeface="Source Sans Pro"/>
-              </a:rPr>
-              <a:t>general</a:t>
-            </a:r>
-            <a:endParaRPr lang="es-AR" sz="2800" dirty="0">
-              <a:effectLst>
-                <a:outerShdw blurRad="38100" dist="38100" dir="2700000" algn="tl">
-                  <a:srgbClr val="000000">
-                    <a:alpha val="43137"/>
-                  </a:srgbClr>
-                </a:outerShdw>
-              </a:effectLst>
-              <a:latin typeface="Franklin Gothic Medium" panose="020B0603020102020204" pitchFamily="34" charset="0"/>
-              <a:ea typeface="Source Sans Pro"/>
-              <a:cs typeface="Source Sans Pro"/>
-              <a:sym typeface="Source Sans Pro"/>
-            </a:endParaRPr>
+              <a:t>Tiempos de vida muy cortos por lo general</a:t>
+            </a:r>
           </a:p>
           <a:p>
             <a:pPr marL="1016000" lvl="1" indent="-590550">
@@ -32133,22 +32073,6 @@
               <a:buFont typeface="Source Sans Pro"/>
               <a:buChar char="●"/>
             </a:pPr>
-            <a:r>
-              <a:rPr lang="es-AR" sz="2600" dirty="0" smtClean="0">
-                <a:effectLst>
-                  <a:outerShdw blurRad="38100" dist="38100" dir="2700000" algn="tl">
-                    <a:srgbClr val="000000">
-                      <a:alpha val="43137"/>
-                    </a:srgbClr>
-                  </a:outerShdw>
-                </a:effectLst>
-                <a:latin typeface="Franklin Gothic Medium" panose="020B0603020102020204" pitchFamily="34" charset="0"/>
-                <a:ea typeface="Source Sans Pro"/>
-                <a:cs typeface="Source Sans Pro"/>
-                <a:sym typeface="Source Sans Pro"/>
-              </a:rPr>
-              <a:t>Un </a:t>
-            </a:r>
             <a:r>
               <a:rPr lang="es-AR" sz="2600" dirty="0">
                 <a:effectLst>
@@ -32163,7 +32087,7 @@
                 <a:cs typeface="Source Sans Pro"/>
                 <a:sym typeface="Source Sans Pro"/>
               </a:rPr>
-              <a:t>valor se declara en alguna parte de un método y no puede existir más allá de una llamada al método. Cuando un método devuelve un valor, lo que se devuelve es una copia del valor.</a:t>
+              <a:t>Un valor se declara en alguna parte de un método y no puede existir más allá de una llamada al método. Cuando un método devuelve un valor, lo que se devuelve es una copia del valor.</a:t>
             </a:r>
             <a:endParaRPr sz="2600" dirty="0">
               <a:effectLst>
@@ -32203,13 +32127,6 @@
   <p:clrMapOvr>
     <a:masterClrMapping/>
   </p:clrMapOvr>
-  <p:timing>
-    <p:tnLst>
-      <p:par>
-        <p:cTn id="1" dur="indefinite" restart="never" nodeType="tmRoot"/>
-      </p:par>
-    </p:tnLst>
-  </p:timing>
 </p:sld>
 </file>
 
@@ -32336,7 +32253,14 @@
               <a:buChar char="●"/>
             </a:pPr>
             <a:r>
-              <a:rPr lang="es-AR" sz="2800" dirty="0">
+              <a:rPr lang="es-AR" sz="2600" dirty="0">
+                <a:effectLst>
+                  <a:outerShdw blurRad="38100" dist="38100" dir="2700000" algn="tl">
+                    <a:srgbClr val="000000">
+                      <a:alpha val="43137"/>
+                    </a:srgbClr>
+                  </a:outerShdw>
+                </a:effectLst>
                 <a:latin typeface="Franklin Gothic Medium" panose="020B0603020102020204" pitchFamily="34" charset="0"/>
                 <a:ea typeface="Source Sans Pro"/>
                 <a:cs typeface="Source Sans Pro"/>
@@ -32345,7 +32269,14 @@
               <a:t>Los valores locales son variables que se asignan en la pila (</a:t>
             </a:r>
             <a:r>
-              <a:rPr lang="es-AR" sz="2800" dirty="0" err="1">
+              <a:rPr lang="es-AR" sz="2600" dirty="0" err="1">
+                <a:effectLst>
+                  <a:outerShdw blurRad="38100" dist="38100" dir="2700000" algn="tl">
+                    <a:srgbClr val="000000">
+                      <a:alpha val="43137"/>
+                    </a:srgbClr>
+                  </a:outerShdw>
+                </a:effectLst>
                 <a:latin typeface="Franklin Gothic Medium" panose="020B0603020102020204" pitchFamily="34" charset="0"/>
                 <a:ea typeface="Source Sans Pro"/>
                 <a:cs typeface="Source Sans Pro"/>
@@ -32354,7 +32285,14 @@
               <a:t>stack</a:t>
             </a:r>
             <a:r>
-              <a:rPr lang="es-AR" sz="2800" dirty="0">
+              <a:rPr lang="es-AR" sz="2600" dirty="0">
+                <a:effectLst>
+                  <a:outerShdw blurRad="38100" dist="38100" dir="2700000" algn="tl">
+                    <a:srgbClr val="000000">
+                      <a:alpha val="43137"/>
+                    </a:srgbClr>
+                  </a:outerShdw>
+                </a:effectLst>
                 <a:latin typeface="Franklin Gothic Medium" panose="020B0603020102020204" pitchFamily="34" charset="0"/>
                 <a:ea typeface="Source Sans Pro"/>
                 <a:cs typeface="Source Sans Pro"/>
@@ -32363,7 +32301,14 @@
               <a:t>) y no en el </a:t>
             </a:r>
             <a:r>
-              <a:rPr lang="es-AR" sz="2800" dirty="0" err="1">
+              <a:rPr lang="es-AR" sz="2600" dirty="0" err="1">
+                <a:effectLst>
+                  <a:outerShdw blurRad="38100" dist="38100" dir="2700000" algn="tl">
+                    <a:srgbClr val="000000">
+                      <a:alpha val="43137"/>
+                    </a:srgbClr>
+                  </a:outerShdw>
+                </a:effectLst>
                 <a:latin typeface="Franklin Gothic Medium" panose="020B0603020102020204" pitchFamily="34" charset="0"/>
                 <a:ea typeface="Source Sans Pro"/>
                 <a:cs typeface="Source Sans Pro"/>
@@ -32372,7 +32317,14 @@
               <a:t>Managed</a:t>
             </a:r>
             <a:r>
-              <a:rPr lang="es-AR" sz="2800" dirty="0">
+              <a:rPr lang="es-AR" sz="2600" dirty="0">
+                <a:effectLst>
+                  <a:outerShdw blurRad="38100" dist="38100" dir="2700000" algn="tl">
+                    <a:srgbClr val="000000">
+                      <a:alpha val="43137"/>
+                    </a:srgbClr>
+                  </a:outerShdw>
+                </a:effectLst>
                 <a:latin typeface="Franklin Gothic Medium" panose="020B0603020102020204" pitchFamily="34" charset="0"/>
                 <a:ea typeface="Source Sans Pro"/>
                 <a:cs typeface="Source Sans Pro"/>
@@ -32381,7 +32333,14 @@
               <a:t> </a:t>
             </a:r>
             <a:r>
-              <a:rPr lang="es-AR" sz="2800" dirty="0" err="1">
+              <a:rPr lang="es-AR" sz="2600" dirty="0" err="1">
+                <a:effectLst>
+                  <a:outerShdw blurRad="38100" dist="38100" dir="2700000" algn="tl">
+                    <a:srgbClr val="000000">
+                      <a:alpha val="43137"/>
+                    </a:srgbClr>
+                  </a:outerShdw>
+                </a:effectLst>
                 <a:latin typeface="Franklin Gothic Medium" panose="020B0603020102020204" pitchFamily="34" charset="0"/>
                 <a:ea typeface="Source Sans Pro"/>
                 <a:cs typeface="Source Sans Pro"/>
@@ -32390,7 +32349,14 @@
               <a:t>Heap</a:t>
             </a:r>
             <a:r>
-              <a:rPr lang="es-AR" sz="2800" dirty="0">
+              <a:rPr lang="es-AR" sz="2600" dirty="0">
+                <a:effectLst>
+                  <a:outerShdw blurRad="38100" dist="38100" dir="2700000" algn="tl">
+                    <a:srgbClr val="000000">
+                      <a:alpha val="43137"/>
+                    </a:srgbClr>
+                  </a:outerShdw>
+                </a:effectLst>
                 <a:latin typeface="Franklin Gothic Medium" panose="020B0603020102020204" pitchFamily="34" charset="0"/>
                 <a:ea typeface="Source Sans Pro"/>
                 <a:cs typeface="Source Sans Pro"/>
@@ -32399,7 +32365,14 @@
               <a:t>. Esto significa que, si se declara una variable cuyo tipo es uno de los primitivos (como </a:t>
             </a:r>
             <a:r>
-              <a:rPr lang="es-AR" sz="2800" b="1" dirty="0" err="1">
+              <a:rPr lang="es-AR" sz="2600" b="1" dirty="0" err="1">
+                <a:effectLst>
+                  <a:outerShdw blurRad="38100" dist="38100" dir="2700000" algn="tl">
+                    <a:srgbClr val="000000">
+                      <a:alpha val="43137"/>
+                    </a:srgbClr>
+                  </a:outerShdw>
+                </a:effectLst>
                 <a:latin typeface="Franklin Gothic Medium" panose="020B0603020102020204" pitchFamily="34" charset="0"/>
                 <a:ea typeface="Source Sans Pro"/>
                 <a:cs typeface="Source Sans Pro"/>
@@ -32408,7 +32381,14 @@
               <a:t>int</a:t>
             </a:r>
             <a:r>
-              <a:rPr lang="es-AR" sz="2800" dirty="0">
+              <a:rPr lang="es-AR" sz="2600" dirty="0">
+                <a:effectLst>
+                  <a:outerShdw blurRad="38100" dist="38100" dir="2700000" algn="tl">
+                    <a:srgbClr val="000000">
+                      <a:alpha val="43137"/>
+                    </a:srgbClr>
+                  </a:outerShdw>
+                </a:effectLst>
                 <a:latin typeface="Franklin Gothic Medium" panose="020B0603020102020204" pitchFamily="34" charset="0"/>
                 <a:ea typeface="Source Sans Pro"/>
                 <a:cs typeface="Source Sans Pro"/>
@@ -32417,7 +32397,14 @@
               <a:t>, </a:t>
             </a:r>
             <a:r>
-              <a:rPr lang="es-AR" sz="2800" b="1" dirty="0" err="1">
+              <a:rPr lang="es-AR" sz="2600" b="1" dirty="0" err="1">
+                <a:effectLst>
+                  <a:outerShdw blurRad="38100" dist="38100" dir="2700000" algn="tl">
+                    <a:srgbClr val="000000">
+                      <a:alpha val="43137"/>
+                    </a:srgbClr>
+                  </a:outerShdw>
+                </a:effectLst>
                 <a:latin typeface="Franklin Gothic Medium" panose="020B0603020102020204" pitchFamily="34" charset="0"/>
                 <a:ea typeface="Source Sans Pro"/>
                 <a:cs typeface="Source Sans Pro"/>
@@ -32426,7 +32413,14 @@
               <a:t>enum</a:t>
             </a:r>
             <a:r>
-              <a:rPr lang="es-AR" sz="2800" b="1" dirty="0">
+              <a:rPr lang="es-AR" sz="2600" b="1" dirty="0">
+                <a:effectLst>
+                  <a:outerShdw blurRad="38100" dist="38100" dir="2700000" algn="tl">
+                    <a:srgbClr val="000000">
+                      <a:alpha val="43137"/>
+                    </a:srgbClr>
+                  </a:outerShdw>
+                </a:effectLst>
                 <a:latin typeface="Franklin Gothic Medium" panose="020B0603020102020204" pitchFamily="34" charset="0"/>
                 <a:ea typeface="Source Sans Pro"/>
                 <a:cs typeface="Source Sans Pro"/>
@@ -32435,7 +32429,14 @@
               <a:t> </a:t>
             </a:r>
             <a:r>
-              <a:rPr lang="es-AR" sz="2800" dirty="0">
+              <a:rPr lang="es-AR" sz="2600" dirty="0">
+                <a:effectLst>
+                  <a:outerShdw blurRad="38100" dist="38100" dir="2700000" algn="tl">
+                    <a:srgbClr val="000000">
+                      <a:alpha val="43137"/>
+                    </a:srgbClr>
+                  </a:outerShdw>
+                </a:effectLst>
                 <a:latin typeface="Franklin Gothic Medium" panose="020B0603020102020204" pitchFamily="34" charset="0"/>
                 <a:ea typeface="Source Sans Pro"/>
                 <a:cs typeface="Source Sans Pro"/>
@@ -32444,7 +32445,14 @@
               <a:t>o </a:t>
             </a:r>
             <a:r>
-              <a:rPr lang="es-AR" sz="2800" b="1" dirty="0" err="1">
+              <a:rPr lang="es-AR" sz="2600" b="1" dirty="0" err="1">
+                <a:effectLst>
+                  <a:outerShdw blurRad="38100" dist="38100" dir="2700000" algn="tl">
+                    <a:srgbClr val="000000">
+                      <a:alpha val="43137"/>
+                    </a:srgbClr>
+                  </a:outerShdw>
+                </a:effectLst>
                 <a:latin typeface="Franklin Gothic Medium" panose="020B0603020102020204" pitchFamily="34" charset="0"/>
                 <a:ea typeface="Source Sans Pro"/>
                 <a:cs typeface="Source Sans Pro"/>
@@ -32453,24 +32461,29 @@
               <a:t>bool</a:t>
             </a:r>
             <a:r>
-              <a:rPr lang="es-AR" sz="2800" dirty="0">
+              <a:rPr lang="es-AR" sz="2600" dirty="0">
+                <a:effectLst>
+                  <a:outerShdw blurRad="38100" dist="38100" dir="2700000" algn="tl">
+                    <a:srgbClr val="000000">
+                      <a:alpha val="43137"/>
+                    </a:srgbClr>
+                  </a:outerShdw>
+                </a:effectLst>
                 <a:latin typeface="Franklin Gothic Medium" panose="020B0603020102020204" pitchFamily="34" charset="0"/>
                 <a:ea typeface="Source Sans Pro"/>
                 <a:cs typeface="Source Sans Pro"/>
                 <a:sym typeface="Source Sans Pro"/>
               </a:rPr>
-              <a:t>), no es posible usarla fuera del ámbito en el que se declara</a:t>
-            </a:r>
-            <a:r>
-              <a:rPr lang="es-AR" sz="2800" dirty="0" smtClean="0">
-                <a:latin typeface="Franklin Gothic Medium" panose="020B0603020102020204" pitchFamily="34" charset="0"/>
-                <a:ea typeface="Source Sans Pro"/>
-                <a:cs typeface="Source Sans Pro"/>
-                <a:sym typeface="Source Sans Pro"/>
-              </a:rPr>
-              <a:t>.</a:t>
-            </a:r>
-            <a:endParaRPr sz="2800" dirty="0">
+              <a:t>), no es posible usarla fuera del ámbito en el que se declara.</a:t>
+            </a:r>
+            <a:endParaRPr sz="2600" dirty="0">
+              <a:effectLst>
+                <a:outerShdw blurRad="38100" dist="38100" dir="2700000" algn="tl">
+                  <a:srgbClr val="000000">
+                    <a:alpha val="43137"/>
+                  </a:srgbClr>
+                </a:outerShdw>
+              </a:effectLst>
               <a:latin typeface="Franklin Gothic Medium" panose="020B0603020102020204" pitchFamily="34" charset="0"/>
               <a:ea typeface="Source Sans Pro"/>
               <a:cs typeface="Source Sans Pro"/>
@@ -32874,25 +32887,7 @@
                 </a:solidFill>
                 <a:latin typeface="Consolas" panose="020B0609020204030204" pitchFamily="49" charset="0"/>
               </a:rPr>
-              <a:t>// i </a:t>
-            </a:r>
-            <a:r>
-              <a:rPr lang="es-AR" sz="2600" dirty="0" smtClean="0">
-                <a:solidFill>
-                  <a:srgbClr val="008000"/>
-                </a:solidFill>
-                <a:latin typeface="Consolas" panose="020B0609020204030204" pitchFamily="49" charset="0"/>
-              </a:rPr>
-              <a:t>ya no </a:t>
-            </a:r>
-            <a:r>
-              <a:rPr lang="es-AR" sz="2600" dirty="0">
-                <a:solidFill>
-                  <a:srgbClr val="008000"/>
-                </a:solidFill>
-                <a:latin typeface="Consolas" panose="020B0609020204030204" pitchFamily="49" charset="0"/>
-              </a:rPr>
-              <a:t>es válido fuera del bloque </a:t>
+              <a:t>// i ya no es válido fuera del bloque </a:t>
             </a:r>
             <a:r>
               <a:rPr lang="es-AR" sz="2600" dirty="0" err="1">
@@ -32903,7 +32898,7 @@
               </a:rPr>
               <a:t>for</a:t>
             </a:r>
-            <a:endParaRPr lang="es-AR" sz="2600" dirty="0" smtClean="0">
+            <a:endParaRPr lang="es-AR" sz="2600" dirty="0">
               <a:latin typeface="Source Sans Pro"/>
               <a:ea typeface="Source Sans Pro"/>
               <a:cs typeface="Source Sans Pro"/>
@@ -32917,13 +32912,6 @@
   <p:clrMapOvr>
     <a:masterClrMapping/>
   </p:clrMapOvr>
-  <p:timing>
-    <p:tnLst>
-      <p:par>
-        <p:cTn id="1" dur="indefinite" restart="never" nodeType="tmRoot"/>
-      </p:par>
-    </p:tnLst>
-  </p:timing>
 </p:sld>
 </file>
 
@@ -33302,7 +33290,7 @@
                     </a:srgbClr>
                   </a:outerShdw>
                 </a:effectLst>
-                <a:latin typeface="Source Sans Pro"/>
+                <a:latin typeface="Franklin Gothic Medium" panose="020B0603020102020204" pitchFamily="34" charset="0"/>
                 <a:ea typeface="Source Sans Pro"/>
                 <a:cs typeface="Source Sans Pro"/>
                 <a:sym typeface="Source Sans Pro"/>
@@ -33334,14 +33322,14 @@
                     </a:srgbClr>
                   </a:outerShdw>
                 </a:effectLst>
-                <a:latin typeface="Source Sans Pro"/>
+                <a:latin typeface="Franklin Gothic Medium" panose="020B0603020102020204" pitchFamily="34" charset="0"/>
                 <a:ea typeface="Source Sans Pro"/>
                 <a:cs typeface="Source Sans Pro"/>
                 <a:sym typeface="Source Sans Pro"/>
               </a:rPr>
               <a:t>Un objeto aparece cuando se crea, pero, a diferencia de un valor, no se destruye al final del ámbito en el que se crea. La creación de un objeto es determinista, pero no así su destrucción. No es posible controlar exactamente cuándo se destruye y libera memoria para un objeto.</a:t>
             </a:r>
-            <a:endParaRPr lang="es-AR" sz="2200" dirty="0" smtClean="0">
+            <a:endParaRPr lang="es-AR" sz="2200" dirty="0">
               <a:effectLst>
                 <a:outerShdw blurRad="38100" dist="38100" dir="2700000" algn="tl">
                   <a:srgbClr val="000000">
@@ -33349,7 +33337,7 @@
                   </a:srgbClr>
                 </a:outerShdw>
               </a:effectLst>
-              <a:latin typeface="Source Sans Pro"/>
+              <a:latin typeface="Franklin Gothic Medium" panose="020B0603020102020204" pitchFamily="34" charset="0"/>
               <a:ea typeface="Source Sans Pro"/>
               <a:cs typeface="Source Sans Pro"/>
               <a:sym typeface="Source Sans Pro"/>
@@ -33367,80 +33355,6 @@
               <a:buFont typeface="Source Sans Pro"/>
               <a:buChar char="○"/>
             </a:pPr>
-            <a:endParaRPr lang="es-AR" sz="2600" dirty="0" smtClean="0">
-              <a:effectLst>
-                <a:outerShdw blurRad="38100" dist="38100" dir="2700000" algn="tl">
-                  <a:srgbClr val="000000">
-                    <a:alpha val="43137"/>
-                  </a:srgbClr>
-                </a:outerShdw>
-              </a:effectLst>
-              <a:latin typeface="Source Sans Pro"/>
-              <a:ea typeface="Source Sans Pro"/>
-              <a:cs typeface="Source Sans Pro"/>
-              <a:sym typeface="Source Sans Pro"/>
-            </a:endParaRPr>
-          </a:p>
-          <a:p>
-            <a:pPr marL="558800" indent="-590550">
-              <a:spcBef>
-                <a:spcPts val="0"/>
-              </a:spcBef>
-              <a:buClr>
-                <a:srgbClr val="FFCC29"/>
-              </a:buClr>
-              <a:buSzPts val="2600"/>
-              <a:buFont typeface="Source Sans Pro"/>
-              <a:buChar char="●"/>
-            </a:pPr>
-            <a:r>
-              <a:rPr lang="es-AR" sz="2800" dirty="0" smtClean="0">
-                <a:effectLst>
-                  <a:outerShdw blurRad="38100" dist="38100" dir="2700000" algn="tl">
-                    <a:srgbClr val="000000">
-                      <a:alpha val="43137"/>
-                    </a:srgbClr>
-                  </a:outerShdw>
-                </a:effectLst>
-                <a:latin typeface="Source Sans Pro"/>
-                <a:ea typeface="Source Sans Pro"/>
-                <a:cs typeface="Source Sans Pro"/>
-                <a:sym typeface="Source Sans Pro"/>
-              </a:rPr>
-              <a:t>Tiempos de vida más largos</a:t>
-            </a:r>
-          </a:p>
-          <a:p>
-            <a:pPr marL="1016000" lvl="1" indent="-590550">
-              <a:spcBef>
-                <a:spcPts val="0"/>
-              </a:spcBef>
-              <a:buClr>
-                <a:srgbClr val="FFCC29"/>
-              </a:buClr>
-              <a:buSzPts val="2600"/>
-              <a:buFont typeface="Source Sans Pro"/>
-              <a:buChar char="●"/>
-            </a:pPr>
-            <a:r>
-              <a:rPr lang="es-AR" sz="2600" dirty="0">
-                <a:solidFill>
-                  <a:srgbClr val="FFFFFF"/>
-                </a:solidFill>
-                <a:effectLst>
-                  <a:outerShdw blurRad="38100" dist="38100" dir="2700000" algn="tl">
-                    <a:srgbClr val="000000">
-                      <a:alpha val="43137"/>
-                    </a:srgbClr>
-                  </a:outerShdw>
-                </a:effectLst>
-                <a:latin typeface="Source Sans Pro"/>
-                <a:ea typeface="Source Sans Pro"/>
-                <a:cs typeface="Source Sans Pro"/>
-                <a:sym typeface="Source Sans Pro"/>
-              </a:rPr>
-              <a:t>Puesto que el tiempo de vida de un objeto no está vinculado al método que lo crea, un objeto puede existir mucho más allá de una llamada al método.</a:t>
-            </a:r>
             <a:endParaRPr lang="es-AR" sz="2600" dirty="0">
               <a:effectLst>
                 <a:outerShdw blurRad="38100" dist="38100" dir="2700000" algn="tl">
@@ -33449,7 +33363,81 @@
                   </a:srgbClr>
                 </a:outerShdw>
               </a:effectLst>
-              <a:latin typeface="Source Sans Pro"/>
+              <a:latin typeface="Franklin Gothic Medium" panose="020B0603020102020204" pitchFamily="34" charset="0"/>
+              <a:ea typeface="Source Sans Pro"/>
+              <a:cs typeface="Source Sans Pro"/>
+              <a:sym typeface="Source Sans Pro"/>
+            </a:endParaRPr>
+          </a:p>
+          <a:p>
+            <a:pPr marL="558800" indent="-590550">
+              <a:spcBef>
+                <a:spcPts val="0"/>
+              </a:spcBef>
+              <a:buClr>
+                <a:srgbClr val="FFCC29"/>
+              </a:buClr>
+              <a:buSzPts val="2600"/>
+              <a:buFont typeface="Source Sans Pro"/>
+              <a:buChar char="●"/>
+            </a:pPr>
+            <a:r>
+              <a:rPr lang="es-AR" sz="2800" dirty="0">
+                <a:effectLst>
+                  <a:outerShdw blurRad="38100" dist="38100" dir="2700000" algn="tl">
+                    <a:srgbClr val="000000">
+                      <a:alpha val="43137"/>
+                    </a:srgbClr>
+                  </a:outerShdw>
+                </a:effectLst>
+                <a:latin typeface="Franklin Gothic Medium" panose="020B0603020102020204" pitchFamily="34" charset="0"/>
+                <a:ea typeface="Source Sans Pro"/>
+                <a:cs typeface="Source Sans Pro"/>
+                <a:sym typeface="Source Sans Pro"/>
+              </a:rPr>
+              <a:t>Tiempos de vida más largos</a:t>
+            </a:r>
+          </a:p>
+          <a:p>
+            <a:pPr marL="1016000" lvl="1" indent="-590550">
+              <a:spcBef>
+                <a:spcPts val="0"/>
+              </a:spcBef>
+              <a:buClr>
+                <a:srgbClr val="FFCC29"/>
+              </a:buClr>
+              <a:buSzPts val="2600"/>
+              <a:buFont typeface="Source Sans Pro"/>
+              <a:buChar char="●"/>
+            </a:pPr>
+            <a:r>
+              <a:rPr lang="es-AR" sz="2600" dirty="0">
+                <a:solidFill>
+                  <a:srgbClr val="FFFFFF"/>
+                </a:solidFill>
+                <a:effectLst>
+                  <a:outerShdw blurRad="38100" dist="38100" dir="2700000" algn="tl">
+                    <a:srgbClr val="000000">
+                      <a:alpha val="43137"/>
+                    </a:srgbClr>
+                  </a:outerShdw>
+                </a:effectLst>
+                <a:latin typeface="Franklin Gothic Medium" panose="020B0603020102020204" pitchFamily="34" charset="0"/>
+                <a:ea typeface="Source Sans Pro"/>
+                <a:cs typeface="Source Sans Pro"/>
+                <a:sym typeface="Source Sans Pro"/>
+              </a:rPr>
+              <a:t>Puesto que el tiempo de vida de un objeto no está vinculado al método que lo crea, un objeto puede existir mucho más allá de una llamada al método.</a:t>
+            </a:r>
+            <a:endParaRPr lang="es-AR" sz="2600" dirty="0">
+              <a:effectLst>
+                <a:outerShdw blurRad="38100" dist="38100" dir="2700000" algn="tl">
+                  <a:srgbClr val="000000">
+                    <a:alpha val="43137"/>
+                  </a:srgbClr>
+                </a:outerShdw>
+              </a:effectLst>
+              <a:latin typeface="Franklin Gothic Medium" panose="020B0603020102020204" pitchFamily="34" charset="0"/>
               <a:ea typeface="Source Sans Pro"/>
               <a:cs typeface="Source Sans Pro"/>
               <a:sym typeface="Source Sans Pro"/>
@@ -33462,13 +33450,6 @@
   <p:clrMapOvr>
     <a:masterClrMapping/>
   </p:clrMapOvr>
-  <p:timing>
-    <p:tnLst>
-      <p:par>
-        <p:cTn id="1" dur="indefinite" restart="never" nodeType="tmRoot"/>
-      </p:par>
-    </p:tnLst>
-  </p:timing>
 </p:sld>
 </file>
 
@@ -33899,13 +33880,6 @@
   <p:clrMapOvr>
     <a:masterClrMapping/>
   </p:clrMapOvr>
-  <p:timing>
-    <p:tnLst>
-      <p:par>
-        <p:cTn id="1" dur="indefinite" restart="never" nodeType="tmRoot"/>
-      </p:par>
-    </p:tnLst>
-  </p:timing>
 </p:sld>
 </file>
 
@@ -34575,7 +34549,7 @@
               </a:rPr>
               <a:t>}</a:t>
             </a:r>
-            <a:endParaRPr lang="es-AR" sz="2200" dirty="0" smtClean="0">
+            <a:endParaRPr lang="es-AR" sz="2200" dirty="0">
               <a:latin typeface="Source Sans Pro"/>
               <a:ea typeface="Source Sans Pro"/>
               <a:cs typeface="Source Sans Pro"/>
@@ -34594,13 +34568,6 @@
   <p:clrMapOvr>
     <a:masterClrMapping/>
   </p:clrMapOvr>
-  <p:timing>
-    <p:tnLst>
-      <p:par>
-        <p:cTn id="1" dur="indefinite" restart="never" nodeType="tmRoot"/>
-      </p:par>
-    </p:tnLst>
-  </p:timing>
 </p:sld>
 </file>
 
@@ -35016,12 +34983,12 @@
                 <a:cs typeface="Source Sans Pro"/>
                 <a:sym typeface="Source Sans Pro"/>
               </a:rPr>
-              <a:t>Esto se debe a que una función de eliminación explícita es una importante fuente de errores en otros lenguajes</a:t>
-            </a:r>
-            <a:r>
-              <a:rPr lang="es-AR" sz="2600" dirty="0" smtClean="0">
-                <a:solidFill>
-                  <a:schemeClr val="bg1"/>
+              <a:t>Esto se debe a que una función de eliminación explícita es una importante fuente de errores en otros lenguajes.</a:t>
+            </a:r>
+            <a:r>
+              <a:rPr lang="es-AR" sz="2600" dirty="0">
+                <a:solidFill>
+                  <a:srgbClr val="FFFFFF"/>
                 </a:solidFill>
                 <a:effectLst>
                   <a:outerShdw blurRad="38100" dist="38100" dir="2700000" algn="tl">
@@ -35037,26 +35004,7 @@
               </a:rPr>
               <a:t>.</a:t>
             </a:r>
-            <a:r>
-              <a:rPr lang="es-AR" sz="2600" dirty="0" smtClean="0">
-                <a:solidFill>
-                  <a:srgbClr val="FFFFFF"/>
-                </a:solidFill>
-                <a:effectLst>
-                  <a:outerShdw blurRad="38100" dist="38100" dir="2700000" algn="tl">
-                    <a:srgbClr val="000000">
-                      <a:alpha val="43137"/>
-                    </a:srgbClr>
-                  </a:outerShdw>
-                </a:effectLst>
-                <a:latin typeface="Franklin Gothic Medium" panose="020B0603020102020204" pitchFamily="34" charset="0"/>
-                <a:ea typeface="Source Sans Pro"/>
-                <a:cs typeface="Source Sans Pro"/>
-                <a:sym typeface="Source Sans Pro"/>
-              </a:rPr>
-              <a:t>.</a:t>
-            </a:r>
-            <a:endParaRPr lang="es-AR" sz="2200" dirty="0" smtClean="0">
+            <a:endParaRPr lang="es-AR" sz="2200" dirty="0">
               <a:effectLst>
                 <a:outerShdw blurRad="38100" dist="38100" dir="2700000" algn="tl">
                   <a:srgbClr val="000000">
@@ -35082,7 +35030,7 @@
               <a:buFont typeface="Source Sans Pro"/>
               <a:buChar char="○"/>
             </a:pPr>
-            <a:endParaRPr lang="es-AR" sz="2600" dirty="0" smtClean="0">
+            <a:endParaRPr lang="es-AR" sz="2600" dirty="0">
               <a:effectLst>
                 <a:outerShdw blurRad="38100" dist="38100" dir="2700000" algn="tl">
                   <a:srgbClr val="000000">
@@ -35203,7 +35151,7 @@
               </a:rPr>
               <a:t>).</a:t>
             </a:r>
-            <a:endParaRPr lang="es-AR" sz="2800" dirty="0" smtClean="0">
+            <a:endParaRPr lang="es-AR" sz="2800" dirty="0">
               <a:effectLst>
                 <a:outerShdw blurRad="38100" dist="38100" dir="2700000" algn="tl">
                   <a:srgbClr val="000000">
@@ -35246,10 +35194,23 @@
                 <a:cs typeface="Source Sans Pro"/>
                 <a:sym typeface="Source Sans Pro"/>
               </a:rPr>
-              <a:t>Busca objetos inalcanzables y los destruye</a:t>
-            </a:r>
-            <a:r>
-              <a:rPr lang="es-AR" sz="2600" dirty="0" smtClean="0">
+              <a:t>Busca objetos inalcanzables y los destruye.</a:t>
+            </a:r>
+          </a:p>
+          <a:p>
+            <a:pPr marL="1016000" lvl="1" indent="-590550">
+              <a:spcBef>
+                <a:spcPts val="0"/>
+              </a:spcBef>
+              <a:buClr>
+                <a:srgbClr val="FFCC29"/>
+              </a:buClr>
+              <a:buSzPts val="2600"/>
+              <a:buFont typeface="Source Sans Pro"/>
+              <a:buChar char="●"/>
+            </a:pPr>
+            <a:r>
+              <a:rPr lang="es-AR" sz="2600" dirty="0">
                 <a:solidFill>
                   <a:schemeClr val="bg1"/>
                 </a:solidFill>
@@ -35265,58 +35226,7 @@
                 <a:cs typeface="Source Sans Pro"/>
                 <a:sym typeface="Source Sans Pro"/>
               </a:rPr>
-              <a:t>.</a:t>
-            </a:r>
-          </a:p>
-          <a:p>
-            <a:pPr marL="1016000" lvl="1" indent="-590550">
-              <a:spcBef>
-                <a:spcPts val="0"/>
-              </a:spcBef>
-              <a:buClr>
-                <a:srgbClr val="FFCC29"/>
-              </a:buClr>
-              <a:buSzPts val="2600"/>
-              <a:buFont typeface="Source Sans Pro"/>
-              <a:buChar char="●"/>
-            </a:pPr>
-            <a:r>
-              <a:rPr lang="es-AR" sz="2600" dirty="0">
-                <a:solidFill>
-                  <a:schemeClr val="bg1"/>
-                </a:solidFill>
-                <a:effectLst>
-                  <a:outerShdw blurRad="38100" dist="38100" dir="2700000" algn="tl">
-                    <a:srgbClr val="000000">
-                      <a:alpha val="43137"/>
-                    </a:srgbClr>
-                  </a:outerShdw>
-                </a:effectLst>
-                <a:latin typeface="Franklin Gothic Medium" panose="020B0603020102020204" pitchFamily="34" charset="0"/>
-                <a:ea typeface="Source Sans Pro"/>
-                <a:cs typeface="Source Sans Pro"/>
-                <a:sym typeface="Source Sans Pro"/>
-              </a:rPr>
-              <a:t>Los convierte de nuevo en memoria binaria no utilizada</a:t>
-            </a:r>
-            <a:r>
-              <a:rPr lang="es-AR" sz="2600" dirty="0" smtClean="0">
-                <a:solidFill>
-                  <a:schemeClr val="bg1"/>
-                </a:solidFill>
-                <a:effectLst>
-                  <a:outerShdw blurRad="38100" dist="38100" dir="2700000" algn="tl">
-                    <a:srgbClr val="000000">
-                      <a:alpha val="43137"/>
-                    </a:srgbClr>
-                  </a:outerShdw>
-                </a:effectLst>
-                <a:latin typeface="Franklin Gothic Medium" panose="020B0603020102020204" pitchFamily="34" charset="0"/>
-                <a:ea typeface="Source Sans Pro"/>
-                <a:cs typeface="Source Sans Pro"/>
-                <a:sym typeface="Source Sans Pro"/>
-              </a:rPr>
-              <a:t>.</a:t>
+              <a:t>Los convierte de nuevo en memoria binaria no utilizada.</a:t>
             </a:r>
           </a:p>
           <a:p>
@@ -35363,7 +35273,7 @@
               <a:buFont typeface="Source Sans Pro"/>
               <a:buChar char="●"/>
             </a:pPr>
-            <a:endParaRPr lang="es-AR" sz="2600" dirty="0" smtClean="0">
+            <a:endParaRPr lang="es-AR" sz="2600" dirty="0">
               <a:solidFill>
                 <a:schemeClr val="bg1"/>
               </a:solidFill>
@@ -35413,13 +35323,6 @@
   <p:clrMapOvr>
     <a:masterClrMapping/>
   </p:clrMapOvr>
-  <p:timing>
-    <p:tnLst>
-      <p:par>
-        <p:cTn id="1" dur="indefinite" restart="never" nodeType="tmRoot"/>
-      </p:par>
-    </p:tnLst>
-  </p:timing>
 </p:sld>
 </file>
 
@@ -36050,7 +35953,16 @@
           </a:lstStyle>
           <a:p>
             <a:r>
-              <a:rPr lang="es-AR" sz="2200" dirty="0" err="1" smtClean="0">
+              <a:rPr lang="es-AR" sz="2200" dirty="0">
+                <a:solidFill>
+                  <a:srgbClr val="0000FF"/>
+                </a:solidFill>
+                <a:latin typeface="Consolas" panose="020B0609020204030204" pitchFamily="49" charset="0"/>
+              </a:rPr>
+              <a:t>[visibilidad] </a:t>
+            </a:r>
+            <a:r>
+              <a:rPr lang="es-AR" sz="2200" dirty="0" err="1">
                 <a:solidFill>
                   <a:srgbClr val="0000FF"/>
                 </a:solidFill>
@@ -36059,7 +35971,7 @@
               <a:t>const</a:t>
             </a:r>
             <a:r>
-              <a:rPr lang="es-AR" sz="2200" dirty="0" smtClean="0">
+              <a:rPr lang="es-AR" sz="2200" dirty="0">
                 <a:solidFill>
                   <a:srgbClr val="0000FF"/>
                 </a:solidFill>
@@ -36068,7 +35980,7 @@
               <a:t> </a:t>
             </a:r>
             <a:r>
-              <a:rPr lang="es-AR" sz="2200" dirty="0" err="1" smtClean="0">
+              <a:rPr lang="es-AR" sz="2200" dirty="0" err="1">
                 <a:solidFill>
                   <a:srgbClr val="0000FF"/>
                 </a:solidFill>
@@ -36077,7 +35989,7 @@
               <a:t>int</a:t>
             </a:r>
             <a:r>
-              <a:rPr lang="es-AR" sz="2200" dirty="0" smtClean="0">
+              <a:rPr lang="es-AR" sz="2200" dirty="0">
                 <a:solidFill>
                   <a:srgbClr val="000000"/>
                 </a:solidFill>
@@ -36086,7 +35998,7 @@
               <a:t> </a:t>
             </a:r>
             <a:r>
-              <a:rPr lang="es-AR" sz="2200" dirty="0" err="1" smtClean="0">
+              <a:rPr lang="es-AR" sz="2200" dirty="0" err="1">
                 <a:solidFill>
                   <a:srgbClr val="000000"/>
                 </a:solidFill>
@@ -36095,7 +36007,7 @@
               <a:t>velocidadLimite</a:t>
             </a:r>
             <a:r>
-              <a:rPr lang="es-AR" sz="2200" dirty="0" smtClean="0">
+              <a:rPr lang="es-AR" sz="2200" dirty="0">
                 <a:solidFill>
                   <a:srgbClr val="000000"/>
                 </a:solidFill>
@@ -36103,7 +36015,7 @@
               </a:rPr>
               <a:t> = 90;</a:t>
             </a:r>
-            <a:endParaRPr lang="es-AR" sz="2200" dirty="0" smtClean="0">
+            <a:endParaRPr lang="es-AR" sz="2200" dirty="0">
               <a:latin typeface="Source Sans Pro"/>
               <a:ea typeface="Source Sans Pro"/>
               <a:cs typeface="Source Sans Pro"/>
@@ -36117,13 +36029,6 @@
   <p:clrMapOvr>
     <a:masterClrMapping/>
   </p:clrMapOvr>
-  <p:timing>
-    <p:tnLst>
-      <p:par>
-        <p:cTn id="1" dur="indefinite" restart="never" nodeType="tmRoot"/>
-      </p:par>
-    </p:tnLst>
-  </p:timing>
 </p:sld>
 </file>
 
@@ -36253,6 +36158,13 @@
                 <a:solidFill>
                   <a:srgbClr val="FFFFFF"/>
                 </a:solidFill>
+                <a:effectLst>
+                  <a:outerShdw blurRad="38100" dist="38100" dir="2700000" algn="tl">
+                    <a:srgbClr val="000000">
+                      <a:alpha val="43137"/>
+                    </a:srgbClr>
+                  </a:outerShdw>
+                </a:effectLst>
                 <a:latin typeface="Franklin Gothic Medium" panose="020B0603020102020204" pitchFamily="34" charset="0"/>
                 <a:ea typeface="Source Sans Pro"/>
                 <a:cs typeface="Source Sans Pro"/>
@@ -36264,6 +36176,13 @@
               <a:solidFill>
                 <a:srgbClr val="FFFFFF"/>
               </a:solidFill>
+              <a:effectLst>
+                <a:outerShdw blurRad="38100" dist="38100" dir="2700000" algn="tl">
+                  <a:srgbClr val="000000">
+                    <a:alpha val="43137"/>
+                  </a:srgbClr>
+                </a:outerShdw>
+              </a:effectLst>
               <a:latin typeface="Franklin Gothic Medium" panose="020B0603020102020204" pitchFamily="34" charset="0"/>
               <a:ea typeface="Source Sans Pro"/>
               <a:cs typeface="Source Sans Pro"/>
@@ -36287,6 +36206,13 @@
               <a:solidFill>
                 <a:srgbClr val="FFFFFF"/>
               </a:solidFill>
+              <a:effectLst>
+                <a:outerShdw blurRad="38100" dist="38100" dir="2700000" algn="tl">
+                  <a:srgbClr val="000000">
+                    <a:alpha val="43137"/>
+                  </a:srgbClr>
+                </a:outerShdw>
+              </a:effectLst>
               <a:latin typeface="Franklin Gothic Medium" panose="020B0603020102020204" pitchFamily="34" charset="0"/>
               <a:ea typeface="Source Sans Pro"/>
               <a:cs typeface="Source Sans Pro"/>
@@ -36316,6 +36242,13 @@
                 <a:solidFill>
                   <a:srgbClr val="FFFFFF"/>
                 </a:solidFill>
+                <a:effectLst>
+                  <a:outerShdw blurRad="38100" dist="38100" dir="2700000" algn="tl">
+                    <a:srgbClr val="000000">
+                      <a:alpha val="43137"/>
+                    </a:srgbClr>
+                  </a:outerShdw>
+                </a:effectLst>
                 <a:latin typeface="Franklin Gothic Medium" panose="020B0603020102020204" pitchFamily="34" charset="0"/>
                 <a:ea typeface="Source Sans Pro"/>
                 <a:cs typeface="Source Sans Pro"/>
@@ -36328,6 +36261,13 @@
                 <a:solidFill>
                   <a:srgbClr val="FFFFFF"/>
                 </a:solidFill>
+                <a:effectLst>
+                  <a:outerShdw blurRad="38100" dist="38100" dir="2700000" algn="tl">
+                    <a:srgbClr val="000000">
+                      <a:alpha val="43137"/>
+                    </a:srgbClr>
+                  </a:outerShdw>
+                </a:effectLst>
                 <a:latin typeface="Franklin Gothic Medium" panose="020B0603020102020204" pitchFamily="34" charset="0"/>
                 <a:ea typeface="Source Sans Pro"/>
                 <a:cs typeface="Source Sans Pro"/>
@@ -36340,6 +36280,13 @@
                 <a:solidFill>
                   <a:srgbClr val="FFFFFF"/>
                 </a:solidFill>
+                <a:effectLst>
+                  <a:outerShdw blurRad="38100" dist="38100" dir="2700000" algn="tl">
+                    <a:srgbClr val="000000">
+                      <a:alpha val="43137"/>
+                    </a:srgbClr>
+                  </a:outerShdw>
+                </a:effectLst>
                 <a:latin typeface="Franklin Gothic Medium" panose="020B0603020102020204" pitchFamily="34" charset="0"/>
                 <a:ea typeface="Source Sans Pro"/>
                 <a:cs typeface="Source Sans Pro"/>
@@ -36351,6 +36298,13 @@
               <a:solidFill>
                 <a:srgbClr val="FFFFFF"/>
               </a:solidFill>
+              <a:effectLst>
+                <a:outerShdw blurRad="38100" dist="38100" dir="2700000" algn="tl">
+                  <a:srgbClr val="000000">
+                    <a:alpha val="43137"/>
+                  </a:srgbClr>
+                </a:outerShdw>
+              </a:effectLst>
               <a:latin typeface="Franklin Gothic Medium" panose="020B0603020102020204" pitchFamily="34" charset="0"/>
               <a:ea typeface="Source Sans Pro"/>
               <a:cs typeface="Source Sans Pro"/>
@@ -36374,6 +36328,13 @@
               <a:solidFill>
                 <a:srgbClr val="FFFFFF"/>
               </a:solidFill>
+              <a:effectLst>
+                <a:outerShdw blurRad="38100" dist="38100" dir="2700000" algn="tl">
+                  <a:srgbClr val="000000">
+                    <a:alpha val="43137"/>
+                  </a:srgbClr>
+                </a:outerShdw>
+              </a:effectLst>
               <a:latin typeface="Franklin Gothic Medium" panose="020B0603020102020204" pitchFamily="34" charset="0"/>
               <a:ea typeface="Source Sans Pro"/>
               <a:cs typeface="Source Sans Pro"/>
@@ -36403,6 +36364,13 @@
                 <a:solidFill>
                   <a:srgbClr val="FFFFFF"/>
                 </a:solidFill>
+                <a:effectLst>
+                  <a:outerShdw blurRad="38100" dist="38100" dir="2700000" algn="tl">
+                    <a:srgbClr val="000000">
+                      <a:alpha val="43137"/>
+                    </a:srgbClr>
+                  </a:outerShdw>
+                </a:effectLst>
                 <a:latin typeface="Franklin Gothic Medium" panose="020B0603020102020204" pitchFamily="34" charset="0"/>
                 <a:ea typeface="Source Sans Pro"/>
                 <a:cs typeface="Source Sans Pro"/>
@@ -36414,6 +36382,13 @@
               <a:solidFill>
                 <a:srgbClr val="FFFFFF"/>
               </a:solidFill>
+              <a:effectLst>
+                <a:outerShdw blurRad="38100" dist="38100" dir="2700000" algn="tl">
+                  <a:srgbClr val="000000">
+                    <a:alpha val="43137"/>
+                  </a:srgbClr>
+                </a:outerShdw>
+              </a:effectLst>
               <a:latin typeface="Franklin Gothic Medium" panose="020B0603020102020204" pitchFamily="34" charset="0"/>
               <a:ea typeface="Source Sans Pro"/>
               <a:cs typeface="Source Sans Pro"/>
@@ -36437,6 +36412,13 @@
               <a:solidFill>
                 <a:srgbClr val="FFFFFF"/>
               </a:solidFill>
+              <a:effectLst>
+                <a:outerShdw blurRad="38100" dist="38100" dir="2700000" algn="tl">
+                  <a:srgbClr val="000000">
+                    <a:alpha val="43137"/>
+                  </a:srgbClr>
+                </a:outerShdw>
+              </a:effectLst>
               <a:latin typeface="Franklin Gothic Medium" panose="020B0603020102020204" pitchFamily="34" charset="0"/>
               <a:ea typeface="Source Sans Pro"/>
               <a:cs typeface="Source Sans Pro"/>
@@ -36466,6 +36448,13 @@
                 <a:solidFill>
                   <a:srgbClr val="FFFFFF"/>
                 </a:solidFill>
+                <a:effectLst>
+                  <a:outerShdw blurRad="38100" dist="38100" dir="2700000" algn="tl">
+                    <a:srgbClr val="000000">
+                      <a:alpha val="43137"/>
+                    </a:srgbClr>
+                  </a:outerShdw>
+                </a:effectLst>
                 <a:latin typeface="Franklin Gothic Medium" panose="020B0603020102020204" pitchFamily="34" charset="0"/>
                 <a:ea typeface="Source Sans Pro"/>
                 <a:cs typeface="Source Sans Pro"/>
@@ -36477,6 +36466,13 @@
               <a:solidFill>
                 <a:srgbClr val="FFFFFF"/>
               </a:solidFill>
+              <a:effectLst>
+                <a:outerShdw blurRad="38100" dist="38100" dir="2700000" algn="tl">
+                  <a:srgbClr val="000000">
+                    <a:alpha val="43137"/>
+                  </a:srgbClr>
+                </a:outerShdw>
+              </a:effectLst>
               <a:latin typeface="Franklin Gothic Medium" panose="020B0603020102020204" pitchFamily="34" charset="0"/>
               <a:ea typeface="Source Sans Pro"/>
               <a:cs typeface="Source Sans Pro"/>
@@ -36490,13 +36486,6 @@
   <p:clrMapOvr>
     <a:masterClrMapping/>
   </p:clrMapOvr>
-  <p:timing>
-    <p:tnLst>
-      <p:par>
-        <p:cTn id="1" dur="indefinite" restart="never" nodeType="tmRoot"/>
-      </p:par>
-    </p:tnLst>
-  </p:timing>
 </p:sld>
 </file>
 
@@ -36928,13 +36917,6 @@
   <p:clrMapOvr>
     <a:masterClrMapping/>
   </p:clrMapOvr>
-  <p:timing>
-    <p:tnLst>
-      <p:par>
-        <p:cTn id="1" dur="indefinite" restart="never" nodeType="tmRoot"/>
-      </p:par>
-    </p:tnLst>
-  </p:timing>
 </p:sld>
 </file>
 
@@ -37293,13 +37275,6 @@
   <p:clrMapOvr>
     <a:masterClrMapping/>
   </p:clrMapOvr>
-  <p:timing>
-    <p:tnLst>
-      <p:par>
-        <p:cTn id="1" dur="indefinite" restart="never" nodeType="tmRoot"/>
-      </p:par>
-    </p:tnLst>
-  </p:timing>
 </p:sld>
 </file>
 
@@ -37593,37 +37568,8 @@
                 <a:cs typeface="Source Sans Pro"/>
                 <a:sym typeface="Source Sans Pro"/>
               </a:rPr>
-              <a:t>Poseen Comportamiento (métodos) y Estado (atributos</a:t>
-            </a:r>
-            <a:r>
-              <a:rPr lang="es-AR" sz="2800" dirty="0" smtClean="0">
-                <a:effectLst>
-                  <a:outerShdw blurRad="38100" dist="38100" dir="2700000" algn="tl">
-                    <a:srgbClr val="000000">
-                      <a:alpha val="43137"/>
-                    </a:srgbClr>
-                  </a:outerShdw>
-                </a:effectLst>
-                <a:latin typeface="Franklin Gothic Medium" panose="020B0603020102020204" pitchFamily="34" charset="0"/>
-                <a:ea typeface="Source Sans Pro"/>
-                <a:cs typeface="Source Sans Pro"/>
-                <a:sym typeface="Source Sans Pro"/>
-              </a:rPr>
-              <a:t>).</a:t>
-            </a:r>
-            <a:endParaRPr lang="es-AR" sz="2800" dirty="0">
-              <a:effectLst>
-                <a:outerShdw blurRad="38100" dist="38100" dir="2700000" algn="tl">
-                  <a:srgbClr val="000000">
-                    <a:alpha val="43137"/>
-                  </a:srgbClr>
-                </a:outerShdw>
-              </a:effectLst>
-              <a:latin typeface="Franklin Gothic Medium" panose="020B0603020102020204" pitchFamily="34" charset="0"/>
-              <a:ea typeface="Source Sans Pro"/>
-              <a:cs typeface="Source Sans Pro"/>
-              <a:sym typeface="Source Sans Pro"/>
-            </a:endParaRPr>
+              <a:t>Poseen Comportamiento (métodos) y Estado (atributos).</a:t>
+            </a:r>
           </a:p>
           <a:p>
             <a:pPr marL="558800" lvl="0" indent="-558800">
@@ -37637,22 +37583,6 @@
               <a:buFont typeface="Noto Sans Symbols"/>
               <a:buChar char="•"/>
             </a:pPr>
-            <a:r>
-              <a:rPr lang="es-AR" sz="2800" dirty="0" smtClean="0">
-                <a:effectLst>
-                  <a:outerShdw blurRad="38100" dist="38100" dir="2700000" algn="tl">
-                    <a:srgbClr val="000000">
-                      <a:alpha val="43137"/>
-                    </a:srgbClr>
-                  </a:outerShdw>
-                </a:effectLst>
-                <a:latin typeface="Franklin Gothic Medium" panose="020B0603020102020204" pitchFamily="34" charset="0"/>
-                <a:ea typeface="Source Sans Pro"/>
-                <a:cs typeface="Source Sans Pro"/>
-                <a:sym typeface="Source Sans Pro"/>
-              </a:rPr>
-              <a:t>Para </a:t>
-            </a:r>
             <a:r>
               <a:rPr lang="es-AR" sz="2800" dirty="0">
                 <a:effectLst>
@@ -37667,55 +37597,7 @@
                 <a:cs typeface="Source Sans Pro"/>
                 <a:sym typeface="Source Sans Pro"/>
               </a:rPr>
-              <a:t>acceder a los métodos o atributos se utiliza el </a:t>
-            </a:r>
-            <a:r>
-              <a:rPr lang="es-AR" sz="2800" dirty="0" smtClean="0">
-                <a:effectLst>
-                  <a:outerShdw blurRad="38100" dist="38100" dir="2700000" algn="tl">
-                    <a:srgbClr val="000000">
-                      <a:alpha val="43137"/>
-                    </a:srgbClr>
-                  </a:outerShdw>
-                </a:effectLst>
-                <a:latin typeface="Franklin Gothic Medium" panose="020B0603020102020204" pitchFamily="34" charset="0"/>
-                <a:ea typeface="Source Sans Pro"/>
-                <a:cs typeface="Source Sans Pro"/>
-                <a:sym typeface="Source Sans Pro"/>
-              </a:rPr>
-              <a:t>. (</a:t>
-            </a:r>
-            <a:r>
-              <a:rPr lang="es-AR" sz="2800" dirty="0">
-                <a:effectLst>
-                  <a:outerShdw blurRad="38100" dist="38100" dir="2700000" algn="tl">
-                    <a:srgbClr val="000000">
-                      <a:alpha val="43137"/>
-                    </a:srgbClr>
-                  </a:outerShdw>
-                </a:effectLst>
-                <a:latin typeface="Franklin Gothic Medium" panose="020B0603020102020204" pitchFamily="34" charset="0"/>
-                <a:ea typeface="Source Sans Pro"/>
-                <a:cs typeface="Source Sans Pro"/>
-                <a:sym typeface="Source Sans Pro"/>
-              </a:rPr>
-              <a:t>punto</a:t>
-            </a:r>
-            <a:r>
-              <a:rPr lang="es-AR" sz="2800" dirty="0" smtClean="0">
-                <a:effectLst>
-                  <a:outerShdw blurRad="38100" dist="38100" dir="2700000" algn="tl">
-                    <a:srgbClr val="000000">
-                      <a:alpha val="43137"/>
-                    </a:srgbClr>
-                  </a:outerShdw>
-                </a:effectLst>
-                <a:latin typeface="Franklin Gothic Medium" panose="020B0603020102020204" pitchFamily="34" charset="0"/>
-                <a:ea typeface="Source Sans Pro"/>
-                <a:cs typeface="Source Sans Pro"/>
-                <a:sym typeface="Source Sans Pro"/>
-              </a:rPr>
-              <a:t>).</a:t>
+              <a:t>Para acceder a los métodos o atributos se utiliza el . (punto).</a:t>
             </a:r>
             <a:endParaRPr sz="2800" dirty="0">
               <a:effectLst>
@@ -37780,13 +37662,6 @@
   <p:clrMapOvr>
     <a:masterClrMapping/>
   </p:clrMapOvr>
-  <p:timing>
-    <p:tnLst>
-      <p:par>
-        <p:cTn id="1" dur="indefinite" restart="never" nodeType="tmRoot"/>
-      </p:par>
-    </p:tnLst>
-  </p:timing>
 </p:sld>
 </file>
 
@@ -37854,10 +37729,10 @@
               <a:buNone/>
             </a:pPr>
             <a:r>
-              <a:rPr lang="es-AR"/>
-              <a:t>Constructores por Defecto</a:t>
-            </a:r>
-            <a:endParaRPr sz="3600" b="0" i="0" u="none" strike="noStrike" cap="none">
+              <a:rPr lang="es-AR" dirty="0"/>
+              <a:t>Constructores por defecto</a:t>
+            </a:r>
+            <a:endParaRPr sz="3600" b="0" i="0" u="none" strike="noStrike" cap="none" dirty="0">
               <a:solidFill>
                 <a:schemeClr val="lt1"/>
               </a:solidFill>
@@ -37916,6 +37791,13 @@
                 <a:solidFill>
                   <a:schemeClr val="lt1"/>
                 </a:solidFill>
+                <a:effectLst>
+                  <a:outerShdw blurRad="38100" dist="38100" dir="2700000" algn="tl">
+                    <a:srgbClr val="000000">
+                      <a:alpha val="43137"/>
+                    </a:srgbClr>
+                  </a:outerShdw>
+                </a:effectLst>
                 <a:latin typeface="Franklin Gothic Medium" panose="020B0603020102020204" pitchFamily="34" charset="0"/>
                 <a:ea typeface="Source Sans Pro"/>
                 <a:cs typeface="Source Sans Pro"/>
@@ -37927,6 +37809,13 @@
               <a:solidFill>
                 <a:schemeClr val="lt1"/>
               </a:solidFill>
+              <a:effectLst>
+                <a:outerShdw blurRad="38100" dist="38100" dir="2700000" algn="tl">
+                  <a:srgbClr val="000000">
+                    <a:alpha val="43137"/>
+                  </a:srgbClr>
+                </a:outerShdw>
+              </a:effectLst>
               <a:latin typeface="Franklin Gothic Medium" panose="020B0603020102020204" pitchFamily="34" charset="0"/>
               <a:ea typeface="Source Sans Pro"/>
               <a:cs typeface="Source Sans Pro"/>
@@ -37956,6 +37845,13 @@
                 <a:solidFill>
                   <a:schemeClr val="lt1"/>
                 </a:solidFill>
+                <a:effectLst>
+                  <a:outerShdw blurRad="38100" dist="38100" dir="2700000" algn="tl">
+                    <a:srgbClr val="000000">
+                      <a:alpha val="43137"/>
+                    </a:srgbClr>
+                  </a:outerShdw>
+                </a:effectLst>
                 <a:latin typeface="Franklin Gothic Medium" panose="020B0603020102020204" pitchFamily="34" charset="0"/>
                 <a:ea typeface="Source Sans Pro"/>
                 <a:cs typeface="Source Sans Pro"/>
@@ -37967,6 +37863,13 @@
               <a:solidFill>
                 <a:schemeClr val="lt1"/>
               </a:solidFill>
+              <a:effectLst>
+                <a:outerShdw blurRad="38100" dist="38100" dir="2700000" algn="tl">
+                  <a:srgbClr val="000000">
+                    <a:alpha val="43137"/>
+                  </a:srgbClr>
+                </a:outerShdw>
+              </a:effectLst>
               <a:latin typeface="Franklin Gothic Medium" panose="020B0603020102020204" pitchFamily="34" charset="0"/>
               <a:ea typeface="Source Sans Pro"/>
               <a:cs typeface="Source Sans Pro"/>
@@ -37996,6 +37899,13 @@
                 <a:solidFill>
                   <a:schemeClr val="lt1"/>
                 </a:solidFill>
+                <a:effectLst>
+                  <a:outerShdw blurRad="38100" dist="38100" dir="2700000" algn="tl">
+                    <a:srgbClr val="000000">
+                      <a:alpha val="43137"/>
+                    </a:srgbClr>
+                  </a:outerShdw>
+                </a:effectLst>
                 <a:latin typeface="Franklin Gothic Medium" panose="020B0603020102020204" pitchFamily="34" charset="0"/>
                 <a:ea typeface="Source Sans Pro"/>
                 <a:cs typeface="Source Sans Pro"/>
@@ -38008,6 +37918,13 @@
                 <a:solidFill>
                   <a:schemeClr val="lt1"/>
                 </a:solidFill>
+                <a:effectLst>
+                  <a:outerShdw blurRad="38100" dist="38100" dir="2700000" algn="tl">
+                    <a:srgbClr val="000000">
+                      <a:alpha val="43137"/>
+                    </a:srgbClr>
+                  </a:outerShdw>
+                </a:effectLst>
                 <a:latin typeface="Franklin Gothic Medium" panose="020B0603020102020204" pitchFamily="34" charset="0"/>
                 <a:ea typeface="Source Sans Pro"/>
                 <a:cs typeface="Source Sans Pro"/>
@@ -38020,6 +37937,13 @@
                 <a:solidFill>
                   <a:schemeClr val="lt1"/>
                 </a:solidFill>
+                <a:effectLst>
+                  <a:outerShdw blurRad="38100" dist="38100" dir="2700000" algn="tl">
+                    <a:srgbClr val="000000">
+                      <a:alpha val="43137"/>
+                    </a:srgbClr>
+                  </a:outerShdw>
+                </a:effectLst>
                 <a:latin typeface="Franklin Gothic Medium" panose="020B0603020102020204" pitchFamily="34" charset="0"/>
                 <a:ea typeface="Source Sans Pro"/>
                 <a:cs typeface="Source Sans Pro"/>
@@ -38031,6 +37955,13 @@
               <a:solidFill>
                 <a:schemeClr val="lt1"/>
               </a:solidFill>
+              <a:effectLst>
+                <a:outerShdw blurRad="38100" dist="38100" dir="2700000" algn="tl">
+                  <a:srgbClr val="000000">
+                    <a:alpha val="43137"/>
+                  </a:srgbClr>
+                </a:outerShdw>
+              </a:effectLst>
               <a:latin typeface="Franklin Gothic Medium" panose="020B0603020102020204" pitchFamily="34" charset="0"/>
               <a:ea typeface="Source Sans Pro"/>
               <a:cs typeface="Source Sans Pro"/>
@@ -38060,6 +37991,13 @@
                 <a:solidFill>
                   <a:schemeClr val="lt1"/>
                 </a:solidFill>
+                <a:effectLst>
+                  <a:outerShdw blurRad="38100" dist="38100" dir="2700000" algn="tl">
+                    <a:srgbClr val="000000">
+                      <a:alpha val="43137"/>
+                    </a:srgbClr>
+                  </a:outerShdw>
+                </a:effectLst>
                 <a:latin typeface="Franklin Gothic Medium" panose="020B0603020102020204" pitchFamily="34" charset="0"/>
                 <a:ea typeface="Source Sans Pro"/>
                 <a:cs typeface="Source Sans Pro"/>
@@ -38071,6 +38009,13 @@
               <a:solidFill>
                 <a:schemeClr val="lt1"/>
               </a:solidFill>
+              <a:effectLst>
+                <a:outerShdw blurRad="38100" dist="38100" dir="2700000" algn="tl">
+                  <a:srgbClr val="000000">
+                    <a:alpha val="43137"/>
+                  </a:srgbClr>
+                </a:outerShdw>
+              </a:effectLst>
               <a:latin typeface="Franklin Gothic Medium" panose="020B0603020102020204" pitchFamily="34" charset="0"/>
               <a:ea typeface="Source Sans Pro"/>
               <a:cs typeface="Source Sans Pro"/>
@@ -38100,6 +38045,13 @@
                 <a:solidFill>
                   <a:schemeClr val="lt1"/>
                 </a:solidFill>
+                <a:effectLst>
+                  <a:outerShdw blurRad="38100" dist="38100" dir="2700000" algn="tl">
+                    <a:srgbClr val="000000">
+                      <a:alpha val="43137"/>
+                    </a:srgbClr>
+                  </a:outerShdw>
+                </a:effectLst>
                 <a:latin typeface="Franklin Gothic Medium" panose="020B0603020102020204" pitchFamily="34" charset="0"/>
                 <a:ea typeface="Source Sans Pro"/>
                 <a:cs typeface="Source Sans Pro"/>
@@ -38112,6 +38064,13 @@
                 <a:solidFill>
                   <a:schemeClr val="lt1"/>
                 </a:solidFill>
+                <a:effectLst>
+                  <a:outerShdw blurRad="38100" dist="38100" dir="2700000" algn="tl">
+                    <a:srgbClr val="000000">
+                      <a:alpha val="43137"/>
+                    </a:srgbClr>
+                  </a:outerShdw>
+                </a:effectLst>
                 <a:latin typeface="Franklin Gothic Medium" panose="020B0603020102020204" pitchFamily="34" charset="0"/>
                 <a:ea typeface="Source Sans Pro"/>
                 <a:cs typeface="Source Sans Pro"/>
@@ -38124,6 +38083,13 @@
                 <a:solidFill>
                   <a:schemeClr val="lt1"/>
                 </a:solidFill>
+                <a:effectLst>
+                  <a:outerShdw blurRad="38100" dist="38100" dir="2700000" algn="tl">
+                    <a:srgbClr val="000000">
+                      <a:alpha val="43137"/>
+                    </a:srgbClr>
+                  </a:outerShdw>
+                </a:effectLst>
                 <a:latin typeface="Franklin Gothic Medium" panose="020B0603020102020204" pitchFamily="34" charset="0"/>
                 <a:ea typeface="Source Sans Pro"/>
                 <a:cs typeface="Source Sans Pro"/>
@@ -38136,6 +38102,13 @@
                 <a:solidFill>
                   <a:schemeClr val="lt1"/>
                 </a:solidFill>
+                <a:effectLst>
+                  <a:outerShdw blurRad="38100" dist="38100" dir="2700000" algn="tl">
+                    <a:srgbClr val="000000">
+                      <a:alpha val="43137"/>
+                    </a:srgbClr>
+                  </a:outerShdw>
+                </a:effectLst>
                 <a:latin typeface="Franklin Gothic Medium" panose="020B0603020102020204" pitchFamily="34" charset="0"/>
                 <a:ea typeface="Source Sans Pro"/>
                 <a:cs typeface="Source Sans Pro"/>
@@ -38148,6 +38121,13 @@
                 <a:solidFill>
                   <a:schemeClr val="lt1"/>
                 </a:solidFill>
+                <a:effectLst>
+                  <a:outerShdw blurRad="38100" dist="38100" dir="2700000" algn="tl">
+                    <a:srgbClr val="000000">
+                      <a:alpha val="43137"/>
+                    </a:srgbClr>
+                  </a:outerShdw>
+                </a:effectLst>
                 <a:latin typeface="Franklin Gothic Medium" panose="020B0603020102020204" pitchFamily="34" charset="0"/>
                 <a:ea typeface="Source Sans Pro"/>
                 <a:cs typeface="Source Sans Pro"/>
@@ -38160,6 +38140,13 @@
                 <a:solidFill>
                   <a:schemeClr val="lt1"/>
                 </a:solidFill>
+                <a:effectLst>
+                  <a:outerShdw blurRad="38100" dist="38100" dir="2700000" algn="tl">
+                    <a:srgbClr val="000000">
+                      <a:alpha val="43137"/>
+                    </a:srgbClr>
+                  </a:outerShdw>
+                </a:effectLst>
                 <a:latin typeface="Franklin Gothic Medium" panose="020B0603020102020204" pitchFamily="34" charset="0"/>
                 <a:ea typeface="Source Sans Pro"/>
                 <a:cs typeface="Source Sans Pro"/>
@@ -38172,6 +38159,13 @@
                 <a:solidFill>
                   <a:schemeClr val="lt1"/>
                 </a:solidFill>
+                <a:effectLst>
+                  <a:outerShdw blurRad="38100" dist="38100" dir="2700000" algn="tl">
+                    <a:srgbClr val="000000">
+                      <a:alpha val="43137"/>
+                    </a:srgbClr>
+                  </a:outerShdw>
+                </a:effectLst>
                 <a:latin typeface="Franklin Gothic Medium" panose="020B0603020102020204" pitchFamily="34" charset="0"/>
                 <a:ea typeface="Source Sans Pro"/>
                 <a:cs typeface="Source Sans Pro"/>
@@ -38183,6 +38177,13 @@
               <a:solidFill>
                 <a:schemeClr val="lt1"/>
               </a:solidFill>
+              <a:effectLst>
+                <a:outerShdw blurRad="38100" dist="38100" dir="2700000" algn="tl">
+                  <a:srgbClr val="000000">
+                    <a:alpha val="43137"/>
+                  </a:srgbClr>
+                </a:outerShdw>
+              </a:effectLst>
               <a:latin typeface="Franklin Gothic Medium" panose="020B0603020102020204" pitchFamily="34" charset="0"/>
               <a:ea typeface="Source Sans Pro"/>
               <a:cs typeface="Source Sans Pro"/>
@@ -38196,13 +38197,6 @@
   <p:clrMapOvr>
     <a:masterClrMapping/>
   </p:clrMapOvr>
-  <p:timing>
-    <p:tnLst>
-      <p:par>
-        <p:cTn id="1" dur="indefinite" restart="never" nodeType="tmRoot"/>
-      </p:par>
-    </p:tnLst>
-  </p:timing>
 </p:sld>
 </file>
 
@@ -38271,11 +38265,7 @@
             </a:pPr>
             <a:r>
               <a:rPr lang="es-AR" dirty="0"/>
-              <a:t>Constructores por </a:t>
-            </a:r>
-            <a:r>
-              <a:rPr lang="es-AR" dirty="0" smtClean="0"/>
-              <a:t>defecto</a:t>
+              <a:t>Constructores por defecto</a:t>
             </a:r>
             <a:endParaRPr sz="3600" b="0" i="0" u="none" strike="noStrike" cap="none" dirty="0">
               <a:solidFill>
@@ -38583,7 +38573,7 @@
               <a:t> </a:t>
             </a:r>
             <a:r>
-              <a:rPr lang="es-AR" sz="2200" dirty="0" err="1" smtClean="0">
+              <a:rPr lang="es-AR" sz="2200" dirty="0" err="1">
                 <a:solidFill>
                   <a:srgbClr val="2B91AF"/>
                 </a:solidFill>
@@ -38638,7 +38628,7 @@
               <a:t> </a:t>
             </a:r>
             <a:r>
-              <a:rPr lang="es-AR" sz="2200" dirty="0" err="1" smtClean="0">
+              <a:rPr lang="es-AR" sz="2200" dirty="0" err="1">
                 <a:solidFill>
                   <a:srgbClr val="000000"/>
                 </a:solidFill>
@@ -38647,13 +38637,44 @@
               <a:t>MiClase</a:t>
             </a:r>
             <a:r>
-              <a:rPr lang="es-AR" sz="2200" dirty="0" smtClean="0">
+              <a:rPr lang="es-AR" sz="2200" dirty="0">
                 <a:solidFill>
                   <a:srgbClr val="000000"/>
                 </a:solidFill>
                 <a:latin typeface="Consolas" panose="020B0609020204030204" pitchFamily="49" charset="0"/>
               </a:rPr>
               <a:t>()</a:t>
+            </a:r>
+          </a:p>
+          <a:p>
+            <a:r>
+              <a:rPr lang="es-AR" sz="2200" dirty="0">
+                <a:solidFill>
+                  <a:srgbClr val="000000"/>
+                </a:solidFill>
+                <a:latin typeface="Consolas" panose="020B0609020204030204" pitchFamily="49" charset="0"/>
+              </a:rPr>
+              <a:t>    {</a:t>
+            </a:r>
+          </a:p>
+          <a:p>
+            <a:r>
+              <a:rPr lang="es-AR" sz="2200" dirty="0">
+                <a:solidFill>
+                  <a:srgbClr val="000000"/>
+                </a:solidFill>
+                <a:latin typeface="Consolas" panose="020B0609020204030204" pitchFamily="49" charset="0"/>
+              </a:rPr>
+              <a:t>        </a:t>
+            </a:r>
+            <a:r>
+              <a:rPr lang="es-AR" sz="2000" dirty="0">
+                <a:solidFill>
+                  <a:srgbClr val="008000"/>
+                </a:solidFill>
+                <a:latin typeface="Consolas" panose="020B0609020204030204" pitchFamily="49" charset="0"/>
+              </a:rPr>
+              <a:t>// Inicializar atributos de instancia aquí</a:t>
             </a:r>
             <a:endParaRPr lang="es-AR" sz="2200" dirty="0">
               <a:solidFill>
@@ -38670,78 +38691,8 @@
                 </a:solidFill>
                 <a:latin typeface="Consolas" panose="020B0609020204030204" pitchFamily="49" charset="0"/>
               </a:rPr>
-              <a:t>    </a:t>
-            </a:r>
-            <a:r>
-              <a:rPr lang="es-AR" sz="2200" dirty="0" smtClean="0">
-                <a:solidFill>
-                  <a:srgbClr val="000000"/>
-                </a:solidFill>
-                <a:latin typeface="Consolas" panose="020B0609020204030204" pitchFamily="49" charset="0"/>
-              </a:rPr>
-              <a:t>{</a:t>
-            </a:r>
-          </a:p>
-          <a:p>
-            <a:r>
-              <a:rPr lang="es-AR" sz="2200" dirty="0">
-                <a:solidFill>
-                  <a:srgbClr val="000000"/>
-                </a:solidFill>
-                <a:latin typeface="Consolas" panose="020B0609020204030204" pitchFamily="49" charset="0"/>
-              </a:rPr>
-              <a:t> </a:t>
-            </a:r>
-            <a:r>
-              <a:rPr lang="es-AR" sz="2200" dirty="0" smtClean="0">
-                <a:solidFill>
-                  <a:srgbClr val="000000"/>
-                </a:solidFill>
-                <a:latin typeface="Consolas" panose="020B0609020204030204" pitchFamily="49" charset="0"/>
-              </a:rPr>
-              <a:t>       </a:t>
-            </a:r>
-            <a:r>
-              <a:rPr lang="es-AR" sz="2000" dirty="0" smtClean="0">
-                <a:solidFill>
-                  <a:srgbClr val="008000"/>
-                </a:solidFill>
-                <a:latin typeface="Consolas" panose="020B0609020204030204" pitchFamily="49" charset="0"/>
-              </a:rPr>
-              <a:t>// </a:t>
-            </a:r>
-            <a:r>
-              <a:rPr lang="es-AR" sz="2000" dirty="0">
-                <a:solidFill>
-                  <a:srgbClr val="008000"/>
-                </a:solidFill>
-                <a:latin typeface="Consolas" panose="020B0609020204030204" pitchFamily="49" charset="0"/>
-              </a:rPr>
-              <a:t>Inicializar atributos de instancia aquí</a:t>
-            </a:r>
-            <a:endParaRPr lang="es-AR" sz="2200" dirty="0">
-              <a:solidFill>
-                <a:srgbClr val="000000"/>
-              </a:solidFill>
-              <a:latin typeface="Consolas" panose="020B0609020204030204" pitchFamily="49" charset="0"/>
-            </a:endParaRPr>
-          </a:p>
-          <a:p>
-            <a:r>
-              <a:rPr lang="es-AR" sz="2200" dirty="0" smtClean="0">
-                <a:solidFill>
-                  <a:srgbClr val="000000"/>
-                </a:solidFill>
-                <a:latin typeface="Consolas" panose="020B0609020204030204" pitchFamily="49" charset="0"/>
-              </a:rPr>
               <a:t>    }</a:t>
             </a:r>
-            <a:endParaRPr lang="es-AR" sz="2200" dirty="0">
-              <a:solidFill>
-                <a:srgbClr val="000000"/>
-              </a:solidFill>
-              <a:latin typeface="Consolas" panose="020B0609020204030204" pitchFamily="49" charset="0"/>
-            </a:endParaRPr>
           </a:p>
           <a:p>
             <a:r>
@@ -38753,7 +38704,7 @@
               </a:rPr>
               <a:t>}</a:t>
             </a:r>
-            <a:endParaRPr lang="es-AR" sz="2200" dirty="0" smtClean="0">
+            <a:endParaRPr lang="es-AR" sz="2200" dirty="0">
               <a:latin typeface="Source Sans Pro"/>
               <a:ea typeface="Source Sans Pro"/>
               <a:cs typeface="Source Sans Pro"/>
@@ -38772,13 +38723,6 @@
   <p:clrMapOvr>
     <a:masterClrMapping/>
   </p:clrMapOvr>
-  <p:timing>
-    <p:tnLst>
-      <p:par>
-        <p:cTn id="1" dur="indefinite" restart="never" nodeType="tmRoot"/>
-      </p:par>
-    </p:tnLst>
-  </p:timing>
 </p:sld>
 </file>
 
@@ -38847,11 +38791,7 @@
             </a:pPr>
             <a:r>
               <a:rPr lang="es-AR" dirty="0"/>
-              <a:t>Constructores por </a:t>
-            </a:r>
-            <a:r>
-              <a:rPr lang="es-AR" dirty="0" smtClean="0"/>
-              <a:t>defecto</a:t>
+              <a:t>Constructores de instancia</a:t>
             </a:r>
             <a:endParaRPr sz="3600" b="0" i="0" u="none" strike="noStrike" cap="none" dirty="0">
               <a:solidFill>
@@ -39159,7 +39099,7 @@
               <a:t> </a:t>
             </a:r>
             <a:r>
-              <a:rPr lang="es-AR" sz="2000" dirty="0" smtClean="0">
+              <a:rPr lang="es-AR" sz="2000" dirty="0">
                 <a:solidFill>
                   <a:srgbClr val="2B91AF"/>
                 </a:solidFill>
@@ -39176,7 +39116,7 @@
           </a:p>
           <a:p>
             <a:r>
-              <a:rPr lang="es-AR" sz="2000" dirty="0" smtClean="0">
+              <a:rPr lang="es-AR" sz="2000" dirty="0">
                 <a:solidFill>
                   <a:srgbClr val="000000"/>
                 </a:solidFill>
@@ -39190,7 +39130,7 @@
               <a:buNone/>
             </a:pPr>
             <a:r>
-              <a:rPr lang="es-AR" sz="2000" dirty="0" smtClean="0">
+              <a:rPr lang="es-AR" sz="2000" dirty="0">
                 <a:solidFill>
                   <a:srgbClr val="000000"/>
                 </a:solidFill>
@@ -39199,7 +39139,7 @@
               <a:t>       </a:t>
             </a:r>
             <a:r>
-              <a:rPr lang="es-AR" sz="2000" dirty="0" err="1" smtClean="0">
+              <a:rPr lang="es-AR" sz="2000" dirty="0" err="1">
                 <a:solidFill>
                   <a:srgbClr val="0000FF"/>
                 </a:solidFill>
@@ -39208,7 +39148,7 @@
               <a:t>private</a:t>
             </a:r>
             <a:r>
-              <a:rPr lang="es-AR" sz="2000" dirty="0" smtClean="0">
+              <a:rPr lang="es-AR" sz="2000" dirty="0">
                 <a:solidFill>
                   <a:srgbClr val="000000"/>
                 </a:solidFill>
@@ -39235,7 +39175,7 @@
               <a:t> </a:t>
             </a:r>
             <a:r>
-              <a:rPr lang="es-AR" sz="2000" dirty="0" err="1" smtClean="0">
+              <a:rPr lang="es-AR" sz="2000" dirty="0" err="1">
                 <a:solidFill>
                   <a:srgbClr val="000000"/>
                 </a:solidFill>
@@ -39264,19 +39204,10 @@
                 </a:solidFill>
                 <a:latin typeface="Consolas" panose="020B0609020204030204" pitchFamily="49" charset="0"/>
               </a:rPr>
-              <a:t> </a:t>
-            </a:r>
-            <a:r>
-              <a:rPr lang="es-AR" sz="2000" dirty="0" smtClean="0">
-                <a:solidFill>
-                  <a:srgbClr val="0000FF"/>
-                </a:solidFill>
-                <a:latin typeface="Consolas" panose="020B0609020204030204" pitchFamily="49" charset="0"/>
-              </a:rPr>
-              <a:t>      </a:t>
-            </a:r>
-            <a:r>
-              <a:rPr lang="es-AR" sz="2000" dirty="0" err="1" smtClean="0">
+              <a:t>       </a:t>
+            </a:r>
+            <a:r>
+              <a:rPr lang="es-AR" sz="2000" dirty="0" err="1">
                 <a:solidFill>
                   <a:srgbClr val="0000FF"/>
                 </a:solidFill>
@@ -39285,7 +39216,7 @@
               <a:t>private</a:t>
             </a:r>
             <a:r>
-              <a:rPr lang="es-AR" sz="2000" dirty="0" smtClean="0">
+              <a:rPr lang="es-AR" sz="2000" dirty="0">
                 <a:solidFill>
                   <a:srgbClr val="000000"/>
                 </a:solidFill>
@@ -39309,25 +39240,7 @@
                 </a:solidFill>
                 <a:latin typeface="Consolas" panose="020B0609020204030204" pitchFamily="49" charset="0"/>
               </a:rPr>
-              <a:t> </a:t>
-            </a:r>
-            <a:r>
-              <a:rPr lang="es-AR" sz="2000" dirty="0" smtClean="0">
-                <a:solidFill>
-                  <a:srgbClr val="000000"/>
-                </a:solidFill>
-                <a:latin typeface="Consolas" panose="020B0609020204030204" pitchFamily="49" charset="0"/>
-              </a:rPr>
-              <a:t>mm</a:t>
-            </a:r>
-            <a:r>
-              <a:rPr lang="es-AR" sz="2000" dirty="0">
-                <a:solidFill>
-                  <a:srgbClr val="000000"/>
-                </a:solidFill>
-                <a:latin typeface="Consolas" panose="020B0609020204030204" pitchFamily="49" charset="0"/>
-              </a:rPr>
-              <a:t>;</a:t>
+              <a:t> mm;</a:t>
             </a:r>
           </a:p>
           <a:p>
@@ -39335,7 +39248,7 @@
               <a:buNone/>
             </a:pPr>
             <a:r>
-              <a:rPr lang="es-AR" sz="2000" dirty="0" smtClean="0">
+              <a:rPr lang="es-AR" sz="2000" dirty="0">
                 <a:solidFill>
                   <a:srgbClr val="0000FF"/>
                 </a:solidFill>
@@ -39344,7 +39257,7 @@
               <a:t>       </a:t>
             </a:r>
             <a:r>
-              <a:rPr lang="es-AR" sz="2000" dirty="0" err="1" smtClean="0">
+              <a:rPr lang="es-AR" sz="2000" dirty="0" err="1">
                 <a:solidFill>
                   <a:srgbClr val="0000FF"/>
                 </a:solidFill>
@@ -39353,7 +39266,7 @@
               <a:t>private</a:t>
             </a:r>
             <a:r>
-              <a:rPr lang="es-AR" sz="2000" dirty="0" smtClean="0">
+              <a:rPr lang="es-AR" sz="2000" dirty="0">
                 <a:solidFill>
                   <a:srgbClr val="000000"/>
                 </a:solidFill>
@@ -39380,7 +39293,7 @@
               <a:t> </a:t>
             </a:r>
             <a:r>
-              <a:rPr lang="es-AR" sz="2000" dirty="0" err="1" smtClean="0">
+              <a:rPr lang="es-AR" sz="2000" dirty="0" err="1">
                 <a:solidFill>
                   <a:srgbClr val="000000"/>
                 </a:solidFill>
@@ -39389,7 +39302,7 @@
               <a:t>dd</a:t>
             </a:r>
             <a:r>
-              <a:rPr lang="es-AR" sz="2000" dirty="0" smtClean="0">
+              <a:rPr lang="es-AR" sz="2000" dirty="0">
                 <a:solidFill>
                   <a:srgbClr val="000000"/>
                 </a:solidFill>
@@ -39435,16 +39348,38 @@
                 </a:solidFill>
                 <a:latin typeface="Consolas" panose="020B0609020204030204" pitchFamily="49" charset="0"/>
               </a:rPr>
-              <a:t> </a:t>
-            </a:r>
-            <a:r>
-              <a:rPr lang="es-AR" sz="2000" dirty="0" smtClean="0">
+              <a:t> Fecha()</a:t>
+            </a:r>
+          </a:p>
+          <a:p>
+            <a:r>
+              <a:rPr lang="es-AR" sz="2000" dirty="0">
                 <a:solidFill>
                   <a:srgbClr val="000000"/>
                 </a:solidFill>
                 <a:latin typeface="Consolas" panose="020B0609020204030204" pitchFamily="49" charset="0"/>
               </a:rPr>
-              <a:t>Fecha()</a:t>
+              <a:t>    {</a:t>
+            </a:r>
+          </a:p>
+          <a:p>
+            <a:r>
+              <a:rPr lang="es-AR" sz="2000" dirty="0">
+                <a:solidFill>
+                  <a:srgbClr val="000000"/>
+                </a:solidFill>
+                <a:latin typeface="Consolas" panose="020B0609020204030204" pitchFamily="49" charset="0"/>
+              </a:rPr>
+              <a:t>        </a:t>
+            </a:r>
+            <a:r>
+              <a:rPr lang="es-AR" sz="2000" dirty="0">
+                <a:solidFill>
+                  <a:srgbClr val="008000"/>
+                </a:solidFill>
+                <a:latin typeface="Consolas" panose="020B0609020204030204" pitchFamily="49" charset="0"/>
+              </a:rPr>
+              <a:t>// Inicializar atributos de instancia aquí</a:t>
             </a:r>
             <a:endParaRPr lang="es-AR" sz="2000" dirty="0">
               <a:solidFill>
@@ -39461,78 +39396,8 @@
                 </a:solidFill>
                 <a:latin typeface="Consolas" panose="020B0609020204030204" pitchFamily="49" charset="0"/>
               </a:rPr>
-              <a:t>    </a:t>
-            </a:r>
-            <a:r>
-              <a:rPr lang="es-AR" sz="2000" dirty="0" smtClean="0">
-                <a:solidFill>
-                  <a:srgbClr val="000000"/>
-                </a:solidFill>
-                <a:latin typeface="Consolas" panose="020B0609020204030204" pitchFamily="49" charset="0"/>
-              </a:rPr>
-              <a:t>{</a:t>
-            </a:r>
-          </a:p>
-          <a:p>
-            <a:r>
-              <a:rPr lang="es-AR" sz="2000" dirty="0">
-                <a:solidFill>
-                  <a:srgbClr val="000000"/>
-                </a:solidFill>
-                <a:latin typeface="Consolas" panose="020B0609020204030204" pitchFamily="49" charset="0"/>
-              </a:rPr>
-              <a:t> </a:t>
-            </a:r>
-            <a:r>
-              <a:rPr lang="es-AR" sz="2000" dirty="0" smtClean="0">
-                <a:solidFill>
-                  <a:srgbClr val="000000"/>
-                </a:solidFill>
-                <a:latin typeface="Consolas" panose="020B0609020204030204" pitchFamily="49" charset="0"/>
-              </a:rPr>
-              <a:t>       </a:t>
-            </a:r>
-            <a:r>
-              <a:rPr lang="es-AR" sz="2000" dirty="0" smtClean="0">
-                <a:solidFill>
-                  <a:srgbClr val="008000"/>
-                </a:solidFill>
-                <a:latin typeface="Consolas" panose="020B0609020204030204" pitchFamily="49" charset="0"/>
-              </a:rPr>
-              <a:t>// </a:t>
-            </a:r>
-            <a:r>
-              <a:rPr lang="es-AR" sz="2000" dirty="0">
-                <a:solidFill>
-                  <a:srgbClr val="008000"/>
-                </a:solidFill>
-                <a:latin typeface="Consolas" panose="020B0609020204030204" pitchFamily="49" charset="0"/>
-              </a:rPr>
-              <a:t>Inicializar atributos de instancia aquí</a:t>
-            </a:r>
-            <a:endParaRPr lang="es-AR" sz="2000" dirty="0">
-              <a:solidFill>
-                <a:srgbClr val="000000"/>
-              </a:solidFill>
-              <a:latin typeface="Consolas" panose="020B0609020204030204" pitchFamily="49" charset="0"/>
-            </a:endParaRPr>
-          </a:p>
-          <a:p>
-            <a:r>
-              <a:rPr lang="es-AR" sz="2000" dirty="0" smtClean="0">
-                <a:solidFill>
-                  <a:srgbClr val="000000"/>
-                </a:solidFill>
-                <a:latin typeface="Consolas" panose="020B0609020204030204" pitchFamily="49" charset="0"/>
-              </a:rPr>
               <a:t>    }</a:t>
             </a:r>
-            <a:endParaRPr lang="es-AR" sz="2000" dirty="0">
-              <a:solidFill>
-                <a:srgbClr val="000000"/>
-              </a:solidFill>
-              <a:latin typeface="Consolas" panose="020B0609020204030204" pitchFamily="49" charset="0"/>
-            </a:endParaRPr>
           </a:p>
           <a:p>
             <a:r>
@@ -39544,7 +39409,7 @@
               </a:rPr>
               <a:t>}</a:t>
             </a:r>
-            <a:endParaRPr lang="es-AR" sz="2000" dirty="0" smtClean="0">
+            <a:endParaRPr lang="es-AR" sz="2000" dirty="0">
               <a:latin typeface="Source Sans Pro"/>
               <a:ea typeface="Source Sans Pro"/>
               <a:cs typeface="Source Sans Pro"/>
@@ -39563,13 +39428,6 @@
   <p:clrMapOvr>
     <a:masterClrMapping/>
   </p:clrMapOvr>
-  <p:timing>
-    <p:tnLst>
-      <p:par>
-        <p:cTn id="1" dur="indefinite" restart="never" nodeType="tmRoot"/>
-      </p:par>
-    </p:tnLst>
-  </p:timing>
 </p:sld>
 </file>
 
@@ -39637,7 +39495,7 @@
               <a:buNone/>
             </a:pPr>
             <a:r>
-              <a:rPr lang="es-AR" dirty="0" smtClean="0"/>
+              <a:rPr lang="es-AR" dirty="0"/>
               <a:t>Ejemplo</a:t>
             </a:r>
             <a:endParaRPr sz="3600" b="0" i="0" u="none" strike="noStrike" cap="none" dirty="0">
@@ -40097,7 +39955,7 @@
           </a:p>
           <a:p>
             <a:r>
-              <a:rPr lang="es-AR" sz="2000" dirty="0" smtClean="0">
+              <a:rPr lang="es-AR" sz="2000" dirty="0">
                 <a:solidFill>
                   <a:srgbClr val="008000"/>
                 </a:solidFill>
@@ -40114,7 +39972,7 @@
           </a:p>
           <a:p>
             <a:r>
-              <a:rPr lang="es-AR" sz="2000" dirty="0" smtClean="0">
+              <a:rPr lang="es-AR" sz="2000" dirty="0">
                 <a:solidFill>
                   <a:srgbClr val="000000"/>
                 </a:solidFill>
@@ -40122,12 +39980,6 @@
               </a:rPr>
               <a:t>    }</a:t>
             </a:r>
-            <a:endParaRPr lang="es-AR" sz="2000" dirty="0">
-              <a:solidFill>
-                <a:srgbClr val="000000"/>
-              </a:solidFill>
-              <a:latin typeface="Consolas" panose="020B0609020204030204" pitchFamily="49" charset="0"/>
-            </a:endParaRPr>
           </a:p>
           <a:p>
             <a:r>
@@ -40139,7 +39991,7 @@
               </a:rPr>
               <a:t>}</a:t>
             </a:r>
-            <a:endParaRPr lang="es-AR" sz="2000" dirty="0" smtClean="0">
+            <a:endParaRPr lang="es-AR" sz="2000" dirty="0">
               <a:latin typeface="Source Sans Pro"/>
               <a:ea typeface="Source Sans Pro"/>
               <a:cs typeface="Source Sans Pro"/>
@@ -40158,13 +40010,6 @@
   <p:clrMapOvr>
     <a:masterClrMapping/>
   </p:clrMapOvr>
-  <p:timing>
-    <p:tnLst>
-      <p:par>
-        <p:cTn id="1" dur="indefinite" restart="never" nodeType="tmRoot"/>
-      </p:par>
-    </p:tnLst>
-  </p:timing>
 </p:sld>
 </file>
 
@@ -40229,10 +40074,10 @@
               <a:buNone/>
             </a:pPr>
             <a:r>
-              <a:rPr lang="es-AR"/>
-              <a:t>Constructores por Defecto</a:t>
-            </a:r>
-            <a:endParaRPr/>
+              <a:rPr lang="es-AR" dirty="0"/>
+              <a:t>Constructores de instancia</a:t>
+            </a:r>
+            <a:endParaRPr dirty="0"/>
           </a:p>
         </p:txBody>
       </p:sp>
@@ -40547,13 +40392,6 @@
   <p:clrMapOvr>
     <a:masterClrMapping/>
   </p:clrMapOvr>
-  <p:timing>
-    <p:tnLst>
-      <p:par>
-        <p:cTn id="1" dur="indefinite" restart="never" nodeType="tmRoot"/>
-      </p:par>
-    </p:tnLst>
-  </p:timing>
 </p:sld>
 </file>
 
@@ -40622,11 +40460,7 @@
             </a:pPr>
             <a:r>
               <a:rPr lang="es-AR" dirty="0"/>
-              <a:t>Constructores por </a:t>
-            </a:r>
-            <a:r>
-              <a:rPr lang="es-AR" dirty="0" smtClean="0"/>
-              <a:t>defecto</a:t>
+              <a:t>Constructores por defecto</a:t>
             </a:r>
             <a:endParaRPr sz="3600" b="0" i="0" u="none" strike="noStrike" cap="none" dirty="0">
               <a:solidFill>
@@ -40934,7 +40768,7 @@
               <a:t> </a:t>
             </a:r>
             <a:r>
-              <a:rPr lang="es-AR" sz="1800" dirty="0" smtClean="0">
+              <a:rPr lang="es-AR" sz="1800" dirty="0">
                 <a:solidFill>
                   <a:srgbClr val="2B91AF"/>
                 </a:solidFill>
@@ -40951,7 +40785,7 @@
           </a:p>
           <a:p>
             <a:r>
-              <a:rPr lang="es-AR" sz="1800" dirty="0" smtClean="0">
+              <a:rPr lang="es-AR" sz="1800" dirty="0">
                 <a:solidFill>
                   <a:srgbClr val="000000"/>
                 </a:solidFill>
@@ -40965,7 +40799,7 @@
               <a:buNone/>
             </a:pPr>
             <a:r>
-              <a:rPr lang="es-AR" sz="1800" dirty="0" smtClean="0">
+              <a:rPr lang="es-AR" sz="1800" dirty="0">
                 <a:solidFill>
                   <a:srgbClr val="000000"/>
                 </a:solidFill>
@@ -40974,7 +40808,7 @@
               <a:t>       </a:t>
             </a:r>
             <a:r>
-              <a:rPr lang="es-AR" sz="1800" dirty="0" err="1" smtClean="0">
+              <a:rPr lang="es-AR" sz="1800" dirty="0" err="1">
                 <a:solidFill>
                   <a:srgbClr val="0000FF"/>
                 </a:solidFill>
@@ -40983,7 +40817,7 @@
               <a:t>private</a:t>
             </a:r>
             <a:r>
-              <a:rPr lang="es-AR" sz="1800" dirty="0" smtClean="0">
+              <a:rPr lang="es-AR" sz="1800" dirty="0">
                 <a:solidFill>
                   <a:srgbClr val="000000"/>
                 </a:solidFill>
@@ -41010,7 +40844,7 @@
               <a:t> </a:t>
             </a:r>
             <a:r>
-              <a:rPr lang="es-AR" sz="1800" dirty="0" err="1" smtClean="0">
+              <a:rPr lang="es-AR" sz="1800" dirty="0" err="1">
                 <a:solidFill>
                   <a:srgbClr val="000000"/>
                 </a:solidFill>
@@ -41039,19 +40873,10 @@
                 </a:solidFill>
                 <a:latin typeface="Consolas" panose="020B0609020204030204" pitchFamily="49" charset="0"/>
               </a:rPr>
-              <a:t> </a:t>
-            </a:r>
-            <a:r>
-              <a:rPr lang="es-AR" sz="1800" dirty="0" smtClean="0">
-                <a:solidFill>
-                  <a:srgbClr val="0000FF"/>
-                </a:solidFill>
-                <a:latin typeface="Consolas" panose="020B0609020204030204" pitchFamily="49" charset="0"/>
-              </a:rPr>
-              <a:t>      </a:t>
-            </a:r>
-            <a:r>
-              <a:rPr lang="es-AR" sz="1800" dirty="0" err="1" smtClean="0">
+              <a:t>       </a:t>
+            </a:r>
+            <a:r>
+              <a:rPr lang="es-AR" sz="1800" dirty="0" err="1">
                 <a:solidFill>
                   <a:srgbClr val="0000FF"/>
                 </a:solidFill>
@@ -41060,7 +40885,7 @@
               <a:t>private</a:t>
             </a:r>
             <a:r>
-              <a:rPr lang="es-AR" sz="1800" dirty="0" smtClean="0">
+              <a:rPr lang="es-AR" sz="1800" dirty="0">
                 <a:solidFill>
                   <a:srgbClr val="000000"/>
                 </a:solidFill>
@@ -41084,16 +40909,66 @@
                 </a:solidFill>
                 <a:latin typeface="Consolas" panose="020B0609020204030204" pitchFamily="49" charset="0"/>
               </a:rPr>
-              <a:t> </a:t>
-            </a:r>
-            <a:r>
-              <a:rPr lang="es-AR" sz="1800" dirty="0" smtClean="0">
-                <a:solidFill>
-                  <a:srgbClr val="000000"/>
+              <a:t> mm;</a:t>
+            </a:r>
+          </a:p>
+          <a:p>
+            <a:pPr marL="76200" indent="0">
+              <a:buNone/>
+            </a:pPr>
+            <a:r>
+              <a:rPr lang="es-AR" sz="1800" dirty="0">
+                <a:solidFill>
+                  <a:srgbClr val="0000FF"/>
                 </a:solidFill>
                 <a:latin typeface="Consolas" panose="020B0609020204030204" pitchFamily="49" charset="0"/>
               </a:rPr>
-              <a:t>mm</a:t>
+              <a:t>       </a:t>
+            </a:r>
+            <a:r>
+              <a:rPr lang="es-AR" sz="1800" dirty="0" err="1">
+                <a:solidFill>
+                  <a:srgbClr val="0000FF"/>
+                </a:solidFill>
+                <a:latin typeface="Consolas" panose="020B0609020204030204" pitchFamily="49" charset="0"/>
+              </a:rPr>
+              <a:t>private</a:t>
+            </a:r>
+            <a:r>
+              <a:rPr lang="es-AR" sz="1800" dirty="0">
+                <a:solidFill>
+                  <a:srgbClr val="000000"/>
+                </a:solidFill>
+                <a:latin typeface="Consolas" panose="020B0609020204030204" pitchFamily="49" charset="0"/>
+              </a:rPr>
+              <a:t> </a:t>
+            </a:r>
+            <a:r>
+              <a:rPr lang="es-AR" sz="1800" dirty="0" err="1">
+                <a:solidFill>
+                  <a:srgbClr val="0000FF"/>
+                </a:solidFill>
+                <a:latin typeface="Consolas" panose="020B0609020204030204" pitchFamily="49" charset="0"/>
+              </a:rPr>
+              <a:t>int</a:t>
+            </a:r>
+            <a:r>
+              <a:rPr lang="es-AR" sz="1800" dirty="0">
+                <a:solidFill>
+                  <a:srgbClr val="000000"/>
+                </a:solidFill>
+                <a:latin typeface="Consolas" panose="020B0609020204030204" pitchFamily="49" charset="0"/>
+              </a:rPr>
+              <a:t> </a:t>
+            </a:r>
+            <a:r>
+              <a:rPr lang="es-AR" sz="1800" dirty="0" err="1">
+                <a:solidFill>
+                  <a:srgbClr val="000000"/>
+                </a:solidFill>
+                <a:latin typeface="Consolas" panose="020B0609020204030204" pitchFamily="49" charset="0"/>
+              </a:rPr>
+              <a:t>dd</a:t>
             </a:r>
             <a:r>
               <a:rPr lang="es-AR" sz="1800" dirty="0">
@@ -41106,80 +40981,6 @@
             </a:r>
           </a:p>
           <a:p>
-            <a:pPr marL="76200" indent="0">
-              <a:buNone/>
-            </a:pPr>
-            <a:r>
-              <a:rPr lang="es-AR" sz="1800" dirty="0" smtClean="0">
-                <a:solidFill>
-                  <a:srgbClr val="0000FF"/>
-                </a:solidFill>
-                <a:latin typeface="Consolas" panose="020B0609020204030204" pitchFamily="49" charset="0"/>
-              </a:rPr>
-              <a:t>       </a:t>
-            </a:r>
-            <a:r>
-              <a:rPr lang="es-AR" sz="1800" dirty="0" err="1" smtClean="0">
-                <a:solidFill>
-                  <a:srgbClr val="0000FF"/>
-                </a:solidFill>
-                <a:latin typeface="Consolas" panose="020B0609020204030204" pitchFamily="49" charset="0"/>
-              </a:rPr>
-              <a:t>private</a:t>
-            </a:r>
-            <a:r>
-              <a:rPr lang="es-AR" sz="1800" dirty="0" smtClean="0">
-                <a:solidFill>
-                  <a:srgbClr val="000000"/>
-                </a:solidFill>
-                <a:latin typeface="Consolas" panose="020B0609020204030204" pitchFamily="49" charset="0"/>
-              </a:rPr>
-              <a:t> </a:t>
-            </a:r>
-            <a:r>
-              <a:rPr lang="es-AR" sz="1800" dirty="0" err="1">
-                <a:solidFill>
-                  <a:srgbClr val="0000FF"/>
-                </a:solidFill>
-                <a:latin typeface="Consolas" panose="020B0609020204030204" pitchFamily="49" charset="0"/>
-              </a:rPr>
-              <a:t>int</a:t>
-            </a:r>
-            <a:r>
-              <a:rPr lang="es-AR" sz="1800" dirty="0">
-                <a:solidFill>
-                  <a:srgbClr val="000000"/>
-                </a:solidFill>
-                <a:latin typeface="Consolas" panose="020B0609020204030204" pitchFamily="49" charset="0"/>
-              </a:rPr>
-              <a:t> </a:t>
-            </a:r>
-            <a:r>
-              <a:rPr lang="es-AR" sz="1800" dirty="0" err="1" smtClean="0">
-                <a:solidFill>
-                  <a:srgbClr val="000000"/>
-                </a:solidFill>
-                <a:latin typeface="Consolas" panose="020B0609020204030204" pitchFamily="49" charset="0"/>
-              </a:rPr>
-              <a:t>dd</a:t>
-            </a:r>
-            <a:r>
-              <a:rPr lang="es-AR" sz="1800" dirty="0" smtClean="0">
-                <a:solidFill>
-                  <a:srgbClr val="000000"/>
-                </a:solidFill>
-                <a:latin typeface="Consolas" panose="020B0609020204030204" pitchFamily="49" charset="0"/>
-              </a:rPr>
-              <a:t>;</a:t>
-            </a:r>
-            <a:endParaRPr lang="es-AR" sz="1800" dirty="0">
-              <a:solidFill>
-                <a:srgbClr val="000000"/>
-              </a:solidFill>
-              <a:latin typeface="Consolas" panose="020B0609020204030204" pitchFamily="49" charset="0"/>
-            </a:endParaRPr>
-          </a:p>
-          <a:p>
             <a:r>
               <a:rPr lang="es-AR" sz="1800" dirty="0">
                 <a:solidFill>
@@ -41205,23 +41006,19 @@
                 </a:solidFill>
                 <a:latin typeface="Consolas" panose="020B0609020204030204" pitchFamily="49" charset="0"/>
               </a:rPr>
-              <a:t> </a:t>
-            </a:r>
-            <a:r>
-              <a:rPr lang="es-AR" sz="1800" dirty="0" smtClean="0">
+              <a:t> Fecha()</a:t>
+            </a:r>
+          </a:p>
+          <a:p>
+            <a:r>
+              <a:rPr lang="es-AR" sz="1800" dirty="0">
                 <a:solidFill>
                   <a:srgbClr val="000000"/>
                 </a:solidFill>
                 <a:latin typeface="Consolas" panose="020B0609020204030204" pitchFamily="49" charset="0"/>
               </a:rPr>
-              <a:t>Fecha()</a:t>
-            </a:r>
-            <a:endParaRPr lang="es-AR" sz="1800" dirty="0">
-              <a:solidFill>
-                <a:srgbClr val="000000"/>
-              </a:solidFill>
-              <a:latin typeface="Consolas" panose="020B0609020204030204" pitchFamily="49" charset="0"/>
-            </a:endParaRPr>
+              <a:t>    {</a:t>
+            </a:r>
           </a:p>
           <a:p>
             <a:r>
@@ -41231,39 +41028,10 @@
                 </a:solidFill>
                 <a:latin typeface="Consolas" panose="020B0609020204030204" pitchFamily="49" charset="0"/>
               </a:rPr>
-              <a:t>    </a:t>
-            </a:r>
-            <a:r>
-              <a:rPr lang="es-AR" sz="1800" dirty="0" smtClean="0">
-                <a:solidFill>
-                  <a:srgbClr val="000000"/>
-                </a:solidFill>
-                <a:latin typeface="Consolas" panose="020B0609020204030204" pitchFamily="49" charset="0"/>
-              </a:rPr>
-              <a:t>{</a:t>
-            </a:r>
-          </a:p>
-          <a:p>
-            <a:r>
-              <a:rPr lang="es-AR" sz="1800" dirty="0">
-                <a:solidFill>
-                  <a:srgbClr val="000000"/>
-                </a:solidFill>
-                <a:latin typeface="Consolas" panose="020B0609020204030204" pitchFamily="49" charset="0"/>
-              </a:rPr>
-              <a:t> </a:t>
-            </a:r>
-            <a:r>
-              <a:rPr lang="es-AR" sz="1800" dirty="0" smtClean="0">
-                <a:solidFill>
-                  <a:srgbClr val="000000"/>
-                </a:solidFill>
-                <a:latin typeface="Consolas" panose="020B0609020204030204" pitchFamily="49" charset="0"/>
-              </a:rPr>
-              <a:t>       </a:t>
-            </a:r>
-            <a:r>
-              <a:rPr lang="es-AR" sz="1800" dirty="0" err="1" smtClean="0">
+              <a:t>        </a:t>
+            </a:r>
+            <a:r>
+              <a:rPr lang="es-AR" sz="1800" dirty="0" err="1">
                 <a:solidFill>
                   <a:srgbClr val="0000FF"/>
                 </a:solidFill>
@@ -41272,7 +41040,7 @@
               <a:t>this</a:t>
             </a:r>
             <a:r>
-              <a:rPr lang="es-AR" sz="1800" dirty="0" err="1" smtClean="0">
+              <a:rPr lang="es-AR" sz="1800" dirty="0" err="1">
                 <a:solidFill>
                   <a:srgbClr val="000000"/>
                 </a:solidFill>
@@ -41281,42 +41049,18 @@
               <a:t>.aaaa</a:t>
             </a:r>
             <a:r>
-              <a:rPr lang="es-AR" sz="1800" dirty="0" smtClean="0">
+              <a:rPr lang="es-AR" sz="1800" dirty="0">
                 <a:solidFill>
                   <a:srgbClr val="000000"/>
                 </a:solidFill>
                 <a:latin typeface="Consolas" panose="020B0609020204030204" pitchFamily="49" charset="0"/>
               </a:rPr>
-              <a:t> </a:t>
-            </a:r>
-            <a:r>
-              <a:rPr lang="es-AR" sz="1800" dirty="0">
-                <a:solidFill>
-                  <a:srgbClr val="000000"/>
-                </a:solidFill>
-                <a:latin typeface="Consolas" panose="020B0609020204030204" pitchFamily="49" charset="0"/>
-              </a:rPr>
-              <a:t>= </a:t>
-            </a:r>
-            <a:r>
-              <a:rPr lang="es-AR" sz="1800" dirty="0" smtClean="0">
-                <a:solidFill>
-                  <a:srgbClr val="000000"/>
-                </a:solidFill>
-                <a:latin typeface="Consolas" panose="020B0609020204030204" pitchFamily="49" charset="0"/>
-              </a:rPr>
-              <a:t>1905;</a:t>
-            </a:r>
-            <a:endParaRPr lang="es-AR" sz="1800" dirty="0">
-              <a:solidFill>
-                <a:srgbClr val="000000"/>
-              </a:solidFill>
-              <a:latin typeface="Consolas" panose="020B0609020204030204" pitchFamily="49" charset="0"/>
-            </a:endParaRPr>
+              <a:t> = 1905;</a:t>
+            </a:r>
           </a:p>
           <a:p>
             <a:r>
-              <a:rPr lang="es-AR" sz="1800" dirty="0" smtClean="0">
+              <a:rPr lang="es-AR" sz="1800" dirty="0">
                 <a:solidFill>
                   <a:srgbClr val="0000FF"/>
                 </a:solidFill>
@@ -41325,27 +41069,18 @@
               <a:t>        this</a:t>
             </a:r>
             <a:r>
-              <a:rPr lang="es-AR" sz="1800" dirty="0" smtClean="0">
+              <a:rPr lang="es-AR" sz="1800" dirty="0">
                 <a:solidFill>
                   <a:srgbClr val="000000"/>
                 </a:solidFill>
                 <a:latin typeface="Consolas" panose="020B0609020204030204" pitchFamily="49" charset="0"/>
               </a:rPr>
-              <a:t>.mm </a:t>
-            </a:r>
-            <a:r>
-              <a:rPr lang="es-AR" sz="1800" dirty="0">
-                <a:solidFill>
-                  <a:srgbClr val="000000"/>
-                </a:solidFill>
-                <a:latin typeface="Consolas" panose="020B0609020204030204" pitchFamily="49" charset="0"/>
-              </a:rPr>
-              <a:t>= 4;</a:t>
+              <a:t>.mm = 4;</a:t>
             </a:r>
           </a:p>
           <a:p>
             <a:r>
-              <a:rPr lang="es-AR" sz="1800" dirty="0" smtClean="0">
+              <a:rPr lang="es-AR" sz="1800" dirty="0">
                 <a:solidFill>
                   <a:srgbClr val="0000FF"/>
                 </a:solidFill>
@@ -41354,42 +41089,18 @@
               <a:t>        this</a:t>
             </a:r>
             <a:r>
-              <a:rPr lang="es-AR" sz="1800" dirty="0" smtClean="0">
+              <a:rPr lang="es-AR" sz="1800" dirty="0">
                 <a:solidFill>
                   <a:srgbClr val="000000"/>
                 </a:solidFill>
                 <a:latin typeface="Consolas" panose="020B0609020204030204" pitchFamily="49" charset="0"/>
               </a:rPr>
-              <a:t>.dd </a:t>
-            </a:r>
-            <a:r>
-              <a:rPr lang="es-AR" sz="1800" dirty="0">
-                <a:solidFill>
-                  <a:srgbClr val="000000"/>
-                </a:solidFill>
-                <a:latin typeface="Consolas" panose="020B0609020204030204" pitchFamily="49" charset="0"/>
-              </a:rPr>
-              <a:t>= </a:t>
-            </a:r>
-            <a:r>
-              <a:rPr lang="es-AR" sz="1800" dirty="0" smtClean="0">
-                <a:solidFill>
-                  <a:srgbClr val="000000"/>
-                </a:solidFill>
-                <a:latin typeface="Consolas" panose="020B0609020204030204" pitchFamily="49" charset="0"/>
-              </a:rPr>
-              <a:t>3;</a:t>
-            </a:r>
-            <a:endParaRPr lang="es-AR" sz="1800" dirty="0">
-              <a:solidFill>
-                <a:srgbClr val="000000"/>
-              </a:solidFill>
-              <a:latin typeface="Consolas" panose="020B0609020204030204" pitchFamily="49" charset="0"/>
-            </a:endParaRPr>
+              <a:t>.dd = 3;</a:t>
+            </a:r>
           </a:p>
           <a:p>
             <a:r>
-              <a:rPr lang="es-AR" sz="1800" dirty="0" smtClean="0">
+              <a:rPr lang="es-AR" sz="1800" dirty="0">
                 <a:solidFill>
                   <a:srgbClr val="000000"/>
                 </a:solidFill>
@@ -41397,12 +41108,6 @@
               </a:rPr>
               <a:t>    }</a:t>
             </a:r>
-            <a:endParaRPr lang="es-AR" sz="1800" dirty="0">
-              <a:solidFill>
-                <a:srgbClr val="000000"/>
-              </a:solidFill>
-              <a:latin typeface="Consolas" panose="020B0609020204030204" pitchFamily="49" charset="0"/>
-            </a:endParaRPr>
           </a:p>
           <a:p>
             <a:r>
@@ -41414,7 +41119,7 @@
               </a:rPr>
               <a:t>}</a:t>
             </a:r>
-            <a:endParaRPr lang="es-AR" sz="1800" dirty="0" smtClean="0">
+            <a:endParaRPr lang="es-AR" sz="1800" dirty="0">
               <a:latin typeface="Source Sans Pro"/>
               <a:ea typeface="Source Sans Pro"/>
               <a:cs typeface="Source Sans Pro"/>
@@ -41433,13 +41138,6 @@
   <p:clrMapOvr>
     <a:masterClrMapping/>
   </p:clrMapOvr>
-  <p:timing>
-    <p:tnLst>
-      <p:par>
-        <p:cTn id="1" dur="indefinite" restart="never" nodeType="tmRoot"/>
-      </p:par>
-    </p:tnLst>
-  </p:timing>
 </p:sld>
 </file>
 
@@ -41504,10 +41202,10 @@
               <a:buNone/>
             </a:pPr>
             <a:r>
-              <a:rPr lang="es-AR"/>
-              <a:t>Constructores por Defecto</a:t>
-            </a:r>
-            <a:endParaRPr/>
+              <a:rPr lang="es-AR" dirty="0"/>
+              <a:t>Constructores de instancia</a:t>
+            </a:r>
+            <a:endParaRPr dirty="0"/>
           </a:p>
         </p:txBody>
       </p:sp>
@@ -41855,13 +41553,6 @@
   <p:clrMapOvr>
     <a:masterClrMapping/>
   </p:clrMapOvr>
-  <p:timing>
-    <p:tnLst>
-      <p:par>
-        <p:cTn id="1" dur="indefinite" restart="never" nodeType="tmRoot"/>
-      </p:par>
-    </p:tnLst>
-  </p:timing>
 </p:sld>
 </file>
 
@@ -41930,11 +41621,7 @@
             </a:pPr>
             <a:r>
               <a:rPr lang="es-AR" dirty="0"/>
-              <a:t>Constructores por </a:t>
-            </a:r>
-            <a:r>
-              <a:rPr lang="es-AR" dirty="0" smtClean="0"/>
-              <a:t>defecto</a:t>
+              <a:t>Constructores de instancia</a:t>
             </a:r>
             <a:endParaRPr sz="3600" b="0" i="0" u="none" strike="noStrike" cap="none" dirty="0">
               <a:solidFill>
@@ -42224,7 +41911,7 @@
           </a:lstStyle>
           <a:p>
             <a:r>
-              <a:rPr lang="es-AR" sz="1800" dirty="0" err="1" smtClean="0">
+              <a:rPr lang="es-AR" sz="1800" dirty="0" err="1">
                 <a:solidFill>
                   <a:srgbClr val="0000FF"/>
                 </a:solidFill>
@@ -42233,7 +41920,7 @@
               <a:t>public</a:t>
             </a:r>
             <a:r>
-              <a:rPr lang="es-AR" sz="1800" dirty="0" smtClean="0">
+              <a:rPr lang="es-AR" sz="1800" dirty="0">
                 <a:solidFill>
                   <a:srgbClr val="000000"/>
                 </a:solidFill>
@@ -42242,7 +41929,7 @@
               <a:t> Fecha(</a:t>
             </a:r>
             <a:r>
-              <a:rPr lang="es-AR" sz="1800" dirty="0" err="1" smtClean="0">
+              <a:rPr lang="es-AR" sz="1800" dirty="0" err="1">
                 <a:solidFill>
                   <a:srgbClr val="0000FF"/>
                 </a:solidFill>
@@ -42251,7 +41938,7 @@
               <a:t>int</a:t>
             </a:r>
             <a:r>
-              <a:rPr lang="es-AR" sz="1800" dirty="0" smtClean="0">
+              <a:rPr lang="es-AR" sz="1800" dirty="0">
                 <a:solidFill>
                   <a:srgbClr val="000000"/>
                 </a:solidFill>
@@ -42260,7 +41947,7 @@
               <a:t> </a:t>
             </a:r>
             <a:r>
-              <a:rPr lang="es-AR" sz="1800" dirty="0" err="1" smtClean="0">
+              <a:rPr lang="es-AR" sz="1800" dirty="0" err="1">
                 <a:solidFill>
                   <a:srgbClr val="000000"/>
                 </a:solidFill>
@@ -42269,7 +41956,7 @@
               <a:t>anio</a:t>
             </a:r>
             <a:r>
-              <a:rPr lang="es-AR" sz="1800" dirty="0" smtClean="0">
+              <a:rPr lang="es-AR" sz="1800" dirty="0">
                 <a:solidFill>
                   <a:srgbClr val="000000"/>
                 </a:solidFill>
@@ -42293,16 +41980,7 @@
                 </a:solidFill>
                 <a:latin typeface="Consolas" panose="020B0609020204030204" pitchFamily="49" charset="0"/>
               </a:rPr>
-              <a:t> </a:t>
-            </a:r>
-            <a:r>
-              <a:rPr lang="es-AR" sz="1800" dirty="0" smtClean="0">
-                <a:solidFill>
-                  <a:srgbClr val="000000"/>
-                </a:solidFill>
-                <a:latin typeface="Consolas" panose="020B0609020204030204" pitchFamily="49" charset="0"/>
-              </a:rPr>
-              <a:t>mes, </a:t>
+              <a:t> mes, </a:t>
             </a:r>
             <a:r>
               <a:rPr lang="es-AR" sz="1800" dirty="0" err="1">
@@ -42323,7 +42001,7 @@
               <a:t> </a:t>
             </a:r>
             <a:r>
-              <a:rPr lang="es-AR" sz="1800" dirty="0" err="1" smtClean="0">
+              <a:rPr lang="es-AR" sz="1800" dirty="0" err="1">
                 <a:solidFill>
                   <a:srgbClr val="000000"/>
                 </a:solidFill>
@@ -42332,7 +42010,7 @@
               <a:t>dia</a:t>
             </a:r>
             <a:r>
-              <a:rPr lang="es-AR" sz="1800" dirty="0" smtClean="0">
+              <a:rPr lang="es-AR" sz="1800" dirty="0">
                 <a:solidFill>
                   <a:srgbClr val="000000"/>
                 </a:solidFill>
@@ -42340,16 +42018,10 @@
               </a:rPr>
               <a:t>)</a:t>
             </a:r>
-            <a:endParaRPr lang="es-AR" sz="1800" dirty="0">
-              <a:solidFill>
-                <a:srgbClr val="000000"/>
-              </a:solidFill>
-              <a:latin typeface="Consolas" panose="020B0609020204030204" pitchFamily="49" charset="0"/>
-            </a:endParaRPr>
           </a:p>
           <a:p>
             <a:r>
-              <a:rPr lang="es-AR" sz="1800" dirty="0" smtClean="0">
+              <a:rPr lang="es-AR" sz="1800" dirty="0">
                 <a:solidFill>
                   <a:srgbClr val="000000"/>
                 </a:solidFill>
@@ -42366,19 +42038,10 @@
                 </a:solidFill>
                 <a:latin typeface="Consolas" panose="020B0609020204030204" pitchFamily="49" charset="0"/>
               </a:rPr>
-              <a:t> </a:t>
-            </a:r>
-            <a:r>
-              <a:rPr lang="es-AR" sz="1800" dirty="0" smtClean="0">
-                <a:solidFill>
-                  <a:srgbClr val="000000"/>
-                </a:solidFill>
-                <a:latin typeface="Consolas" panose="020B0609020204030204" pitchFamily="49" charset="0"/>
-              </a:rPr>
-              <a:t>   </a:t>
-            </a:r>
-            <a:r>
-              <a:rPr lang="es-AR" sz="1800" dirty="0" err="1" smtClean="0">
+              <a:t>    </a:t>
+            </a:r>
+            <a:r>
+              <a:rPr lang="es-AR" sz="1800" dirty="0" err="1">
                 <a:solidFill>
                   <a:srgbClr val="0000FF"/>
                 </a:solidFill>
@@ -42387,7 +42050,7 @@
               <a:t>this</a:t>
             </a:r>
             <a:r>
-              <a:rPr lang="es-AR" sz="1800" dirty="0" err="1" smtClean="0">
+              <a:rPr lang="es-AR" sz="1800" dirty="0" err="1">
                 <a:solidFill>
                   <a:srgbClr val="000000"/>
                 </a:solidFill>
@@ -42396,25 +42059,16 @@
               <a:t>.aaaa</a:t>
             </a:r>
             <a:r>
-              <a:rPr lang="es-AR" sz="1800" dirty="0" smtClean="0">
+              <a:rPr lang="es-AR" sz="1800" dirty="0">
                 <a:solidFill>
                   <a:srgbClr val="000000"/>
                 </a:solidFill>
                 <a:latin typeface="Consolas" panose="020B0609020204030204" pitchFamily="49" charset="0"/>
               </a:rPr>
-              <a:t> </a:t>
-            </a:r>
-            <a:r>
-              <a:rPr lang="es-AR" sz="1800" dirty="0">
-                <a:solidFill>
-                  <a:srgbClr val="000000"/>
-                </a:solidFill>
-                <a:latin typeface="Consolas" panose="020B0609020204030204" pitchFamily="49" charset="0"/>
-              </a:rPr>
-              <a:t>= </a:t>
-            </a:r>
-            <a:r>
-              <a:rPr lang="es-AR" sz="1800" dirty="0" err="1" smtClean="0">
+              <a:t> = </a:t>
+            </a:r>
+            <a:r>
+              <a:rPr lang="es-AR" sz="1800" dirty="0" err="1">
                 <a:solidFill>
                   <a:srgbClr val="000000"/>
                 </a:solidFill>
@@ -42423,7 +42077,7 @@
               <a:t>anio</a:t>
             </a:r>
             <a:r>
-              <a:rPr lang="es-AR" sz="1800" dirty="0" smtClean="0">
+              <a:rPr lang="es-AR" sz="1800" dirty="0">
                 <a:solidFill>
                   <a:srgbClr val="000000"/>
                 </a:solidFill>
@@ -42431,16 +42085,10 @@
               </a:rPr>
               <a:t>;</a:t>
             </a:r>
-            <a:endParaRPr lang="es-AR" sz="1800" dirty="0">
-              <a:solidFill>
-                <a:srgbClr val="000000"/>
-              </a:solidFill>
-              <a:latin typeface="Consolas" panose="020B0609020204030204" pitchFamily="49" charset="0"/>
-            </a:endParaRPr>
           </a:p>
           <a:p>
             <a:r>
-              <a:rPr lang="es-AR" sz="1800" dirty="0" smtClean="0">
+              <a:rPr lang="es-AR" sz="1800" dirty="0">
                 <a:solidFill>
                   <a:srgbClr val="0000FF"/>
                 </a:solidFill>
@@ -42449,42 +42097,18 @@
               <a:t>    this</a:t>
             </a:r>
             <a:r>
-              <a:rPr lang="es-AR" sz="1800" dirty="0" smtClean="0">
+              <a:rPr lang="es-AR" sz="1800" dirty="0">
                 <a:solidFill>
                   <a:srgbClr val="000000"/>
                 </a:solidFill>
                 <a:latin typeface="Consolas" panose="020B0609020204030204" pitchFamily="49" charset="0"/>
               </a:rPr>
-              <a:t>.mm </a:t>
-            </a:r>
-            <a:r>
-              <a:rPr lang="es-AR" sz="1800" dirty="0">
-                <a:solidFill>
-                  <a:srgbClr val="000000"/>
-                </a:solidFill>
-                <a:latin typeface="Consolas" panose="020B0609020204030204" pitchFamily="49" charset="0"/>
-              </a:rPr>
-              <a:t>= </a:t>
-            </a:r>
-            <a:r>
-              <a:rPr lang="es-AR" sz="1800" dirty="0" smtClean="0">
-                <a:solidFill>
-                  <a:srgbClr val="000000"/>
-                </a:solidFill>
-                <a:latin typeface="Consolas" panose="020B0609020204030204" pitchFamily="49" charset="0"/>
-              </a:rPr>
-              <a:t>mes;</a:t>
-            </a:r>
-            <a:endParaRPr lang="es-AR" sz="1800" dirty="0">
-              <a:solidFill>
-                <a:srgbClr val="000000"/>
-              </a:solidFill>
-              <a:latin typeface="Consolas" panose="020B0609020204030204" pitchFamily="49" charset="0"/>
-            </a:endParaRPr>
+              <a:t>.mm = mes;</a:t>
+            </a:r>
           </a:p>
           <a:p>
             <a:r>
-              <a:rPr lang="es-AR" sz="1800" dirty="0" smtClean="0">
+              <a:rPr lang="es-AR" sz="1800" dirty="0">
                 <a:solidFill>
                   <a:srgbClr val="0000FF"/>
                 </a:solidFill>
@@ -42493,25 +42117,16 @@
               <a:t>    this</a:t>
             </a:r>
             <a:r>
-              <a:rPr lang="es-AR" sz="1800" dirty="0" smtClean="0">
+              <a:rPr lang="es-AR" sz="1800" dirty="0">
                 <a:solidFill>
                   <a:srgbClr val="000000"/>
                 </a:solidFill>
                 <a:latin typeface="Consolas" panose="020B0609020204030204" pitchFamily="49" charset="0"/>
               </a:rPr>
-              <a:t>.dd </a:t>
-            </a:r>
-            <a:r>
-              <a:rPr lang="es-AR" sz="1800" dirty="0">
-                <a:solidFill>
-                  <a:srgbClr val="000000"/>
-                </a:solidFill>
-                <a:latin typeface="Consolas" panose="020B0609020204030204" pitchFamily="49" charset="0"/>
-              </a:rPr>
-              <a:t>= </a:t>
-            </a:r>
-            <a:r>
-              <a:rPr lang="es-AR" sz="1800" dirty="0" err="1" smtClean="0">
+              <a:t>.dd = </a:t>
+            </a:r>
+            <a:r>
+              <a:rPr lang="es-AR" sz="1800" dirty="0" err="1">
                 <a:solidFill>
                   <a:srgbClr val="000000"/>
                 </a:solidFill>
@@ -42520,7 +42135,7 @@
               <a:t>dia</a:t>
             </a:r>
             <a:r>
-              <a:rPr lang="es-AR" sz="1800" dirty="0" smtClean="0">
+              <a:rPr lang="es-AR" sz="1800" dirty="0">
                 <a:solidFill>
                   <a:srgbClr val="000000"/>
                 </a:solidFill>
@@ -42531,7 +42146,7 @@
           </a:p>
           <a:p>
             <a:r>
-              <a:rPr lang="es-AR" sz="1800" dirty="0" smtClean="0">
+              <a:rPr lang="es-AR" sz="1800" dirty="0">
                 <a:solidFill>
                   <a:srgbClr val="000000"/>
                 </a:solidFill>
@@ -42548,16 +42163,7 @@
                 </a:solidFill>
                 <a:latin typeface="Consolas" panose="020B0609020204030204" pitchFamily="49" charset="0"/>
               </a:rPr>
-              <a:t>// </a:t>
-            </a:r>
-            <a:r>
-              <a:rPr lang="es-AR" sz="1800" dirty="0" smtClean="0">
-                <a:solidFill>
-                  <a:srgbClr val="008000"/>
-                </a:solidFill>
-                <a:latin typeface="Consolas" panose="020B0609020204030204" pitchFamily="49" charset="0"/>
-              </a:rPr>
-              <a:t>...</a:t>
+              <a:t>// ...</a:t>
             </a:r>
           </a:p>
           <a:p>
@@ -42592,20 +42198,9 @@
                 <a:cs typeface="Arial"/>
                 <a:sym typeface="Arial"/>
               </a:rPr>
-              <a:t> </a:t>
-            </a:r>
-            <a:r>
-              <a:rPr lang="es-AR" sz="2000" dirty="0" smtClean="0">
-                <a:solidFill>
-                  <a:srgbClr val="000000"/>
-                </a:solidFill>
-                <a:latin typeface="Consolas" panose="020B0609020204030204" pitchFamily="49" charset="0"/>
-                <a:cs typeface="Arial"/>
-                <a:sym typeface="Arial"/>
-              </a:rPr>
-              <a:t>Fecha(1905, 4, 3);</a:t>
-            </a:r>
-            <a:endParaRPr lang="es-AR" sz="1800" dirty="0" smtClean="0">
+              <a:t> Fecha(1905, 4, 3);</a:t>
+            </a:r>
+            <a:endParaRPr lang="es-AR" sz="1800" dirty="0">
               <a:latin typeface="Source Sans Pro"/>
               <a:ea typeface="Source Sans Pro"/>
               <a:cs typeface="Source Sans Pro"/>
@@ -42624,13 +42219,6 @@
   <p:clrMapOvr>
     <a:masterClrMapping/>
   </p:clrMapOvr>
-  <p:timing>
-    <p:tnLst>
-      <p:par>
-        <p:cTn id="1" dur="indefinite" restart="never" nodeType="tmRoot"/>
-      </p:par>
-    </p:tnLst>
-  </p:timing>
 </p:sld>
 </file>
 
@@ -42695,7 +42283,7 @@
               <a:buNone/>
             </a:pPr>
             <a:r>
-              <a:rPr lang="es-AR" sz="4800">
+              <a:rPr lang="es-AR" sz="4800" dirty="0">
                 <a:solidFill>
                   <a:srgbClr val="FFFFFF"/>
                 </a:solidFill>
@@ -42704,9 +42292,9 @@
                 <a:cs typeface="Source Sans Pro"/>
                 <a:sym typeface="Source Sans Pro"/>
               </a:rPr>
-              <a:t>Constructores Estáticos</a:t>
-            </a:r>
-            <a:endParaRPr>
+              <a:t>Constructores estáticos</a:t>
+            </a:r>
+            <a:endParaRPr dirty="0">
               <a:solidFill>
                 <a:srgbClr val="FFFFFF"/>
               </a:solidFill>
@@ -43196,13 +42784,6 @@
   <p:clrMapOvr>
     <a:masterClrMapping/>
   </p:clrMapOvr>
-  <p:timing>
-    <p:tnLst>
-      <p:par>
-        <p:cTn id="1" dur="indefinite" restart="never" nodeType="tmRoot"/>
-      </p:par>
-    </p:tnLst>
-  </p:timing>
 </p:sld>
 </file>
 
@@ -43271,11 +42852,7 @@
             </a:pPr>
             <a:r>
               <a:rPr lang="es-AR" dirty="0"/>
-              <a:t>Constructores por </a:t>
-            </a:r>
-            <a:r>
-              <a:rPr lang="es-AR" dirty="0" smtClean="0"/>
-              <a:t>defecto</a:t>
+              <a:t>Constructores estáticos</a:t>
             </a:r>
             <a:endParaRPr sz="3600" b="0" i="0" u="none" strike="noStrike" cap="none" dirty="0">
               <a:solidFill>
@@ -43583,7 +43160,7 @@
               <a:t> </a:t>
             </a:r>
             <a:r>
-              <a:rPr lang="es-AR" sz="1800" dirty="0" smtClean="0">
+              <a:rPr lang="es-AR" sz="1800" dirty="0">
                 <a:solidFill>
                   <a:srgbClr val="2B91AF"/>
                 </a:solidFill>
@@ -43600,7 +43177,7 @@
           </a:p>
           <a:p>
             <a:r>
-              <a:rPr lang="es-AR" sz="1800" dirty="0" smtClean="0">
+              <a:rPr lang="es-AR" sz="1800" dirty="0">
                 <a:solidFill>
                   <a:srgbClr val="000000"/>
                 </a:solidFill>
@@ -43614,7 +43191,7 @@
               <a:buNone/>
             </a:pPr>
             <a:r>
-              <a:rPr lang="es-AR" sz="1800" dirty="0" smtClean="0">
+              <a:rPr lang="es-AR" sz="1800" dirty="0">
                 <a:solidFill>
                   <a:srgbClr val="000000"/>
                 </a:solidFill>
@@ -43623,7 +43200,7 @@
               <a:t>       </a:t>
             </a:r>
             <a:r>
-              <a:rPr lang="es-AR" sz="1800" dirty="0" err="1" smtClean="0">
+              <a:rPr lang="es-AR" sz="1800" dirty="0" err="1">
                 <a:solidFill>
                   <a:srgbClr val="0000FF"/>
                 </a:solidFill>
@@ -43632,7 +43209,7 @@
               <a:t>private</a:t>
             </a:r>
             <a:r>
-              <a:rPr lang="es-AR" sz="1800" dirty="0" smtClean="0">
+              <a:rPr lang="es-AR" sz="1800" dirty="0">
                 <a:solidFill>
                   <a:srgbClr val="0000FF"/>
                 </a:solidFill>
@@ -43641,7 +43218,7 @@
               <a:t> </a:t>
             </a:r>
             <a:r>
-              <a:rPr lang="es-AR" sz="1800" dirty="0" err="1" smtClean="0">
+              <a:rPr lang="es-AR" sz="1800" dirty="0" err="1">
                 <a:solidFill>
                   <a:srgbClr val="0000FF"/>
                 </a:solidFill>
@@ -43650,7 +43227,7 @@
               <a:t>static</a:t>
             </a:r>
             <a:r>
-              <a:rPr lang="es-AR" sz="1800" dirty="0" smtClean="0">
+              <a:rPr lang="es-AR" sz="1800" dirty="0">
                 <a:solidFill>
                   <a:srgbClr val="000000"/>
                 </a:solidFill>
@@ -43659,7 +43236,7 @@
               <a:t> </a:t>
             </a:r>
             <a:r>
-              <a:rPr lang="es-AR" sz="1800" dirty="0" err="1" smtClean="0">
+              <a:rPr lang="es-AR" sz="1800" dirty="0" err="1">
                 <a:solidFill>
                   <a:srgbClr val="0000FF"/>
                 </a:solidFill>
@@ -43668,7 +43245,7 @@
               <a:t>int</a:t>
             </a:r>
             <a:r>
-              <a:rPr lang="es-AR" sz="1800" dirty="0" smtClean="0">
+              <a:rPr lang="es-AR" sz="1800" dirty="0">
                 <a:solidFill>
                   <a:srgbClr val="000000"/>
                 </a:solidFill>
@@ -43676,12 +43253,6 @@
               </a:rPr>
               <a:t> var1;</a:t>
             </a:r>
-            <a:endParaRPr lang="es-AR" sz="1800" dirty="0">
-              <a:solidFill>
-                <a:srgbClr val="000000"/>
-              </a:solidFill>
-              <a:latin typeface="Consolas" panose="020B0609020204030204" pitchFamily="49" charset="0"/>
-            </a:endParaRPr>
           </a:p>
           <a:p>
             <a:pPr marL="76200" indent="0">
@@ -43694,19 +43265,10 @@
                 </a:solidFill>
                 <a:latin typeface="Consolas" panose="020B0609020204030204" pitchFamily="49" charset="0"/>
               </a:rPr>
-              <a:t> </a:t>
-            </a:r>
-            <a:r>
-              <a:rPr lang="es-AR" sz="1800" dirty="0" smtClean="0">
-                <a:solidFill>
-                  <a:srgbClr val="0000FF"/>
-                </a:solidFill>
-                <a:latin typeface="Consolas" panose="020B0609020204030204" pitchFamily="49" charset="0"/>
-              </a:rPr>
-              <a:t>      </a:t>
-            </a:r>
-            <a:r>
-              <a:rPr lang="es-AR" sz="1800" dirty="0" err="1" smtClean="0">
+              <a:t>       </a:t>
+            </a:r>
+            <a:r>
+              <a:rPr lang="es-AR" sz="1800" dirty="0" err="1">
                 <a:solidFill>
                   <a:srgbClr val="0000FF"/>
                 </a:solidFill>
@@ -43715,7 +43277,7 @@
               <a:t>private</a:t>
             </a:r>
             <a:r>
-              <a:rPr lang="es-AR" sz="1800" dirty="0" smtClean="0">
+              <a:rPr lang="es-AR" sz="1800" dirty="0">
                 <a:solidFill>
                   <a:srgbClr val="0000FF"/>
                 </a:solidFill>
@@ -43724,7 +43286,7 @@
               <a:t> </a:t>
             </a:r>
             <a:r>
-              <a:rPr lang="es-AR" sz="1800" dirty="0" err="1" smtClean="0">
+              <a:rPr lang="es-AR" sz="1800" dirty="0" err="1">
                 <a:solidFill>
                   <a:srgbClr val="0000FF"/>
                 </a:solidFill>
@@ -43733,7 +43295,7 @@
               <a:t>static</a:t>
             </a:r>
             <a:r>
-              <a:rPr lang="es-AR" sz="1800" dirty="0" smtClean="0">
+              <a:rPr lang="es-AR" sz="1800" dirty="0">
                 <a:solidFill>
                   <a:srgbClr val="000000"/>
                 </a:solidFill>
@@ -43742,7 +43304,7 @@
               <a:t> </a:t>
             </a:r>
             <a:r>
-              <a:rPr lang="es-AR" sz="1800" dirty="0" err="1" smtClean="0">
+              <a:rPr lang="es-AR" sz="1800" dirty="0" err="1">
                 <a:solidFill>
                   <a:srgbClr val="0000FF"/>
                 </a:solidFill>
@@ -43751,7 +43313,7 @@
               <a:t>string</a:t>
             </a:r>
             <a:r>
-              <a:rPr lang="es-AR" sz="1800" dirty="0" smtClean="0">
+              <a:rPr lang="es-AR" sz="1800" dirty="0">
                 <a:solidFill>
                   <a:srgbClr val="000000"/>
                 </a:solidFill>
@@ -43759,12 +43321,6 @@
               </a:rPr>
               <a:t> var2;</a:t>
             </a:r>
-            <a:endParaRPr lang="es-AR" sz="1800" dirty="0">
-              <a:solidFill>
-                <a:srgbClr val="000000"/>
-              </a:solidFill>
-              <a:latin typeface="Consolas" panose="020B0609020204030204" pitchFamily="49" charset="0"/>
-            </a:endParaRPr>
           </a:p>
           <a:p>
             <a:r>
@@ -43777,7 +43333,7 @@
               <a:t>    </a:t>
             </a:r>
             <a:r>
-              <a:rPr lang="es-AR" sz="1800" dirty="0" err="1" smtClean="0">
+              <a:rPr lang="es-AR" sz="1800" dirty="0" err="1">
                 <a:solidFill>
                   <a:srgbClr val="0000FF"/>
                 </a:solidFill>
@@ -43786,7 +43342,7 @@
               <a:t>static</a:t>
             </a:r>
             <a:r>
-              <a:rPr lang="es-AR" sz="1800" dirty="0" smtClean="0">
+              <a:rPr lang="es-AR" sz="1800" dirty="0">
                 <a:solidFill>
                   <a:srgbClr val="0000FF"/>
                 </a:solidFill>
@@ -43795,7 +43351,7 @@
               <a:t> </a:t>
             </a:r>
             <a:r>
-              <a:rPr lang="es-AR" sz="1800" dirty="0" smtClean="0">
+              <a:rPr lang="es-AR" sz="1800" dirty="0">
                 <a:solidFill>
                   <a:srgbClr val="000000"/>
                 </a:solidFill>
@@ -43803,12 +43359,6 @@
               </a:rPr>
               <a:t>Clase()</a:t>
             </a:r>
-            <a:endParaRPr lang="es-AR" sz="1800" dirty="0">
-              <a:solidFill>
-                <a:srgbClr val="000000"/>
-              </a:solidFill>
-              <a:latin typeface="Consolas" panose="020B0609020204030204" pitchFamily="49" charset="0"/>
-            </a:endParaRPr>
           </a:p>
           <a:p>
             <a:r>
@@ -43818,21 +43368,12 @@
                 </a:solidFill>
                 <a:latin typeface="Consolas" panose="020B0609020204030204" pitchFamily="49" charset="0"/>
               </a:rPr>
-              <a:t>    </a:t>
-            </a:r>
-            <a:r>
-              <a:rPr lang="es-AR" sz="1800" dirty="0" smtClean="0">
-                <a:solidFill>
-                  <a:srgbClr val="000000"/>
-                </a:solidFill>
-                <a:latin typeface="Consolas" panose="020B0609020204030204" pitchFamily="49" charset="0"/>
-              </a:rPr>
-              <a:t>{</a:t>
+              <a:t>    {</a:t>
             </a:r>
           </a:p>
           <a:p>
             <a:r>
-              <a:rPr lang="es-AR" sz="1800" dirty="0" smtClean="0">
+              <a:rPr lang="es-AR" sz="1800" dirty="0">
                 <a:solidFill>
                   <a:srgbClr val="000000"/>
                 </a:solidFill>
@@ -43840,12 +43381,6 @@
               </a:rPr>
               <a:t>        var1 = 3;</a:t>
             </a:r>
-            <a:endParaRPr lang="es-AR" sz="1800" dirty="0">
-              <a:solidFill>
-                <a:srgbClr val="000000"/>
-              </a:solidFill>
-              <a:latin typeface="Consolas" panose="020B0609020204030204" pitchFamily="49" charset="0"/>
-            </a:endParaRPr>
           </a:p>
           <a:p>
             <a:r>
@@ -43855,25 +43390,7 @@
                 </a:solidFill>
                 <a:latin typeface="Consolas" panose="020B0609020204030204" pitchFamily="49" charset="0"/>
               </a:rPr>
-              <a:t>        </a:t>
-            </a:r>
-            <a:r>
-              <a:rPr lang="es-AR" sz="1800" dirty="0" smtClean="0">
-                <a:solidFill>
-                  <a:srgbClr val="000000"/>
-                </a:solidFill>
-                <a:latin typeface="Consolas" panose="020B0609020204030204" pitchFamily="49" charset="0"/>
-              </a:rPr>
-              <a:t>var2 </a:t>
-            </a:r>
-            <a:r>
-              <a:rPr lang="es-AR" sz="1800" dirty="0">
-                <a:solidFill>
-                  <a:srgbClr val="000000"/>
-                </a:solidFill>
-                <a:latin typeface="Consolas" panose="020B0609020204030204" pitchFamily="49" charset="0"/>
-              </a:rPr>
-              <a:t>= </a:t>
+              <a:t>        var2 = </a:t>
             </a:r>
             <a:r>
               <a:rPr lang="es-AR" sz="1800" dirty="0">
@@ -43885,7 +43402,7 @@
               <a:t>"Algo"</a:t>
             </a:r>
             <a:r>
-              <a:rPr lang="es-AR" sz="1800" dirty="0" smtClean="0">
+              <a:rPr lang="es-AR" sz="1800" dirty="0">
                 <a:solidFill>
                   <a:srgbClr val="000000"/>
                 </a:solidFill>
@@ -43896,7 +43413,7 @@
           </a:p>
           <a:p>
             <a:r>
-              <a:rPr lang="es-AR" sz="1800" dirty="0" smtClean="0">
+              <a:rPr lang="es-AR" sz="1800" dirty="0">
                 <a:solidFill>
                   <a:srgbClr val="000000"/>
                 </a:solidFill>
@@ -43904,16 +43421,10 @@
               </a:rPr>
               <a:t>    }</a:t>
             </a:r>
-            <a:endParaRPr lang="es-AR" sz="1800" dirty="0">
-              <a:solidFill>
-                <a:srgbClr val="000000"/>
-              </a:solidFill>
-              <a:latin typeface="Consolas" panose="020B0609020204030204" pitchFamily="49" charset="0"/>
-            </a:endParaRPr>
           </a:p>
           <a:p>
             <a:r>
-              <a:rPr lang="es-AR" sz="1800" dirty="0" smtClean="0">
+              <a:rPr lang="es-AR" sz="1800" dirty="0">
                 <a:solidFill>
                   <a:srgbClr val="000000"/>
                 </a:solidFill>
@@ -43963,7 +43474,7 @@
               <a:buNone/>
             </a:pPr>
             <a:r>
-              <a:rPr lang="es-AR" sz="2000" dirty="0" smtClean="0">
+              <a:rPr lang="es-AR" sz="2000" dirty="0">
                 <a:solidFill>
                   <a:srgbClr val="0000FF"/>
                 </a:solidFill>
@@ -43974,7 +43485,7 @@
               <a:t>new</a:t>
             </a:r>
             <a:r>
-              <a:rPr lang="es-AR" sz="2000" dirty="0" smtClean="0">
+              <a:rPr lang="es-AR" sz="2000" dirty="0">
                 <a:solidFill>
                   <a:srgbClr val="000000"/>
                 </a:solidFill>
@@ -44006,13 +43517,6 @@
   <p:clrMapOvr>
     <a:masterClrMapping/>
   </p:clrMapOvr>
-  <p:timing>
-    <p:tnLst>
-      <p:par>
-        <p:cTn id="1" dur="indefinite" restart="never" nodeType="tmRoot"/>
-      </p:par>
-    </p:tnLst>
-  </p:timing>
 </p:sld>
 </file>
 
@@ -45137,7 +44641,7 @@
               <a:buChar char="●"/>
             </a:pPr>
             <a:r>
-              <a:rPr lang="es-AR" sz="2800" b="1" dirty="0" err="1" smtClean="0">
+              <a:rPr lang="es-AR" sz="2800" b="1" dirty="0" err="1">
                 <a:solidFill>
                   <a:schemeClr val="bg1"/>
                 </a:solidFill>
@@ -45236,7 +44740,7 @@
               <a:t>: Es el nombre asignado a la instancia de tipo </a:t>
             </a:r>
             <a:r>
-              <a:rPr lang="es-AR" sz="2800" dirty="0" err="1" smtClean="0">
+              <a:rPr lang="es-AR" sz="2800" dirty="0" err="1">
                 <a:effectLst>
                   <a:outerShdw blurRad="38100" dist="38100" dir="2700000" algn="tl">
                     <a:srgbClr val="000000">
@@ -45568,7 +45072,7 @@
               <a:buNone/>
             </a:pPr>
             <a:r>
-              <a:rPr lang="es-AR" sz="2600" dirty="0" err="1" smtClean="0">
+              <a:rPr lang="es-AR" sz="2600" dirty="0" err="1">
                 <a:solidFill>
                   <a:srgbClr val="2B91AF"/>
                 </a:solidFill>
@@ -45577,7 +45081,7 @@
               <a:t>NombreClase</a:t>
             </a:r>
             <a:r>
-              <a:rPr lang="es-AR" sz="2600" dirty="0" smtClean="0">
+              <a:rPr lang="es-AR" sz="2600" dirty="0">
                 <a:solidFill>
                   <a:srgbClr val="2B91AF"/>
                 </a:solidFill>
@@ -45586,7 +45090,7 @@
               <a:t> </a:t>
             </a:r>
             <a:r>
-              <a:rPr lang="es-AR" sz="2600" dirty="0" err="1" smtClean="0">
+              <a:rPr lang="es-AR" sz="2600" dirty="0" err="1">
                 <a:solidFill>
                   <a:srgbClr val="000000"/>
                 </a:solidFill>
@@ -45603,7 +45107,7 @@
               </a:rPr>
               <a:t>;</a:t>
             </a:r>
-            <a:endParaRPr lang="es-AR" sz="2600" dirty="0" smtClean="0">
+            <a:endParaRPr lang="es-AR" sz="2600" dirty="0">
               <a:latin typeface="Source Sans Pro"/>
               <a:ea typeface="Source Sans Pro"/>
               <a:cs typeface="Source Sans Pro"/>
@@ -45617,13 +45121,6 @@
   <p:clrMapOvr>
     <a:masterClrMapping/>
   </p:clrMapOvr>
-  <p:timing>
-    <p:tnLst>
-      <p:par>
-        <p:cTn id="1" dur="indefinite" restart="never" nodeType="tmRoot"/>
-      </p:par>
-    </p:tnLst>
-  </p:timing>
 </p:sld>
 </file>
 
@@ -45750,7 +45247,7 @@
               <a:buChar char="●"/>
             </a:pPr>
             <a:r>
-              <a:rPr lang="es-AR" sz="2800" b="1" dirty="0" err="1" smtClean="0">
+              <a:rPr lang="es-AR" sz="2800" b="1" dirty="0" err="1">
                 <a:effectLst>
                   <a:outerShdw blurRad="38100" dist="38100" dir="2700000" algn="tl">
                     <a:srgbClr val="000000">
@@ -45904,23 +45401,7 @@
                 <a:cs typeface="Source Sans Pro"/>
                 <a:sym typeface="Source Sans Pro"/>
               </a:rPr>
-              <a:t>Una vez inicializado el objeto se puede utilizar para manipular sus atributos y llamar a sus métodos</a:t>
-            </a:r>
-            <a:r>
-              <a:rPr lang="es-AR" sz="2800" dirty="0" smtClean="0">
-                <a:effectLst>
-                  <a:outerShdw blurRad="38100" dist="38100" dir="2700000" algn="tl">
-                    <a:srgbClr val="000000">
-                      <a:alpha val="43137"/>
-                    </a:srgbClr>
-                  </a:outerShdw>
-                </a:effectLst>
-                <a:latin typeface="Franklin Gothic Medium" panose="020B0603020102020204" pitchFamily="34" charset="0"/>
-                <a:ea typeface="Source Sans Pro"/>
-                <a:cs typeface="Source Sans Pro"/>
-                <a:sym typeface="Source Sans Pro"/>
-              </a:rPr>
-              <a:t>.</a:t>
+              <a:t>Una vez inicializado el objeto se puede utilizar para manipular sus atributos y llamar a sus métodos.</a:t>
             </a:r>
             <a:endParaRPr sz="2400" dirty="0">
               <a:effectLst>
@@ -46270,7 +45751,7 @@
               <a:t> </a:t>
             </a:r>
             <a:r>
-              <a:rPr lang="es-AR" sz="2600" dirty="0" err="1" smtClean="0">
+              <a:rPr lang="es-AR" sz="2600" dirty="0" err="1">
                 <a:solidFill>
                   <a:srgbClr val="000000"/>
                 </a:solidFill>
@@ -46279,22 +45760,13 @@
               <a:t>nombreObjeto</a:t>
             </a:r>
             <a:r>
-              <a:rPr lang="es-AR" sz="2600" dirty="0" smtClean="0">
+              <a:rPr lang="es-AR" sz="2600" dirty="0">
                 <a:solidFill>
                   <a:srgbClr val="000000"/>
                 </a:solidFill>
                 <a:latin typeface="Consolas" panose="020B0609020204030204" pitchFamily="49" charset="0"/>
               </a:rPr>
-              <a:t> </a:t>
-            </a:r>
-            <a:r>
-              <a:rPr lang="es-AR" sz="2600" dirty="0">
-                <a:solidFill>
-                  <a:srgbClr val="000000"/>
-                </a:solidFill>
-                <a:latin typeface="Consolas" panose="020B0609020204030204" pitchFamily="49" charset="0"/>
-              </a:rPr>
-              <a:t>= </a:t>
+              <a:t> = </a:t>
             </a:r>
             <a:r>
               <a:rPr lang="es-AR" sz="2600" dirty="0">
@@ -46337,7 +45809,7 @@
               </a:spcBef>
               <a:buNone/>
             </a:pPr>
-            <a:endParaRPr lang="es-AR" sz="2600" dirty="0" smtClean="0">
+            <a:endParaRPr lang="es-AR" sz="2600" dirty="0">
               <a:solidFill>
                 <a:srgbClr val="000000"/>
               </a:solidFill>
@@ -46352,7 +45824,7 @@
               <a:buNone/>
             </a:pPr>
             <a:r>
-              <a:rPr lang="es-AR" sz="2600" dirty="0" err="1" smtClean="0">
+              <a:rPr lang="es-AR" sz="2600" dirty="0" err="1">
                 <a:solidFill>
                   <a:srgbClr val="000000"/>
                 </a:solidFill>
@@ -46361,7 +45833,7 @@
               <a:t>nombreObjeto</a:t>
             </a:r>
             <a:r>
-              <a:rPr lang="es-AR" sz="2600" dirty="0" smtClean="0">
+              <a:rPr lang="es-AR" sz="2600" dirty="0">
                 <a:solidFill>
                   <a:srgbClr val="000000"/>
                 </a:solidFill>
@@ -46370,7 +45842,7 @@
               <a:t> = </a:t>
             </a:r>
             <a:r>
-              <a:rPr lang="es-AR" sz="2600" dirty="0" smtClean="0">
+              <a:rPr lang="es-AR" sz="2600" dirty="0">
                 <a:solidFill>
                   <a:srgbClr val="2B91AF"/>
                 </a:solidFill>
@@ -46379,7 +45851,7 @@
               <a:t>new </a:t>
             </a:r>
             <a:r>
-              <a:rPr lang="es-AR" sz="2600" dirty="0" err="1" smtClean="0">
+              <a:rPr lang="es-AR" sz="2600" dirty="0" err="1">
                 <a:solidFill>
                   <a:srgbClr val="2B91AF"/>
                 </a:solidFill>
@@ -46388,7 +45860,7 @@
               <a:t>NombreClase</a:t>
             </a:r>
             <a:r>
-              <a:rPr lang="es-AR" sz="2600" dirty="0" smtClean="0">
+              <a:rPr lang="es-AR" sz="2600" dirty="0">
                 <a:solidFill>
                   <a:srgbClr val="000000"/>
                 </a:solidFill>
@@ -46396,7 +45868,7 @@
               </a:rPr>
               <a:t>();</a:t>
             </a:r>
-            <a:endParaRPr lang="es-AR" sz="2600" dirty="0" smtClean="0">
+            <a:endParaRPr lang="es-AR" sz="2600" dirty="0">
               <a:latin typeface="Source Sans Pro"/>
               <a:ea typeface="Source Sans Pro"/>
               <a:cs typeface="Source Sans Pro"/>
@@ -46410,13 +45882,6 @@
   <p:clrMapOvr>
     <a:masterClrMapping/>
   </p:clrMapOvr>
-  <p:timing>
-    <p:tnLst>
-      <p:par>
-        <p:cTn id="1" dur="indefinite" restart="never" nodeType="tmRoot"/>
-      </p:par>
-    </p:tnLst>
-  </p:timing>
 </p:sld>
 </file>
 
@@ -46672,23 +46137,7 @@
                 <a:cs typeface="Source Sans Pro"/>
                 <a:sym typeface="Source Sans Pro"/>
               </a:rPr>
-              <a:t>Se usa un constructor para inicializar un objeto en esa memoria</a:t>
-            </a:r>
-            <a:r>
-              <a:rPr lang="es-AR" sz="2400" dirty="0" smtClean="0">
-                <a:effectLst>
-                  <a:outerShdw blurRad="38100" dist="38100" dir="2700000" algn="tl">
-                    <a:srgbClr val="000000">
-                      <a:alpha val="43137"/>
-                    </a:srgbClr>
-                  </a:outerShdw>
-                </a:effectLst>
-                <a:latin typeface="Franklin Gothic Medium" panose="020B0603020102020204" pitchFamily="34" charset="0"/>
-                <a:ea typeface="Source Sans Pro"/>
-                <a:cs typeface="Source Sans Pro"/>
-                <a:sym typeface="Source Sans Pro"/>
-              </a:rPr>
-              <a:t>.</a:t>
+              <a:t>Se usa un constructor para inicializar un objeto en esa memoria.</a:t>
             </a:r>
           </a:p>
           <a:p>
@@ -46788,23 +46237,7 @@
                 <a:cs typeface="Source Sans Pro"/>
                 <a:sym typeface="Source Sans Pro"/>
               </a:rPr>
-              <a:t>Llamadas a métodos y atributos</a:t>
-            </a:r>
-            <a:r>
-              <a:rPr lang="es-AR" sz="2400" dirty="0" smtClean="0">
-                <a:effectLst>
-                  <a:outerShdw blurRad="38100" dist="38100" dir="2700000" algn="tl">
-                    <a:srgbClr val="000000">
-                      <a:alpha val="43137"/>
-                    </a:srgbClr>
-                  </a:outerShdw>
-                </a:effectLst>
-                <a:latin typeface="Franklin Gothic Medium" panose="020B0603020102020204" pitchFamily="34" charset="0"/>
-                <a:ea typeface="Source Sans Pro"/>
-                <a:cs typeface="Source Sans Pro"/>
-                <a:sym typeface="Source Sans Pro"/>
-              </a:rPr>
-              <a:t>.</a:t>
+              <a:t>Llamadas a métodos y atributos.</a:t>
             </a:r>
           </a:p>
           <a:p>
@@ -47010,23 +46443,7 @@
                 <a:cs typeface="Source Sans Pro"/>
                 <a:sym typeface="Source Sans Pro"/>
               </a:rPr>
-              <a:t> liberará memoria cuando lo crea </a:t>
-            </a:r>
-            <a:r>
-              <a:rPr lang="es-AR" sz="2400" dirty="0" smtClean="0">
-                <a:effectLst>
-                  <a:outerShdw blurRad="38100" dist="38100" dir="2700000" algn="tl">
-                    <a:srgbClr val="000000">
-                      <a:alpha val="43137"/>
-                    </a:srgbClr>
-                  </a:outerShdw>
-                </a:effectLst>
-                <a:latin typeface="Franklin Gothic Medium" panose="020B0603020102020204" pitchFamily="34" charset="0"/>
-                <a:ea typeface="Source Sans Pro"/>
-                <a:cs typeface="Source Sans Pro"/>
-                <a:sym typeface="Source Sans Pro"/>
-              </a:rPr>
-              <a:t>necesario.</a:t>
+              <a:t> liberará memoria cuando lo crea necesario.</a:t>
             </a:r>
             <a:endParaRPr sz="2800" dirty="0">
               <a:solidFill>
@@ -47052,13 +46469,6 @@
   <p:clrMapOvr>
     <a:masterClrMapping/>
   </p:clrMapOvr>
-  <p:timing>
-    <p:tnLst>
-      <p:par>
-        <p:cTn id="1" dur="indefinite" restart="never" nodeType="tmRoot"/>
-      </p:par>
-    </p:tnLst>
-  </p:timing>
 </p:sld>
 </file>
 
@@ -47186,6 +46596,13 @@
             </a:pPr>
             <a:r>
               <a:rPr lang="es-AR" sz="2800" dirty="0">
+                <a:effectLst>
+                  <a:outerShdw blurRad="38100" dist="38100" dir="2700000" algn="tl">
+                    <a:srgbClr val="000000">
+                      <a:alpha val="43137"/>
+                    </a:srgbClr>
+                  </a:outerShdw>
+                </a:effectLst>
                 <a:latin typeface="Franklin Gothic Medium" panose="020B0603020102020204" pitchFamily="34" charset="0"/>
                 <a:ea typeface="Source Sans Pro"/>
                 <a:cs typeface="Source Sans Pro"/>
@@ -47195,6 +46612,13 @@
             </a:r>
             <a:r>
               <a:rPr lang="es-AR" sz="2800" dirty="0" err="1">
+                <a:effectLst>
+                  <a:outerShdw blurRad="38100" dist="38100" dir="2700000" algn="tl">
+                    <a:srgbClr val="000000">
+                      <a:alpha val="43137"/>
+                    </a:srgbClr>
+                  </a:outerShdw>
+                </a:effectLst>
                 <a:latin typeface="Franklin Gothic Medium" panose="020B0603020102020204" pitchFamily="34" charset="0"/>
                 <a:ea typeface="Source Sans Pro"/>
                 <a:cs typeface="Source Sans Pro"/>
@@ -47204,6 +46628,13 @@
             </a:r>
             <a:r>
               <a:rPr lang="es-AR" sz="2800" dirty="0">
+                <a:effectLst>
+                  <a:outerShdw blurRad="38100" dist="38100" dir="2700000" algn="tl">
+                    <a:srgbClr val="000000">
+                      <a:alpha val="43137"/>
+                    </a:srgbClr>
+                  </a:outerShdw>
+                </a:effectLst>
                 <a:latin typeface="Franklin Gothic Medium" panose="020B0603020102020204" pitchFamily="34" charset="0"/>
                 <a:ea typeface="Source Sans Pro"/>
                 <a:cs typeface="Source Sans Pro"/>
@@ -47213,6 +46644,13 @@
             </a:r>
             <a:r>
               <a:rPr lang="es-AR" sz="2800" dirty="0" err="1">
+                <a:effectLst>
+                  <a:outerShdw blurRad="38100" dist="38100" dir="2700000" algn="tl">
+                    <a:srgbClr val="000000">
+                      <a:alpha val="43137"/>
+                    </a:srgbClr>
+                  </a:outerShdw>
+                </a:effectLst>
                 <a:latin typeface="Franklin Gothic Medium" panose="020B0603020102020204" pitchFamily="34" charset="0"/>
                 <a:ea typeface="Source Sans Pro"/>
                 <a:cs typeface="Source Sans Pro"/>
@@ -47222,6 +46660,13 @@
             </a:r>
             <a:r>
               <a:rPr lang="es-AR" sz="2800" dirty="0">
+                <a:effectLst>
+                  <a:outerShdw blurRad="38100" dist="38100" dir="2700000" algn="tl">
+                    <a:srgbClr val="000000">
+                      <a:alpha val="43137"/>
+                    </a:srgbClr>
+                  </a:outerShdw>
+                </a:effectLst>
                 <a:latin typeface="Franklin Gothic Medium" panose="020B0603020102020204" pitchFamily="34" charset="0"/>
                 <a:ea typeface="Source Sans Pro"/>
                 <a:cs typeface="Source Sans Pro"/>
@@ -47230,6 +46675,13 @@
               <a:t> será el encargado de liberar memoria.</a:t>
             </a:r>
             <a:endParaRPr sz="3200" dirty="0">
+              <a:effectLst>
+                <a:outerShdw blurRad="38100" dist="38100" dir="2700000" algn="tl">
+                  <a:srgbClr val="000000">
+                    <a:alpha val="43137"/>
+                  </a:srgbClr>
+                </a:outerShdw>
+              </a:effectLst>
               <a:latin typeface="Franklin Gothic Medium" panose="020B0603020102020204" pitchFamily="34" charset="0"/>
               <a:ea typeface="Source Sans Pro"/>
               <a:cs typeface="Source Sans Pro"/>
@@ -47252,6 +46704,13 @@
               <a:buNone/>
             </a:pPr>
             <a:endParaRPr sz="1000" dirty="0">
+              <a:effectLst>
+                <a:outerShdw blurRad="38100" dist="38100" dir="2700000" algn="tl">
+                  <a:srgbClr val="000000">
+                    <a:alpha val="43137"/>
+                  </a:srgbClr>
+                </a:outerShdw>
+              </a:effectLst>
               <a:latin typeface="Franklin Gothic Medium" panose="020B0603020102020204" pitchFamily="34" charset="0"/>
               <a:ea typeface="Source Sans Pro"/>
               <a:cs typeface="Source Sans Pro"/>
@@ -47275,6 +46734,13 @@
             </a:pPr>
             <a:r>
               <a:rPr lang="es-AR" sz="2800" dirty="0">
+                <a:effectLst>
+                  <a:outerShdw blurRad="38100" dist="38100" dir="2700000" algn="tl">
+                    <a:srgbClr val="000000">
+                      <a:alpha val="43137"/>
+                    </a:srgbClr>
+                  </a:outerShdw>
+                </a:effectLst>
                 <a:latin typeface="Franklin Gothic Medium" panose="020B0603020102020204" pitchFamily="34" charset="0"/>
                 <a:ea typeface="Source Sans Pro"/>
                 <a:cs typeface="Source Sans Pro"/>
@@ -47284,6 +46750,13 @@
             </a:r>
             <a:r>
               <a:rPr lang="es-AR" sz="2800" dirty="0" err="1">
+                <a:effectLst>
+                  <a:outerShdw blurRad="38100" dist="38100" dir="2700000" algn="tl">
+                    <a:srgbClr val="000000">
+                      <a:alpha val="43137"/>
+                    </a:srgbClr>
+                  </a:outerShdw>
+                </a:effectLst>
                 <a:latin typeface="Franklin Gothic Medium" panose="020B0603020102020204" pitchFamily="34" charset="0"/>
                 <a:ea typeface="Source Sans Pro"/>
                 <a:cs typeface="Source Sans Pro"/>
@@ -47293,6 +46766,13 @@
             </a:r>
             <a:r>
               <a:rPr lang="es-AR" sz="2800" dirty="0">
+                <a:effectLst>
+                  <a:outerShdw blurRad="38100" dist="38100" dir="2700000" algn="tl">
+                    <a:srgbClr val="000000">
+                      <a:alpha val="43137"/>
+                    </a:srgbClr>
+                  </a:outerShdw>
+                </a:effectLst>
                 <a:latin typeface="Franklin Gothic Medium" panose="020B0603020102020204" pitchFamily="34" charset="0"/>
                 <a:ea typeface="Source Sans Pro"/>
                 <a:cs typeface="Source Sans Pro"/>
@@ -47302,6 +46782,13 @@
             </a:r>
             <a:r>
               <a:rPr lang="es-AR" sz="2800" dirty="0" err="1">
+                <a:effectLst>
+                  <a:outerShdw blurRad="38100" dist="38100" dir="2700000" algn="tl">
+                    <a:srgbClr val="000000">
+                      <a:alpha val="43137"/>
+                    </a:srgbClr>
+                  </a:outerShdw>
+                </a:effectLst>
                 <a:latin typeface="Franklin Gothic Medium" panose="020B0603020102020204" pitchFamily="34" charset="0"/>
                 <a:ea typeface="Source Sans Pro"/>
                 <a:cs typeface="Source Sans Pro"/>
@@ -47311,6 +46798,13 @@
             </a:r>
             <a:r>
               <a:rPr lang="es-AR" sz="2800" dirty="0">
+                <a:effectLst>
+                  <a:outerShdw blurRad="38100" dist="38100" dir="2700000" algn="tl">
+                    <a:srgbClr val="000000">
+                      <a:alpha val="43137"/>
+                    </a:srgbClr>
+                  </a:outerShdw>
+                </a:effectLst>
                 <a:latin typeface="Franklin Gothic Medium" panose="020B0603020102020204" pitchFamily="34" charset="0"/>
                 <a:ea typeface="Source Sans Pro"/>
                 <a:cs typeface="Source Sans Pro"/>
@@ -47320,6 +46814,13 @@
             </a:r>
             <a:r>
               <a:rPr lang="es-AR" sz="2800" dirty="0" err="1">
+                <a:effectLst>
+                  <a:outerShdw blurRad="38100" dist="38100" dir="2700000" algn="tl">
+                    <a:srgbClr val="000000">
+                      <a:alpha val="43137"/>
+                    </a:srgbClr>
+                  </a:outerShdw>
+                </a:effectLst>
                 <a:latin typeface="Franklin Gothic Medium" panose="020B0603020102020204" pitchFamily="34" charset="0"/>
                 <a:ea typeface="Source Sans Pro"/>
                 <a:cs typeface="Source Sans Pro"/>
@@ -47329,6 +46830,13 @@
             </a:r>
             <a:r>
               <a:rPr lang="es-AR" sz="2800" dirty="0">
+                <a:effectLst>
+                  <a:outerShdw blurRad="38100" dist="38100" dir="2700000" algn="tl">
+                    <a:srgbClr val="000000">
+                      <a:alpha val="43137"/>
+                    </a:srgbClr>
+                  </a:outerShdw>
+                </a:effectLst>
                 <a:latin typeface="Franklin Gothic Medium" panose="020B0603020102020204" pitchFamily="34" charset="0"/>
                 <a:ea typeface="Source Sans Pro"/>
                 <a:cs typeface="Source Sans Pro"/>
@@ -47338,6 +46846,13 @@
             </a:r>
             <a:r>
               <a:rPr lang="es-AR" sz="2800" dirty="0" err="1">
+                <a:effectLst>
+                  <a:outerShdw blurRad="38100" dist="38100" dir="2700000" algn="tl">
+                    <a:srgbClr val="000000">
+                      <a:alpha val="43137"/>
+                    </a:srgbClr>
+                  </a:outerShdw>
+                </a:effectLst>
                 <a:latin typeface="Franklin Gothic Medium" panose="020B0603020102020204" pitchFamily="34" charset="0"/>
                 <a:ea typeface="Source Sans Pro"/>
                 <a:cs typeface="Source Sans Pro"/>
@@ -47347,6 +46862,13 @@
             </a:r>
             <a:r>
               <a:rPr lang="es-AR" sz="2800" dirty="0">
+                <a:effectLst>
+                  <a:outerShdw blurRad="38100" dist="38100" dir="2700000" algn="tl">
+                    <a:srgbClr val="000000">
+                      <a:alpha val="43137"/>
+                    </a:srgbClr>
+                  </a:outerShdw>
+                </a:effectLst>
                 <a:latin typeface="Franklin Gothic Medium" panose="020B0603020102020204" pitchFamily="34" charset="0"/>
                 <a:ea typeface="Source Sans Pro"/>
                 <a:cs typeface="Source Sans Pro"/>
@@ -47355,6 +46877,13 @@
               <a:t>)</a:t>
             </a:r>
             <a:endParaRPr sz="2800" dirty="0">
+              <a:effectLst>
+                <a:outerShdw blurRad="38100" dist="38100" dir="2700000" algn="tl">
+                  <a:srgbClr val="000000">
+                    <a:alpha val="43137"/>
+                  </a:srgbClr>
+                </a:outerShdw>
+              </a:effectLst>
               <a:latin typeface="Franklin Gothic Medium" panose="020B0603020102020204" pitchFamily="34" charset="0"/>
               <a:ea typeface="Source Sans Pro"/>
               <a:cs typeface="Source Sans Pro"/>
@@ -47372,6 +46901,13 @@
               <a:buNone/>
             </a:pPr>
             <a:endParaRPr sz="1000" dirty="0">
+              <a:effectLst>
+                <a:outerShdw blurRad="38100" dist="38100" dir="2700000" algn="tl">
+                  <a:srgbClr val="000000">
+                    <a:alpha val="43137"/>
+                  </a:srgbClr>
+                </a:outerShdw>
+              </a:effectLst>
               <a:latin typeface="Franklin Gothic Medium" panose="020B0603020102020204" pitchFamily="34" charset="0"/>
               <a:ea typeface="Source Sans Pro"/>
               <a:cs typeface="Source Sans Pro"/>
@@ -47395,6 +46931,13 @@
             </a:pPr>
             <a:r>
               <a:rPr lang="es-AR" sz="2800" dirty="0">
+                <a:effectLst>
+                  <a:outerShdw blurRad="38100" dist="38100" dir="2700000" algn="tl">
+                    <a:srgbClr val="000000">
+                      <a:alpha val="43137"/>
+                    </a:srgbClr>
+                  </a:outerShdw>
+                </a:effectLst>
                 <a:latin typeface="Franklin Gothic Medium" panose="020B0603020102020204" pitchFamily="34" charset="0"/>
                 <a:ea typeface="Source Sans Pro"/>
                 <a:cs typeface="Source Sans Pro"/>
@@ -47404,6 +46947,13 @@
             </a:r>
             <a:r>
               <a:rPr lang="es-AR" sz="2800" dirty="0" err="1">
+                <a:effectLst>
+                  <a:outerShdw blurRad="38100" dist="38100" dir="2700000" algn="tl">
+                    <a:srgbClr val="000000">
+                      <a:alpha val="43137"/>
+                    </a:srgbClr>
+                  </a:outerShdw>
+                </a:effectLst>
                 <a:latin typeface="Franklin Gothic Medium" panose="020B0603020102020204" pitchFamily="34" charset="0"/>
                 <a:ea typeface="Source Sans Pro"/>
                 <a:cs typeface="Source Sans Pro"/>
@@ -47413,6 +46963,13 @@
             </a:r>
             <a:r>
               <a:rPr lang="es-AR" sz="2800" dirty="0">
+                <a:effectLst>
+                  <a:outerShdw blurRad="38100" dist="38100" dir="2700000" algn="tl">
+                    <a:srgbClr val="000000">
+                      <a:alpha val="43137"/>
+                    </a:srgbClr>
+                  </a:outerShdw>
+                </a:effectLst>
                 <a:latin typeface="Franklin Gothic Medium" panose="020B0603020102020204" pitchFamily="34" charset="0"/>
                 <a:ea typeface="Source Sans Pro"/>
                 <a:cs typeface="Source Sans Pro"/>
@@ -47422,6 +46979,13 @@
             </a:r>
             <a:r>
               <a:rPr lang="es-AR" sz="2800" dirty="0" err="1">
+                <a:effectLst>
+                  <a:outerShdw blurRad="38100" dist="38100" dir="2700000" algn="tl">
+                    <a:srgbClr val="000000">
+                      <a:alpha val="43137"/>
+                    </a:srgbClr>
+                  </a:outerShdw>
+                </a:effectLst>
                 <a:latin typeface="Franklin Gothic Medium" panose="020B0603020102020204" pitchFamily="34" charset="0"/>
                 <a:ea typeface="Source Sans Pro"/>
                 <a:cs typeface="Source Sans Pro"/>
@@ -47431,6 +46995,13 @@
             </a:r>
             <a:r>
               <a:rPr lang="es-AR" sz="2800" dirty="0">
+                <a:effectLst>
+                  <a:outerShdw blurRad="38100" dist="38100" dir="2700000" algn="tl">
+                    <a:srgbClr val="000000">
+                      <a:alpha val="43137"/>
+                    </a:srgbClr>
+                  </a:outerShdw>
+                </a:effectLst>
                 <a:latin typeface="Franklin Gothic Medium" panose="020B0603020102020204" pitchFamily="34" charset="0"/>
                 <a:ea typeface="Source Sans Pro"/>
                 <a:cs typeface="Source Sans Pro"/>
@@ -47439,6 +47010,13 @@
               <a:t> liberará memoria de objetos sin referencia.</a:t>
             </a:r>
             <a:endParaRPr sz="3200" dirty="0">
+              <a:effectLst>
+                <a:outerShdw blurRad="38100" dist="38100" dir="2700000" algn="tl">
+                  <a:srgbClr val="000000">
+                    <a:alpha val="43137"/>
+                  </a:srgbClr>
+                </a:outerShdw>
+              </a:effectLst>
               <a:latin typeface="Franklin Gothic Medium" panose="020B0603020102020204" pitchFamily="34" charset="0"/>
               <a:ea typeface="Source Sans Pro"/>
               <a:cs typeface="Source Sans Pro"/>
@@ -47518,13 +47096,6 @@
   <p:clrMapOvr>
     <a:masterClrMapping/>
   </p:clrMapOvr>
-  <p:timing>
-    <p:tnLst>
-      <p:par>
-        <p:cTn id="1" dur="indefinite" restart="never" nodeType="tmRoot"/>
-      </p:par>
-    </p:tnLst>
-  </p:timing>
 </p:sld>
 </file>
 
@@ -47780,10 +47351,297 @@
                 <a:cs typeface="Source Sans Pro"/>
                 <a:sym typeface="Source Sans Pro"/>
               </a:rPr>
-              <a:t>(Montón</a:t>
-            </a:r>
-            <a:r>
-              <a:rPr lang="es-AR" sz="2800" dirty="0" smtClean="0">
+              <a:t>(Montón).</a:t>
+            </a:r>
+          </a:p>
+          <a:p>
+            <a:pPr marL="558800" lvl="0" indent="-590550" rtl="0">
+              <a:lnSpc>
+                <a:spcPct val="90000"/>
+              </a:lnSpc>
+              <a:spcBef>
+                <a:spcPts val="980"/>
+              </a:spcBef>
+              <a:spcAft>
+                <a:spcPts val="0"/>
+              </a:spcAft>
+              <a:buClr>
+                <a:srgbClr val="FFCC29"/>
+              </a:buClr>
+              <a:buSzPts val="2600"/>
+              <a:buFont typeface="Noto Sans Symbols"/>
+              <a:buChar char="•"/>
+            </a:pPr>
+            <a:r>
+              <a:rPr lang="es-AR" sz="2800" dirty="0">
+                <a:solidFill>
+                  <a:srgbClr val="FFFFFF"/>
+                </a:solidFill>
+                <a:effectLst>
+                  <a:outerShdw blurRad="38100" dist="38100" dir="2700000" algn="tl">
+                    <a:srgbClr val="000000">
+                      <a:alpha val="43137"/>
+                    </a:srgbClr>
+                  </a:outerShdw>
+                </a:effectLst>
+                <a:latin typeface="Franklin Gothic Medium" panose="020B0603020102020204" pitchFamily="34" charset="0"/>
+                <a:ea typeface="Source Sans Pro"/>
+                <a:cs typeface="Source Sans Pro"/>
+                <a:sym typeface="Source Sans Pro"/>
+              </a:rPr>
+              <a:t>El </a:t>
+            </a:r>
+            <a:r>
+              <a:rPr lang="es-AR" sz="2800" b="1" dirty="0" err="1">
+                <a:solidFill>
+                  <a:srgbClr val="FFFFFF"/>
+                </a:solidFill>
+                <a:effectLst>
+                  <a:outerShdw blurRad="38100" dist="38100" dir="2700000" algn="tl">
+                    <a:srgbClr val="000000">
+                      <a:alpha val="43137"/>
+                    </a:srgbClr>
+                  </a:outerShdw>
+                </a:effectLst>
+                <a:latin typeface="Franklin Gothic Medium" panose="020B0603020102020204" pitchFamily="34" charset="0"/>
+                <a:ea typeface="Source Sans Pro"/>
+                <a:cs typeface="Source Sans Pro"/>
+                <a:sym typeface="Source Sans Pro"/>
+              </a:rPr>
+              <a:t>Stack</a:t>
+            </a:r>
+            <a:r>
+              <a:rPr lang="es-AR" sz="2800" dirty="0">
+                <a:solidFill>
+                  <a:srgbClr val="FFFFFF"/>
+                </a:solidFill>
+                <a:effectLst>
+                  <a:outerShdw blurRad="38100" dist="38100" dir="2700000" algn="tl">
+                    <a:srgbClr val="000000">
+                      <a:alpha val="43137"/>
+                    </a:srgbClr>
+                  </a:outerShdw>
+                </a:effectLst>
+                <a:latin typeface="Franklin Gothic Medium" panose="020B0603020102020204" pitchFamily="34" charset="0"/>
+                <a:ea typeface="Source Sans Pro"/>
+                <a:cs typeface="Source Sans Pro"/>
+                <a:sym typeface="Source Sans Pro"/>
+              </a:rPr>
+              <a:t> es liberado automáticamente y</a:t>
+            </a:r>
+          </a:p>
+          <a:p>
+            <a:pPr lvl="0">
+              <a:lnSpc>
+                <a:spcPct val="90000"/>
+              </a:lnSpc>
+              <a:spcBef>
+                <a:spcPts val="980"/>
+              </a:spcBef>
+              <a:buClr>
+                <a:srgbClr val="FFCC29"/>
+              </a:buClr>
+              <a:buSzPts val="2600"/>
+            </a:pPr>
+            <a:r>
+              <a:rPr lang="es-AR" sz="2800" dirty="0">
+                <a:solidFill>
+                  <a:srgbClr val="FFFFFF"/>
+                </a:solidFill>
+                <a:latin typeface="Franklin Gothic Medium" panose="020B0603020102020204" pitchFamily="34" charset="0"/>
+                <a:ea typeface="Source Sans Pro"/>
+                <a:cs typeface="Source Sans Pro"/>
+                <a:sym typeface="Source Sans Pro"/>
+              </a:rPr>
+              <a:t>         </a:t>
+            </a:r>
+            <a:r>
+              <a:rPr lang="es-AR" sz="2800" dirty="0">
+                <a:solidFill>
+                  <a:srgbClr val="FFFFFF"/>
+                </a:solidFill>
+                <a:effectLst>
+                  <a:outerShdw blurRad="38100" dist="38100" dir="2700000" algn="tl">
+                    <a:srgbClr val="000000">
+                      <a:alpha val="43137"/>
+                    </a:srgbClr>
+                  </a:outerShdw>
+                </a:effectLst>
+                <a:latin typeface="Franklin Gothic Medium" panose="020B0603020102020204" pitchFamily="34" charset="0"/>
+                <a:ea typeface="Source Sans Pro"/>
+                <a:cs typeface="Source Sans Pro"/>
+                <a:sym typeface="Source Sans Pro"/>
+              </a:rPr>
+              <a:t>el </a:t>
+            </a:r>
+            <a:r>
+              <a:rPr lang="es-AR" sz="2800" b="1" dirty="0" err="1">
+                <a:solidFill>
+                  <a:srgbClr val="FFFFFF"/>
+                </a:solidFill>
+                <a:effectLst>
+                  <a:outerShdw blurRad="38100" dist="38100" dir="2700000" algn="tl">
+                    <a:srgbClr val="000000">
+                      <a:alpha val="43137"/>
+                    </a:srgbClr>
+                  </a:outerShdw>
+                </a:effectLst>
+                <a:latin typeface="Franklin Gothic Medium" panose="020B0603020102020204" pitchFamily="34" charset="0"/>
+                <a:ea typeface="Source Sans Pro"/>
+                <a:cs typeface="Source Sans Pro"/>
+                <a:sym typeface="Source Sans Pro"/>
+              </a:rPr>
+              <a:t>Heap</a:t>
+            </a:r>
+            <a:r>
+              <a:rPr lang="es-AR" sz="2800" dirty="0">
+                <a:solidFill>
+                  <a:srgbClr val="FFFFFF"/>
+                </a:solidFill>
+                <a:effectLst>
+                  <a:outerShdw blurRad="38100" dist="38100" dir="2700000" algn="tl">
+                    <a:srgbClr val="000000">
+                      <a:alpha val="43137"/>
+                    </a:srgbClr>
+                  </a:outerShdw>
+                </a:effectLst>
+                <a:latin typeface="Franklin Gothic Medium" panose="020B0603020102020204" pitchFamily="34" charset="0"/>
+                <a:ea typeface="Source Sans Pro"/>
+                <a:cs typeface="Source Sans Pro"/>
+                <a:sym typeface="Source Sans Pro"/>
+              </a:rPr>
+              <a:t> es administrado por el </a:t>
+            </a:r>
+            <a:r>
+              <a:rPr lang="es-AR" sz="2800" b="1" dirty="0">
+                <a:solidFill>
+                  <a:srgbClr val="FFFFFF"/>
+                </a:solidFill>
+                <a:effectLst>
+                  <a:outerShdw blurRad="38100" dist="38100" dir="2700000" algn="tl">
+                    <a:srgbClr val="000000">
+                      <a:alpha val="43137"/>
+                    </a:srgbClr>
+                  </a:outerShdw>
+                </a:effectLst>
+                <a:latin typeface="Franklin Gothic Medium" panose="020B0603020102020204" pitchFamily="34" charset="0"/>
+                <a:ea typeface="Source Sans Pro"/>
+                <a:cs typeface="Source Sans Pro"/>
+                <a:sym typeface="Source Sans Pro"/>
+              </a:rPr>
+              <a:t>GC</a:t>
+            </a:r>
+          </a:p>
+          <a:p>
+            <a:pPr lvl="0">
+              <a:lnSpc>
+                <a:spcPct val="90000"/>
+              </a:lnSpc>
+              <a:spcBef>
+                <a:spcPts val="980"/>
+              </a:spcBef>
+              <a:buClr>
+                <a:srgbClr val="FFCC29"/>
+              </a:buClr>
+              <a:buSzPts val="2600"/>
+            </a:pPr>
+            <a:r>
+              <a:rPr lang="es-AR" sz="2800" b="1" dirty="0">
+                <a:solidFill>
+                  <a:srgbClr val="FFFFFF"/>
+                </a:solidFill>
+                <a:effectLst>
+                  <a:outerShdw blurRad="38100" dist="38100" dir="2700000" algn="tl">
+                    <a:srgbClr val="000000">
+                      <a:alpha val="43137"/>
+                    </a:srgbClr>
+                  </a:outerShdw>
+                </a:effectLst>
+                <a:latin typeface="Franklin Gothic Medium" panose="020B0603020102020204" pitchFamily="34" charset="0"/>
+                <a:ea typeface="Source Sans Pro"/>
+                <a:cs typeface="Source Sans Pro"/>
+                <a:sym typeface="Source Sans Pro"/>
+              </a:rPr>
+              <a:t>         </a:t>
+            </a:r>
+            <a:r>
+              <a:rPr lang="es-AR" sz="2800" dirty="0">
+                <a:solidFill>
+                  <a:srgbClr val="FFFFFF"/>
+                </a:solidFill>
+                <a:effectLst>
+                  <a:outerShdw blurRad="38100" dist="38100" dir="2700000" algn="tl">
+                    <a:srgbClr val="000000">
+                      <a:alpha val="43137"/>
+                    </a:srgbClr>
+                  </a:outerShdw>
+                </a:effectLst>
+                <a:latin typeface="Franklin Gothic Medium" panose="020B0603020102020204" pitchFamily="34" charset="0"/>
+                <a:ea typeface="Source Sans Pro"/>
+                <a:cs typeface="Source Sans Pro"/>
+                <a:sym typeface="Source Sans Pro"/>
+              </a:rPr>
+              <a:t>(</a:t>
+            </a:r>
+            <a:r>
+              <a:rPr lang="es-AR" sz="2800" b="1" dirty="0" err="1">
+                <a:solidFill>
+                  <a:srgbClr val="FFFFFF"/>
+                </a:solidFill>
+                <a:effectLst>
+                  <a:outerShdw blurRad="38100" dist="38100" dir="2700000" algn="tl">
+                    <a:srgbClr val="000000">
+                      <a:alpha val="43137"/>
+                    </a:srgbClr>
+                  </a:outerShdw>
+                </a:effectLst>
+                <a:latin typeface="Franklin Gothic Medium" panose="020B0603020102020204" pitchFamily="34" charset="0"/>
+                <a:ea typeface="Source Sans Pro"/>
+                <a:cs typeface="Source Sans Pro"/>
+                <a:sym typeface="Source Sans Pro"/>
+              </a:rPr>
+              <a:t>Garbage</a:t>
+            </a:r>
+            <a:r>
+              <a:rPr lang="es-AR" sz="2800" b="1" dirty="0">
+                <a:solidFill>
+                  <a:srgbClr val="FFFFFF"/>
+                </a:solidFill>
+                <a:effectLst>
+                  <a:outerShdw blurRad="38100" dist="38100" dir="2700000" algn="tl">
+                    <a:srgbClr val="000000">
+                      <a:alpha val="43137"/>
+                    </a:srgbClr>
+                  </a:outerShdw>
+                </a:effectLst>
+                <a:latin typeface="Franklin Gothic Medium" panose="020B0603020102020204" pitchFamily="34" charset="0"/>
+                <a:ea typeface="Source Sans Pro"/>
+                <a:cs typeface="Source Sans Pro"/>
+                <a:sym typeface="Source Sans Pro"/>
+              </a:rPr>
+              <a:t> </a:t>
+            </a:r>
+            <a:r>
+              <a:rPr lang="es-AR" sz="2800" b="1" dirty="0" err="1">
+                <a:solidFill>
+                  <a:srgbClr val="FFFFFF"/>
+                </a:solidFill>
+                <a:effectLst>
+                  <a:outerShdw blurRad="38100" dist="38100" dir="2700000" algn="tl">
+                    <a:srgbClr val="000000">
+                      <a:alpha val="43137"/>
+                    </a:srgbClr>
+                  </a:outerShdw>
+                </a:effectLst>
+                <a:latin typeface="Franklin Gothic Medium" panose="020B0603020102020204" pitchFamily="34" charset="0"/>
+                <a:ea typeface="Source Sans Pro"/>
+                <a:cs typeface="Source Sans Pro"/>
+                <a:sym typeface="Source Sans Pro"/>
+              </a:rPr>
+              <a:t>Collector</a:t>
+            </a:r>
+            <a:r>
+              <a:rPr lang="es-AR" sz="2800" dirty="0">
                 <a:solidFill>
                   <a:srgbClr val="FFFFFF"/>
                 </a:solidFill>
@@ -47821,7 +47679,7 @@
               <a:buChar char="•"/>
             </a:pPr>
             <a:r>
-              <a:rPr lang="es-AR" sz="2800" dirty="0" smtClean="0">
+              <a:rPr lang="es-AR" sz="2800" dirty="0">
                 <a:solidFill>
                   <a:srgbClr val="FFFFFF"/>
                 </a:solidFill>
@@ -47837,10 +47695,84 @@
                 <a:cs typeface="Source Sans Pro"/>
                 <a:sym typeface="Source Sans Pro"/>
               </a:rPr>
-              <a:t>El </a:t>
-            </a:r>
-            <a:r>
-              <a:rPr lang="es-AR" sz="2800" b="1" dirty="0" err="1" smtClean="0">
+              <a:t>Los tipos</a:t>
+            </a:r>
+            <a:r>
+              <a:rPr lang="es-AR" sz="2800" b="1" dirty="0">
+                <a:solidFill>
+                  <a:srgbClr val="FFFFFF"/>
+                </a:solidFill>
+                <a:effectLst>
+                  <a:outerShdw blurRad="38100" dist="38100" dir="2700000" algn="tl">
+                    <a:srgbClr val="000000">
+                      <a:alpha val="43137"/>
+                    </a:srgbClr>
+                  </a:outerShdw>
+                </a:effectLst>
+                <a:latin typeface="Franklin Gothic Medium" panose="020B0603020102020204" pitchFamily="34" charset="0"/>
+                <a:ea typeface="Source Sans Pro"/>
+                <a:cs typeface="Source Sans Pro"/>
+                <a:sym typeface="Source Sans Pro"/>
+              </a:rPr>
+              <a:t> VALOR</a:t>
+            </a:r>
+            <a:r>
+              <a:rPr lang="es-AR" sz="2800" dirty="0">
+                <a:solidFill>
+                  <a:srgbClr val="FFFFFF"/>
+                </a:solidFill>
+                <a:effectLst>
+                  <a:outerShdw blurRad="38100" dist="38100" dir="2700000" algn="tl">
+                    <a:srgbClr val="000000">
+                      <a:alpha val="43137"/>
+                    </a:srgbClr>
+                  </a:outerShdw>
+                </a:effectLst>
+                <a:latin typeface="Franklin Gothic Medium" panose="020B0603020102020204" pitchFamily="34" charset="0"/>
+                <a:ea typeface="Source Sans Pro"/>
+                <a:cs typeface="Source Sans Pro"/>
+                <a:sym typeface="Source Sans Pro"/>
+              </a:rPr>
+              <a:t> se almacenan en el</a:t>
+            </a:r>
+          </a:p>
+          <a:p>
+            <a:pPr lvl="0" rtl="0">
+              <a:lnSpc>
+                <a:spcPct val="90000"/>
+              </a:lnSpc>
+              <a:spcBef>
+                <a:spcPts val="980"/>
+              </a:spcBef>
+              <a:spcAft>
+                <a:spcPts val="0"/>
+              </a:spcAft>
+              <a:buClr>
+                <a:srgbClr val="FFCC29"/>
+              </a:buClr>
+              <a:buSzPts val="2600"/>
+            </a:pPr>
+            <a:r>
+              <a:rPr lang="es-AR" sz="2800" dirty="0">
+                <a:solidFill>
+                  <a:srgbClr val="FFFFFF"/>
+                </a:solidFill>
+                <a:effectLst>
+                  <a:outerShdw blurRad="38100" dist="38100" dir="2700000" algn="tl">
+                    <a:srgbClr val="000000">
+                      <a:alpha val="43137"/>
+                    </a:srgbClr>
+                  </a:outerShdw>
+                </a:effectLst>
+                <a:latin typeface="Franklin Gothic Medium" panose="020B0603020102020204" pitchFamily="34" charset="0"/>
+                <a:ea typeface="Source Sans Pro"/>
+                <a:cs typeface="Source Sans Pro"/>
+                <a:sym typeface="Source Sans Pro"/>
+              </a:rPr>
+              <a:t>         </a:t>
+            </a:r>
+            <a:r>
+              <a:rPr lang="es-AR" sz="2800" dirty="0" err="1">
                 <a:solidFill>
                   <a:srgbClr val="FFFFFF"/>
                 </a:solidFill>
@@ -47859,7 +47791,7 @@
               <a:t>Stack</a:t>
             </a:r>
             <a:r>
-              <a:rPr lang="es-AR" sz="2800" dirty="0" smtClean="0">
+              <a:rPr lang="es-AR" sz="2800" dirty="0">
                 <a:solidFill>
                   <a:srgbClr val="FFFFFF"/>
                 </a:solidFill>
@@ -47875,48 +47807,29 @@
                 <a:cs typeface="Source Sans Pro"/>
                 <a:sym typeface="Source Sans Pro"/>
               </a:rPr>
-              <a:t> es liberado automáticamente y</a:t>
+              <a:t>.</a:t>
             </a:r>
           </a:p>
           <a:p>
-            <a:pPr lvl="0">
+            <a:pPr marL="558800" lvl="0" indent="-590550" rtl="0">
               <a:lnSpc>
                 <a:spcPct val="90000"/>
               </a:lnSpc>
               <a:spcBef>
                 <a:spcPts val="980"/>
               </a:spcBef>
+              <a:spcAft>
+                <a:spcPts val="0"/>
+              </a:spcAft>
               <a:buClr>
                 <a:srgbClr val="FFCC29"/>
               </a:buClr>
               <a:buSzPts val="2600"/>
+              <a:buFont typeface="Noto Sans Symbols"/>
+              <a:buChar char="•"/>
             </a:pPr>
             <a:r>
               <a:rPr lang="es-AR" sz="2800" dirty="0">
-                <a:solidFill>
-                  <a:srgbClr val="FFFFFF"/>
-                </a:solidFill>
-                <a:latin typeface="Franklin Gothic Medium" panose="020B0603020102020204" pitchFamily="34" charset="0"/>
-                <a:ea typeface="Source Sans Pro"/>
-                <a:cs typeface="Source Sans Pro"/>
-                <a:sym typeface="Source Sans Pro"/>
-              </a:rPr>
-              <a:t> </a:t>
-            </a:r>
-            <a:r>
-              <a:rPr lang="es-AR" sz="2800" dirty="0" smtClean="0">
-                <a:solidFill>
-                  <a:srgbClr val="FFFFFF"/>
-                </a:solidFill>
-                <a:latin typeface="Franklin Gothic Medium" panose="020B0603020102020204" pitchFamily="34" charset="0"/>
-                <a:ea typeface="Source Sans Pro"/>
-                <a:cs typeface="Source Sans Pro"/>
-                <a:sym typeface="Source Sans Pro"/>
-              </a:rPr>
-              <a:t>        </a:t>
-            </a:r>
-            <a:r>
-              <a:rPr lang="es-AR" sz="2800" dirty="0" smtClean="0">
                 <a:solidFill>
                   <a:srgbClr val="FFFFFF"/>
                 </a:solidFill>
@@ -47932,10 +47845,84 @@
                 <a:cs typeface="Source Sans Pro"/>
                 <a:sym typeface="Source Sans Pro"/>
               </a:rPr>
-              <a:t>el </a:t>
-            </a:r>
-            <a:r>
-              <a:rPr lang="es-AR" sz="2800" b="1" dirty="0" err="1" smtClean="0">
+              <a:t>Los tipos </a:t>
+            </a:r>
+            <a:r>
+              <a:rPr lang="es-AR" sz="2800" b="1" dirty="0">
+                <a:solidFill>
+                  <a:srgbClr val="FFFFFF"/>
+                </a:solidFill>
+                <a:effectLst>
+                  <a:outerShdw blurRad="38100" dist="38100" dir="2700000" algn="tl">
+                    <a:srgbClr val="000000">
+                      <a:alpha val="43137"/>
+                    </a:srgbClr>
+                  </a:outerShdw>
+                </a:effectLst>
+                <a:latin typeface="Franklin Gothic Medium" panose="020B0603020102020204" pitchFamily="34" charset="0"/>
+                <a:ea typeface="Source Sans Pro"/>
+                <a:cs typeface="Source Sans Pro"/>
+                <a:sym typeface="Source Sans Pro"/>
+              </a:rPr>
+              <a:t>REFERENCIA</a:t>
+            </a:r>
+            <a:r>
+              <a:rPr lang="es-AR" sz="2800" dirty="0">
+                <a:solidFill>
+                  <a:srgbClr val="FFFFFF"/>
+                </a:solidFill>
+                <a:effectLst>
+                  <a:outerShdw blurRad="38100" dist="38100" dir="2700000" algn="tl">
+                    <a:srgbClr val="000000">
+                      <a:alpha val="43137"/>
+                    </a:srgbClr>
+                  </a:outerShdw>
+                </a:effectLst>
+                <a:latin typeface="Franklin Gothic Medium" panose="020B0603020102020204" pitchFamily="34" charset="0"/>
+                <a:ea typeface="Source Sans Pro"/>
+                <a:cs typeface="Source Sans Pro"/>
+                <a:sym typeface="Source Sans Pro"/>
+              </a:rPr>
+              <a:t> se almacenan en</a:t>
+            </a:r>
+          </a:p>
+          <a:p>
+            <a:pPr lvl="0" rtl="0">
+              <a:lnSpc>
+                <a:spcPct val="90000"/>
+              </a:lnSpc>
+              <a:spcBef>
+                <a:spcPts val="980"/>
+              </a:spcBef>
+              <a:spcAft>
+                <a:spcPts val="0"/>
+              </a:spcAft>
+              <a:buClr>
+                <a:srgbClr val="FFCC29"/>
+              </a:buClr>
+              <a:buSzPts val="2600"/>
+            </a:pPr>
+            <a:r>
+              <a:rPr lang="es-AR" sz="2800" dirty="0">
+                <a:solidFill>
+                  <a:srgbClr val="FFFFFF"/>
+                </a:solidFill>
+                <a:effectLst>
+                  <a:outerShdw blurRad="38100" dist="38100" dir="2700000" algn="tl">
+                    <a:srgbClr val="000000">
+                      <a:alpha val="43137"/>
+                    </a:srgbClr>
+                  </a:outerShdw>
+                </a:effectLst>
+                <a:latin typeface="Franklin Gothic Medium" panose="020B0603020102020204" pitchFamily="34" charset="0"/>
+                <a:ea typeface="Source Sans Pro"/>
+                <a:cs typeface="Source Sans Pro"/>
+                <a:sym typeface="Source Sans Pro"/>
+              </a:rPr>
+              <a:t>         el </a:t>
+            </a:r>
+            <a:r>
+              <a:rPr lang="es-AR" sz="2800" dirty="0" err="1">
                 <a:solidFill>
                   <a:srgbClr val="FFFFFF"/>
                 </a:solidFill>
@@ -47954,7 +47941,7 @@
               <a:t>Heap</a:t>
             </a:r>
             <a:r>
-              <a:rPr lang="es-AR" sz="2800" dirty="0" smtClean="0">
+              <a:rPr lang="es-AR" sz="2800" dirty="0">
                 <a:solidFill>
                   <a:srgbClr val="FFFFFF"/>
                 </a:solidFill>
@@ -47970,451 +47957,16 @@
                 <a:cs typeface="Source Sans Pro"/>
                 <a:sym typeface="Source Sans Pro"/>
               </a:rPr>
-              <a:t> es administrado por el </a:t>
-            </a:r>
-            <a:r>
-              <a:rPr lang="es-AR" sz="2800" b="1" dirty="0" smtClean="0">
-                <a:solidFill>
-                  <a:srgbClr val="FFFFFF"/>
-                </a:solidFill>
-                <a:effectLst>
-                  <a:outerShdw blurRad="38100" dist="38100" dir="2700000" algn="tl">
-                    <a:srgbClr val="000000">
-                      <a:alpha val="43137"/>
-                    </a:srgbClr>
-                  </a:outerShdw>
-                </a:effectLst>
-                <a:latin typeface="Franklin Gothic Medium" panose="020B0603020102020204" pitchFamily="34" charset="0"/>
-                <a:ea typeface="Source Sans Pro"/>
-                <a:cs typeface="Source Sans Pro"/>
-                <a:sym typeface="Source Sans Pro"/>
-              </a:rPr>
-              <a:t>GC</a:t>
-            </a:r>
-          </a:p>
-          <a:p>
-            <a:pPr lvl="0">
-              <a:lnSpc>
-                <a:spcPct val="90000"/>
-              </a:lnSpc>
-              <a:spcBef>
-                <a:spcPts val="980"/>
-              </a:spcBef>
-              <a:buClr>
-                <a:srgbClr val="FFCC29"/>
-              </a:buClr>
-              <a:buSzPts val="2600"/>
-            </a:pPr>
-            <a:r>
-              <a:rPr lang="es-AR" sz="2800" b="1" dirty="0">
-                <a:solidFill>
-                  <a:srgbClr val="FFFFFF"/>
-                </a:solidFill>
-                <a:effectLst>
-                  <a:outerShdw blurRad="38100" dist="38100" dir="2700000" algn="tl">
-                    <a:srgbClr val="000000">
-                      <a:alpha val="43137"/>
-                    </a:srgbClr>
-                  </a:outerShdw>
-                </a:effectLst>
-                <a:latin typeface="Franklin Gothic Medium" panose="020B0603020102020204" pitchFamily="34" charset="0"/>
-                <a:ea typeface="Source Sans Pro"/>
-                <a:cs typeface="Source Sans Pro"/>
-                <a:sym typeface="Source Sans Pro"/>
-              </a:rPr>
-              <a:t> </a:t>
-            </a:r>
-            <a:r>
-              <a:rPr lang="es-AR" sz="2800" b="1" dirty="0" smtClean="0">
-                <a:solidFill>
-                  <a:srgbClr val="FFFFFF"/>
-                </a:solidFill>
-                <a:effectLst>
-                  <a:outerShdw blurRad="38100" dist="38100" dir="2700000" algn="tl">
-                    <a:srgbClr val="000000">
-                      <a:alpha val="43137"/>
-                    </a:srgbClr>
-                  </a:outerShdw>
-                </a:effectLst>
-                <a:latin typeface="Franklin Gothic Medium" panose="020B0603020102020204" pitchFamily="34" charset="0"/>
-                <a:ea typeface="Source Sans Pro"/>
-                <a:cs typeface="Source Sans Pro"/>
-                <a:sym typeface="Source Sans Pro"/>
-              </a:rPr>
-              <a:t>        </a:t>
-            </a:r>
-            <a:r>
-              <a:rPr lang="es-AR" sz="2800" dirty="0" smtClean="0">
-                <a:solidFill>
-                  <a:srgbClr val="FFFFFF"/>
-                </a:solidFill>
-                <a:effectLst>
-                  <a:outerShdw blurRad="38100" dist="38100" dir="2700000" algn="tl">
-                    <a:srgbClr val="000000">
-                      <a:alpha val="43137"/>
-                    </a:srgbClr>
-                  </a:outerShdw>
-                </a:effectLst>
-                <a:latin typeface="Franklin Gothic Medium" panose="020B0603020102020204" pitchFamily="34" charset="0"/>
-                <a:ea typeface="Source Sans Pro"/>
-                <a:cs typeface="Source Sans Pro"/>
-                <a:sym typeface="Source Sans Pro"/>
-              </a:rPr>
-              <a:t>(</a:t>
-            </a:r>
-            <a:r>
-              <a:rPr lang="es-AR" sz="2800" b="1" dirty="0" err="1" smtClean="0">
-                <a:solidFill>
-                  <a:srgbClr val="FFFFFF"/>
-                </a:solidFill>
-                <a:effectLst>
-                  <a:outerShdw blurRad="38100" dist="38100" dir="2700000" algn="tl">
-                    <a:srgbClr val="000000">
-                      <a:alpha val="43137"/>
-                    </a:srgbClr>
-                  </a:outerShdw>
-                </a:effectLst>
-                <a:latin typeface="Franklin Gothic Medium" panose="020B0603020102020204" pitchFamily="34" charset="0"/>
-                <a:ea typeface="Source Sans Pro"/>
-                <a:cs typeface="Source Sans Pro"/>
-                <a:sym typeface="Source Sans Pro"/>
-              </a:rPr>
-              <a:t>Garbage</a:t>
-            </a:r>
-            <a:r>
-              <a:rPr lang="es-AR" sz="2800" b="1" dirty="0" smtClean="0">
-                <a:solidFill>
-                  <a:srgbClr val="FFFFFF"/>
-                </a:solidFill>
-                <a:effectLst>
-                  <a:outerShdw blurRad="38100" dist="38100" dir="2700000" algn="tl">
-                    <a:srgbClr val="000000">
-                      <a:alpha val="43137"/>
-                    </a:srgbClr>
-                  </a:outerShdw>
-                </a:effectLst>
-                <a:latin typeface="Franklin Gothic Medium" panose="020B0603020102020204" pitchFamily="34" charset="0"/>
-                <a:ea typeface="Source Sans Pro"/>
-                <a:cs typeface="Source Sans Pro"/>
-                <a:sym typeface="Source Sans Pro"/>
-              </a:rPr>
-              <a:t> </a:t>
-            </a:r>
-            <a:r>
-              <a:rPr lang="es-AR" sz="2800" b="1" dirty="0" err="1" smtClean="0">
-                <a:solidFill>
-                  <a:srgbClr val="FFFFFF"/>
-                </a:solidFill>
-                <a:effectLst>
-                  <a:outerShdw blurRad="38100" dist="38100" dir="2700000" algn="tl">
-                    <a:srgbClr val="000000">
-                      <a:alpha val="43137"/>
-                    </a:srgbClr>
-                  </a:outerShdw>
-                </a:effectLst>
-                <a:latin typeface="Franklin Gothic Medium" panose="020B0603020102020204" pitchFamily="34" charset="0"/>
-                <a:ea typeface="Source Sans Pro"/>
-                <a:cs typeface="Source Sans Pro"/>
-                <a:sym typeface="Source Sans Pro"/>
-              </a:rPr>
-              <a:t>Collector</a:t>
-            </a:r>
-            <a:r>
-              <a:rPr lang="es-AR" sz="2800" dirty="0" smtClean="0">
-                <a:solidFill>
-                  <a:srgbClr val="FFFFFF"/>
-                </a:solidFill>
-                <a:effectLst>
-                  <a:outerShdw blurRad="38100" dist="38100" dir="2700000" algn="tl">
-                    <a:srgbClr val="000000">
-                      <a:alpha val="43137"/>
-                    </a:srgbClr>
-                  </a:outerShdw>
-                </a:effectLst>
-                <a:latin typeface="Franklin Gothic Medium" panose="020B0603020102020204" pitchFamily="34" charset="0"/>
-                <a:ea typeface="Source Sans Pro"/>
-                <a:cs typeface="Source Sans Pro"/>
-                <a:sym typeface="Source Sans Pro"/>
-              </a:rPr>
-              <a:t>).</a:t>
-            </a:r>
-          </a:p>
-          <a:p>
-            <a:pPr marL="558800" lvl="0" indent="-590550" rtl="0">
-              <a:lnSpc>
-                <a:spcPct val="90000"/>
-              </a:lnSpc>
-              <a:spcBef>
-                <a:spcPts val="980"/>
-              </a:spcBef>
-              <a:spcAft>
-                <a:spcPts val="0"/>
-              </a:spcAft>
-              <a:buClr>
-                <a:srgbClr val="FFCC29"/>
-              </a:buClr>
-              <a:buSzPts val="2600"/>
-              <a:buFont typeface="Noto Sans Symbols"/>
-              <a:buChar char="•"/>
-            </a:pPr>
-            <a:r>
-              <a:rPr lang="es-AR" sz="2800" dirty="0" smtClean="0">
-                <a:solidFill>
-                  <a:srgbClr val="FFFFFF"/>
-                </a:solidFill>
-                <a:latin typeface="Franklin Gothic Medium" panose="020B0603020102020204" pitchFamily="34" charset="0"/>
-                <a:ea typeface="Source Sans Pro"/>
-                <a:cs typeface="Source Sans Pro"/>
-                <a:sym typeface="Source Sans Pro"/>
-              </a:rPr>
-              <a:t>Los </a:t>
-            </a:r>
-            <a:r>
-              <a:rPr lang="es-AR" sz="2800" dirty="0">
-                <a:solidFill>
-                  <a:srgbClr val="FFFFFF"/>
-                </a:solidFill>
-                <a:latin typeface="Franklin Gothic Medium" panose="020B0603020102020204" pitchFamily="34" charset="0"/>
-                <a:ea typeface="Source Sans Pro"/>
-                <a:cs typeface="Source Sans Pro"/>
-                <a:sym typeface="Source Sans Pro"/>
-              </a:rPr>
-              <a:t>tipos</a:t>
-            </a:r>
-            <a:r>
-              <a:rPr lang="es-AR" sz="2800" b="1" dirty="0">
-                <a:solidFill>
-                  <a:srgbClr val="FFFFFF"/>
-                </a:solidFill>
-                <a:latin typeface="Franklin Gothic Medium" panose="020B0603020102020204" pitchFamily="34" charset="0"/>
-                <a:ea typeface="Source Sans Pro"/>
-                <a:cs typeface="Source Sans Pro"/>
-                <a:sym typeface="Source Sans Pro"/>
-              </a:rPr>
-              <a:t> VALOR</a:t>
-            </a:r>
-            <a:r>
-              <a:rPr lang="es-AR" sz="2800" dirty="0">
-                <a:solidFill>
-                  <a:srgbClr val="FFFFFF"/>
-                </a:solidFill>
-                <a:latin typeface="Franklin Gothic Medium" panose="020B0603020102020204" pitchFamily="34" charset="0"/>
-                <a:ea typeface="Source Sans Pro"/>
-                <a:cs typeface="Source Sans Pro"/>
-                <a:sym typeface="Source Sans Pro"/>
-              </a:rPr>
-              <a:t> se almacenan en </a:t>
-            </a:r>
-            <a:r>
-              <a:rPr lang="es-AR" sz="2800" dirty="0" smtClean="0">
-                <a:solidFill>
-                  <a:srgbClr val="FFFFFF"/>
-                </a:solidFill>
-                <a:latin typeface="Franklin Gothic Medium" panose="020B0603020102020204" pitchFamily="34" charset="0"/>
-                <a:ea typeface="Source Sans Pro"/>
-                <a:cs typeface="Source Sans Pro"/>
-                <a:sym typeface="Source Sans Pro"/>
-              </a:rPr>
-              <a:t>el</a:t>
-            </a:r>
-          </a:p>
-          <a:p>
-            <a:pPr lvl="0" rtl="0">
-              <a:lnSpc>
-                <a:spcPct val="90000"/>
-              </a:lnSpc>
-              <a:spcBef>
-                <a:spcPts val="980"/>
-              </a:spcBef>
-              <a:spcAft>
-                <a:spcPts val="0"/>
-              </a:spcAft>
-              <a:buClr>
-                <a:srgbClr val="FFCC29"/>
-              </a:buClr>
-              <a:buSzPts val="2600"/>
-            </a:pPr>
-            <a:r>
-              <a:rPr lang="es-AR" sz="2800" dirty="0" smtClean="0">
-                <a:solidFill>
-                  <a:srgbClr val="FFFFFF"/>
-                </a:solidFill>
-                <a:latin typeface="Franklin Gothic Medium" panose="020B0603020102020204" pitchFamily="34" charset="0"/>
-                <a:ea typeface="Source Sans Pro"/>
-                <a:cs typeface="Source Sans Pro"/>
-                <a:sym typeface="Source Sans Pro"/>
-              </a:rPr>
-              <a:t>         </a:t>
-            </a:r>
-            <a:r>
-              <a:rPr lang="es-AR" sz="2800" dirty="0" err="1" smtClean="0">
-                <a:solidFill>
-                  <a:srgbClr val="FFFFFF"/>
-                </a:solidFill>
-                <a:latin typeface="Franklin Gothic Medium" panose="020B0603020102020204" pitchFamily="34" charset="0"/>
-                <a:ea typeface="Source Sans Pro"/>
-                <a:cs typeface="Source Sans Pro"/>
-                <a:sym typeface="Source Sans Pro"/>
-              </a:rPr>
-              <a:t>Stack</a:t>
-            </a:r>
-            <a:r>
-              <a:rPr lang="es-AR" sz="2800" dirty="0" smtClean="0">
-                <a:solidFill>
-                  <a:srgbClr val="FFFFFF"/>
-                </a:solidFill>
-                <a:latin typeface="Franklin Gothic Medium" panose="020B0603020102020204" pitchFamily="34" charset="0"/>
-                <a:ea typeface="Source Sans Pro"/>
-                <a:cs typeface="Source Sans Pro"/>
-                <a:sym typeface="Source Sans Pro"/>
-              </a:rPr>
               <a:t>.</a:t>
             </a:r>
-          </a:p>
-          <a:p>
-            <a:pPr marL="558800" lvl="0" indent="-590550" rtl="0">
-              <a:lnSpc>
-                <a:spcPct val="90000"/>
-              </a:lnSpc>
-              <a:spcBef>
-                <a:spcPts val="980"/>
-              </a:spcBef>
-              <a:spcAft>
-                <a:spcPts val="0"/>
-              </a:spcAft>
-              <a:buClr>
-                <a:srgbClr val="FFCC29"/>
-              </a:buClr>
-              <a:buSzPts val="2600"/>
-              <a:buFont typeface="Noto Sans Symbols"/>
-              <a:buChar char="•"/>
-            </a:pPr>
-            <a:r>
-              <a:rPr lang="es-AR" sz="2800" dirty="0" smtClean="0">
-                <a:solidFill>
-                  <a:srgbClr val="FFFFFF"/>
-                </a:solidFill>
-                <a:latin typeface="Franklin Gothic Medium" panose="020B0603020102020204" pitchFamily="34" charset="0"/>
-                <a:ea typeface="Source Sans Pro"/>
-                <a:cs typeface="Source Sans Pro"/>
-                <a:sym typeface="Source Sans Pro"/>
-              </a:rPr>
-              <a:t>Los </a:t>
-            </a:r>
-            <a:r>
-              <a:rPr lang="es-AR" sz="2800" dirty="0">
-                <a:solidFill>
-                  <a:srgbClr val="FFFFFF"/>
-                </a:solidFill>
-                <a:latin typeface="Franklin Gothic Medium" panose="020B0603020102020204" pitchFamily="34" charset="0"/>
-                <a:ea typeface="Source Sans Pro"/>
-                <a:cs typeface="Source Sans Pro"/>
-                <a:sym typeface="Source Sans Pro"/>
-              </a:rPr>
-              <a:t>tipos </a:t>
-            </a:r>
-            <a:r>
-              <a:rPr lang="es-AR" sz="2800" b="1" dirty="0">
-                <a:solidFill>
-                  <a:srgbClr val="FFFFFF"/>
-                </a:solidFill>
-                <a:latin typeface="Franklin Gothic Medium" panose="020B0603020102020204" pitchFamily="34" charset="0"/>
-                <a:ea typeface="Source Sans Pro"/>
-                <a:cs typeface="Source Sans Pro"/>
-                <a:sym typeface="Source Sans Pro"/>
-              </a:rPr>
-              <a:t>REFERENCIA</a:t>
-            </a:r>
-            <a:r>
-              <a:rPr lang="es-AR" sz="2800" dirty="0">
-                <a:solidFill>
-                  <a:srgbClr val="FFFFFF"/>
-                </a:solidFill>
-                <a:latin typeface="Franklin Gothic Medium" panose="020B0603020102020204" pitchFamily="34" charset="0"/>
-                <a:ea typeface="Source Sans Pro"/>
-                <a:cs typeface="Source Sans Pro"/>
-                <a:sym typeface="Source Sans Pro"/>
-              </a:rPr>
-              <a:t> se almacenan </a:t>
-            </a:r>
-            <a:r>
-              <a:rPr lang="es-AR" sz="2800" dirty="0" smtClean="0">
-                <a:solidFill>
-                  <a:srgbClr val="FFFFFF"/>
-                </a:solidFill>
-                <a:latin typeface="Franklin Gothic Medium" panose="020B0603020102020204" pitchFamily="34" charset="0"/>
-                <a:ea typeface="Source Sans Pro"/>
-                <a:cs typeface="Source Sans Pro"/>
-                <a:sym typeface="Source Sans Pro"/>
-              </a:rPr>
-              <a:t>en</a:t>
-            </a:r>
-          </a:p>
-          <a:p>
-            <a:pPr lvl="0" rtl="0">
-              <a:lnSpc>
-                <a:spcPct val="90000"/>
-              </a:lnSpc>
-              <a:spcBef>
-                <a:spcPts val="980"/>
-              </a:spcBef>
-              <a:spcAft>
-                <a:spcPts val="0"/>
-              </a:spcAft>
-              <a:buClr>
-                <a:srgbClr val="FFCC29"/>
-              </a:buClr>
-              <a:buSzPts val="2600"/>
-            </a:pPr>
-            <a:r>
-              <a:rPr lang="es-AR" sz="2800" dirty="0">
-                <a:solidFill>
-                  <a:srgbClr val="FFFFFF"/>
-                </a:solidFill>
-                <a:latin typeface="Franklin Gothic Medium" panose="020B0603020102020204" pitchFamily="34" charset="0"/>
-                <a:ea typeface="Source Sans Pro"/>
-                <a:cs typeface="Source Sans Pro"/>
-                <a:sym typeface="Source Sans Pro"/>
-              </a:rPr>
-              <a:t> </a:t>
-            </a:r>
-            <a:r>
-              <a:rPr lang="es-AR" sz="2800" dirty="0" smtClean="0">
-                <a:solidFill>
-                  <a:srgbClr val="FFFFFF"/>
-                </a:solidFill>
-                <a:latin typeface="Franklin Gothic Medium" panose="020B0603020102020204" pitchFamily="34" charset="0"/>
-                <a:ea typeface="Source Sans Pro"/>
-                <a:cs typeface="Source Sans Pro"/>
-                <a:sym typeface="Source Sans Pro"/>
-              </a:rPr>
-              <a:t>        el </a:t>
-            </a:r>
-            <a:r>
-              <a:rPr lang="es-AR" sz="2800" dirty="0" err="1">
-                <a:solidFill>
-                  <a:srgbClr val="FFFFFF"/>
-                </a:solidFill>
-                <a:latin typeface="Franklin Gothic Medium" panose="020B0603020102020204" pitchFamily="34" charset="0"/>
-                <a:ea typeface="Source Sans Pro"/>
-                <a:cs typeface="Source Sans Pro"/>
-                <a:sym typeface="Source Sans Pro"/>
-              </a:rPr>
-              <a:t>Heap</a:t>
-            </a:r>
-            <a:r>
-              <a:rPr lang="es-AR" sz="2800" dirty="0" smtClean="0">
-                <a:solidFill>
-                  <a:srgbClr val="FFFFFF"/>
-                </a:solidFill>
-                <a:latin typeface="Franklin Gothic Medium" panose="020B0603020102020204" pitchFamily="34" charset="0"/>
-                <a:ea typeface="Source Sans Pro"/>
-                <a:cs typeface="Source Sans Pro"/>
-                <a:sym typeface="Source Sans Pro"/>
-              </a:rPr>
-              <a:t>.</a:t>
-            </a:r>
             <a:endParaRPr lang="es-AR" sz="2800" dirty="0">
+              <a:effectLst>
+                <a:outerShdw blurRad="38100" dist="38100" dir="2700000" algn="tl">
+                  <a:srgbClr val="000000">
+                    <a:alpha val="43137"/>
+                  </a:srgbClr>
+                </a:outerShdw>
+              </a:effectLst>
               <a:latin typeface="Franklin Gothic Medium" panose="020B0603020102020204" pitchFamily="34" charset="0"/>
             </a:endParaRPr>
           </a:p>
@@ -48576,10 +48128,9 @@
           <a:lstStyle/>
           <a:p>
             <a:r>
-              <a:rPr lang="es-AR" dirty="0" smtClean="0"/>
+              <a:rPr lang="es-AR" dirty="0"/>
               <a:t>Int32: 26068</a:t>
             </a:r>
-            <a:endParaRPr lang="es-AR" dirty="0"/>
           </a:p>
         </p:txBody>
       </p:sp>
@@ -48606,10 +48157,9 @@
           <a:lstStyle/>
           <a:p>
             <a:r>
-              <a:rPr lang="es-AR" dirty="0" smtClean="0"/>
+              <a:rPr lang="es-AR" dirty="0"/>
               <a:t>short: 63</a:t>
             </a:r>
-            <a:endParaRPr lang="es-AR" dirty="0"/>
           </a:p>
         </p:txBody>
       </p:sp>
@@ -48636,14 +48186,13 @@
           <a:lstStyle/>
           <a:p>
             <a:r>
-              <a:rPr lang="es-AR" dirty="0" err="1" smtClean="0"/>
+              <a:rPr lang="es-AR" dirty="0" err="1"/>
               <a:t>char</a:t>
             </a:r>
             <a:r>
-              <a:rPr lang="es-AR" dirty="0" smtClean="0"/>
+              <a:rPr lang="es-AR" dirty="0"/>
               <a:t>: j</a:t>
             </a:r>
-            <a:endParaRPr lang="es-AR" dirty="0"/>
           </a:p>
         </p:txBody>
       </p:sp>
@@ -48670,7 +48219,7 @@
           <a:lstStyle/>
           <a:p>
             <a:r>
-              <a:rPr lang="es-AR" dirty="0" err="1" smtClean="0"/>
+              <a:rPr lang="es-AR" dirty="0" err="1"/>
               <a:t>String</a:t>
             </a:r>
             <a:endParaRPr lang="es-AR" dirty="0"/>
@@ -48700,7 +48249,7 @@
           <a:lstStyle/>
           <a:p>
             <a:r>
-              <a:rPr lang="es-AR" b="1" dirty="0" smtClean="0">
+              <a:rPr lang="es-AR" b="1" dirty="0">
                 <a:effectLst>
                   <a:outerShdw blurRad="38100" dist="38100" dir="2700000" algn="tl">
                     <a:srgbClr val="000000">
@@ -48712,16 +48261,6 @@
               </a:rPr>
               <a:t>STACK</a:t>
             </a:r>
-            <a:endParaRPr lang="es-AR" b="1" dirty="0">
-              <a:effectLst>
-                <a:outerShdw blurRad="38100" dist="38100" dir="2700000" algn="tl">
-                  <a:srgbClr val="000000">
-                    <a:alpha val="43137"/>
-                  </a:srgbClr>
-                </a:outerShdw>
-              </a:effectLst>
-              <a:latin typeface="Franklin Gothic Medium" panose="020B0603020102020204" pitchFamily="34" charset="0"/>
-            </a:endParaRPr>
           </a:p>
         </p:txBody>
       </p:sp>
@@ -48863,10 +48402,9 @@
           <a:lstStyle/>
           <a:p>
             <a:r>
-              <a:rPr lang="es-AR" dirty="0" smtClean="0"/>
+              <a:rPr lang="es-AR" dirty="0"/>
               <a:t>Un Texto</a:t>
             </a:r>
-            <a:endParaRPr lang="es-AR" dirty="0"/>
           </a:p>
         </p:txBody>
       </p:sp>
@@ -48893,7 +48431,7 @@
           <a:lstStyle/>
           <a:p>
             <a:r>
-              <a:rPr lang="es-AR" b="1" dirty="0" smtClean="0">
+              <a:rPr lang="es-AR" b="1" dirty="0">
                 <a:effectLst>
                   <a:outerShdw blurRad="38100" dist="38100" dir="2700000" algn="tl">
                     <a:srgbClr val="000000">
@@ -48905,16 +48443,6 @@
               </a:rPr>
               <a:t>HEAP</a:t>
             </a:r>
-            <a:endParaRPr lang="es-AR" b="1" dirty="0">
-              <a:effectLst>
-                <a:outerShdw blurRad="38100" dist="38100" dir="2700000" algn="tl">
-                  <a:srgbClr val="000000">
-                    <a:alpha val="43137"/>
-                  </a:srgbClr>
-                </a:outerShdw>
-              </a:effectLst>
-              <a:latin typeface="Franklin Gothic Medium" panose="020B0603020102020204" pitchFamily="34" charset="0"/>
-            </a:endParaRPr>
           </a:p>
         </p:txBody>
       </p:sp>
@@ -49056,11 +48584,11 @@
           <a:lstStyle/>
           <a:p>
             <a:r>
-              <a:rPr lang="es-AR" dirty="0" smtClean="0"/>
+              <a:rPr lang="es-AR" dirty="0"/>
               <a:t>Reference </a:t>
             </a:r>
             <a:r>
-              <a:rPr lang="es-AR" dirty="0" err="1" smtClean="0"/>
+              <a:rPr lang="es-AR" dirty="0" err="1"/>
               <a:t>Type</a:t>
             </a:r>
             <a:endParaRPr lang="es-AR" dirty="0"/>
@@ -49147,15 +48675,15 @@
           <a:lstStyle/>
           <a:p>
             <a:r>
-              <a:rPr lang="es-AR" dirty="0" err="1" smtClean="0"/>
+              <a:rPr lang="es-AR" dirty="0" err="1"/>
               <a:t>Value</a:t>
             </a:r>
             <a:r>
-              <a:rPr lang="es-AR" dirty="0" smtClean="0"/>
+              <a:rPr lang="es-AR" dirty="0"/>
               <a:t> </a:t>
             </a:r>
             <a:r>
-              <a:rPr lang="es-AR" dirty="0" err="1" smtClean="0"/>
+              <a:rPr lang="es-AR" dirty="0" err="1"/>
               <a:t>Type</a:t>
             </a:r>
             <a:endParaRPr lang="es-AR" dirty="0"/>
@@ -50104,7 +49632,7 @@
               <a:t>El tiempo de vida de </a:t>
             </a:r>
             <a:r>
-              <a:rPr lang="es-AR" sz="2800" smtClean="0">
+              <a:rPr lang="es-AR" sz="2800">
                 <a:effectLst>
                   <a:outerShdw blurRad="38100" dist="38100" dir="2700000" algn="tl">
                     <a:srgbClr val="000000">
@@ -50133,23 +49661,7 @@
                 <a:cs typeface="Source Sans Pro"/>
                 <a:sym typeface="Source Sans Pro"/>
               </a:rPr>
-              <a:t>local está vinculado al ámbito en el que está </a:t>
-            </a:r>
-            <a:r>
-              <a:rPr lang="es-AR" sz="2800" dirty="0" smtClean="0">
-                <a:effectLst>
-                  <a:outerShdw blurRad="38100" dist="38100" dir="2700000" algn="tl">
-                    <a:srgbClr val="000000">
-                      <a:alpha val="43137"/>
-                    </a:srgbClr>
-                  </a:outerShdw>
-                </a:effectLst>
-                <a:latin typeface="Franklin Gothic Medium" panose="020B0603020102020204" pitchFamily="34" charset="0"/>
-                <a:ea typeface="Source Sans Pro"/>
-                <a:cs typeface="Source Sans Pro"/>
-                <a:sym typeface="Source Sans Pro"/>
-              </a:rPr>
-              <a:t>declarada.</a:t>
+              <a:t>local está vinculado al ámbito en el que está declarada.</a:t>
             </a:r>
           </a:p>
           <a:p>
@@ -50164,22 +49676,6 @@
               <a:buFont typeface="Source Sans Pro"/>
               <a:buChar char="●"/>
             </a:pPr>
-            <a:r>
-              <a:rPr lang="es-AR" sz="2600" dirty="0" smtClean="0">
-                <a:effectLst>
-                  <a:outerShdw blurRad="38100" dist="38100" dir="2700000" algn="tl">
-                    <a:srgbClr val="000000">
-                      <a:alpha val="43137"/>
-                    </a:srgbClr>
-                  </a:outerShdw>
-                </a:effectLst>
-                <a:latin typeface="Franklin Gothic Medium" panose="020B0603020102020204" pitchFamily="34" charset="0"/>
-                <a:ea typeface="Source Sans Pro"/>
-                <a:cs typeface="Source Sans Pro"/>
-                <a:sym typeface="Source Sans Pro"/>
-              </a:rPr>
-              <a:t>Tiempo </a:t>
-            </a:r>
             <a:r>
               <a:rPr lang="es-AR" sz="2600" dirty="0">
                 <a:effectLst>
@@ -50194,37 +49690,8 @@
                 <a:cs typeface="Source Sans Pro"/>
                 <a:sym typeface="Source Sans Pro"/>
               </a:rPr>
-              <a:t>de vida corto (en general</a:t>
-            </a:r>
-            <a:r>
-              <a:rPr lang="es-AR" sz="2600" dirty="0" smtClean="0">
-                <a:effectLst>
-                  <a:outerShdw blurRad="38100" dist="38100" dir="2700000" algn="tl">
-                    <a:srgbClr val="000000">
-                      <a:alpha val="43137"/>
-                    </a:srgbClr>
-                  </a:outerShdw>
-                </a:effectLst>
-                <a:latin typeface="Franklin Gothic Medium" panose="020B0603020102020204" pitchFamily="34" charset="0"/>
-                <a:ea typeface="Source Sans Pro"/>
-                <a:cs typeface="Source Sans Pro"/>
-                <a:sym typeface="Source Sans Pro"/>
-              </a:rPr>
-              <a:t>).</a:t>
-            </a:r>
-            <a:endParaRPr lang="es-AR" sz="2600" dirty="0">
-              <a:effectLst>
-                <a:outerShdw blurRad="38100" dist="38100" dir="2700000" algn="tl">
-                  <a:srgbClr val="000000">
-                    <a:alpha val="43137"/>
-                  </a:srgbClr>
-                </a:outerShdw>
-              </a:effectLst>
-              <a:latin typeface="Franklin Gothic Medium" panose="020B0603020102020204" pitchFamily="34" charset="0"/>
-              <a:ea typeface="Source Sans Pro"/>
-              <a:cs typeface="Source Sans Pro"/>
-              <a:sym typeface="Source Sans Pro"/>
-            </a:endParaRPr>
+              <a:t>Tiempo de vida corto (en general).</a:t>
+            </a:r>
           </a:p>
           <a:p>
             <a:pPr marL="1016000" lvl="1" indent="-590550">
@@ -50238,22 +49705,6 @@
               <a:buFont typeface="Source Sans Pro"/>
               <a:buChar char="●"/>
             </a:pPr>
-            <a:r>
-              <a:rPr lang="es-AR" sz="2600" dirty="0" smtClean="0">
-                <a:effectLst>
-                  <a:outerShdw blurRad="38100" dist="38100" dir="2700000" algn="tl">
-                    <a:srgbClr val="000000">
-                      <a:alpha val="43137"/>
-                    </a:srgbClr>
-                  </a:outerShdw>
-                </a:effectLst>
-                <a:latin typeface="Franklin Gothic Medium" panose="020B0603020102020204" pitchFamily="34" charset="0"/>
-                <a:ea typeface="Source Sans Pro"/>
-                <a:cs typeface="Source Sans Pro"/>
-                <a:sym typeface="Source Sans Pro"/>
-              </a:rPr>
-              <a:t>Creación </a:t>
-            </a:r>
             <a:r>
               <a:rPr lang="es-AR" sz="2600" dirty="0">
                 <a:effectLst>
@@ -50268,7 +49719,7 @@
                 <a:cs typeface="Source Sans Pro"/>
                 <a:sym typeface="Source Sans Pro"/>
               </a:rPr>
-              <a:t>y destrucción deterministas.</a:t>
+              <a:t>Creación y destrucción deterministas.</a:t>
             </a:r>
             <a:endParaRPr sz="2600" dirty="0">
               <a:effectLst>
@@ -50337,37 +49788,8 @@
                 <a:cs typeface="Source Sans Pro"/>
                 <a:sym typeface="Source Sans Pro"/>
               </a:rPr>
-              <a:t>El tiempo de vida de un objeto dinámico no está vinculado a su </a:t>
-            </a:r>
-            <a:r>
-              <a:rPr lang="es-AR" sz="2800" dirty="0" smtClean="0">
-                <a:effectLst>
-                  <a:outerShdw blurRad="38100" dist="38100" dir="2700000" algn="tl">
-                    <a:srgbClr val="000000">
-                      <a:alpha val="43137"/>
-                    </a:srgbClr>
-                  </a:outerShdw>
-                </a:effectLst>
-                <a:latin typeface="Franklin Gothic Medium" panose="020B0603020102020204" pitchFamily="34" charset="0"/>
-                <a:ea typeface="Source Sans Pro"/>
-                <a:cs typeface="Source Sans Pro"/>
-                <a:sym typeface="Source Sans Pro"/>
-              </a:rPr>
-              <a:t>ámbito.</a:t>
-            </a:r>
-            <a:endParaRPr lang="es-AR" sz="2800" dirty="0">
-              <a:effectLst>
-                <a:outerShdw blurRad="38100" dist="38100" dir="2700000" algn="tl">
-                  <a:srgbClr val="000000">
-                    <a:alpha val="43137"/>
-                  </a:srgbClr>
-                </a:outerShdw>
-              </a:effectLst>
-              <a:latin typeface="Franklin Gothic Medium" panose="020B0603020102020204" pitchFamily="34" charset="0"/>
-              <a:ea typeface="Source Sans Pro"/>
-              <a:cs typeface="Source Sans Pro"/>
-              <a:sym typeface="Source Sans Pro"/>
-            </a:endParaRPr>
+              <a:t>El tiempo de vida de un objeto dinámico no está vinculado a su ámbito.</a:t>
+            </a:r>
           </a:p>
           <a:p>
             <a:pPr marL="1016000" lvl="1" indent="-590550">
@@ -50381,22 +49803,6 @@
               <a:buFont typeface="Source Sans Pro"/>
               <a:buChar char="●"/>
             </a:pPr>
-            <a:r>
-              <a:rPr lang="es-AR" sz="2600" dirty="0" smtClean="0">
-                <a:effectLst>
-                  <a:outerShdw blurRad="38100" dist="38100" dir="2700000" algn="tl">
-                    <a:srgbClr val="000000">
-                      <a:alpha val="43137"/>
-                    </a:srgbClr>
-                  </a:outerShdw>
-                </a:effectLst>
-                <a:latin typeface="Franklin Gothic Medium" panose="020B0603020102020204" pitchFamily="34" charset="0"/>
-                <a:ea typeface="Source Sans Pro"/>
-                <a:cs typeface="Source Sans Pro"/>
-                <a:sym typeface="Source Sans Pro"/>
-              </a:rPr>
-              <a:t>Tiempo </a:t>
-            </a:r>
             <a:r>
               <a:rPr lang="es-AR" sz="2600" dirty="0">
                 <a:effectLst>
@@ -50411,37 +49817,8 @@
                 <a:cs typeface="Source Sans Pro"/>
                 <a:sym typeface="Source Sans Pro"/>
               </a:rPr>
-              <a:t>de vida más </a:t>
-            </a:r>
-            <a:r>
-              <a:rPr lang="es-AR" sz="2600" dirty="0" smtClean="0">
-                <a:effectLst>
-                  <a:outerShdw blurRad="38100" dist="38100" dir="2700000" algn="tl">
-                    <a:srgbClr val="000000">
-                      <a:alpha val="43137"/>
-                    </a:srgbClr>
-                  </a:outerShdw>
-                </a:effectLst>
-                <a:latin typeface="Franklin Gothic Medium" panose="020B0603020102020204" pitchFamily="34" charset="0"/>
-                <a:ea typeface="Source Sans Pro"/>
-                <a:cs typeface="Source Sans Pro"/>
-                <a:sym typeface="Source Sans Pro"/>
-              </a:rPr>
-              <a:t>largo.</a:t>
-            </a:r>
-            <a:endParaRPr lang="es-AR" sz="2600" dirty="0">
-              <a:effectLst>
-                <a:outerShdw blurRad="38100" dist="38100" dir="2700000" algn="tl">
-                  <a:srgbClr val="000000">
-                    <a:alpha val="43137"/>
-                  </a:srgbClr>
-                </a:outerShdw>
-              </a:effectLst>
-              <a:latin typeface="Franklin Gothic Medium" panose="020B0603020102020204" pitchFamily="34" charset="0"/>
-              <a:ea typeface="Source Sans Pro"/>
-              <a:cs typeface="Source Sans Pro"/>
-              <a:sym typeface="Source Sans Pro"/>
-            </a:endParaRPr>
+              <a:t>Tiempo de vida más largo.</a:t>
+            </a:r>
           </a:p>
           <a:p>
             <a:pPr marL="1016000" lvl="1" indent="-590550">
@@ -50455,22 +49832,6 @@
               <a:buFont typeface="Source Sans Pro"/>
               <a:buChar char="●"/>
             </a:pPr>
-            <a:r>
-              <a:rPr lang="es-AR" sz="2600" dirty="0" smtClean="0">
-                <a:effectLst>
-                  <a:outerShdw blurRad="38100" dist="38100" dir="2700000" algn="tl">
-                    <a:srgbClr val="000000">
-                      <a:alpha val="43137"/>
-                    </a:srgbClr>
-                  </a:outerShdw>
-                </a:effectLst>
-                <a:latin typeface="Franklin Gothic Medium" panose="020B0603020102020204" pitchFamily="34" charset="0"/>
-                <a:ea typeface="Source Sans Pro"/>
-                <a:cs typeface="Source Sans Pro"/>
-                <a:sym typeface="Source Sans Pro"/>
-              </a:rPr>
-              <a:t>Destrucción </a:t>
-            </a:r>
             <a:r>
               <a:rPr lang="es-AR" sz="2600" dirty="0">
                 <a:effectLst>
@@ -50485,7 +49846,7 @@
                 <a:cs typeface="Source Sans Pro"/>
                 <a:sym typeface="Source Sans Pro"/>
               </a:rPr>
-              <a:t>no determinista.</a:t>
+              <a:t>Destrucción no determinista.</a:t>
             </a:r>
             <a:endParaRPr sz="2600" dirty="0">
               <a:effectLst>
@@ -50528,13 +49889,6 @@
   <p:clrMapOvr>
     <a:masterClrMapping/>
   </p:clrMapOvr>
-  <p:timing>
-    <p:tnLst>
-      <p:par>
-        <p:cTn id="1" dur="indefinite" restart="never" nodeType="tmRoot"/>
-      </p:par>
-    </p:tnLst>
-  </p:timing>
 </p:sld>
 </file>
 

--- a/PPTs/ProgramacionII_Clase_03-2018.pptx
+++ b/PPTs/ProgramacionII_Clase_03-2018.pptx
@@ -47009,6 +47009,83 @@
               </a:rPr>
               <a:t> liberará memoria de objetos sin referencia.</a:t>
             </a:r>
+          </a:p>
+          <a:p>
+            <a:pPr marL="914400" lvl="0" indent="-361950" rtl="0">
+              <a:spcBef>
+                <a:spcPts val="700"/>
+              </a:spcBef>
+              <a:spcAft>
+                <a:spcPts val="0"/>
+              </a:spcAft>
+              <a:buClr>
+                <a:srgbClr val="FFCC29"/>
+              </a:buClr>
+              <a:buSzPts val="2100"/>
+              <a:buFont typeface="Noto Sans Symbols"/>
+              <a:buChar char="●"/>
+            </a:pPr>
+            <a:endParaRPr lang="es-AR" sz="2800" dirty="0">
+              <a:effectLst>
+                <a:outerShdw blurRad="38100" dist="38100" dir="2700000" algn="tl">
+                  <a:srgbClr val="000000">
+                    <a:alpha val="43137"/>
+                  </a:srgbClr>
+                </a:outerShdw>
+              </a:effectLst>
+              <a:latin typeface="Franklin Gothic Medium" panose="020B0603020102020204" pitchFamily="34" charset="0"/>
+              <a:ea typeface="Source Sans Pro"/>
+              <a:cs typeface="Source Sans Pro"/>
+              <a:sym typeface="Source Sans Pro"/>
+            </a:endParaRPr>
+          </a:p>
+          <a:p>
+            <a:pPr marL="914400" lvl="0" indent="-361950" rtl="0">
+              <a:spcBef>
+                <a:spcPts val="700"/>
+              </a:spcBef>
+              <a:spcAft>
+                <a:spcPts val="0"/>
+              </a:spcAft>
+              <a:buClr>
+                <a:srgbClr val="FFCC29"/>
+              </a:buClr>
+              <a:buSzPts val="2100"/>
+              <a:buFont typeface="Noto Sans Symbols"/>
+              <a:buChar char="●"/>
+            </a:pPr>
+            <a:r>
+              <a:rPr lang="es-AR" sz="2800" dirty="0">
+                <a:effectLst>
+                  <a:outerShdw blurRad="38100" dist="38100" dir="2700000" algn="tl">
+                    <a:srgbClr val="000000">
+                      <a:alpha val="43137"/>
+                    </a:srgbClr>
+                  </a:outerShdw>
+                </a:effectLst>
+                <a:latin typeface="Franklin Gothic Medium" panose="020B0603020102020204" pitchFamily="34" charset="0"/>
+                <a:ea typeface="Source Sans Pro"/>
+                <a:cs typeface="Source Sans Pro"/>
+                <a:sym typeface="Source Sans Pro"/>
+              </a:rPr>
+              <a:t>Se puede invocar, pero no siempre </a:t>
+            </a:r>
+            <a:r>
+              <a:rPr lang="es-AR" sz="2800">
+                <a:effectLst>
+                  <a:outerShdw blurRad="38100" dist="38100" dir="2700000" algn="tl">
+                    <a:srgbClr val="000000">
+                      <a:alpha val="43137"/>
+                    </a:srgbClr>
+                  </a:outerShdw>
+                </a:effectLst>
+                <a:latin typeface="Franklin Gothic Medium" panose="020B0603020102020204" pitchFamily="34" charset="0"/>
+                <a:ea typeface="Source Sans Pro"/>
+                <a:cs typeface="Source Sans Pro"/>
+                <a:sym typeface="Source Sans Pro"/>
+              </a:rPr>
+              <a:t>es recomendable</a:t>
+            </a:r>
             <a:endParaRPr sz="3200" dirty="0">
               <a:effectLst>
                 <a:outerShdw blurRad="38100" dist="38100" dir="2700000" algn="tl">
